--- a/Blockchain101+SmartContracts/Presentation/Techlab Blockchain.pptx
+++ b/Blockchain101+SmartContracts/Presentation/Techlab Blockchain.pptx
@@ -5,7 +5,7 @@
     <p:sldMasterId id="2147483657" r:id="rId1"/>
   </p:sldMasterIdLst>
   <p:notesMasterIdLst>
-    <p:notesMasterId r:id="rId22"/>
+    <p:notesMasterId r:id="rId24"/>
   </p:notesMasterIdLst>
   <p:sldIdLst>
     <p:sldId id="256" r:id="rId2"/>
@@ -15,34 +15,40 @@
     <p:sldId id="277" r:id="rId6"/>
     <p:sldId id="273" r:id="rId7"/>
     <p:sldId id="259" r:id="rId8"/>
-    <p:sldId id="260" r:id="rId9"/>
-    <p:sldId id="278" r:id="rId10"/>
-    <p:sldId id="279" r:id="rId11"/>
-    <p:sldId id="261" r:id="rId12"/>
-    <p:sldId id="263" r:id="rId13"/>
-    <p:sldId id="262" r:id="rId14"/>
-    <p:sldId id="275" r:id="rId15"/>
-    <p:sldId id="271" r:id="rId16"/>
-    <p:sldId id="264" r:id="rId17"/>
-    <p:sldId id="268" r:id="rId18"/>
-    <p:sldId id="269" r:id="rId19"/>
-    <p:sldId id="274" r:id="rId20"/>
-    <p:sldId id="272" r:id="rId21"/>
+    <p:sldId id="280" r:id="rId9"/>
+    <p:sldId id="260" r:id="rId10"/>
+    <p:sldId id="278" r:id="rId11"/>
+    <p:sldId id="279" r:id="rId12"/>
+    <p:sldId id="282" r:id="rId13"/>
+    <p:sldId id="261" r:id="rId14"/>
+    <p:sldId id="263" r:id="rId15"/>
+    <p:sldId id="262" r:id="rId16"/>
+    <p:sldId id="275" r:id="rId17"/>
+    <p:sldId id="271" r:id="rId18"/>
+    <p:sldId id="264" r:id="rId19"/>
+    <p:sldId id="268" r:id="rId20"/>
+    <p:sldId id="269" r:id="rId21"/>
+    <p:sldId id="274" r:id="rId22"/>
+    <p:sldId id="272" r:id="rId23"/>
   </p:sldIdLst>
   <p:sldSz cx="9144000" cy="5143500" type="screen16x9"/>
   <p:notesSz cx="6858000" cy="9144000"/>
   <p:embeddedFontLst>
     <p:embeddedFont>
-      <p:font typeface="Raleway Light" panose="020B0403030101060003" pitchFamily="34" charset="0"/>
-      <p:regular r:id="rId23"/>
-      <p:italic r:id="rId24"/>
+      <p:font typeface="Raleway Light" panose="020B0604020202020204" charset="0"/>
+      <p:regular r:id="rId25"/>
+      <p:italic r:id="rId26"/>
     </p:embeddedFont>
     <p:embeddedFont>
-      <p:font typeface="Raleway" panose="020B0503030101060003" pitchFamily="34" charset="0"/>
-      <p:regular r:id="rId25"/>
-      <p:bold r:id="rId26"/>
-      <p:italic r:id="rId27"/>
-      <p:boldItalic r:id="rId28"/>
+      <p:font typeface="Merriweather Sans" panose="00000500000000000000" pitchFamily="2" charset="0"/>
+      <p:regular r:id="rId27"/>
+    </p:embeddedFont>
+    <p:embeddedFont>
+      <p:font typeface="Raleway" panose="020B0604020202020204" charset="0"/>
+      <p:regular r:id="rId28"/>
+      <p:bold r:id="rId29"/>
+      <p:italic r:id="rId30"/>
+      <p:boldItalic r:id="rId31"/>
     </p:embeddedFont>
   </p:embeddedFontLst>
   <p:defaultTextStyle>
@@ -922,119 +928,23 @@
           </a:bodyPr>
           <a:lstStyle/>
           <a:p>
-            <a:pPr algn="ctr"/>
-            <a:r>
-              <a:rPr lang="fr-FR" sz="1100" dirty="0" smtClean="0">
-                <a:latin typeface="Raleway" panose="020B0503030101060003" pitchFamily="34" charset="0"/>
-              </a:rPr>
-              <a:t>Proof</a:t>
-            </a:r>
-            <a:r>
-              <a:rPr lang="fr-FR" sz="1100" dirty="0" smtClean="0"/>
-              <a:t> of </a:t>
-            </a:r>
-            <a:r>
-              <a:rPr lang="fr-FR" sz="1100" dirty="0" err="1" smtClean="0"/>
-              <a:t>Stake</a:t>
-            </a:r>
-            <a:endParaRPr lang="fr-FR" sz="1100" dirty="0" smtClean="0"/>
-          </a:p>
-          <a:p>
-            <a:pPr fontAlgn="base"/>
-            <a:r>
-              <a:rPr lang="en-US" sz="1100" b="0" i="0" u="none" strike="noStrike" cap="none" dirty="0" smtClean="0">
-                <a:solidFill>
-                  <a:srgbClr val="000000"/>
-                </a:solidFill>
-                <a:effectLst/>
-                <a:latin typeface="Arial"/>
-                <a:ea typeface="Arial"/>
-                <a:cs typeface="Arial"/>
-                <a:sym typeface="Arial"/>
-              </a:rPr>
-              <a:t>In the event of a fork, whether the fork is accidental or a malicious attempt to rewrite history and re­verse a transaction, the optimal strategy for any miner is to mine on every chain, so that the miner gets their reward no matter which fork wins. Thus, assuming a large number of economically interested miners, an attacker may be able to send a transaction in exchange for some digital good (usually another cryptocurrency), receive the good, then start a fork of the </a:t>
-            </a:r>
-            <a:r>
-              <a:rPr lang="en-US" sz="1100" b="0" i="0" u="none" strike="noStrike" cap="none" dirty="0" err="1" smtClean="0">
-                <a:solidFill>
-                  <a:srgbClr val="000000"/>
-                </a:solidFill>
-                <a:effectLst/>
-                <a:latin typeface="Arial"/>
-                <a:ea typeface="Arial"/>
-                <a:cs typeface="Arial"/>
-                <a:sym typeface="Arial"/>
-              </a:rPr>
-              <a:t>blockchain</a:t>
-            </a:r>
-            <a:r>
-              <a:rPr lang="en-US" sz="1100" b="0" i="0" u="none" strike="noStrike" cap="none" dirty="0" smtClean="0">
-                <a:solidFill>
-                  <a:srgbClr val="000000"/>
-                </a:solidFill>
-                <a:effectLst/>
-                <a:latin typeface="Arial"/>
-                <a:ea typeface="Arial"/>
-                <a:cs typeface="Arial"/>
-                <a:sym typeface="Arial"/>
-              </a:rPr>
-              <a:t> from one block behind the transaction and send the money to themselves instead, and even with 1% of the total stake the attacker’s fork would win because every­ one else is mining on both.</a:t>
-            </a:r>
-          </a:p>
-          <a:p>
-            <a:pPr fontAlgn="base"/>
-            <a:r>
-              <a:rPr lang="en-US" sz="1100" b="0" i="0" u="none" strike="noStrike" cap="none" dirty="0" smtClean="0">
-                <a:solidFill>
-                  <a:srgbClr val="000000"/>
-                </a:solidFill>
-                <a:effectLst/>
-                <a:latin typeface="Arial"/>
-                <a:ea typeface="Arial"/>
-                <a:cs typeface="Arial"/>
-                <a:sym typeface="Arial"/>
-              </a:rPr>
-              <a:t>The essence of the argument is basically that very little resources are required to stake, if there are competing forks it is in the </a:t>
-            </a:r>
-            <a:r>
-              <a:rPr lang="en-US" sz="1100" b="0" i="0" u="none" strike="noStrike" cap="none" dirty="0" err="1" smtClean="0">
-                <a:solidFill>
-                  <a:srgbClr val="000000"/>
-                </a:solidFill>
-                <a:effectLst/>
-                <a:latin typeface="Arial"/>
-                <a:ea typeface="Arial"/>
-                <a:cs typeface="Arial"/>
-                <a:sym typeface="Arial"/>
-              </a:rPr>
-              <a:t>staker’s</a:t>
-            </a:r>
-            <a:r>
-              <a:rPr lang="en-US" sz="1100" b="0" i="0" u="none" strike="noStrike" cap="none" dirty="0" smtClean="0">
-                <a:solidFill>
-                  <a:srgbClr val="000000"/>
-                </a:solidFill>
-                <a:effectLst/>
-                <a:latin typeface="Arial"/>
-                <a:ea typeface="Arial"/>
-                <a:cs typeface="Arial"/>
-                <a:sym typeface="Arial"/>
-              </a:rPr>
-              <a:t> interest to stake on both forks. It is true that it requires very little resources to stake, in fact it is one of the primary motivators that Proof of Stake was con­ceived[2]. It is not true that requiring minimal resource consumption to create a stake means that “nothing is at stake”.</a:t>
-            </a:r>
-          </a:p>
-          <a:p>
-            <a:pPr marL="158750" indent="0" algn="ctr">
+            <a:pPr marL="0" lvl="0" indent="0">
+              <a:spcBef>
+                <a:spcPts val="0"/>
+              </a:spcBef>
+              <a:spcAft>
+                <a:spcPts val="0"/>
+              </a:spcAft>
               <a:buNone/>
             </a:pPr>
-            <a:endParaRPr lang="fr-FR" sz="1100" dirty="0"/>
+            <a:endParaRPr/>
           </a:p>
         </p:txBody>
       </p:sp>
     </p:spTree>
     <p:extLst>
       <p:ext uri="{BB962C8B-B14F-4D97-AF65-F5344CB8AC3E}">
-        <p14:creationId xmlns:p14="http://schemas.microsoft.com/office/powerpoint/2010/main" val="616361079"/>
+        <p14:creationId xmlns:p14="http://schemas.microsoft.com/office/powerpoint/2010/main" val="3959359548"/>
       </p:ext>
     </p:extLst>
   </p:cSld>
@@ -1049,7 +959,7 @@
   <p:cSld>
     <p:spTree>
       <p:nvGrpSpPr>
-        <p:cNvPr id="1" name="Shape 74"/>
+        <p:cNvPr id="1" name="Shape 82"/>
         <p:cNvGrpSpPr/>
         <p:nvPr/>
       </p:nvGrpSpPr>
@@ -1063,7 +973,7 @@
       </p:grpSpPr>
       <p:sp>
         <p:nvSpPr>
-          <p:cNvPr id="75" name="Shape 75"/>
+          <p:cNvPr id="83" name="Shape 83"/>
           <p:cNvSpPr>
             <a:spLocks noGrp="1" noRot="1" noChangeAspect="1"/>
           </p:cNvSpPr>
@@ -1104,7 +1014,7 @@
       </p:sp>
       <p:sp>
         <p:nvSpPr>
-          <p:cNvPr id="76" name="Shape 76"/>
+          <p:cNvPr id="84" name="Shape 84"/>
           <p:cNvSpPr txBox="1">
             <a:spLocks noGrp="1"/>
           </p:cNvSpPr>
@@ -1127,23 +1037,119 @@
           </a:bodyPr>
           <a:lstStyle/>
           <a:p>
-            <a:pPr marL="0" lvl="0" indent="0">
-              <a:spcBef>
-                <a:spcPts val="0"/>
-              </a:spcBef>
-              <a:spcAft>
-                <a:spcPts val="0"/>
-              </a:spcAft>
+            <a:pPr algn="ctr"/>
+            <a:r>
+              <a:rPr lang="fr-FR" sz="1100" dirty="0">
+                <a:latin typeface="Raleway" panose="020B0503030101060003" pitchFamily="34" charset="0"/>
+              </a:rPr>
+              <a:t>Proof</a:t>
+            </a:r>
+            <a:r>
+              <a:rPr lang="fr-FR" sz="1100" dirty="0"/>
+              <a:t> of </a:t>
+            </a:r>
+            <a:r>
+              <a:rPr lang="fr-FR" sz="1100" dirty="0" err="1"/>
+              <a:t>Stake</a:t>
+            </a:r>
+            <a:endParaRPr lang="fr-FR" sz="1100" dirty="0"/>
+          </a:p>
+          <a:p>
+            <a:pPr fontAlgn="base"/>
+            <a:r>
+              <a:rPr lang="en-US" sz="1100" b="0" i="0" u="none" strike="noStrike" cap="none" dirty="0">
+                <a:solidFill>
+                  <a:srgbClr val="000000"/>
+                </a:solidFill>
+                <a:effectLst/>
+                <a:latin typeface="Arial"/>
+                <a:ea typeface="Arial"/>
+                <a:cs typeface="Arial"/>
+                <a:sym typeface="Arial"/>
+              </a:rPr>
+              <a:t>In the event of a fork, whether the fork is accidental or a malicious attempt to rewrite history and re­verse a transaction, the optimal strategy for any miner is to mine on every chain, so that the miner gets their reward no matter which fork wins. Thus, assuming a large number of economically interested miners, an attacker may be able to send a transaction in exchange for some digital good (usually another cryptocurrency), receive the good, then start a fork of the </a:t>
+            </a:r>
+            <a:r>
+              <a:rPr lang="en-US" sz="1100" b="0" i="0" u="none" strike="noStrike" cap="none" dirty="0" err="1">
+                <a:solidFill>
+                  <a:srgbClr val="000000"/>
+                </a:solidFill>
+                <a:effectLst/>
+                <a:latin typeface="Arial"/>
+                <a:ea typeface="Arial"/>
+                <a:cs typeface="Arial"/>
+                <a:sym typeface="Arial"/>
+              </a:rPr>
+              <a:t>blockchain</a:t>
+            </a:r>
+            <a:r>
+              <a:rPr lang="en-US" sz="1100" b="0" i="0" u="none" strike="noStrike" cap="none" dirty="0">
+                <a:solidFill>
+                  <a:srgbClr val="000000"/>
+                </a:solidFill>
+                <a:effectLst/>
+                <a:latin typeface="Arial"/>
+                <a:ea typeface="Arial"/>
+                <a:cs typeface="Arial"/>
+                <a:sym typeface="Arial"/>
+              </a:rPr>
+              <a:t> from one block behind the transaction and send the money to themselves instead, and even with 1% of the total stake the attacker’s fork would win because every­ one else is mining on both.</a:t>
+            </a:r>
+          </a:p>
+          <a:p>
+            <a:pPr fontAlgn="base"/>
+            <a:r>
+              <a:rPr lang="en-US" sz="1100" b="0" i="0" u="none" strike="noStrike" cap="none" dirty="0">
+                <a:solidFill>
+                  <a:srgbClr val="000000"/>
+                </a:solidFill>
+                <a:effectLst/>
+                <a:latin typeface="Arial"/>
+                <a:ea typeface="Arial"/>
+                <a:cs typeface="Arial"/>
+                <a:sym typeface="Arial"/>
+              </a:rPr>
+              <a:t>The essence of the argument is basically that very little resources are required to stake, if there are competing forks it is in the </a:t>
+            </a:r>
+            <a:r>
+              <a:rPr lang="en-US" sz="1100" b="0" i="0" u="none" strike="noStrike" cap="none" dirty="0" err="1">
+                <a:solidFill>
+                  <a:srgbClr val="000000"/>
+                </a:solidFill>
+                <a:effectLst/>
+                <a:latin typeface="Arial"/>
+                <a:ea typeface="Arial"/>
+                <a:cs typeface="Arial"/>
+                <a:sym typeface="Arial"/>
+              </a:rPr>
+              <a:t>staker’s</a:t>
+            </a:r>
+            <a:r>
+              <a:rPr lang="en-US" sz="1100" b="0" i="0" u="none" strike="noStrike" cap="none" dirty="0">
+                <a:solidFill>
+                  <a:srgbClr val="000000"/>
+                </a:solidFill>
+                <a:effectLst/>
+                <a:latin typeface="Arial"/>
+                <a:ea typeface="Arial"/>
+                <a:cs typeface="Arial"/>
+                <a:sym typeface="Arial"/>
+              </a:rPr>
+              <a:t> interest to stake on both forks. It is true that it requires very little resources to stake, in fact it is one of the primary motivators that Proof of Stake was con­ceived[2]. It is not true that requiring minimal resource consumption to create a stake means that “nothing is at stake”.</a:t>
+            </a:r>
+          </a:p>
+          <a:p>
+            <a:pPr marL="158750" indent="0" algn="ctr">
               <a:buNone/>
             </a:pPr>
-            <a:endParaRPr/>
+            <a:endParaRPr lang="fr-FR" sz="1100" dirty="0"/>
           </a:p>
         </p:txBody>
       </p:sp>
     </p:spTree>
     <p:extLst>
       <p:ext uri="{BB962C8B-B14F-4D97-AF65-F5344CB8AC3E}">
-        <p14:creationId xmlns:p14="http://schemas.microsoft.com/office/powerpoint/2010/main" val="2788007035"/>
+        <p14:creationId xmlns:p14="http://schemas.microsoft.com/office/powerpoint/2010/main" val="616361079"/>
       </p:ext>
     </p:extLst>
   </p:cSld>
@@ -1252,7 +1258,7 @@
     </p:spTree>
     <p:extLst>
       <p:ext uri="{BB962C8B-B14F-4D97-AF65-F5344CB8AC3E}">
-        <p14:creationId xmlns:p14="http://schemas.microsoft.com/office/powerpoint/2010/main" val="4087662399"/>
+        <p14:creationId xmlns:p14="http://schemas.microsoft.com/office/powerpoint/2010/main" val="2847279405"/>
       </p:ext>
     </p:extLst>
   </p:cSld>
@@ -1354,283 +1360,14 @@
               </a:spcAft>
               <a:buNone/>
             </a:pPr>
-            <a:r>
-              <a:rPr lang="fr-FR" sz="1100" b="0" i="0" u="none" strike="noStrike" cap="none" dirty="0" smtClean="0">
-                <a:solidFill>
-                  <a:srgbClr val="000000"/>
-                </a:solidFill>
-                <a:effectLst/>
-                <a:latin typeface="Arial"/>
-                <a:ea typeface="Arial"/>
-                <a:cs typeface="Arial"/>
-                <a:sym typeface="Arial"/>
-              </a:rPr>
-              <a:t>L'expression « contrats intelligents » a été inventé par l'informaticien </a:t>
-            </a:r>
-            <a:r>
-              <a:rPr lang="fr-FR" sz="1100" b="0" i="0" u="none" strike="noStrike" cap="none" dirty="0" smtClean="0">
-                <a:solidFill>
-                  <a:srgbClr val="000000"/>
-                </a:solidFill>
-                <a:effectLst/>
-                <a:latin typeface="Arial"/>
-                <a:ea typeface="Arial"/>
-                <a:cs typeface="Arial"/>
-                <a:sym typeface="Arial"/>
-                <a:hlinkClick r:id="rId3" tooltip="Nick Szabo"/>
-              </a:rPr>
-              <a:t>Nick Szabo</a:t>
-            </a:r>
-            <a:r>
-              <a:rPr lang="fr-FR" sz="1100" b="0" i="0" u="none" strike="noStrike" cap="none" dirty="0" smtClean="0">
-                <a:solidFill>
-                  <a:srgbClr val="000000"/>
-                </a:solidFill>
-                <a:effectLst/>
-                <a:latin typeface="Arial"/>
-                <a:ea typeface="Arial"/>
-                <a:cs typeface="Arial"/>
-                <a:sym typeface="Arial"/>
-              </a:rPr>
-              <a:t> en 1993, pour souligner l'importance d'apporter des pratiques « hautement évoluées » du </a:t>
-            </a:r>
-            <a:r>
-              <a:rPr lang="fr-FR" sz="1100" b="0" i="0" u="none" strike="noStrike" cap="none" dirty="0" smtClean="0">
-                <a:solidFill>
-                  <a:srgbClr val="000000"/>
-                </a:solidFill>
-                <a:effectLst/>
-                <a:latin typeface="Arial"/>
-                <a:ea typeface="Arial"/>
-                <a:cs typeface="Arial"/>
-                <a:sym typeface="Arial"/>
-                <a:hlinkClick r:id="rId4" tooltip="Contrat"/>
-              </a:rPr>
-              <a:t>droit des contrats</a:t>
-            </a:r>
-            <a:r>
-              <a:rPr lang="fr-FR" sz="1100" b="0" i="0" u="none" strike="noStrike" cap="none" dirty="0" smtClean="0">
-                <a:solidFill>
-                  <a:srgbClr val="000000"/>
-                </a:solidFill>
-                <a:effectLst/>
-                <a:latin typeface="Arial"/>
-                <a:ea typeface="Arial"/>
-                <a:cs typeface="Arial"/>
-                <a:sym typeface="Arial"/>
-              </a:rPr>
-              <a:t> et des pratiques commerciales liées à la conception de protocoles de commerce électronique entre particuliers sur Internet. Inspiré par des chercheurs comme </a:t>
-            </a:r>
-            <a:r>
-              <a:rPr lang="fr-FR" sz="1100" b="0" i="0" u="none" strike="noStrike" cap="none" dirty="0" smtClean="0">
-                <a:solidFill>
-                  <a:srgbClr val="000000"/>
-                </a:solidFill>
-                <a:effectLst/>
-                <a:latin typeface="Arial"/>
-                <a:ea typeface="Arial"/>
-                <a:cs typeface="Arial"/>
-                <a:sym typeface="Arial"/>
-                <a:hlinkClick r:id="rId5" tooltip="David Chaum"/>
-              </a:rPr>
-              <a:t>David </a:t>
-            </a:r>
-            <a:r>
-              <a:rPr lang="fr-FR" sz="1100" b="0" i="0" u="none" strike="noStrike" cap="none" dirty="0" err="1" smtClean="0">
-                <a:solidFill>
-                  <a:srgbClr val="000000"/>
-                </a:solidFill>
-                <a:effectLst/>
-                <a:latin typeface="Arial"/>
-                <a:ea typeface="Arial"/>
-                <a:cs typeface="Arial"/>
-                <a:sym typeface="Arial"/>
-                <a:hlinkClick r:id="rId5" tooltip="David Chaum"/>
-              </a:rPr>
-              <a:t>Chaum</a:t>
-            </a:r>
-            <a:r>
-              <a:rPr lang="fr-FR" sz="1100" b="0" i="0" u="none" strike="noStrike" cap="none" dirty="0" smtClean="0">
-                <a:solidFill>
-                  <a:srgbClr val="000000"/>
-                </a:solidFill>
-                <a:effectLst/>
-                <a:latin typeface="Arial"/>
-                <a:ea typeface="Arial"/>
-                <a:cs typeface="Arial"/>
-                <a:sym typeface="Arial"/>
-              </a:rPr>
-              <a:t>, Nick Szabo attendait que la spécification (définie par une logique claire), la vérification et l'exécution d'une opération grâce à des protocoles cryptographiques et d'autres mécanismes de sécurité numérique, pourraient constituer une forte amélioration par rapport à la Loi traditionnelle encadrant les contrats associés à leurs clauses contractuelles</a:t>
-            </a:r>
-            <a:r>
-              <a:rPr lang="fr-FR" sz="1100" b="0" i="0" u="none" strike="noStrike" cap="none" baseline="30000" dirty="0" smtClean="0">
-                <a:solidFill>
-                  <a:srgbClr val="000000"/>
-                </a:solidFill>
-                <a:effectLst/>
-                <a:latin typeface="Arial"/>
-                <a:ea typeface="Arial"/>
-                <a:cs typeface="Arial"/>
-                <a:sym typeface="Arial"/>
-                <a:hlinkClick r:id="rId6"/>
-              </a:rPr>
-              <a:t>2</a:t>
-            </a:r>
-            <a:r>
-              <a:rPr lang="fr-FR" sz="1100" b="0" i="0" u="none" strike="noStrike" cap="none" dirty="0" smtClean="0">
-                <a:solidFill>
-                  <a:srgbClr val="000000"/>
-                </a:solidFill>
-                <a:effectLst/>
-                <a:latin typeface="Arial"/>
-                <a:ea typeface="Arial"/>
-                <a:cs typeface="Arial"/>
-                <a:sym typeface="Arial"/>
-              </a:rPr>
-              <a:t>. </a:t>
-            </a:r>
-            <a:r>
-              <a:rPr lang="fr-FR" sz="1100" b="0" i="0" u="none" strike="noStrike" cap="none" dirty="0" smtClean="0">
-                <a:solidFill>
-                  <a:srgbClr val="000000"/>
-                </a:solidFill>
-                <a:effectLst/>
-                <a:latin typeface="Arial"/>
-                <a:ea typeface="Arial"/>
-                <a:cs typeface="Arial"/>
-                <a:sym typeface="Arial"/>
-                <a:hlinkClick r:id="rId7" tooltip="en:Mark S. Miller"/>
-              </a:rPr>
-              <a:t>Mark Miller</a:t>
-            </a:r>
-            <a:r>
-              <a:rPr lang="fr-FR" sz="1100" b="0" i="0" u="none" strike="noStrike" cap="none" dirty="0" smtClean="0">
-                <a:solidFill>
-                  <a:srgbClr val="000000"/>
-                </a:solidFill>
-                <a:effectLst/>
-                <a:latin typeface="Arial"/>
-                <a:ea typeface="Arial"/>
-                <a:cs typeface="Arial"/>
-                <a:sym typeface="Arial"/>
-              </a:rPr>
-              <a:t> et d'autres chercheurs ont souligné l'intérêt que peuvent apporter les contrats intelligents en matière de sécurité</a:t>
-            </a:r>
-            <a:r>
-              <a:rPr lang="fr-FR" sz="1100" b="0" i="0" u="none" strike="noStrike" cap="none" baseline="30000" dirty="0" smtClean="0">
-                <a:solidFill>
-                  <a:srgbClr val="000000"/>
-                </a:solidFill>
-                <a:effectLst/>
-                <a:latin typeface="Arial"/>
-                <a:ea typeface="Arial"/>
-                <a:cs typeface="Arial"/>
-                <a:sym typeface="Arial"/>
-                <a:hlinkClick r:id="rId8"/>
-              </a:rPr>
-              <a:t>3</a:t>
-            </a:r>
-            <a:r>
-              <a:rPr lang="fr-FR" sz="1100" b="0" i="0" u="none" strike="noStrike" cap="none" dirty="0" smtClean="0">
-                <a:solidFill>
-                  <a:srgbClr val="000000"/>
-                </a:solidFill>
-                <a:effectLst/>
-                <a:latin typeface="Arial"/>
-                <a:ea typeface="Arial"/>
-                <a:cs typeface="Arial"/>
-                <a:sym typeface="Arial"/>
-              </a:rPr>
-              <a:t> parallèlement à </a:t>
-            </a:r>
-            <a:r>
-              <a:rPr lang="fr-FR" sz="1100" b="0" i="0" u="none" strike="noStrike" cap="none" dirty="0" err="1" smtClean="0">
-                <a:solidFill>
-                  <a:srgbClr val="000000"/>
-                </a:solidFill>
-                <a:effectLst/>
-                <a:latin typeface="Arial"/>
-                <a:ea typeface="Arial"/>
-                <a:cs typeface="Arial"/>
-                <a:sym typeface="Arial"/>
-              </a:rPr>
-              <a:t>Chaum</a:t>
-            </a:r>
-            <a:r>
-              <a:rPr lang="fr-FR" sz="1100" b="0" i="0" u="none" strike="noStrike" cap="none" dirty="0" smtClean="0">
-                <a:solidFill>
-                  <a:srgbClr val="000000"/>
-                </a:solidFill>
-                <a:effectLst/>
-                <a:latin typeface="Arial"/>
-                <a:ea typeface="Arial"/>
-                <a:cs typeface="Arial"/>
-                <a:sym typeface="Arial"/>
-              </a:rPr>
-              <a:t> et d'autres chercheurs de la communauté de cryptographie financière qui soulignaient l'intérêt des protocoles cryptographiques pour assurer la confidentialité de l'argent numérique, les informations d'identification et la signature électronique des contrats. Le développement des contrats intelligents résulte enfin des nombreux efforts pour améliorer les opérations dans diverses industries utilisant la technologie numérique. L'</a:t>
-            </a:r>
-            <a:r>
-              <a:rPr lang="fr-FR" sz="1100" b="0" i="0" u="none" strike="noStrike" cap="none" dirty="0" smtClean="0">
-                <a:solidFill>
-                  <a:srgbClr val="000000"/>
-                </a:solidFill>
-                <a:effectLst/>
-                <a:latin typeface="Arial"/>
-                <a:ea typeface="Arial"/>
-                <a:cs typeface="Arial"/>
-                <a:sym typeface="Arial"/>
-                <a:hlinkClick r:id="rId9" tooltip="Institute of Electrical and Electronics Engineers"/>
-              </a:rPr>
-              <a:t>IEEE</a:t>
-            </a:r>
-            <a:r>
-              <a:rPr lang="fr-FR" sz="1100" b="0" i="0" u="none" strike="noStrike" cap="none" dirty="0" smtClean="0">
-                <a:solidFill>
-                  <a:srgbClr val="000000"/>
-                </a:solidFill>
-                <a:effectLst/>
-                <a:latin typeface="Arial"/>
-                <a:ea typeface="Arial"/>
-                <a:cs typeface="Arial"/>
-                <a:sym typeface="Arial"/>
-              </a:rPr>
-              <a:t> a organisé deux ateliers sur les contrats électroniques, qui ont permis de faire des avancées dans ce domaine</a:t>
-            </a:r>
-            <a:r>
-              <a:rPr lang="fr-FR" sz="1100" b="0" i="0" u="none" strike="noStrike" cap="none" baseline="30000" dirty="0" smtClean="0">
-                <a:solidFill>
-                  <a:srgbClr val="000000"/>
-                </a:solidFill>
-                <a:effectLst/>
-                <a:latin typeface="Arial"/>
-                <a:ea typeface="Arial"/>
-                <a:cs typeface="Arial"/>
-                <a:sym typeface="Arial"/>
-                <a:hlinkClick r:id="rId10"/>
-              </a:rPr>
-              <a:t>4</a:t>
-            </a:r>
-            <a:r>
-              <a:rPr lang="fr-FR" sz="1100" b="0" i="0" u="none" strike="noStrike" cap="none" dirty="0" smtClean="0">
-                <a:solidFill>
-                  <a:srgbClr val="000000"/>
-                </a:solidFill>
-                <a:effectLst/>
-                <a:latin typeface="Arial"/>
-                <a:ea typeface="Arial"/>
-                <a:cs typeface="Arial"/>
-                <a:sym typeface="Arial"/>
-              </a:rPr>
-              <a:t>.</a:t>
-            </a:r>
-            <a:endParaRPr dirty="0"/>
+            <a:endParaRPr/>
           </a:p>
         </p:txBody>
       </p:sp>
     </p:spTree>
     <p:extLst>
       <p:ext uri="{BB962C8B-B14F-4D97-AF65-F5344CB8AC3E}">
-        <p14:creationId xmlns:p14="http://schemas.microsoft.com/office/powerpoint/2010/main" val="2651628386"/>
+        <p14:creationId xmlns:p14="http://schemas.microsoft.com/office/powerpoint/2010/main" val="2788007035"/>
       </p:ext>
     </p:extLst>
   </p:cSld>
@@ -1739,7 +1476,7 @@
     </p:spTree>
     <p:extLst>
       <p:ext uri="{BB962C8B-B14F-4D97-AF65-F5344CB8AC3E}">
-        <p14:creationId xmlns:p14="http://schemas.microsoft.com/office/powerpoint/2010/main" val="1979564292"/>
+        <p14:creationId xmlns:p14="http://schemas.microsoft.com/office/powerpoint/2010/main" val="4087662399"/>
       </p:ext>
     </p:extLst>
   </p:cSld>
@@ -1841,14 +1578,283 @@
               </a:spcAft>
               <a:buNone/>
             </a:pPr>
-            <a:endParaRPr/>
+            <a:r>
+              <a:rPr lang="fr-FR" sz="1100" b="0" i="0" u="none" strike="noStrike" cap="none" dirty="0">
+                <a:solidFill>
+                  <a:srgbClr val="000000"/>
+                </a:solidFill>
+                <a:effectLst/>
+                <a:latin typeface="Arial"/>
+                <a:ea typeface="Arial"/>
+                <a:cs typeface="Arial"/>
+                <a:sym typeface="Arial"/>
+              </a:rPr>
+              <a:t>L'expression « contrats intelligents » a été inventé par l'informaticien </a:t>
+            </a:r>
+            <a:r>
+              <a:rPr lang="fr-FR" sz="1100" b="0" i="0" u="none" strike="noStrike" cap="none" dirty="0">
+                <a:solidFill>
+                  <a:srgbClr val="000000"/>
+                </a:solidFill>
+                <a:effectLst/>
+                <a:latin typeface="Arial"/>
+                <a:ea typeface="Arial"/>
+                <a:cs typeface="Arial"/>
+                <a:sym typeface="Arial"/>
+                <a:hlinkClick r:id="rId3" tooltip="Nick Szabo"/>
+              </a:rPr>
+              <a:t>Nick Szabo</a:t>
+            </a:r>
+            <a:r>
+              <a:rPr lang="fr-FR" sz="1100" b="0" i="0" u="none" strike="noStrike" cap="none" dirty="0">
+                <a:solidFill>
+                  <a:srgbClr val="000000"/>
+                </a:solidFill>
+                <a:effectLst/>
+                <a:latin typeface="Arial"/>
+                <a:ea typeface="Arial"/>
+                <a:cs typeface="Arial"/>
+                <a:sym typeface="Arial"/>
+              </a:rPr>
+              <a:t> en 1993, pour souligner l'importance d'apporter des pratiques « hautement évoluées » du </a:t>
+            </a:r>
+            <a:r>
+              <a:rPr lang="fr-FR" sz="1100" b="0" i="0" u="none" strike="noStrike" cap="none" dirty="0">
+                <a:solidFill>
+                  <a:srgbClr val="000000"/>
+                </a:solidFill>
+                <a:effectLst/>
+                <a:latin typeface="Arial"/>
+                <a:ea typeface="Arial"/>
+                <a:cs typeface="Arial"/>
+                <a:sym typeface="Arial"/>
+                <a:hlinkClick r:id="rId4" tooltip="Contrat"/>
+              </a:rPr>
+              <a:t>droit des contrats</a:t>
+            </a:r>
+            <a:r>
+              <a:rPr lang="fr-FR" sz="1100" b="0" i="0" u="none" strike="noStrike" cap="none" dirty="0">
+                <a:solidFill>
+                  <a:srgbClr val="000000"/>
+                </a:solidFill>
+                <a:effectLst/>
+                <a:latin typeface="Arial"/>
+                <a:ea typeface="Arial"/>
+                <a:cs typeface="Arial"/>
+                <a:sym typeface="Arial"/>
+              </a:rPr>
+              <a:t> et des pratiques commerciales liées à la conception de protocoles de commerce électronique entre particuliers sur Internet. Inspiré par des chercheurs comme </a:t>
+            </a:r>
+            <a:r>
+              <a:rPr lang="fr-FR" sz="1100" b="0" i="0" u="none" strike="noStrike" cap="none" dirty="0">
+                <a:solidFill>
+                  <a:srgbClr val="000000"/>
+                </a:solidFill>
+                <a:effectLst/>
+                <a:latin typeface="Arial"/>
+                <a:ea typeface="Arial"/>
+                <a:cs typeface="Arial"/>
+                <a:sym typeface="Arial"/>
+                <a:hlinkClick r:id="rId5" tooltip="David Chaum"/>
+              </a:rPr>
+              <a:t>David </a:t>
+            </a:r>
+            <a:r>
+              <a:rPr lang="fr-FR" sz="1100" b="0" i="0" u="none" strike="noStrike" cap="none" dirty="0" err="1">
+                <a:solidFill>
+                  <a:srgbClr val="000000"/>
+                </a:solidFill>
+                <a:effectLst/>
+                <a:latin typeface="Arial"/>
+                <a:ea typeface="Arial"/>
+                <a:cs typeface="Arial"/>
+                <a:sym typeface="Arial"/>
+                <a:hlinkClick r:id="rId5" tooltip="David Chaum"/>
+              </a:rPr>
+              <a:t>Chaum</a:t>
+            </a:r>
+            <a:r>
+              <a:rPr lang="fr-FR" sz="1100" b="0" i="0" u="none" strike="noStrike" cap="none" dirty="0">
+                <a:solidFill>
+                  <a:srgbClr val="000000"/>
+                </a:solidFill>
+                <a:effectLst/>
+                <a:latin typeface="Arial"/>
+                <a:ea typeface="Arial"/>
+                <a:cs typeface="Arial"/>
+                <a:sym typeface="Arial"/>
+              </a:rPr>
+              <a:t>, Nick Szabo attendait que la spécification (définie par une logique claire), la vérification et l'exécution d'une opération grâce à des protocoles cryptographiques et d'autres mécanismes de sécurité numérique, pourraient constituer une forte amélioration par rapport à la Loi traditionnelle encadrant les contrats associés à leurs clauses contractuelles</a:t>
+            </a:r>
+            <a:r>
+              <a:rPr lang="fr-FR" sz="1100" b="0" i="0" u="none" strike="noStrike" cap="none" baseline="30000" dirty="0">
+                <a:solidFill>
+                  <a:srgbClr val="000000"/>
+                </a:solidFill>
+                <a:effectLst/>
+                <a:latin typeface="Arial"/>
+                <a:ea typeface="Arial"/>
+                <a:cs typeface="Arial"/>
+                <a:sym typeface="Arial"/>
+                <a:hlinkClick r:id="rId6"/>
+              </a:rPr>
+              <a:t>2</a:t>
+            </a:r>
+            <a:r>
+              <a:rPr lang="fr-FR" sz="1100" b="0" i="0" u="none" strike="noStrike" cap="none" dirty="0">
+                <a:solidFill>
+                  <a:srgbClr val="000000"/>
+                </a:solidFill>
+                <a:effectLst/>
+                <a:latin typeface="Arial"/>
+                <a:ea typeface="Arial"/>
+                <a:cs typeface="Arial"/>
+                <a:sym typeface="Arial"/>
+              </a:rPr>
+              <a:t>. </a:t>
+            </a:r>
+            <a:r>
+              <a:rPr lang="fr-FR" sz="1100" b="0" i="0" u="none" strike="noStrike" cap="none" dirty="0">
+                <a:solidFill>
+                  <a:srgbClr val="000000"/>
+                </a:solidFill>
+                <a:effectLst/>
+                <a:latin typeface="Arial"/>
+                <a:ea typeface="Arial"/>
+                <a:cs typeface="Arial"/>
+                <a:sym typeface="Arial"/>
+                <a:hlinkClick r:id="rId7" tooltip="en:Mark S. Miller"/>
+              </a:rPr>
+              <a:t>Mark Miller</a:t>
+            </a:r>
+            <a:r>
+              <a:rPr lang="fr-FR" sz="1100" b="0" i="0" u="none" strike="noStrike" cap="none" dirty="0">
+                <a:solidFill>
+                  <a:srgbClr val="000000"/>
+                </a:solidFill>
+                <a:effectLst/>
+                <a:latin typeface="Arial"/>
+                <a:ea typeface="Arial"/>
+                <a:cs typeface="Arial"/>
+                <a:sym typeface="Arial"/>
+              </a:rPr>
+              <a:t> et d'autres chercheurs ont souligné l'intérêt que peuvent apporter les contrats intelligents en matière de sécurité</a:t>
+            </a:r>
+            <a:r>
+              <a:rPr lang="fr-FR" sz="1100" b="0" i="0" u="none" strike="noStrike" cap="none" baseline="30000" dirty="0">
+                <a:solidFill>
+                  <a:srgbClr val="000000"/>
+                </a:solidFill>
+                <a:effectLst/>
+                <a:latin typeface="Arial"/>
+                <a:ea typeface="Arial"/>
+                <a:cs typeface="Arial"/>
+                <a:sym typeface="Arial"/>
+                <a:hlinkClick r:id="rId8"/>
+              </a:rPr>
+              <a:t>3</a:t>
+            </a:r>
+            <a:r>
+              <a:rPr lang="fr-FR" sz="1100" b="0" i="0" u="none" strike="noStrike" cap="none" dirty="0">
+                <a:solidFill>
+                  <a:srgbClr val="000000"/>
+                </a:solidFill>
+                <a:effectLst/>
+                <a:latin typeface="Arial"/>
+                <a:ea typeface="Arial"/>
+                <a:cs typeface="Arial"/>
+                <a:sym typeface="Arial"/>
+              </a:rPr>
+              <a:t> parallèlement à </a:t>
+            </a:r>
+            <a:r>
+              <a:rPr lang="fr-FR" sz="1100" b="0" i="0" u="none" strike="noStrike" cap="none" dirty="0" err="1">
+                <a:solidFill>
+                  <a:srgbClr val="000000"/>
+                </a:solidFill>
+                <a:effectLst/>
+                <a:latin typeface="Arial"/>
+                <a:ea typeface="Arial"/>
+                <a:cs typeface="Arial"/>
+                <a:sym typeface="Arial"/>
+              </a:rPr>
+              <a:t>Chaum</a:t>
+            </a:r>
+            <a:r>
+              <a:rPr lang="fr-FR" sz="1100" b="0" i="0" u="none" strike="noStrike" cap="none" dirty="0">
+                <a:solidFill>
+                  <a:srgbClr val="000000"/>
+                </a:solidFill>
+                <a:effectLst/>
+                <a:latin typeface="Arial"/>
+                <a:ea typeface="Arial"/>
+                <a:cs typeface="Arial"/>
+                <a:sym typeface="Arial"/>
+              </a:rPr>
+              <a:t> et d'autres chercheurs de la communauté de cryptographie financière qui soulignaient l'intérêt des protocoles cryptographiques pour assurer la confidentialité de l'argent numérique, les informations d'identification et la signature électronique des contrats. Le développement des contrats intelligents résulte enfin des nombreux efforts pour améliorer les opérations dans diverses industries utilisant la technologie numérique. L'</a:t>
+            </a:r>
+            <a:r>
+              <a:rPr lang="fr-FR" sz="1100" b="0" i="0" u="none" strike="noStrike" cap="none" dirty="0">
+                <a:solidFill>
+                  <a:srgbClr val="000000"/>
+                </a:solidFill>
+                <a:effectLst/>
+                <a:latin typeface="Arial"/>
+                <a:ea typeface="Arial"/>
+                <a:cs typeface="Arial"/>
+                <a:sym typeface="Arial"/>
+                <a:hlinkClick r:id="rId9" tooltip="Institute of Electrical and Electronics Engineers"/>
+              </a:rPr>
+              <a:t>IEEE</a:t>
+            </a:r>
+            <a:r>
+              <a:rPr lang="fr-FR" sz="1100" b="0" i="0" u="none" strike="noStrike" cap="none" dirty="0">
+                <a:solidFill>
+                  <a:srgbClr val="000000"/>
+                </a:solidFill>
+                <a:effectLst/>
+                <a:latin typeface="Arial"/>
+                <a:ea typeface="Arial"/>
+                <a:cs typeface="Arial"/>
+                <a:sym typeface="Arial"/>
+              </a:rPr>
+              <a:t> a organisé deux ateliers sur les contrats électroniques, qui ont permis de faire des avancées dans ce domaine</a:t>
+            </a:r>
+            <a:r>
+              <a:rPr lang="fr-FR" sz="1100" b="0" i="0" u="none" strike="noStrike" cap="none" baseline="30000" dirty="0">
+                <a:solidFill>
+                  <a:srgbClr val="000000"/>
+                </a:solidFill>
+                <a:effectLst/>
+                <a:latin typeface="Arial"/>
+                <a:ea typeface="Arial"/>
+                <a:cs typeface="Arial"/>
+                <a:sym typeface="Arial"/>
+                <a:hlinkClick r:id="rId10"/>
+              </a:rPr>
+              <a:t>4</a:t>
+            </a:r>
+            <a:r>
+              <a:rPr lang="fr-FR" sz="1100" b="0" i="0" u="none" strike="noStrike" cap="none" dirty="0">
+                <a:solidFill>
+                  <a:srgbClr val="000000"/>
+                </a:solidFill>
+                <a:effectLst/>
+                <a:latin typeface="Arial"/>
+                <a:ea typeface="Arial"/>
+                <a:cs typeface="Arial"/>
+                <a:sym typeface="Arial"/>
+              </a:rPr>
+              <a:t>.</a:t>
+            </a:r>
+            <a:endParaRPr dirty="0"/>
           </a:p>
         </p:txBody>
       </p:sp>
     </p:spTree>
     <p:extLst>
       <p:ext uri="{BB962C8B-B14F-4D97-AF65-F5344CB8AC3E}">
-        <p14:creationId xmlns:p14="http://schemas.microsoft.com/office/powerpoint/2010/main" val="2072610475"/>
+        <p14:creationId xmlns:p14="http://schemas.microsoft.com/office/powerpoint/2010/main" val="2651628386"/>
       </p:ext>
     </p:extLst>
   </p:cSld>
@@ -1957,7 +1963,7 @@
     </p:spTree>
     <p:extLst>
       <p:ext uri="{BB962C8B-B14F-4D97-AF65-F5344CB8AC3E}">
-        <p14:creationId xmlns:p14="http://schemas.microsoft.com/office/powerpoint/2010/main" val="3803374315"/>
+        <p14:creationId xmlns:p14="http://schemas.microsoft.com/office/powerpoint/2010/main" val="1979564292"/>
       </p:ext>
     </p:extLst>
   </p:cSld>
@@ -1972,7 +1978,7 @@
   <p:cSld>
     <p:spTree>
       <p:nvGrpSpPr>
-        <p:cNvPr id="1" name="Shape 82"/>
+        <p:cNvPr id="1" name="Shape 74"/>
         <p:cNvGrpSpPr/>
         <p:nvPr/>
       </p:nvGrpSpPr>
@@ -1986,7 +1992,7 @@
       </p:grpSpPr>
       <p:sp>
         <p:nvSpPr>
-          <p:cNvPr id="83" name="Shape 83"/>
+          <p:cNvPr id="75" name="Shape 75"/>
           <p:cNvSpPr>
             <a:spLocks noGrp="1" noRot="1" noChangeAspect="1"/>
           </p:cNvSpPr>
@@ -2027,7 +2033,7 @@
       </p:sp>
       <p:sp>
         <p:nvSpPr>
-          <p:cNvPr id="84" name="Shape 84"/>
+          <p:cNvPr id="76" name="Shape 76"/>
           <p:cNvSpPr txBox="1">
             <a:spLocks noGrp="1"/>
           </p:cNvSpPr>
@@ -2066,7 +2072,7 @@
     </p:spTree>
     <p:extLst>
       <p:ext uri="{BB962C8B-B14F-4D97-AF65-F5344CB8AC3E}">
-        <p14:creationId xmlns:p14="http://schemas.microsoft.com/office/powerpoint/2010/main" val="1220847917"/>
+        <p14:creationId xmlns:p14="http://schemas.microsoft.com/office/powerpoint/2010/main" val="2072610475"/>
       </p:ext>
     </p:extLst>
   </p:cSld>
@@ -2175,7 +2181,7 @@
     </p:spTree>
     <p:extLst>
       <p:ext uri="{BB962C8B-B14F-4D97-AF65-F5344CB8AC3E}">
-        <p14:creationId xmlns:p14="http://schemas.microsoft.com/office/powerpoint/2010/main" val="2684547408"/>
+        <p14:creationId xmlns:p14="http://schemas.microsoft.com/office/powerpoint/2010/main" val="3803374315"/>
       </p:ext>
     </p:extLst>
   </p:cSld>
@@ -2190,7 +2196,7 @@
   <p:cSld>
     <p:spTree>
       <p:nvGrpSpPr>
-        <p:cNvPr id="1" name="Shape 74"/>
+        <p:cNvPr id="1" name="Shape 82"/>
         <p:cNvGrpSpPr/>
         <p:nvPr/>
       </p:nvGrpSpPr>
@@ -2204,7 +2210,7 @@
       </p:grpSpPr>
       <p:sp>
         <p:nvSpPr>
-          <p:cNvPr id="75" name="Shape 75"/>
+          <p:cNvPr id="83" name="Shape 83"/>
           <p:cNvSpPr>
             <a:spLocks noGrp="1" noRot="1" noChangeAspect="1"/>
           </p:cNvSpPr>
@@ -2245,7 +2251,7 @@
       </p:sp>
       <p:sp>
         <p:nvSpPr>
-          <p:cNvPr id="76" name="Shape 76"/>
+          <p:cNvPr id="84" name="Shape 84"/>
           <p:cNvSpPr txBox="1">
             <a:spLocks noGrp="1"/>
           </p:cNvSpPr>
@@ -2284,7 +2290,7 @@
     </p:spTree>
     <p:extLst>
       <p:ext uri="{BB962C8B-B14F-4D97-AF65-F5344CB8AC3E}">
-        <p14:creationId xmlns:p14="http://schemas.microsoft.com/office/powerpoint/2010/main" val="3511437595"/>
+        <p14:creationId xmlns:p14="http://schemas.microsoft.com/office/powerpoint/2010/main" val="1220847917"/>
       </p:ext>
     </p:extLst>
   </p:cSld>
@@ -2502,6 +2508,224 @@
     </p:spTree>
     <p:extLst>
       <p:ext uri="{BB962C8B-B14F-4D97-AF65-F5344CB8AC3E}">
+        <p14:creationId xmlns:p14="http://schemas.microsoft.com/office/powerpoint/2010/main" val="2684547408"/>
+      </p:ext>
+    </p:extLst>
+  </p:cSld>
+  <p:clrMapOvr>
+    <a:masterClrMapping/>
+  </p:clrMapOvr>
+</p:notes>
+</file>
+
+<file path=ppt/notesSlides/notesSlide21.xml><?xml version="1.0" encoding="utf-8"?>
+<p:notes xmlns:a="http://schemas.openxmlformats.org/drawingml/2006/main" xmlns:r="http://schemas.openxmlformats.org/officeDocument/2006/relationships" xmlns:p="http://schemas.openxmlformats.org/presentationml/2006/main" showMasterSp="0" showMasterPhAnim="0">
+  <p:cSld>
+    <p:spTree>
+      <p:nvGrpSpPr>
+        <p:cNvPr id="1" name="Shape 74"/>
+        <p:cNvGrpSpPr/>
+        <p:nvPr/>
+      </p:nvGrpSpPr>
+      <p:grpSpPr>
+        <a:xfrm>
+          <a:off x="0" y="0"/>
+          <a:ext cx="0" cy="0"/>
+          <a:chOff x="0" y="0"/>
+          <a:chExt cx="0" cy="0"/>
+        </a:xfrm>
+      </p:grpSpPr>
+      <p:sp>
+        <p:nvSpPr>
+          <p:cNvPr id="75" name="Shape 75"/>
+          <p:cNvSpPr>
+            <a:spLocks noGrp="1" noRot="1" noChangeAspect="1"/>
+          </p:cNvSpPr>
+          <p:nvPr>
+            <p:ph type="sldImg" idx="2"/>
+          </p:nvPr>
+        </p:nvSpPr>
+        <p:spPr>
+          <a:xfrm>
+            <a:off x="381000" y="685800"/>
+            <a:ext cx="6096000" cy="3429000"/>
+          </a:xfrm>
+          <a:custGeom>
+            <a:avLst/>
+            <a:gdLst/>
+            <a:ahLst/>
+            <a:cxnLst/>
+            <a:rect l="0" t="0" r="0" b="0"/>
+            <a:pathLst>
+              <a:path w="120000" h="120000" extrusionOk="0">
+                <a:moveTo>
+                  <a:pt x="0" y="0"/>
+                </a:moveTo>
+                <a:lnTo>
+                  <a:pt x="120000" y="0"/>
+                </a:lnTo>
+                <a:lnTo>
+                  <a:pt x="120000" y="120000"/>
+                </a:lnTo>
+                <a:lnTo>
+                  <a:pt x="0" y="120000"/>
+                </a:lnTo>
+                <a:close/>
+              </a:path>
+            </a:pathLst>
+          </a:custGeom>
+        </p:spPr>
+      </p:sp>
+      <p:sp>
+        <p:nvSpPr>
+          <p:cNvPr id="76" name="Shape 76"/>
+          <p:cNvSpPr txBox="1">
+            <a:spLocks noGrp="1"/>
+          </p:cNvSpPr>
+          <p:nvPr>
+            <p:ph type="body" idx="1"/>
+          </p:nvPr>
+        </p:nvSpPr>
+        <p:spPr>
+          <a:xfrm>
+            <a:off x="685800" y="4343400"/>
+            <a:ext cx="5486400" cy="4114800"/>
+          </a:xfrm>
+          <a:prstGeom prst="rect">
+            <a:avLst/>
+          </a:prstGeom>
+        </p:spPr>
+        <p:txBody>
+          <a:bodyPr spcFirstLastPara="1" wrap="square" lIns="91425" tIns="91425" rIns="91425" bIns="91425" anchor="t" anchorCtr="0">
+            <a:noAutofit/>
+          </a:bodyPr>
+          <a:lstStyle/>
+          <a:p>
+            <a:pPr marL="0" lvl="0" indent="0">
+              <a:spcBef>
+                <a:spcPts val="0"/>
+              </a:spcBef>
+              <a:spcAft>
+                <a:spcPts val="0"/>
+              </a:spcAft>
+              <a:buNone/>
+            </a:pPr>
+            <a:endParaRPr/>
+          </a:p>
+        </p:txBody>
+      </p:sp>
+    </p:spTree>
+    <p:extLst>
+      <p:ext uri="{BB962C8B-B14F-4D97-AF65-F5344CB8AC3E}">
+        <p14:creationId xmlns:p14="http://schemas.microsoft.com/office/powerpoint/2010/main" val="3511437595"/>
+      </p:ext>
+    </p:extLst>
+  </p:cSld>
+  <p:clrMapOvr>
+    <a:masterClrMapping/>
+  </p:clrMapOvr>
+</p:notes>
+</file>
+
+<file path=ppt/notesSlides/notesSlide22.xml><?xml version="1.0" encoding="utf-8"?>
+<p:notes xmlns:a="http://schemas.openxmlformats.org/drawingml/2006/main" xmlns:r="http://schemas.openxmlformats.org/officeDocument/2006/relationships" xmlns:p="http://schemas.openxmlformats.org/presentationml/2006/main" showMasterSp="0" showMasterPhAnim="0">
+  <p:cSld>
+    <p:spTree>
+      <p:nvGrpSpPr>
+        <p:cNvPr id="1" name="Shape 82"/>
+        <p:cNvGrpSpPr/>
+        <p:nvPr/>
+      </p:nvGrpSpPr>
+      <p:grpSpPr>
+        <a:xfrm>
+          <a:off x="0" y="0"/>
+          <a:ext cx="0" cy="0"/>
+          <a:chOff x="0" y="0"/>
+          <a:chExt cx="0" cy="0"/>
+        </a:xfrm>
+      </p:grpSpPr>
+      <p:sp>
+        <p:nvSpPr>
+          <p:cNvPr id="83" name="Shape 83"/>
+          <p:cNvSpPr>
+            <a:spLocks noGrp="1" noRot="1" noChangeAspect="1"/>
+          </p:cNvSpPr>
+          <p:nvPr>
+            <p:ph type="sldImg" idx="2"/>
+          </p:nvPr>
+        </p:nvSpPr>
+        <p:spPr>
+          <a:xfrm>
+            <a:off x="381000" y="685800"/>
+            <a:ext cx="6096000" cy="3429000"/>
+          </a:xfrm>
+          <a:custGeom>
+            <a:avLst/>
+            <a:gdLst/>
+            <a:ahLst/>
+            <a:cxnLst/>
+            <a:rect l="0" t="0" r="0" b="0"/>
+            <a:pathLst>
+              <a:path w="120000" h="120000" extrusionOk="0">
+                <a:moveTo>
+                  <a:pt x="0" y="0"/>
+                </a:moveTo>
+                <a:lnTo>
+                  <a:pt x="120000" y="0"/>
+                </a:lnTo>
+                <a:lnTo>
+                  <a:pt x="120000" y="120000"/>
+                </a:lnTo>
+                <a:lnTo>
+                  <a:pt x="0" y="120000"/>
+                </a:lnTo>
+                <a:close/>
+              </a:path>
+            </a:pathLst>
+          </a:custGeom>
+        </p:spPr>
+      </p:sp>
+      <p:sp>
+        <p:nvSpPr>
+          <p:cNvPr id="84" name="Shape 84"/>
+          <p:cNvSpPr txBox="1">
+            <a:spLocks noGrp="1"/>
+          </p:cNvSpPr>
+          <p:nvPr>
+            <p:ph type="body" idx="1"/>
+          </p:nvPr>
+        </p:nvSpPr>
+        <p:spPr>
+          <a:xfrm>
+            <a:off x="685800" y="4343400"/>
+            <a:ext cx="5486400" cy="4114800"/>
+          </a:xfrm>
+          <a:prstGeom prst="rect">
+            <a:avLst/>
+          </a:prstGeom>
+        </p:spPr>
+        <p:txBody>
+          <a:bodyPr spcFirstLastPara="1" wrap="square" lIns="91425" tIns="91425" rIns="91425" bIns="91425" anchor="t" anchorCtr="0">
+            <a:noAutofit/>
+          </a:bodyPr>
+          <a:lstStyle/>
+          <a:p>
+            <a:pPr marL="0" lvl="0" indent="0">
+              <a:spcBef>
+                <a:spcPts val="0"/>
+              </a:spcBef>
+              <a:spcAft>
+                <a:spcPts val="0"/>
+              </a:spcAft>
+              <a:buNone/>
+            </a:pPr>
+            <a:endParaRPr/>
+          </a:p>
+        </p:txBody>
+      </p:sp>
+    </p:spTree>
+    <p:extLst>
+      <p:ext uri="{BB962C8B-B14F-4D97-AF65-F5344CB8AC3E}">
         <p14:creationId xmlns:p14="http://schemas.microsoft.com/office/powerpoint/2010/main" val="2908449244"/>
       </p:ext>
     </p:extLst>
@@ -3140,29 +3364,23 @@
           </a:bodyPr>
           <a:lstStyle/>
           <a:p>
-            <a:pPr algn="ctr"/>
-            <a:r>
-              <a:rPr lang="fr-FR" sz="1100" dirty="0" smtClean="0">
-                <a:latin typeface="Raleway" panose="020B0503030101060003" pitchFamily="34" charset="0"/>
-              </a:rPr>
-              <a:t>Proof</a:t>
-            </a:r>
-            <a:r>
-              <a:rPr lang="fr-FR" sz="1100" dirty="0" smtClean="0"/>
-              <a:t> of </a:t>
-            </a:r>
-            <a:r>
-              <a:rPr lang="fr-FR" sz="1100" dirty="0" err="1" smtClean="0"/>
-              <a:t>Work</a:t>
-            </a:r>
-            <a:endParaRPr lang="fr-FR" sz="1100" dirty="0"/>
+            <a:pPr marL="0" lvl="0" indent="0">
+              <a:spcBef>
+                <a:spcPts val="0"/>
+              </a:spcBef>
+              <a:spcAft>
+                <a:spcPts val="0"/>
+              </a:spcAft>
+              <a:buNone/>
+            </a:pPr>
+            <a:endParaRPr/>
           </a:p>
         </p:txBody>
       </p:sp>
     </p:spTree>
     <p:extLst>
       <p:ext uri="{BB962C8B-B14F-4D97-AF65-F5344CB8AC3E}">
-        <p14:creationId xmlns:p14="http://schemas.microsoft.com/office/powerpoint/2010/main" val="2389402706"/>
+        <p14:creationId xmlns:p14="http://schemas.microsoft.com/office/powerpoint/2010/main" val="512987851"/>
       </p:ext>
     </p:extLst>
   </p:cSld>
@@ -3255,23 +3473,29 @@
           </a:bodyPr>
           <a:lstStyle/>
           <a:p>
-            <a:pPr marL="0" lvl="0" indent="0">
-              <a:spcBef>
-                <a:spcPts val="0"/>
-              </a:spcBef>
-              <a:spcAft>
-                <a:spcPts val="0"/>
-              </a:spcAft>
-              <a:buNone/>
-            </a:pPr>
-            <a:endParaRPr/>
+            <a:pPr algn="ctr"/>
+            <a:r>
+              <a:rPr lang="fr-FR" sz="1100" dirty="0">
+                <a:latin typeface="Raleway" panose="020B0503030101060003" pitchFamily="34" charset="0"/>
+              </a:rPr>
+              <a:t>Proof</a:t>
+            </a:r>
+            <a:r>
+              <a:rPr lang="fr-FR" sz="1100" dirty="0"/>
+              <a:t> of </a:t>
+            </a:r>
+            <a:r>
+              <a:rPr lang="fr-FR" sz="1100" dirty="0" err="1"/>
+              <a:t>Work</a:t>
+            </a:r>
+            <a:endParaRPr lang="fr-FR" sz="1100" dirty="0"/>
           </a:p>
         </p:txBody>
       </p:sp>
     </p:spTree>
     <p:extLst>
       <p:ext uri="{BB962C8B-B14F-4D97-AF65-F5344CB8AC3E}">
-        <p14:creationId xmlns:p14="http://schemas.microsoft.com/office/powerpoint/2010/main" val="3959359548"/>
+        <p14:creationId xmlns:p14="http://schemas.microsoft.com/office/powerpoint/2010/main" val="2389402706"/>
       </p:ext>
     </p:extLst>
   </p:cSld>
@@ -3302,7 +3526,7 @@
         <p:nvSpPr>
           <p:cNvPr id="13" name="Shape 13"/>
           <p:cNvSpPr/>
-          <p:nvPr/>
+          <p:nvPr userDrawn="1"/>
         </p:nvSpPr>
         <p:spPr>
           <a:xfrm>
@@ -10204,6 +10428,14 @@
 <file path=ppt/slides/slide1.xml><?xml version="1.0" encoding="utf-8"?>
 <p:sld xmlns:a="http://schemas.openxmlformats.org/drawingml/2006/main" xmlns:r="http://schemas.openxmlformats.org/officeDocument/2006/relationships" xmlns:p="http://schemas.openxmlformats.org/presentationml/2006/main">
   <p:cSld>
+    <p:bg>
+      <p:bgPr>
+        <a:solidFill>
+          <a:schemeClr val="lt1"/>
+        </a:solidFill>
+        <a:effectLst/>
+      </p:bgPr>
+    </p:bg>
     <p:spTree>
       <p:nvGrpSpPr>
         <p:cNvPr id="1" name="Shape 72"/>
@@ -10259,10 +10491,6 @@
               </a:rPr>
               <a:t>101</a:t>
             </a:r>
-            <a:r>
-              <a:rPr lang="fr-FR" b="1" dirty="0"/>
-              <a:t/>
-            </a:r>
             <a:br>
               <a:rPr lang="fr-FR" b="1" dirty="0"/>
             </a:br>
@@ -10280,10 +10508,6 @@
                 </a:solidFill>
               </a:rPr>
               <a:t>3.0</a:t>
-            </a:r>
-            <a:r>
-              <a:rPr lang="fr-FR" b="1" dirty="0"/>
-              <a:t/>
             </a:r>
             <a:br>
               <a:rPr lang="fr-FR" b="1" dirty="0"/>
@@ -10305,7 +10529,7 @@
           <p:cNvPr id="2" name="ZoneTexte 1">
             <a:extLst>
               <a:ext uri="{FF2B5EF4-FFF2-40B4-BE49-F238E27FC236}">
-                <a16:creationId xmlns:a16="http://schemas.microsoft.com/office/drawing/2014/main" xmlns="" id="{00005A6A-4BD9-4245-8D80-A423B40592FF}"/>
+                <a16:creationId xmlns:a16="http://schemas.microsoft.com/office/drawing/2014/main" id="{00005A6A-4BD9-4245-8D80-A423B40592FF}"/>
               </a:ext>
             </a:extLst>
           </p:cNvPr>
@@ -10371,25 +10595,131 @@
   <p:clrMapOvr>
     <a:masterClrMapping/>
   </p:clrMapOvr>
-  <mc:AlternateContent xmlns:mc="http://schemas.openxmlformats.org/markup-compatibility/2006">
-    <mc:Choice xmlns:p14="http://schemas.microsoft.com/office/powerpoint/2010/main" Requires="p14">
-      <p:transition p14:dur="0"/>
-    </mc:Choice>
-    <mc:Fallback>
-      <p:transition/>
-    </mc:Fallback>
-  </mc:AlternateContent>
-  <p:timing>
-    <p:tnLst>
-      <p:par>
-        <p:cTn id="1" dur="indefinite" restart="never" nodeType="tmRoot"/>
-      </p:par>
-    </p:tnLst>
-  </p:timing>
 </p:sld>
 </file>
 
 <file path=ppt/slides/slide10.xml><?xml version="1.0" encoding="utf-8"?>
+<p:sld xmlns:a="http://schemas.openxmlformats.org/drawingml/2006/main" xmlns:r="http://schemas.openxmlformats.org/officeDocument/2006/relationships" xmlns:p="http://schemas.openxmlformats.org/presentationml/2006/main">
+  <p:cSld>
+    <p:spTree>
+      <p:nvGrpSpPr>
+        <p:cNvPr id="1" name="Shape 85"/>
+        <p:cNvGrpSpPr/>
+        <p:nvPr/>
+      </p:nvGrpSpPr>
+      <p:grpSpPr>
+        <a:xfrm>
+          <a:off x="0" y="0"/>
+          <a:ext cx="0" cy="0"/>
+          <a:chOff x="0" y="0"/>
+          <a:chExt cx="0" cy="0"/>
+        </a:xfrm>
+      </p:grpSpPr>
+      <p:sp>
+        <p:nvSpPr>
+          <p:cNvPr id="88" name="Shape 88"/>
+          <p:cNvSpPr txBox="1">
+            <a:spLocks noGrp="1"/>
+          </p:cNvSpPr>
+          <p:nvPr>
+            <p:ph type="title"/>
+          </p:nvPr>
+        </p:nvSpPr>
+        <p:spPr>
+          <a:xfrm>
+            <a:off x="449000" y="301500"/>
+            <a:ext cx="8185500" cy="501900"/>
+          </a:xfrm>
+          <a:prstGeom prst="rect">
+            <a:avLst/>
+          </a:prstGeom>
+        </p:spPr>
+        <p:txBody>
+          <a:bodyPr spcFirstLastPara="1" wrap="square" lIns="91425" tIns="91425" rIns="91425" bIns="91425" anchor="t" anchorCtr="0">
+            <a:noAutofit/>
+          </a:bodyPr>
+          <a:lstStyle/>
+          <a:p>
+            <a:r>
+              <a:rPr lang="fr-FR" dirty="0"/>
+              <a:t>L’attaque des 51%</a:t>
+            </a:r>
+          </a:p>
+        </p:txBody>
+      </p:sp>
+      <p:pic>
+        <p:nvPicPr>
+          <p:cNvPr id="22" name="Picture 2" descr="cyber, hat, spy, undercover, user icon">
+            <a:extLst>
+              <a:ext uri="{FF2B5EF4-FFF2-40B4-BE49-F238E27FC236}">
+                <a16:creationId xmlns:a16="http://schemas.microsoft.com/office/drawing/2014/main" id="{D87E457D-73A0-4616-BDFE-4427B0F0ACA8}"/>
+              </a:ext>
+            </a:extLst>
+          </p:cNvPr>
+          <p:cNvPicPr>
+            <a:picLocks noChangeAspect="1" noChangeArrowheads="1"/>
+          </p:cNvPicPr>
+          <p:nvPr/>
+        </p:nvPicPr>
+        <p:blipFill>
+          <a:blip r:embed="rId3">
+            <a:extLst>
+              <a:ext uri="{28A0092B-C50C-407E-A947-70E740481C1C}">
+                <a14:useLocalDpi xmlns:a14="http://schemas.microsoft.com/office/drawing/2010/main" val="0"/>
+              </a:ext>
+            </a:extLst>
+          </a:blip>
+          <a:srcRect/>
+          <a:stretch>
+            <a:fillRect/>
+          </a:stretch>
+        </p:blipFill>
+        <p:spPr bwMode="auto">
+          <a:xfrm>
+            <a:off x="5750208" y="1375897"/>
+            <a:ext cx="592621" cy="592621"/>
+          </a:xfrm>
+          <a:prstGeom prst="rect">
+            <a:avLst/>
+          </a:prstGeom>
+          <a:noFill/>
+          <a:extLst>
+            <a:ext uri="{909E8E84-426E-40DD-AFC4-6F175D3DCCD1}">
+              <a14:hiddenFill xmlns:a14="http://schemas.microsoft.com/office/drawing/2010/main">
+                <a:solidFill>
+                  <a:srgbClr val="FFFFFF"/>
+                </a:solidFill>
+              </a14:hiddenFill>
+            </a:ext>
+          </a:extLst>
+        </p:spPr>
+      </p:pic>
+    </p:spTree>
+    <p:extLst>
+      <p:ext uri="{BB962C8B-B14F-4D97-AF65-F5344CB8AC3E}">
+        <p14:creationId xmlns:p14="http://schemas.microsoft.com/office/powerpoint/2010/main" val="1447403857"/>
+      </p:ext>
+    </p:extLst>
+  </p:cSld>
+  <p:clrMapOvr>
+    <a:masterClrMapping/>
+  </p:clrMapOvr>
+  <mc:AlternateContent xmlns:mc="http://schemas.openxmlformats.org/markup-compatibility/2006" xmlns:p14="http://schemas.microsoft.com/office/powerpoint/2010/main">
+    <mc:Choice Requires="p14">
+      <p:transition spd="med" p14:dur="700">
+        <p:fade/>
+      </p:transition>
+    </mc:Choice>
+    <mc:Fallback xmlns="">
+      <p:transition spd="med">
+        <p:fade/>
+      </p:transition>
+    </mc:Fallback>
+  </mc:AlternateContent>
+</p:sld>
+</file>
+
+<file path=ppt/slides/slide11.xml><?xml version="1.0" encoding="utf-8"?>
 <p:sld xmlns:a="http://schemas.openxmlformats.org/drawingml/2006/main" xmlns:r="http://schemas.openxmlformats.org/officeDocument/2006/relationships" xmlns:p="http://schemas.openxmlformats.org/presentationml/2006/main">
   <p:cSld>
     <p:spTree>
@@ -10468,13 +10798,13 @@
           <a:lstStyle/>
           <a:p>
             <a:r>
-              <a:rPr lang="fr-FR" sz="4000" dirty="0" smtClean="0">
+              <a:rPr lang="fr-FR" sz="4000" dirty="0">
                 <a:latin typeface="Raleway" panose="020B0503030101060003" pitchFamily="34" charset="0"/>
               </a:rPr>
               <a:t>Proof of </a:t>
             </a:r>
             <a:r>
-              <a:rPr lang="fr-FR" sz="4000" dirty="0" err="1" smtClean="0">
+              <a:rPr lang="fr-FR" sz="4000" dirty="0" err="1">
                 <a:latin typeface="Raleway" panose="020B0503030101060003" pitchFamily="34" charset="0"/>
               </a:rPr>
               <a:t>Work</a:t>
@@ -10562,7 +10892,7 @@
               <a:t>Proof of </a:t>
             </a:r>
             <a:r>
-              <a:rPr lang="fr-FR" sz="5400" b="1" dirty="0" err="1" smtClean="0">
+              <a:rPr lang="fr-FR" sz="5400" b="1" dirty="0" err="1">
                 <a:solidFill>
                   <a:schemeClr val="bg1"/>
                 </a:solidFill>
@@ -10597,367 +10927,18 @@
   <p:clrMapOvr>
     <a:masterClrMapping/>
   </p:clrMapOvr>
-  <mc:AlternateContent xmlns:mc="http://schemas.openxmlformats.org/markup-compatibility/2006">
-    <mc:Choice xmlns:p14="http://schemas.microsoft.com/office/powerpoint/2010/main" Requires="p14">
+  <mc:AlternateContent xmlns:mc="http://schemas.openxmlformats.org/markup-compatibility/2006" xmlns:p14="http://schemas.microsoft.com/office/powerpoint/2010/main">
+    <mc:Choice Requires="p14">
       <p:transition spd="med" p14:dur="700">
         <p:fade/>
       </p:transition>
     </mc:Choice>
-    <mc:Fallback>
+    <mc:Fallback xmlns="">
       <p:transition spd="med">
         <p:fade/>
       </p:transition>
     </mc:Fallback>
   </mc:AlternateContent>
-  <p:timing>
-    <p:tnLst>
-      <p:par>
-        <p:cTn id="1" dur="indefinite" restart="never" nodeType="tmRoot"/>
-      </p:par>
-    </p:tnLst>
-  </p:timing>
-</p:sld>
-</file>
-
-<file path=ppt/slides/slide11.xml><?xml version="1.0" encoding="utf-8"?>
-<p:sld xmlns:a="http://schemas.openxmlformats.org/drawingml/2006/main" xmlns:r="http://schemas.openxmlformats.org/officeDocument/2006/relationships" xmlns:p="http://schemas.openxmlformats.org/presentationml/2006/main">
-  <p:cSld>
-    <p:spTree>
-      <p:nvGrpSpPr>
-        <p:cNvPr id="1" name="Shape 77"/>
-        <p:cNvGrpSpPr/>
-        <p:nvPr/>
-      </p:nvGrpSpPr>
-      <p:grpSpPr>
-        <a:xfrm>
-          <a:off x="0" y="0"/>
-          <a:ext cx="0" cy="0"/>
-          <a:chOff x="0" y="0"/>
-          <a:chExt cx="0" cy="0"/>
-        </a:xfrm>
-      </p:grpSpPr>
-      <p:sp>
-        <p:nvSpPr>
-          <p:cNvPr id="78" name="Shape 78"/>
-          <p:cNvSpPr txBox="1">
-            <a:spLocks noGrp="1"/>
-          </p:cNvSpPr>
-          <p:nvPr>
-            <p:ph type="title"/>
-          </p:nvPr>
-        </p:nvSpPr>
-        <p:spPr>
-          <a:xfrm>
-            <a:off x="794702" y="993700"/>
-            <a:ext cx="3553179" cy="1485600"/>
-          </a:xfrm>
-          <a:prstGeom prst="rect">
-            <a:avLst/>
-          </a:prstGeom>
-        </p:spPr>
-        <p:txBody>
-          <a:bodyPr spcFirstLastPara="1" wrap="square" lIns="91425" tIns="91425" rIns="91425" bIns="91425" anchor="t" anchorCtr="0">
-            <a:noAutofit/>
-          </a:bodyPr>
-          <a:lstStyle/>
-          <a:p>
-            <a:pPr marL="0" lvl="0" indent="0">
-              <a:spcBef>
-                <a:spcPts val="0"/>
-              </a:spcBef>
-              <a:spcAft>
-                <a:spcPts val="0"/>
-              </a:spcAft>
-              <a:buNone/>
-            </a:pPr>
-            <a:r>
-              <a:rPr lang="fr-FR" dirty="0"/>
-              <a:t>Etude pratique</a:t>
-            </a:r>
-            <a:br>
-              <a:rPr lang="fr-FR" dirty="0"/>
-            </a:br>
-            <a:r>
-              <a:rPr lang="fr-FR" sz="2800" dirty="0"/>
-              <a:t>Le cas </a:t>
-            </a:r>
-            <a:r>
-              <a:rPr lang="fr-FR" sz="2800" dirty="0" err="1"/>
-              <a:t>Ethereum</a:t>
-            </a:r>
-            <a:endParaRPr sz="2800" dirty="0"/>
-          </a:p>
-        </p:txBody>
-      </p:sp>
-      <p:sp>
-        <p:nvSpPr>
-          <p:cNvPr id="80" name="Shape 80"/>
-          <p:cNvSpPr txBox="1">
-            <a:spLocks noGrp="1"/>
-          </p:cNvSpPr>
-          <p:nvPr>
-            <p:ph type="body" idx="2"/>
-          </p:nvPr>
-        </p:nvSpPr>
-        <p:spPr>
-          <a:xfrm>
-            <a:off x="4527269" y="4278917"/>
-            <a:ext cx="1374769" cy="617785"/>
-          </a:xfrm>
-          <a:prstGeom prst="rect">
-            <a:avLst/>
-          </a:prstGeom>
-        </p:spPr>
-        <p:txBody>
-          <a:bodyPr spcFirstLastPara="1" wrap="square" lIns="91425" tIns="91425" rIns="91425" bIns="91425" anchor="t" anchorCtr="0">
-            <a:noAutofit/>
-          </a:bodyPr>
-          <a:lstStyle/>
-          <a:p>
-            <a:pPr marL="0" lvl="0" indent="0">
-              <a:spcBef>
-                <a:spcPts val="1000"/>
-              </a:spcBef>
-              <a:spcAft>
-                <a:spcPts val="0"/>
-              </a:spcAft>
-              <a:buNone/>
-            </a:pPr>
-            <a:r>
-              <a:rPr lang="fr-FR" dirty="0" err="1" smtClean="0"/>
-              <a:t>Vitalik</a:t>
-            </a:r>
-            <a:r>
-              <a:rPr lang="fr-FR" dirty="0" smtClean="0"/>
-              <a:t> </a:t>
-            </a:r>
-            <a:r>
-              <a:rPr lang="fr-FR" dirty="0" err="1" smtClean="0"/>
-              <a:t>Buterin</a:t>
-            </a:r>
-            <a:endParaRPr dirty="0"/>
-          </a:p>
-        </p:txBody>
-      </p:sp>
-      <p:sp>
-        <p:nvSpPr>
-          <p:cNvPr id="81" name="Shape 81"/>
-          <p:cNvSpPr txBox="1">
-            <a:spLocks noGrp="1"/>
-          </p:cNvSpPr>
-          <p:nvPr>
-            <p:ph type="subTitle" idx="3"/>
-          </p:nvPr>
-        </p:nvSpPr>
-        <p:spPr>
-          <a:xfrm>
-            <a:off x="334975" y="648400"/>
-            <a:ext cx="1516200" cy="345300"/>
-          </a:xfrm>
-          <a:prstGeom prst="rect">
-            <a:avLst/>
-          </a:prstGeom>
-        </p:spPr>
-        <p:txBody>
-          <a:bodyPr spcFirstLastPara="1" wrap="square" lIns="91425" tIns="91425" rIns="91425" bIns="91425" anchor="b" anchorCtr="0">
-            <a:noAutofit/>
-          </a:bodyPr>
-          <a:lstStyle/>
-          <a:p>
-            <a:pPr marL="0" lvl="0" indent="0">
-              <a:spcBef>
-                <a:spcPts val="1000"/>
-              </a:spcBef>
-              <a:spcAft>
-                <a:spcPts val="0"/>
-              </a:spcAft>
-              <a:buNone/>
-            </a:pPr>
-            <a:r>
-              <a:rPr lang="en-US" dirty="0"/>
-              <a:t>SECONDE PARTIE</a:t>
-            </a:r>
-            <a:endParaRPr dirty="0"/>
-          </a:p>
-        </p:txBody>
-      </p:sp>
-      <p:pic>
-        <p:nvPicPr>
-          <p:cNvPr id="6" name="Picture 4">
-            <a:extLst>
-              <a:ext uri="{FF2B5EF4-FFF2-40B4-BE49-F238E27FC236}">
-                <a16:creationId xmlns:a16="http://schemas.microsoft.com/office/drawing/2014/main" xmlns="" id="{45164A43-7FB3-4043-95A2-F0045300A12F}"/>
-              </a:ext>
-            </a:extLst>
-          </p:cNvPr>
-          <p:cNvPicPr>
-            <a:picLocks noChangeAspect="1"/>
-          </p:cNvPicPr>
-          <p:nvPr/>
-        </p:nvPicPr>
-        <p:blipFill>
-          <a:blip r:embed="rId3"/>
-          <a:stretch>
-            <a:fillRect/>
-          </a:stretch>
-        </p:blipFill>
-        <p:spPr>
-          <a:xfrm>
-            <a:off x="5533748" y="236110"/>
-            <a:ext cx="2711899" cy="664505"/>
-          </a:xfrm>
-          <a:prstGeom prst="rect">
-            <a:avLst/>
-          </a:prstGeom>
-        </p:spPr>
-      </p:pic>
-      <p:pic>
-        <p:nvPicPr>
-          <p:cNvPr id="3074" name="Picture 2" descr="RÃ©sultat de recherche d'images pour &quot;Vitalik Buterin&quot;"/>
-          <p:cNvPicPr>
-            <a:picLocks noChangeAspect="1" noChangeArrowheads="1"/>
-          </p:cNvPicPr>
-          <p:nvPr/>
-        </p:nvPicPr>
-        <p:blipFill rotWithShape="1">
-          <a:blip r:embed="rId4">
-            <a:extLst>
-              <a:ext uri="{28A0092B-C50C-407E-A947-70E740481C1C}">
-                <a14:useLocalDpi xmlns:a14="http://schemas.microsoft.com/office/drawing/2010/main" val="0"/>
-              </a:ext>
-            </a:extLst>
-          </a:blip>
-          <a:srcRect l="19881" r="27288" b="16724"/>
-          <a:stretch/>
-        </p:blipFill>
-        <p:spPr bwMode="auto">
-          <a:xfrm>
-            <a:off x="436410" y="2216979"/>
-            <a:ext cx="716585" cy="689471"/>
-          </a:xfrm>
-          <a:prstGeom prst="ellipse">
-            <a:avLst/>
-          </a:prstGeom>
-          <a:ln w="63500" cap="rnd">
-            <a:noFill/>
-          </a:ln>
-          <a:effectLst>
-            <a:outerShdw blurRad="381000" dist="292100" dir="5400000" sx="-80000" sy="-18000" rotWithShape="0">
-              <a:srgbClr val="000000">
-                <a:alpha val="22000"/>
-              </a:srgbClr>
-            </a:outerShdw>
-          </a:effectLst>
-          <a:scene3d>
-            <a:camera prst="orthographicFront"/>
-            <a:lightRig rig="contrasting" dir="t">
-              <a:rot lat="0" lon="0" rev="3000000"/>
-            </a:lightRig>
-          </a:scene3d>
-          <a:sp3d contourW="7620">
-            <a:bevelT w="95250" h="31750"/>
-            <a:contourClr>
-              <a:srgbClr val="333333"/>
-            </a:contourClr>
-          </a:sp3d>
-          <a:extLst>
-            <a:ext uri="{909E8E84-426E-40DD-AFC4-6F175D3DCCD1}">
-              <a14:hiddenFill xmlns:a14="http://schemas.microsoft.com/office/drawing/2010/main">
-                <a:solidFill>
-                  <a:srgbClr val="FFFFFF"/>
-                </a:solidFill>
-              </a14:hiddenFill>
-            </a:ext>
-          </a:extLst>
-        </p:spPr>
-      </p:pic>
-      <p:sp>
-        <p:nvSpPr>
-          <p:cNvPr id="2" name="ZoneTexte 1"/>
-          <p:cNvSpPr txBox="1"/>
-          <p:nvPr/>
-        </p:nvSpPr>
-        <p:spPr>
-          <a:xfrm>
-            <a:off x="1419624" y="2407825"/>
-            <a:ext cx="1826141" cy="400110"/>
-          </a:xfrm>
-          <a:prstGeom prst="rect">
-            <a:avLst/>
-          </a:prstGeom>
-          <a:noFill/>
-        </p:spPr>
-        <p:txBody>
-          <a:bodyPr wrap="none" rtlCol="0">
-            <a:spAutoFit/>
-          </a:bodyPr>
-          <a:lstStyle/>
-          <a:p>
-            <a:r>
-              <a:rPr lang="fr-FR" sz="2000" dirty="0" err="1" smtClean="0">
-                <a:solidFill>
-                  <a:schemeClr val="bg1"/>
-                </a:solidFill>
-                <a:latin typeface="Raleway" panose="020B0503030101060003" pitchFamily="34" charset="0"/>
-              </a:rPr>
-              <a:t>Vitalik</a:t>
-            </a:r>
-            <a:r>
-              <a:rPr lang="fr-FR" sz="2000" dirty="0" smtClean="0">
-                <a:solidFill>
-                  <a:schemeClr val="bg1"/>
-                </a:solidFill>
-                <a:latin typeface="Raleway" panose="020B0503030101060003" pitchFamily="34" charset="0"/>
-              </a:rPr>
-              <a:t> </a:t>
-            </a:r>
-            <a:r>
-              <a:rPr lang="fr-FR" sz="2000" dirty="0" err="1" smtClean="0">
-                <a:solidFill>
-                  <a:schemeClr val="bg1"/>
-                </a:solidFill>
-                <a:latin typeface="Raleway" panose="020B0503030101060003" pitchFamily="34" charset="0"/>
-              </a:rPr>
-              <a:t>Buterin</a:t>
-            </a:r>
-            <a:endParaRPr lang="fr-FR" sz="2000" dirty="0">
-              <a:solidFill>
-                <a:schemeClr val="bg1"/>
-              </a:solidFill>
-              <a:latin typeface="Raleway" panose="020B0503030101060003" pitchFamily="34" charset="0"/>
-            </a:endParaRPr>
-          </a:p>
-        </p:txBody>
-      </p:sp>
-    </p:spTree>
-    <p:extLst>
-      <p:ext uri="{BB962C8B-B14F-4D97-AF65-F5344CB8AC3E}">
-        <p14:creationId xmlns:p14="http://schemas.microsoft.com/office/powerpoint/2010/main" val="3981761334"/>
-      </p:ext>
-    </p:extLst>
-  </p:cSld>
-  <p:clrMapOvr>
-    <a:masterClrMapping/>
-  </p:clrMapOvr>
-  <mc:AlternateContent xmlns:mc="http://schemas.openxmlformats.org/markup-compatibility/2006">
-    <mc:Choice xmlns:p14="http://schemas.microsoft.com/office/powerpoint/2010/main" Requires="p14">
-      <p:transition spd="med" p14:dur="700">
-        <p:fade/>
-      </p:transition>
-    </mc:Choice>
-    <mc:Fallback>
-      <p:transition spd="med">
-        <p:fade/>
-      </p:transition>
-    </mc:Fallback>
-  </mc:AlternateContent>
-  <p:timing>
-    <p:tnLst>
-      <p:par>
-        <p:cTn id="1" dur="indefinite" restart="never" nodeType="tmRoot"/>
-      </p:par>
-    </p:tnLst>
-  </p:timing>
 </p:sld>
 </file>
 
@@ -11003,48 +10984,35 @@
           </a:bodyPr>
           <a:lstStyle/>
           <a:p>
-            <a:pPr marL="0" lvl="0" indent="0">
-              <a:spcBef>
-                <a:spcPts val="0"/>
-              </a:spcBef>
-              <a:spcAft>
-                <a:spcPts val="0"/>
-              </a:spcAft>
-              <a:buNone/>
-            </a:pPr>
-            <a:endParaRPr/>
+            <a:r>
+              <a:rPr lang="fr-FR" dirty="0"/>
+              <a:t>L’attaque « rien en jeu »</a:t>
+            </a:r>
           </a:p>
         </p:txBody>
       </p:sp>
     </p:spTree>
     <p:extLst>
       <p:ext uri="{BB962C8B-B14F-4D97-AF65-F5344CB8AC3E}">
-        <p14:creationId xmlns:p14="http://schemas.microsoft.com/office/powerpoint/2010/main" val="1939389084"/>
+        <p14:creationId xmlns:p14="http://schemas.microsoft.com/office/powerpoint/2010/main" val="1650392970"/>
       </p:ext>
     </p:extLst>
   </p:cSld>
   <p:clrMapOvr>
     <a:masterClrMapping/>
   </p:clrMapOvr>
-  <mc:AlternateContent xmlns:mc="http://schemas.openxmlformats.org/markup-compatibility/2006">
-    <mc:Choice xmlns:p14="http://schemas.microsoft.com/office/powerpoint/2010/main" Requires="p14">
+  <mc:AlternateContent xmlns:mc="http://schemas.openxmlformats.org/markup-compatibility/2006" xmlns:p14="http://schemas.microsoft.com/office/powerpoint/2010/main">
+    <mc:Choice Requires="p14">
       <p:transition spd="med" p14:dur="700">
         <p:fade/>
       </p:transition>
     </mc:Choice>
-    <mc:Fallback>
+    <mc:Fallback xmlns="">
       <p:transition spd="med">
         <p:fade/>
       </p:transition>
     </mc:Fallback>
   </mc:AlternateContent>
-  <p:timing>
-    <p:tnLst>
-      <p:par>
-        <p:cTn id="1" dur="indefinite" restart="never" nodeType="tmRoot"/>
-      </p:par>
-    </p:tnLst>
-  </p:timing>
 </p:sld>
 </file>
 
@@ -11077,7 +11045,7 @@
         </p:nvSpPr>
         <p:spPr>
           <a:xfrm>
-            <a:off x="794703" y="906639"/>
+            <a:off x="794702" y="993700"/>
             <a:ext cx="3553179" cy="1485600"/>
           </a:xfrm>
           <a:prstGeom prst="rect">
@@ -11100,8 +11068,69 @@
               <a:buNone/>
             </a:pPr>
             <a:r>
-              <a:rPr lang="fr-FR" smtClean="0"/>
-              <a:t>Les smart contracts</a:t>
+              <a:rPr lang="fr-FR" dirty="0"/>
+              <a:t>Etude pratique</a:t>
+            </a:r>
+            <a:br>
+              <a:rPr lang="fr-FR" dirty="0"/>
+            </a:br>
+            <a:r>
+              <a:rPr lang="fr-FR" sz="2800" dirty="0"/>
+              <a:t>Parlons </a:t>
+            </a:r>
+            <a:r>
+              <a:rPr lang="fr-FR" sz="2800" dirty="0" err="1"/>
+              <a:t>Ethereum</a:t>
+            </a:r>
+            <a:endParaRPr sz="2800" dirty="0"/>
+          </a:p>
+        </p:txBody>
+      </p:sp>
+      <p:sp>
+        <p:nvSpPr>
+          <p:cNvPr id="80" name="Shape 80"/>
+          <p:cNvSpPr txBox="1">
+            <a:spLocks noGrp="1"/>
+          </p:cNvSpPr>
+          <p:nvPr>
+            <p:ph type="body" idx="2"/>
+          </p:nvPr>
+        </p:nvSpPr>
+        <p:spPr>
+          <a:xfrm>
+            <a:off x="4527269" y="4278917"/>
+            <a:ext cx="1374769" cy="617785"/>
+          </a:xfrm>
+          <a:prstGeom prst="rect">
+            <a:avLst/>
+          </a:prstGeom>
+        </p:spPr>
+        <p:txBody>
+          <a:bodyPr spcFirstLastPara="1" wrap="square" lIns="91425" tIns="91425" rIns="91425" bIns="91425" anchor="t" anchorCtr="0">
+            <a:noAutofit/>
+          </a:bodyPr>
+          <a:lstStyle/>
+          <a:p>
+            <a:pPr marL="0" lvl="0" indent="0">
+              <a:spcBef>
+                <a:spcPts val="1000"/>
+              </a:spcBef>
+              <a:spcAft>
+                <a:spcPts val="0"/>
+              </a:spcAft>
+              <a:buNone/>
+            </a:pPr>
+            <a:r>
+              <a:rPr lang="fr-FR" dirty="0" err="1"/>
+              <a:t>Vitalik</a:t>
+            </a:r>
+            <a:r>
+              <a:rPr lang="fr-FR" dirty="0"/>
+              <a:t> </a:t>
+            </a:r>
+            <a:r>
+              <a:rPr lang="fr-FR" dirty="0" err="1"/>
+              <a:t>Buterin</a:t>
             </a:r>
             <a:endParaRPr dirty="0"/>
           </a:p>
@@ -11143,119 +11172,176 @@
             </a:pPr>
             <a:r>
               <a:rPr lang="en-US" dirty="0"/>
-              <a:t>TROISIEME PARTIE</a:t>
+              <a:t>SECONDE PARTIE</a:t>
             </a:r>
             <a:endParaRPr dirty="0"/>
           </a:p>
         </p:txBody>
       </p:sp>
+      <p:pic>
+        <p:nvPicPr>
+          <p:cNvPr id="6" name="Picture 4">
+            <a:extLst>
+              <a:ext uri="{FF2B5EF4-FFF2-40B4-BE49-F238E27FC236}">
+                <a16:creationId xmlns:a16="http://schemas.microsoft.com/office/drawing/2014/main" id="{45164A43-7FB3-4043-95A2-F0045300A12F}"/>
+              </a:ext>
+            </a:extLst>
+          </p:cNvPr>
+          <p:cNvPicPr>
+            <a:picLocks noChangeAspect="1"/>
+          </p:cNvPicPr>
+          <p:nvPr/>
+        </p:nvPicPr>
+        <p:blipFill>
+          <a:blip r:embed="rId3"/>
+          <a:stretch>
+            <a:fillRect/>
+          </a:stretch>
+        </p:blipFill>
+        <p:spPr>
+          <a:xfrm>
+            <a:off x="5533748" y="236110"/>
+            <a:ext cx="2711899" cy="664505"/>
+          </a:xfrm>
+          <a:prstGeom prst="rect">
+            <a:avLst/>
+          </a:prstGeom>
+        </p:spPr>
+      </p:pic>
+      <p:pic>
+        <p:nvPicPr>
+          <p:cNvPr id="3074" name="Picture 2" descr="RÃ©sultat de recherche d'images pour &quot;Vitalik Buterin&quot;"/>
+          <p:cNvPicPr>
+            <a:picLocks noChangeAspect="1" noChangeArrowheads="1"/>
+          </p:cNvPicPr>
+          <p:nvPr/>
+        </p:nvPicPr>
+        <p:blipFill rotWithShape="1">
+          <a:blip r:embed="rId4">
+            <a:extLst>
+              <a:ext uri="{28A0092B-C50C-407E-A947-70E740481C1C}">
+                <a14:useLocalDpi xmlns:a14="http://schemas.microsoft.com/office/drawing/2010/main" val="0"/>
+              </a:ext>
+            </a:extLst>
+          </a:blip>
+          <a:srcRect l="19881" r="27288" b="16724"/>
+          <a:stretch/>
+        </p:blipFill>
+        <p:spPr bwMode="auto">
+          <a:xfrm>
+            <a:off x="436410" y="2216979"/>
+            <a:ext cx="716585" cy="689471"/>
+          </a:xfrm>
+          <a:prstGeom prst="ellipse">
+            <a:avLst/>
+          </a:prstGeom>
+          <a:ln w="63500" cap="rnd">
+            <a:noFill/>
+          </a:ln>
+          <a:effectLst/>
+          <a:scene3d>
+            <a:camera prst="orthographicFront"/>
+            <a:lightRig rig="contrasting" dir="t">
+              <a:rot lat="0" lon="0" rev="3000000"/>
+            </a:lightRig>
+          </a:scene3d>
+          <a:sp3d contourW="7620">
+            <a:bevelT w="95250" h="31750"/>
+            <a:contourClr>
+              <a:srgbClr val="333333"/>
+            </a:contourClr>
+          </a:sp3d>
+          <a:extLst>
+            <a:ext uri="{909E8E84-426E-40DD-AFC4-6F175D3DCCD1}">
+              <a14:hiddenFill xmlns:a14="http://schemas.microsoft.com/office/drawing/2010/main">
+                <a:solidFill>
+                  <a:srgbClr val="FFFFFF"/>
+                </a:solidFill>
+              </a14:hiddenFill>
+            </a:ext>
+          </a:extLst>
+        </p:spPr>
+      </p:pic>
       <p:sp>
         <p:nvSpPr>
-          <p:cNvPr id="2" name="Rectangle 1"/>
-          <p:cNvSpPr/>
+          <p:cNvPr id="2" name="ZoneTexte 1"/>
+          <p:cNvSpPr txBox="1"/>
           <p:nvPr/>
         </p:nvSpPr>
         <p:spPr>
           <a:xfrm>
-            <a:off x="794703" y="2496589"/>
-            <a:ext cx="1141659" cy="307777"/>
+            <a:off x="1419624" y="2407825"/>
+            <a:ext cx="1826141" cy="400110"/>
           </a:xfrm>
           <a:prstGeom prst="rect">
             <a:avLst/>
           </a:prstGeom>
+          <a:noFill/>
         </p:spPr>
         <p:txBody>
-          <a:bodyPr wrap="none">
+          <a:bodyPr wrap="none" rtlCol="0">
             <a:spAutoFit/>
           </a:bodyPr>
           <a:lstStyle/>
           <a:p>
             <a:r>
-              <a:rPr lang="fr-FR" smtClean="0">
-                <a:solidFill>
-                  <a:srgbClr val="222222"/>
-                </a:solidFill>
-                <a:latin typeface="Arial" panose="020B0604020202020204" pitchFamily="34" charset="0"/>
+              <a:rPr lang="fr-FR" sz="2000" dirty="0" err="1">
+                <a:solidFill>
+                  <a:schemeClr val="bg1"/>
+                </a:solidFill>
+                <a:latin typeface="Raleway" panose="020B0503030101060003" pitchFamily="34" charset="0"/>
               </a:rPr>
-              <a:t> </a:t>
+              <a:t>Vitalik</a:t>
             </a:r>
             <a:r>
-              <a:rPr lang="fr-FR" smtClean="0">
-                <a:solidFill>
-                  <a:srgbClr val="0B0080"/>
-                </a:solidFill>
-                <a:latin typeface="Arial" panose="020B0604020202020204" pitchFamily="34" charset="0"/>
-                <a:hlinkClick r:id="rId3"/>
+              <a:rPr lang="fr-FR" sz="2000" dirty="0">
+                <a:solidFill>
+                  <a:schemeClr val="bg1"/>
+                </a:solidFill>
+                <a:latin typeface="Raleway" panose="020B0503030101060003" pitchFamily="34" charset="0"/>
               </a:rPr>
-              <a:t>Nick Szabo</a:t>
+              <a:t> </a:t>
             </a:r>
-            <a:endParaRPr lang="fr-FR" dirty="0"/>
-          </a:p>
-        </p:txBody>
-      </p:sp>
-      <p:sp>
-        <p:nvSpPr>
-          <p:cNvPr id="3" name="Rectangle 2"/>
-          <p:cNvSpPr/>
-          <p:nvPr/>
-        </p:nvSpPr>
-        <p:spPr>
-          <a:xfrm>
-            <a:off x="2208254" y="2496589"/>
-            <a:ext cx="582211" cy="307777"/>
-          </a:xfrm>
-          <a:prstGeom prst="rect">
-            <a:avLst/>
-          </a:prstGeom>
-        </p:spPr>
-        <p:txBody>
-          <a:bodyPr wrap="none">
-            <a:spAutoFit/>
-          </a:bodyPr>
-          <a:lstStyle/>
-          <a:p>
             <a:r>
-              <a:rPr lang="fr-FR" dirty="0">
-                <a:solidFill>
-                  <a:srgbClr val="222222"/>
-                </a:solidFill>
-                <a:latin typeface="Arial" panose="020B0604020202020204" pitchFamily="34" charset="0"/>
+              <a:rPr lang="fr-FR" sz="2000" dirty="0" err="1">
+                <a:solidFill>
+                  <a:schemeClr val="bg1"/>
+                </a:solidFill>
+                <a:latin typeface="Raleway" panose="020B0503030101060003" pitchFamily="34" charset="0"/>
               </a:rPr>
-              <a:t>1993</a:t>
+              <a:t>Buterin</a:t>
             </a:r>
-            <a:endParaRPr lang="fr-FR" dirty="0"/>
+            <a:endParaRPr lang="fr-FR" sz="2000" dirty="0">
+              <a:solidFill>
+                <a:schemeClr val="bg1"/>
+              </a:solidFill>
+              <a:latin typeface="Raleway" panose="020B0503030101060003" pitchFamily="34" charset="0"/>
+            </a:endParaRPr>
           </a:p>
         </p:txBody>
       </p:sp>
     </p:spTree>
     <p:extLst>
       <p:ext uri="{BB962C8B-B14F-4D97-AF65-F5344CB8AC3E}">
-        <p14:creationId xmlns:p14="http://schemas.microsoft.com/office/powerpoint/2010/main" val="3689458742"/>
+        <p14:creationId xmlns:p14="http://schemas.microsoft.com/office/powerpoint/2010/main" val="3981761334"/>
       </p:ext>
     </p:extLst>
   </p:cSld>
   <p:clrMapOvr>
     <a:masterClrMapping/>
   </p:clrMapOvr>
-  <mc:AlternateContent xmlns:mc="http://schemas.openxmlformats.org/markup-compatibility/2006">
-    <mc:Choice xmlns:p14="http://schemas.microsoft.com/office/powerpoint/2010/main" Requires="p14">
+  <mc:AlternateContent xmlns:mc="http://schemas.openxmlformats.org/markup-compatibility/2006" xmlns:p14="http://schemas.microsoft.com/office/powerpoint/2010/main">
+    <mc:Choice Requires="p14">
       <p:transition spd="med" p14:dur="700">
         <p:fade/>
       </p:transition>
     </mc:Choice>
-    <mc:Fallback>
+    <mc:Fallback xmlns="">
       <p:transition spd="med">
         <p:fade/>
       </p:transition>
     </mc:Fallback>
   </mc:AlternateContent>
-  <p:timing>
-    <p:tnLst>
-      <p:par>
-        <p:cTn id="1" dur="indefinite" restart="never" nodeType="tmRoot"/>
-      </p:par>
-    </p:tnLst>
-  </p:timing>
 </p:sld>
 </file>
 
@@ -11317,20 +11403,20 @@
     </p:spTree>
     <p:extLst>
       <p:ext uri="{BB962C8B-B14F-4D97-AF65-F5344CB8AC3E}">
-        <p14:creationId xmlns:p14="http://schemas.microsoft.com/office/powerpoint/2010/main" val="3528791469"/>
+        <p14:creationId xmlns:p14="http://schemas.microsoft.com/office/powerpoint/2010/main" val="1939389084"/>
       </p:ext>
     </p:extLst>
   </p:cSld>
   <p:clrMapOvr>
     <a:masterClrMapping/>
   </p:clrMapOvr>
-  <mc:AlternateContent xmlns:mc="http://schemas.openxmlformats.org/markup-compatibility/2006">
-    <mc:Choice xmlns:p14="http://schemas.microsoft.com/office/powerpoint/2010/main" Requires="p14">
+  <mc:AlternateContent xmlns:mc="http://schemas.openxmlformats.org/markup-compatibility/2006" xmlns:p14="http://schemas.microsoft.com/office/powerpoint/2010/main">
+    <mc:Choice Requires="p14">
       <p:transition spd="med" p14:dur="700">
         <p:fade/>
       </p:transition>
     </mc:Choice>
-    <mc:Fallback>
+    <mc:Fallback xmlns="">
       <p:transition spd="med">
         <p:fade/>
       </p:transition>
@@ -11391,47 +11477,9 @@
               <a:buNone/>
             </a:pPr>
             <a:r>
-              <a:rPr lang="fr-FR" dirty="0"/>
-              <a:t>A vous de jouer !</a:t>
+              <a:rPr lang="fr-FR"/>
+              <a:t>Les smart contracts</a:t>
             </a:r>
-            <a:endParaRPr dirty="0"/>
-          </a:p>
-        </p:txBody>
-      </p:sp>
-      <p:sp>
-        <p:nvSpPr>
-          <p:cNvPr id="80" name="Shape 80"/>
-          <p:cNvSpPr txBox="1">
-            <a:spLocks noGrp="1"/>
-          </p:cNvSpPr>
-          <p:nvPr>
-            <p:ph type="body" idx="2"/>
-          </p:nvPr>
-        </p:nvSpPr>
-        <p:spPr>
-          <a:xfrm>
-            <a:off x="334962" y="2392363"/>
-            <a:ext cx="4012919" cy="1803300"/>
-          </a:xfrm>
-          <a:prstGeom prst="rect">
-            <a:avLst/>
-          </a:prstGeom>
-        </p:spPr>
-        <p:txBody>
-          <a:bodyPr spcFirstLastPara="1" wrap="square" lIns="91425" tIns="91425" rIns="91425" bIns="91425" anchor="t" anchorCtr="0">
-            <a:noAutofit/>
-          </a:bodyPr>
-          <a:lstStyle/>
-          <a:p>
-            <a:pPr marL="0" lvl="0" indent="0">
-              <a:spcBef>
-                <a:spcPts val="1000"/>
-              </a:spcBef>
-              <a:spcAft>
-                <a:spcPts val="0"/>
-              </a:spcAft>
-              <a:buNone/>
-            </a:pPr>
             <a:endParaRPr dirty="0"/>
           </a:p>
         </p:txBody>
@@ -11449,7 +11497,7 @@
         <p:spPr>
           <a:xfrm>
             <a:off x="334975" y="648400"/>
-            <a:ext cx="1619332" cy="345300"/>
+            <a:ext cx="1516200" cy="345300"/>
           </a:xfrm>
           <a:prstGeom prst="rect">
             <a:avLst/>
@@ -11472,41 +11520,152 @@
             </a:pPr>
             <a:r>
               <a:rPr lang="en-US" dirty="0"/>
-              <a:t>QUATRIEME PARTIE</a:t>
+              <a:t>TROISIEME PARTIE</a:t>
             </a:r>
             <a:endParaRPr dirty="0"/>
+          </a:p>
+        </p:txBody>
+      </p:sp>
+      <p:sp>
+        <p:nvSpPr>
+          <p:cNvPr id="3" name="Rectangle 2"/>
+          <p:cNvSpPr/>
+          <p:nvPr/>
+        </p:nvSpPr>
+        <p:spPr>
+          <a:xfrm>
+            <a:off x="1388136" y="2715420"/>
+            <a:ext cx="582211" cy="307777"/>
+          </a:xfrm>
+          <a:prstGeom prst="rect">
+            <a:avLst/>
+          </a:prstGeom>
+        </p:spPr>
+        <p:txBody>
+          <a:bodyPr wrap="none">
+            <a:spAutoFit/>
+          </a:bodyPr>
+          <a:lstStyle/>
+          <a:p>
+            <a:r>
+              <a:rPr lang="fr-FR" dirty="0">
+                <a:solidFill>
+                  <a:schemeClr val="accent1">
+                    <a:lumMod val="40000"/>
+                    <a:lumOff val="60000"/>
+                  </a:schemeClr>
+                </a:solidFill>
+                <a:latin typeface="Arial" panose="020B0604020202020204" pitchFamily="34" charset="0"/>
+              </a:rPr>
+              <a:t>1993</a:t>
+            </a:r>
+            <a:endParaRPr lang="fr-FR" dirty="0">
+              <a:solidFill>
+                <a:schemeClr val="accent1">
+                  <a:lumMod val="40000"/>
+                  <a:lumOff val="60000"/>
+                </a:schemeClr>
+              </a:solidFill>
+            </a:endParaRPr>
+          </a:p>
+        </p:txBody>
+      </p:sp>
+      <p:pic>
+        <p:nvPicPr>
+          <p:cNvPr id="6" name="Image 5">
+            <a:extLst>
+              <a:ext uri="{FF2B5EF4-FFF2-40B4-BE49-F238E27FC236}">
+                <a16:creationId xmlns:a16="http://schemas.microsoft.com/office/drawing/2014/main" id="{8240B011-5FCF-405F-AEEA-C5BE4C112880}"/>
+              </a:ext>
+            </a:extLst>
+          </p:cNvPr>
+          <p:cNvPicPr>
+            <a:picLocks noChangeAspect="1"/>
+          </p:cNvPicPr>
+          <p:nvPr/>
+        </p:nvPicPr>
+        <p:blipFill>
+          <a:blip r:embed="rId3"/>
+          <a:stretch>
+            <a:fillRect/>
+          </a:stretch>
+        </p:blipFill>
+        <p:spPr>
+          <a:xfrm>
+            <a:off x="441921" y="2211338"/>
+            <a:ext cx="699906" cy="742875"/>
+          </a:xfrm>
+          <a:prstGeom prst="ellipse">
+            <a:avLst/>
+          </a:prstGeom>
+          <a:ln w="63500" cap="rnd">
+            <a:noFill/>
+          </a:ln>
+          <a:effectLst/>
+        </p:spPr>
+      </p:pic>
+      <p:sp>
+        <p:nvSpPr>
+          <p:cNvPr id="9" name="ZoneTexte 8">
+            <a:extLst>
+              <a:ext uri="{FF2B5EF4-FFF2-40B4-BE49-F238E27FC236}">
+                <a16:creationId xmlns:a16="http://schemas.microsoft.com/office/drawing/2014/main" id="{1223457E-C8D4-4008-897D-7987372E79B8}"/>
+              </a:ext>
+            </a:extLst>
+          </p:cNvPr>
+          <p:cNvSpPr txBox="1"/>
+          <p:nvPr/>
+        </p:nvSpPr>
+        <p:spPr>
+          <a:xfrm>
+            <a:off x="1388136" y="2398716"/>
+            <a:ext cx="1515158" cy="400110"/>
+          </a:xfrm>
+          <a:prstGeom prst="rect">
+            <a:avLst/>
+          </a:prstGeom>
+          <a:noFill/>
+        </p:spPr>
+        <p:txBody>
+          <a:bodyPr wrap="none" rtlCol="0">
+            <a:spAutoFit/>
+          </a:bodyPr>
+          <a:lstStyle/>
+          <a:p>
+            <a:r>
+              <a:rPr lang="fr-FR" sz="2000" dirty="0">
+                <a:solidFill>
+                  <a:schemeClr val="bg1"/>
+                </a:solidFill>
+                <a:latin typeface="Raleway" panose="020B0503030101060003" pitchFamily="34" charset="0"/>
+              </a:rPr>
+              <a:t>Nick Szabo</a:t>
+            </a:r>
           </a:p>
         </p:txBody>
       </p:sp>
     </p:spTree>
     <p:extLst>
       <p:ext uri="{BB962C8B-B14F-4D97-AF65-F5344CB8AC3E}">
-        <p14:creationId xmlns:p14="http://schemas.microsoft.com/office/powerpoint/2010/main" val="1457149430"/>
+        <p14:creationId xmlns:p14="http://schemas.microsoft.com/office/powerpoint/2010/main" val="3689458742"/>
       </p:ext>
     </p:extLst>
   </p:cSld>
   <p:clrMapOvr>
     <a:masterClrMapping/>
   </p:clrMapOvr>
-  <mc:AlternateContent xmlns:mc="http://schemas.openxmlformats.org/markup-compatibility/2006">
-    <mc:Choice xmlns:p14="http://schemas.microsoft.com/office/powerpoint/2010/main" Requires="p14">
+  <mc:AlternateContent xmlns:mc="http://schemas.openxmlformats.org/markup-compatibility/2006" xmlns:p14="http://schemas.microsoft.com/office/powerpoint/2010/main">
+    <mc:Choice Requires="p14">
       <p:transition spd="med" p14:dur="700">
         <p:fade/>
       </p:transition>
     </mc:Choice>
-    <mc:Fallback>
+    <mc:Fallback xmlns="">
       <p:transition spd="med">
         <p:fade/>
       </p:transition>
     </mc:Fallback>
   </mc:AlternateContent>
-  <p:timing>
-    <p:tnLst>
-      <p:par>
-        <p:cTn id="1" dur="indefinite" restart="never" nodeType="tmRoot"/>
-      </p:par>
-    </p:tnLst>
-  </p:timing>
 </p:sld>
 </file>
 
@@ -11561,51 +11720,32 @@
               </a:spcAft>
               <a:buNone/>
             </a:pPr>
-            <a:r>
-              <a:rPr lang="fr-FR" dirty="0" err="1"/>
-              <a:t>Lab</a:t>
-            </a:r>
-            <a:r>
-              <a:rPr lang="fr-FR" dirty="0"/>
-              <a:t> #1 –Votre premier </a:t>
-            </a:r>
-            <a:r>
-              <a:rPr lang="fr-FR" dirty="0" err="1"/>
-              <a:t>token</a:t>
-            </a:r>
-            <a:endParaRPr dirty="0"/>
+            <a:endParaRPr/>
           </a:p>
         </p:txBody>
       </p:sp>
     </p:spTree>
     <p:extLst>
       <p:ext uri="{BB962C8B-B14F-4D97-AF65-F5344CB8AC3E}">
-        <p14:creationId xmlns:p14="http://schemas.microsoft.com/office/powerpoint/2010/main" val="1695985569"/>
+        <p14:creationId xmlns:p14="http://schemas.microsoft.com/office/powerpoint/2010/main" val="3528791469"/>
       </p:ext>
     </p:extLst>
   </p:cSld>
   <p:clrMapOvr>
     <a:masterClrMapping/>
   </p:clrMapOvr>
-  <mc:AlternateContent xmlns:mc="http://schemas.openxmlformats.org/markup-compatibility/2006">
-    <mc:Choice xmlns:p14="http://schemas.microsoft.com/office/powerpoint/2010/main" Requires="p14">
+  <mc:AlternateContent xmlns:mc="http://schemas.openxmlformats.org/markup-compatibility/2006" xmlns:p14="http://schemas.microsoft.com/office/powerpoint/2010/main">
+    <mc:Choice Requires="p14">
       <p:transition spd="med" p14:dur="700">
         <p:fade/>
       </p:transition>
     </mc:Choice>
-    <mc:Fallback>
+    <mc:Fallback xmlns="">
       <p:transition spd="med">
         <p:fade/>
       </p:transition>
     </mc:Fallback>
   </mc:AlternateContent>
-  <p:timing>
-    <p:tnLst>
-      <p:par>
-        <p:cTn id="1" dur="indefinite" restart="never" nodeType="tmRoot"/>
-      </p:par>
-    </p:tnLst>
-  </p:timing>
 </p:sld>
 </file>
 
@@ -11614,7 +11754,7 @@
   <p:cSld>
     <p:spTree>
       <p:nvGrpSpPr>
-        <p:cNvPr id="1" name="Shape 85"/>
+        <p:cNvPr id="1" name="Shape 77"/>
         <p:cNvGrpSpPr/>
         <p:nvPr/>
       </p:nvGrpSpPr>
@@ -11628,7 +11768,7 @@
       </p:grpSpPr>
       <p:sp>
         <p:nvSpPr>
-          <p:cNvPr id="88" name="Shape 88"/>
+          <p:cNvPr id="78" name="Shape 78"/>
           <p:cNvSpPr txBox="1">
             <a:spLocks noGrp="1"/>
           </p:cNvSpPr>
@@ -11638,8 +11778,8 @@
         </p:nvSpPr>
         <p:spPr>
           <a:xfrm>
-            <a:off x="449000" y="301500"/>
-            <a:ext cx="8185500" cy="501900"/>
+            <a:off x="794703" y="906639"/>
+            <a:ext cx="3553179" cy="1485600"/>
           </a:xfrm>
           <a:prstGeom prst="rect">
             <a:avLst/>
@@ -11661,24 +11801,88 @@
               <a:buNone/>
             </a:pPr>
             <a:r>
-              <a:rPr lang="fr-FR" dirty="0" err="1"/>
-              <a:t>Lab</a:t>
+              <a:rPr lang="fr-FR" dirty="0"/>
+              <a:t>A vous de jouer !</a:t>
             </a:r>
+            <a:endParaRPr dirty="0"/>
+          </a:p>
+        </p:txBody>
+      </p:sp>
+      <p:sp>
+        <p:nvSpPr>
+          <p:cNvPr id="80" name="Shape 80"/>
+          <p:cNvSpPr txBox="1">
+            <a:spLocks noGrp="1"/>
+          </p:cNvSpPr>
+          <p:nvPr>
+            <p:ph type="body" idx="2"/>
+          </p:nvPr>
+        </p:nvSpPr>
+        <p:spPr>
+          <a:xfrm>
+            <a:off x="334962" y="2392363"/>
+            <a:ext cx="4012919" cy="1803300"/>
+          </a:xfrm>
+          <a:prstGeom prst="rect">
+            <a:avLst/>
+          </a:prstGeom>
+        </p:spPr>
+        <p:txBody>
+          <a:bodyPr spcFirstLastPara="1" wrap="square" lIns="91425" tIns="91425" rIns="91425" bIns="91425" anchor="t" anchorCtr="0">
+            <a:noAutofit/>
+          </a:bodyPr>
+          <a:lstStyle/>
+          <a:p>
+            <a:pPr marL="0" lvl="0" indent="0">
+              <a:spcBef>
+                <a:spcPts val="1000"/>
+              </a:spcBef>
+              <a:spcAft>
+                <a:spcPts val="0"/>
+              </a:spcAft>
+              <a:buNone/>
+            </a:pPr>
+            <a:endParaRPr dirty="0"/>
+          </a:p>
+        </p:txBody>
+      </p:sp>
+      <p:sp>
+        <p:nvSpPr>
+          <p:cNvPr id="81" name="Shape 81"/>
+          <p:cNvSpPr txBox="1">
+            <a:spLocks noGrp="1"/>
+          </p:cNvSpPr>
+          <p:nvPr>
+            <p:ph type="subTitle" idx="3"/>
+          </p:nvPr>
+        </p:nvSpPr>
+        <p:spPr>
+          <a:xfrm>
+            <a:off x="334975" y="648400"/>
+            <a:ext cx="1619332" cy="345300"/>
+          </a:xfrm>
+          <a:prstGeom prst="rect">
+            <a:avLst/>
+          </a:prstGeom>
+        </p:spPr>
+        <p:txBody>
+          <a:bodyPr spcFirstLastPara="1" wrap="square" lIns="91425" tIns="91425" rIns="91425" bIns="91425" anchor="b" anchorCtr="0">
+            <a:noAutofit/>
+          </a:bodyPr>
+          <a:lstStyle/>
+          <a:p>
+            <a:pPr marL="0" lvl="0" indent="0">
+              <a:spcBef>
+                <a:spcPts val="1000"/>
+              </a:spcBef>
+              <a:spcAft>
+                <a:spcPts val="0"/>
+              </a:spcAft>
+              <a:buNone/>
+            </a:pPr>
             <a:r>
-              <a:rPr lang="fr-FR" dirty="0"/>
-              <a:t> #</a:t>
-            </a:r>
-            <a:r>
-              <a:rPr lang="fr-FR" dirty="0" smtClean="0"/>
-              <a:t>2 – Smart </a:t>
-            </a:r>
-            <a:r>
-              <a:rPr lang="fr-FR" dirty="0" err="1" smtClean="0"/>
-              <a:t>Contract</a:t>
-            </a:r>
-            <a:r>
-              <a:rPr lang="fr-FR" dirty="0" smtClean="0"/>
-              <a:t>, partie 1</a:t>
+              <a:rPr lang="en-US" dirty="0"/>
+              <a:t>QUATRIEME PARTIE</a:t>
             </a:r>
             <a:endParaRPr dirty="0"/>
           </a:p>
@@ -11687,32 +11891,25 @@
     </p:spTree>
     <p:extLst>
       <p:ext uri="{BB962C8B-B14F-4D97-AF65-F5344CB8AC3E}">
-        <p14:creationId xmlns:p14="http://schemas.microsoft.com/office/powerpoint/2010/main" val="765527127"/>
+        <p14:creationId xmlns:p14="http://schemas.microsoft.com/office/powerpoint/2010/main" val="1457149430"/>
       </p:ext>
     </p:extLst>
   </p:cSld>
   <p:clrMapOvr>
     <a:masterClrMapping/>
   </p:clrMapOvr>
-  <mc:AlternateContent xmlns:mc="http://schemas.openxmlformats.org/markup-compatibility/2006">
-    <mc:Choice xmlns:p14="http://schemas.microsoft.com/office/powerpoint/2010/main" Requires="p14">
+  <mc:AlternateContent xmlns:mc="http://schemas.openxmlformats.org/markup-compatibility/2006" xmlns:p14="http://schemas.microsoft.com/office/powerpoint/2010/main">
+    <mc:Choice Requires="p14">
       <p:transition spd="med" p14:dur="700">
         <p:fade/>
       </p:transition>
     </mc:Choice>
-    <mc:Fallback>
+    <mc:Fallback xmlns="">
       <p:transition spd="med">
         <p:fade/>
       </p:transition>
     </mc:Fallback>
   </mc:AlternateContent>
-  <p:timing>
-    <p:tnLst>
-      <p:par>
-        <p:cTn id="1" dur="indefinite" restart="never" nodeType="tmRoot"/>
-      </p:par>
-    </p:tnLst>
-  </p:timing>
 </p:sld>
 </file>
 
@@ -11773,11 +11970,11 @@
             </a:r>
             <a:r>
               <a:rPr lang="fr-FR" dirty="0"/>
-              <a:t> #3 </a:t>
+              <a:t> #1 –Votre premier </a:t>
             </a:r>
             <a:r>
-              <a:rPr lang="fr-FR" dirty="0" smtClean="0"/>
-              <a:t>– Crypto-Roulette </a:t>
+              <a:rPr lang="fr-FR" dirty="0" err="1"/>
+              <a:t>token</a:t>
             </a:r>
             <a:endParaRPr dirty="0"/>
           </a:p>
@@ -11786,32 +11983,25 @@
     </p:spTree>
     <p:extLst>
       <p:ext uri="{BB962C8B-B14F-4D97-AF65-F5344CB8AC3E}">
-        <p14:creationId xmlns:p14="http://schemas.microsoft.com/office/powerpoint/2010/main" val="2009903290"/>
+        <p14:creationId xmlns:p14="http://schemas.microsoft.com/office/powerpoint/2010/main" val="1695985569"/>
       </p:ext>
     </p:extLst>
   </p:cSld>
   <p:clrMapOvr>
     <a:masterClrMapping/>
   </p:clrMapOvr>
-  <mc:AlternateContent xmlns:mc="http://schemas.openxmlformats.org/markup-compatibility/2006">
-    <mc:Choice xmlns:p14="http://schemas.microsoft.com/office/powerpoint/2010/main" Requires="p14">
+  <mc:AlternateContent xmlns:mc="http://schemas.openxmlformats.org/markup-compatibility/2006" xmlns:p14="http://schemas.microsoft.com/office/powerpoint/2010/main">
+    <mc:Choice Requires="p14">
       <p:transition spd="med" p14:dur="700">
         <p:fade/>
       </p:transition>
     </mc:Choice>
-    <mc:Fallback>
+    <mc:Fallback xmlns="">
       <p:transition spd="med">
         <p:fade/>
       </p:transition>
     </mc:Fallback>
   </mc:AlternateContent>
-  <p:timing>
-    <p:tnLst>
-      <p:par>
-        <p:cTn id="1" dur="indefinite" restart="never" nodeType="tmRoot"/>
-      </p:par>
-    </p:tnLst>
-  </p:timing>
 </p:sld>
 </file>
 
@@ -11820,7 +12010,7 @@
   <p:cSld>
     <p:spTree>
       <p:nvGrpSpPr>
-        <p:cNvPr id="1" name="Shape 77"/>
+        <p:cNvPr id="1" name="Shape 85"/>
         <p:cNvGrpSpPr/>
         <p:nvPr/>
       </p:nvGrpSpPr>
@@ -11834,7 +12024,7 @@
       </p:grpSpPr>
       <p:sp>
         <p:nvSpPr>
-          <p:cNvPr id="78" name="Shape 78"/>
+          <p:cNvPr id="88" name="Shape 88"/>
           <p:cNvSpPr txBox="1">
             <a:spLocks noGrp="1"/>
           </p:cNvSpPr>
@@ -11844,8 +12034,8 @@
         </p:nvSpPr>
         <p:spPr>
           <a:xfrm>
-            <a:off x="794703" y="906639"/>
-            <a:ext cx="3553179" cy="1485600"/>
+            <a:off x="449000" y="301500"/>
+            <a:ext cx="8185500" cy="501900"/>
           </a:xfrm>
           <a:prstGeom prst="rect">
             <a:avLst/>
@@ -11867,88 +12057,20 @@
               <a:buNone/>
             </a:pPr>
             <a:r>
+              <a:rPr lang="fr-FR" dirty="0" err="1"/>
+              <a:t>Lab</a:t>
+            </a:r>
+            <a:r>
               <a:rPr lang="fr-FR" dirty="0"/>
-              <a:t>Et après ?</a:t>
+              <a:t> #2 – Smart </a:t>
             </a:r>
-            <a:endParaRPr dirty="0"/>
-          </a:p>
-        </p:txBody>
-      </p:sp>
-      <p:sp>
-        <p:nvSpPr>
-          <p:cNvPr id="80" name="Shape 80"/>
-          <p:cNvSpPr txBox="1">
-            <a:spLocks noGrp="1"/>
-          </p:cNvSpPr>
-          <p:nvPr>
-            <p:ph type="body" idx="2"/>
-          </p:nvPr>
-        </p:nvSpPr>
-        <p:spPr>
-          <a:xfrm>
-            <a:off x="334962" y="2392363"/>
-            <a:ext cx="4012919" cy="1803300"/>
-          </a:xfrm>
-          <a:prstGeom prst="rect">
-            <a:avLst/>
-          </a:prstGeom>
-        </p:spPr>
-        <p:txBody>
-          <a:bodyPr spcFirstLastPara="1" wrap="square" lIns="91425" tIns="91425" rIns="91425" bIns="91425" anchor="t" anchorCtr="0">
-            <a:noAutofit/>
-          </a:bodyPr>
-          <a:lstStyle/>
-          <a:p>
-            <a:pPr marL="0" lvl="0" indent="0">
-              <a:spcBef>
-                <a:spcPts val="1000"/>
-              </a:spcBef>
-              <a:spcAft>
-                <a:spcPts val="0"/>
-              </a:spcAft>
-              <a:buNone/>
-            </a:pPr>
-            <a:endParaRPr dirty="0"/>
-          </a:p>
-        </p:txBody>
-      </p:sp>
-      <p:sp>
-        <p:nvSpPr>
-          <p:cNvPr id="81" name="Shape 81"/>
-          <p:cNvSpPr txBox="1">
-            <a:spLocks noGrp="1"/>
-          </p:cNvSpPr>
-          <p:nvPr>
-            <p:ph type="subTitle" idx="3"/>
-          </p:nvPr>
-        </p:nvSpPr>
-        <p:spPr>
-          <a:xfrm>
-            <a:off x="334975" y="648400"/>
-            <a:ext cx="1516200" cy="345300"/>
-          </a:xfrm>
-          <a:prstGeom prst="rect">
-            <a:avLst/>
-          </a:prstGeom>
-        </p:spPr>
-        <p:txBody>
-          <a:bodyPr spcFirstLastPara="1" wrap="square" lIns="91425" tIns="91425" rIns="91425" bIns="91425" anchor="b" anchorCtr="0">
-            <a:noAutofit/>
-          </a:bodyPr>
-          <a:lstStyle/>
-          <a:p>
-            <a:pPr marL="0" lvl="0" indent="0">
-              <a:spcBef>
-                <a:spcPts val="1000"/>
-              </a:spcBef>
-              <a:spcAft>
-                <a:spcPts val="0"/>
-              </a:spcAft>
-              <a:buNone/>
-            </a:pPr>
             <a:r>
-              <a:rPr lang="en-US" dirty="0"/>
-              <a:t>ULTIME PARTIE</a:t>
+              <a:rPr lang="fr-FR" dirty="0" err="1"/>
+              <a:t>Contract</a:t>
+            </a:r>
+            <a:r>
+              <a:rPr lang="fr-FR" dirty="0"/>
+              <a:t>, partie 1</a:t>
             </a:r>
             <a:endParaRPr dirty="0"/>
           </a:p>
@@ -11957,32 +12079,25 @@
     </p:spTree>
     <p:extLst>
       <p:ext uri="{BB962C8B-B14F-4D97-AF65-F5344CB8AC3E}">
-        <p14:creationId xmlns:p14="http://schemas.microsoft.com/office/powerpoint/2010/main" val="641614525"/>
+        <p14:creationId xmlns:p14="http://schemas.microsoft.com/office/powerpoint/2010/main" val="765527127"/>
       </p:ext>
     </p:extLst>
   </p:cSld>
   <p:clrMapOvr>
     <a:masterClrMapping/>
   </p:clrMapOvr>
-  <mc:AlternateContent xmlns:mc="http://schemas.openxmlformats.org/markup-compatibility/2006">
-    <mc:Choice xmlns:p14="http://schemas.microsoft.com/office/powerpoint/2010/main" Requires="p14">
+  <mc:AlternateContent xmlns:mc="http://schemas.openxmlformats.org/markup-compatibility/2006" xmlns:p14="http://schemas.microsoft.com/office/powerpoint/2010/main">
+    <mc:Choice Requires="p14">
       <p:transition spd="med" p14:dur="700">
         <p:fade/>
       </p:transition>
     </mc:Choice>
-    <mc:Fallback>
+    <mc:Fallback xmlns="">
       <p:transition spd="med">
         <p:fade/>
       </p:transition>
     </mc:Fallback>
   </mc:AlternateContent>
-  <p:timing>
-    <p:tnLst>
-      <p:par>
-        <p:cTn id="1" dur="indefinite" restart="never" nodeType="tmRoot"/>
-      </p:par>
-    </p:tnLst>
-  </p:timing>
 </p:sld>
 </file>
 
@@ -12092,7 +12207,7 @@
           <p:cNvPr id="2" name="Ellipse 1">
             <a:extLst>
               <a:ext uri="{FF2B5EF4-FFF2-40B4-BE49-F238E27FC236}">
-                <a16:creationId xmlns:a16="http://schemas.microsoft.com/office/drawing/2014/main" xmlns="" id="{2888312F-8AAF-4D81-84C8-2B1A65DB6086}"/>
+                <a16:creationId xmlns:a16="http://schemas.microsoft.com/office/drawing/2014/main" id="{2888312F-8AAF-4D81-84C8-2B1A65DB6086}"/>
               </a:ext>
             </a:extLst>
           </p:cNvPr>
@@ -12136,7 +12251,7 @@
           <p:cNvPr id="9" name="Image 8">
             <a:extLst>
               <a:ext uri="{FF2B5EF4-FFF2-40B4-BE49-F238E27FC236}">
-                <a16:creationId xmlns:a16="http://schemas.microsoft.com/office/drawing/2014/main" xmlns="" id="{D5026E6C-EF7A-4CBD-A6A1-AA54B9A5EAE3}"/>
+                <a16:creationId xmlns:a16="http://schemas.microsoft.com/office/drawing/2014/main" id="{D5026E6C-EF7A-4CBD-A6A1-AA54B9A5EAE3}"/>
               </a:ext>
             </a:extLst>
           </p:cNvPr>
@@ -12166,7 +12281,7 @@
           <p:cNvPr id="14" name="Image 13">
             <a:extLst>
               <a:ext uri="{FF2B5EF4-FFF2-40B4-BE49-F238E27FC236}">
-                <a16:creationId xmlns:a16="http://schemas.microsoft.com/office/drawing/2014/main" xmlns="" id="{DCD8DAE9-94DE-46F3-B9E0-97CFF29EB172}"/>
+                <a16:creationId xmlns:a16="http://schemas.microsoft.com/office/drawing/2014/main" id="{DCD8DAE9-94DE-46F3-B9E0-97CFF29EB172}"/>
               </a:ext>
             </a:extLst>
           </p:cNvPr>
@@ -12196,7 +12311,7 @@
           <p:cNvPr id="15" name="Image 14">
             <a:extLst>
               <a:ext uri="{FF2B5EF4-FFF2-40B4-BE49-F238E27FC236}">
-                <a16:creationId xmlns:a16="http://schemas.microsoft.com/office/drawing/2014/main" xmlns="" id="{2916AD7A-AB1B-4186-B247-A12C19EDF831}"/>
+                <a16:creationId xmlns:a16="http://schemas.microsoft.com/office/drawing/2014/main" id="{2916AD7A-AB1B-4186-B247-A12C19EDF831}"/>
               </a:ext>
             </a:extLst>
           </p:cNvPr>
@@ -12226,7 +12341,7 @@
           <p:cNvPr id="16" name="Image 15">
             <a:extLst>
               <a:ext uri="{FF2B5EF4-FFF2-40B4-BE49-F238E27FC236}">
-                <a16:creationId xmlns:a16="http://schemas.microsoft.com/office/drawing/2014/main" xmlns="" id="{D6244CC8-B1EC-4B9B-8B76-3AF33D3E1D4F}"/>
+                <a16:creationId xmlns:a16="http://schemas.microsoft.com/office/drawing/2014/main" id="{D6244CC8-B1EC-4B9B-8B76-3AF33D3E1D4F}"/>
               </a:ext>
             </a:extLst>
           </p:cNvPr>
@@ -12256,7 +12371,7 @@
           <p:cNvPr id="17" name="Image 16">
             <a:extLst>
               <a:ext uri="{FF2B5EF4-FFF2-40B4-BE49-F238E27FC236}">
-                <a16:creationId xmlns:a16="http://schemas.microsoft.com/office/drawing/2014/main" xmlns="" id="{D1263339-3251-493C-821F-F2EEAB7449DE}"/>
+                <a16:creationId xmlns:a16="http://schemas.microsoft.com/office/drawing/2014/main" id="{D1263339-3251-493C-821F-F2EEAB7449DE}"/>
               </a:ext>
             </a:extLst>
           </p:cNvPr>
@@ -12286,7 +12401,7 @@
           <p:cNvPr id="18" name="Image 17">
             <a:extLst>
               <a:ext uri="{FF2B5EF4-FFF2-40B4-BE49-F238E27FC236}">
-                <a16:creationId xmlns:a16="http://schemas.microsoft.com/office/drawing/2014/main" xmlns="" id="{0E742DAC-EE11-44A2-A40D-80C521556B53}"/>
+                <a16:creationId xmlns:a16="http://schemas.microsoft.com/office/drawing/2014/main" id="{0E742DAC-EE11-44A2-A40D-80C521556B53}"/>
               </a:ext>
             </a:extLst>
           </p:cNvPr>
@@ -12316,7 +12431,7 @@
           <p:cNvPr id="11" name="Image 10">
             <a:extLst>
               <a:ext uri="{FF2B5EF4-FFF2-40B4-BE49-F238E27FC236}">
-                <a16:creationId xmlns:a16="http://schemas.microsoft.com/office/drawing/2014/main" xmlns="" id="{4744EFBE-B21E-4925-BAA0-0FC4CE36EC36}"/>
+                <a16:creationId xmlns:a16="http://schemas.microsoft.com/office/drawing/2014/main" id="{4744EFBE-B21E-4925-BAA0-0FC4CE36EC36}"/>
               </a:ext>
             </a:extLst>
           </p:cNvPr>
@@ -12346,7 +12461,7 @@
           <p:cNvPr id="13" name="Image 12">
             <a:extLst>
               <a:ext uri="{FF2B5EF4-FFF2-40B4-BE49-F238E27FC236}">
-                <a16:creationId xmlns:a16="http://schemas.microsoft.com/office/drawing/2014/main" xmlns="" id="{4CB6C370-7EE9-4FA2-8AC3-E71423E37567}"/>
+                <a16:creationId xmlns:a16="http://schemas.microsoft.com/office/drawing/2014/main" id="{4CB6C370-7EE9-4FA2-8AC3-E71423E37567}"/>
               </a:ext>
             </a:extLst>
           </p:cNvPr>
@@ -12376,7 +12491,7 @@
           <p:cNvPr id="25" name="Image 24">
             <a:extLst>
               <a:ext uri="{FF2B5EF4-FFF2-40B4-BE49-F238E27FC236}">
-                <a16:creationId xmlns:a16="http://schemas.microsoft.com/office/drawing/2014/main" xmlns="" id="{F5D9955E-4788-4140-95DB-DED1E00D4BC4}"/>
+                <a16:creationId xmlns:a16="http://schemas.microsoft.com/office/drawing/2014/main" id="{F5D9955E-4788-4140-95DB-DED1E00D4BC4}"/>
               </a:ext>
             </a:extLst>
           </p:cNvPr>
@@ -12406,7 +12521,7 @@
           <p:cNvPr id="23" name="Image 22">
             <a:extLst>
               <a:ext uri="{FF2B5EF4-FFF2-40B4-BE49-F238E27FC236}">
-                <a16:creationId xmlns:a16="http://schemas.microsoft.com/office/drawing/2014/main" xmlns="" id="{C29115E2-EA7B-42C4-9A28-C7A6539BFA1E}"/>
+                <a16:creationId xmlns:a16="http://schemas.microsoft.com/office/drawing/2014/main" id="{C29115E2-EA7B-42C4-9A28-C7A6539BFA1E}"/>
               </a:ext>
             </a:extLst>
           </p:cNvPr>
@@ -12436,7 +12551,7 @@
           <p:cNvPr id="29" name="Image 28">
             <a:extLst>
               <a:ext uri="{FF2B5EF4-FFF2-40B4-BE49-F238E27FC236}">
-                <a16:creationId xmlns:a16="http://schemas.microsoft.com/office/drawing/2014/main" xmlns="" id="{219325F5-9DDC-4B5C-A730-FF5A3C43CFD9}"/>
+                <a16:creationId xmlns:a16="http://schemas.microsoft.com/office/drawing/2014/main" id="{219325F5-9DDC-4B5C-A730-FF5A3C43CFD9}"/>
               </a:ext>
             </a:extLst>
           </p:cNvPr>
@@ -12466,7 +12581,7 @@
           <p:cNvPr id="30" name="Image 29">
             <a:extLst>
               <a:ext uri="{FF2B5EF4-FFF2-40B4-BE49-F238E27FC236}">
-                <a16:creationId xmlns:a16="http://schemas.microsoft.com/office/drawing/2014/main" xmlns="" id="{E5C216C0-F25E-4D21-A162-898903ABB38D}"/>
+                <a16:creationId xmlns:a16="http://schemas.microsoft.com/office/drawing/2014/main" id="{E5C216C0-F25E-4D21-A162-898903ABB38D}"/>
               </a:ext>
             </a:extLst>
           </p:cNvPr>
@@ -12496,13 +12611,13 @@
   <p:clrMapOvr>
     <a:masterClrMapping/>
   </p:clrMapOvr>
-  <mc:AlternateContent xmlns:mc="http://schemas.openxmlformats.org/markup-compatibility/2006">
-    <mc:Choice xmlns:p14="http://schemas.microsoft.com/office/powerpoint/2010/main" Requires="p14">
+  <mc:AlternateContent xmlns:mc="http://schemas.openxmlformats.org/markup-compatibility/2006" xmlns:p14="http://schemas.microsoft.com/office/powerpoint/2010/main">
+    <mc:Choice Requires="p14">
       <p:transition spd="med" p14:dur="700">
         <p:fade/>
       </p:transition>
     </mc:Choice>
-    <mc:Fallback>
+    <mc:Fallback xmlns="">
       <p:transition spd="med">
         <p:fade/>
       </p:transition>
@@ -13475,10 +13590,262 @@
       </p:grpSpPr>
       <p:sp>
         <p:nvSpPr>
+          <p:cNvPr id="88" name="Shape 88"/>
+          <p:cNvSpPr txBox="1">
+            <a:spLocks noGrp="1"/>
+          </p:cNvSpPr>
+          <p:nvPr>
+            <p:ph type="title"/>
+          </p:nvPr>
+        </p:nvSpPr>
+        <p:spPr>
+          <a:xfrm>
+            <a:off x="449000" y="301500"/>
+            <a:ext cx="8185500" cy="501900"/>
+          </a:xfrm>
+          <a:prstGeom prst="rect">
+            <a:avLst/>
+          </a:prstGeom>
+        </p:spPr>
+        <p:txBody>
+          <a:bodyPr spcFirstLastPara="1" wrap="square" lIns="91425" tIns="91425" rIns="91425" bIns="91425" anchor="t" anchorCtr="0">
+            <a:noAutofit/>
+          </a:bodyPr>
+          <a:lstStyle/>
+          <a:p>
+            <a:pPr marL="0" lvl="0" indent="0">
+              <a:spcBef>
+                <a:spcPts val="0"/>
+              </a:spcBef>
+              <a:spcAft>
+                <a:spcPts val="0"/>
+              </a:spcAft>
+              <a:buNone/>
+            </a:pPr>
+            <a:r>
+              <a:rPr lang="fr-FR" dirty="0" err="1"/>
+              <a:t>Lab</a:t>
+            </a:r>
+            <a:r>
+              <a:rPr lang="fr-FR" dirty="0"/>
+              <a:t> #3 – Crypto-Roulette </a:t>
+            </a:r>
+            <a:endParaRPr dirty="0"/>
+          </a:p>
+        </p:txBody>
+      </p:sp>
+    </p:spTree>
+    <p:extLst>
+      <p:ext uri="{BB962C8B-B14F-4D97-AF65-F5344CB8AC3E}">
+        <p14:creationId xmlns:p14="http://schemas.microsoft.com/office/powerpoint/2010/main" val="2009903290"/>
+      </p:ext>
+    </p:extLst>
+  </p:cSld>
+  <p:clrMapOvr>
+    <a:masterClrMapping/>
+  </p:clrMapOvr>
+  <mc:AlternateContent xmlns:mc="http://schemas.openxmlformats.org/markup-compatibility/2006" xmlns:p14="http://schemas.microsoft.com/office/powerpoint/2010/main">
+    <mc:Choice Requires="p14">
+      <p:transition spd="med" p14:dur="700">
+        <p:fade/>
+      </p:transition>
+    </mc:Choice>
+    <mc:Fallback xmlns="">
+      <p:transition spd="med">
+        <p:fade/>
+      </p:transition>
+    </mc:Fallback>
+  </mc:AlternateContent>
+</p:sld>
+</file>
+
+<file path=ppt/slides/slide21.xml><?xml version="1.0" encoding="utf-8"?>
+<p:sld xmlns:a="http://schemas.openxmlformats.org/drawingml/2006/main" xmlns:r="http://schemas.openxmlformats.org/officeDocument/2006/relationships" xmlns:p="http://schemas.openxmlformats.org/presentationml/2006/main">
+  <p:cSld>
+    <p:spTree>
+      <p:nvGrpSpPr>
+        <p:cNvPr id="1" name="Shape 77"/>
+        <p:cNvGrpSpPr/>
+        <p:nvPr/>
+      </p:nvGrpSpPr>
+      <p:grpSpPr>
+        <a:xfrm>
+          <a:off x="0" y="0"/>
+          <a:ext cx="0" cy="0"/>
+          <a:chOff x="0" y="0"/>
+          <a:chExt cx="0" cy="0"/>
+        </a:xfrm>
+      </p:grpSpPr>
+      <p:sp>
+        <p:nvSpPr>
+          <p:cNvPr id="78" name="Shape 78"/>
+          <p:cNvSpPr txBox="1">
+            <a:spLocks noGrp="1"/>
+          </p:cNvSpPr>
+          <p:nvPr>
+            <p:ph type="title"/>
+          </p:nvPr>
+        </p:nvSpPr>
+        <p:spPr>
+          <a:xfrm>
+            <a:off x="794703" y="906639"/>
+            <a:ext cx="3553179" cy="1485600"/>
+          </a:xfrm>
+          <a:prstGeom prst="rect">
+            <a:avLst/>
+          </a:prstGeom>
+        </p:spPr>
+        <p:txBody>
+          <a:bodyPr spcFirstLastPara="1" wrap="square" lIns="91425" tIns="91425" rIns="91425" bIns="91425" anchor="t" anchorCtr="0">
+            <a:noAutofit/>
+          </a:bodyPr>
+          <a:lstStyle/>
+          <a:p>
+            <a:pPr marL="0" lvl="0" indent="0">
+              <a:spcBef>
+                <a:spcPts val="0"/>
+              </a:spcBef>
+              <a:spcAft>
+                <a:spcPts val="0"/>
+              </a:spcAft>
+              <a:buNone/>
+            </a:pPr>
+            <a:r>
+              <a:rPr lang="fr-FR" dirty="0"/>
+              <a:t>Et après ?</a:t>
+            </a:r>
+            <a:endParaRPr dirty="0"/>
+          </a:p>
+        </p:txBody>
+      </p:sp>
+      <p:sp>
+        <p:nvSpPr>
+          <p:cNvPr id="80" name="Shape 80"/>
+          <p:cNvSpPr txBox="1">
+            <a:spLocks noGrp="1"/>
+          </p:cNvSpPr>
+          <p:nvPr>
+            <p:ph type="body" idx="2"/>
+          </p:nvPr>
+        </p:nvSpPr>
+        <p:spPr>
+          <a:xfrm>
+            <a:off x="334962" y="2392363"/>
+            <a:ext cx="4012919" cy="1803300"/>
+          </a:xfrm>
+          <a:prstGeom prst="rect">
+            <a:avLst/>
+          </a:prstGeom>
+        </p:spPr>
+        <p:txBody>
+          <a:bodyPr spcFirstLastPara="1" wrap="square" lIns="91425" tIns="91425" rIns="91425" bIns="91425" anchor="t" anchorCtr="0">
+            <a:noAutofit/>
+          </a:bodyPr>
+          <a:lstStyle/>
+          <a:p>
+            <a:pPr marL="0" lvl="0" indent="0">
+              <a:spcBef>
+                <a:spcPts val="1000"/>
+              </a:spcBef>
+              <a:spcAft>
+                <a:spcPts val="0"/>
+              </a:spcAft>
+              <a:buNone/>
+            </a:pPr>
+            <a:endParaRPr dirty="0"/>
+          </a:p>
+        </p:txBody>
+      </p:sp>
+      <p:sp>
+        <p:nvSpPr>
+          <p:cNvPr id="81" name="Shape 81"/>
+          <p:cNvSpPr txBox="1">
+            <a:spLocks noGrp="1"/>
+          </p:cNvSpPr>
+          <p:nvPr>
+            <p:ph type="subTitle" idx="3"/>
+          </p:nvPr>
+        </p:nvSpPr>
+        <p:spPr>
+          <a:xfrm>
+            <a:off x="334975" y="648400"/>
+            <a:ext cx="1516200" cy="345300"/>
+          </a:xfrm>
+          <a:prstGeom prst="rect">
+            <a:avLst/>
+          </a:prstGeom>
+        </p:spPr>
+        <p:txBody>
+          <a:bodyPr spcFirstLastPara="1" wrap="square" lIns="91425" tIns="91425" rIns="91425" bIns="91425" anchor="b" anchorCtr="0">
+            <a:noAutofit/>
+          </a:bodyPr>
+          <a:lstStyle/>
+          <a:p>
+            <a:pPr marL="0" lvl="0" indent="0">
+              <a:spcBef>
+                <a:spcPts val="1000"/>
+              </a:spcBef>
+              <a:spcAft>
+                <a:spcPts val="0"/>
+              </a:spcAft>
+              <a:buNone/>
+            </a:pPr>
+            <a:r>
+              <a:rPr lang="en-US" dirty="0"/>
+              <a:t>ULTIME PARTIE</a:t>
+            </a:r>
+            <a:endParaRPr dirty="0"/>
+          </a:p>
+        </p:txBody>
+      </p:sp>
+    </p:spTree>
+    <p:extLst>
+      <p:ext uri="{BB962C8B-B14F-4D97-AF65-F5344CB8AC3E}">
+        <p14:creationId xmlns:p14="http://schemas.microsoft.com/office/powerpoint/2010/main" val="641614525"/>
+      </p:ext>
+    </p:extLst>
+  </p:cSld>
+  <p:clrMapOvr>
+    <a:masterClrMapping/>
+  </p:clrMapOvr>
+  <mc:AlternateContent xmlns:mc="http://schemas.openxmlformats.org/markup-compatibility/2006" xmlns:p14="http://schemas.microsoft.com/office/powerpoint/2010/main">
+    <mc:Choice Requires="p14">
+      <p:transition spd="med" p14:dur="700">
+        <p:fade/>
+      </p:transition>
+    </mc:Choice>
+    <mc:Fallback xmlns="">
+      <p:transition spd="med">
+        <p:fade/>
+      </p:transition>
+    </mc:Fallback>
+  </mc:AlternateContent>
+</p:sld>
+</file>
+
+<file path=ppt/slides/slide22.xml><?xml version="1.0" encoding="utf-8"?>
+<p:sld xmlns:a="http://schemas.openxmlformats.org/drawingml/2006/main" xmlns:r="http://schemas.openxmlformats.org/officeDocument/2006/relationships" xmlns:p="http://schemas.openxmlformats.org/presentationml/2006/main">
+  <p:cSld>
+    <p:spTree>
+      <p:nvGrpSpPr>
+        <p:cNvPr id="1" name="Shape 85"/>
+        <p:cNvGrpSpPr/>
+        <p:nvPr/>
+      </p:nvGrpSpPr>
+      <p:grpSpPr>
+        <a:xfrm>
+          <a:off x="0" y="0"/>
+          <a:ext cx="0" cy="0"/>
+          <a:chOff x="0" y="0"/>
+          <a:chExt cx="0" cy="0"/>
+        </a:xfrm>
+      </p:grpSpPr>
+      <p:sp>
+        <p:nvSpPr>
           <p:cNvPr id="3" name="Titre 2">
             <a:extLst>
               <a:ext uri="{FF2B5EF4-FFF2-40B4-BE49-F238E27FC236}">
-                <a16:creationId xmlns:a16="http://schemas.microsoft.com/office/drawing/2014/main" xmlns="" id="{4253CC8C-5FB3-4E54-AA2D-E4DEF1DD15E8}"/>
+                <a16:creationId xmlns:a16="http://schemas.microsoft.com/office/drawing/2014/main" id="{4253CC8C-5FB3-4E54-AA2D-E4DEF1DD15E8}"/>
               </a:ext>
             </a:extLst>
           </p:cNvPr>
@@ -13511,7 +13878,7 @@
           <p:cNvPr id="4" name="Titre 2">
             <a:extLst>
               <a:ext uri="{FF2B5EF4-FFF2-40B4-BE49-F238E27FC236}">
-                <a16:creationId xmlns:a16="http://schemas.microsoft.com/office/drawing/2014/main" xmlns="" id="{26D20128-BC18-4968-95C4-F79E7A1866B7}"/>
+                <a16:creationId xmlns:a16="http://schemas.microsoft.com/office/drawing/2014/main" id="{26D20128-BC18-4968-95C4-F79E7A1866B7}"/>
               </a:ext>
             </a:extLst>
           </p:cNvPr>
@@ -13790,6 +14157,389 @@
                 </a:solidFill>
               </a:rPr>
               <a:t>Références:</a:t>
+            </a:r>
+          </a:p>
+        </p:txBody>
+      </p:sp>
+      <p:pic>
+        <p:nvPicPr>
+          <p:cNvPr id="2050" name="Picture 2" descr="https://www.crypto-news.net/wp-content/uploads/2017/11/bigstock-194972881.jpg">
+            <a:extLst>
+              <a:ext uri="{FF2B5EF4-FFF2-40B4-BE49-F238E27FC236}">
+                <a16:creationId xmlns:a16="http://schemas.microsoft.com/office/drawing/2014/main" id="{CC2B7315-C4D8-4D38-AEDD-8C41DFA8CFE9}"/>
+              </a:ext>
+            </a:extLst>
+          </p:cNvPr>
+          <p:cNvPicPr>
+            <a:picLocks noChangeAspect="1" noChangeArrowheads="1"/>
+          </p:cNvPicPr>
+          <p:nvPr/>
+        </p:nvPicPr>
+        <p:blipFill rotWithShape="1">
+          <a:blip r:embed="rId3">
+            <a:extLst>
+              <a:ext uri="{28A0092B-C50C-407E-A947-70E740481C1C}">
+                <a14:useLocalDpi xmlns:a14="http://schemas.microsoft.com/office/drawing/2010/main" val="0"/>
+              </a:ext>
+            </a:extLst>
+          </a:blip>
+          <a:srcRect t="9518" b="15661"/>
+          <a:stretch/>
+        </p:blipFill>
+        <p:spPr bwMode="auto">
+          <a:xfrm>
+            <a:off x="0" y="-1"/>
+            <a:ext cx="9144000" cy="4563035"/>
+          </a:xfrm>
+          <a:prstGeom prst="rect">
+            <a:avLst/>
+          </a:prstGeom>
+          <a:noFill/>
+          <a:extLst>
+            <a:ext uri="{909E8E84-426E-40DD-AFC4-6F175D3DCCD1}">
+              <a14:hiddenFill xmlns:a14="http://schemas.microsoft.com/office/drawing/2010/main">
+                <a:solidFill>
+                  <a:srgbClr val="FFFFFF"/>
+                </a:solidFill>
+              </a14:hiddenFill>
+            </a:ext>
+          </a:extLst>
+        </p:spPr>
+      </p:pic>
+      <p:sp>
+        <p:nvSpPr>
+          <p:cNvPr id="6" name="Rectangle 5">
+            <a:extLst>
+              <a:ext uri="{FF2B5EF4-FFF2-40B4-BE49-F238E27FC236}">
+                <a16:creationId xmlns:a16="http://schemas.microsoft.com/office/drawing/2014/main" id="{29BF4D31-FE67-43C5-AFBC-F32CD3F2D6C5}"/>
+              </a:ext>
+            </a:extLst>
+          </p:cNvPr>
+          <p:cNvSpPr/>
+          <p:nvPr/>
+        </p:nvSpPr>
+        <p:spPr>
+          <a:xfrm>
+            <a:off x="0" y="0"/>
+            <a:ext cx="9144000" cy="4563035"/>
+          </a:xfrm>
+          <a:prstGeom prst="rect">
+            <a:avLst/>
+          </a:prstGeom>
+          <a:solidFill>
+            <a:srgbClr val="000000">
+              <a:alpha val="74902"/>
+            </a:srgbClr>
+          </a:solidFill>
+          <a:ln>
+            <a:noFill/>
+          </a:ln>
+        </p:spPr>
+        <p:style>
+          <a:lnRef idx="2">
+            <a:schemeClr val="dk1">
+              <a:shade val="50000"/>
+            </a:schemeClr>
+          </a:lnRef>
+          <a:fillRef idx="1">
+            <a:schemeClr val="dk1"/>
+          </a:fillRef>
+          <a:effectRef idx="0">
+            <a:schemeClr val="dk1"/>
+          </a:effectRef>
+          <a:fontRef idx="minor">
+            <a:schemeClr val="lt1"/>
+          </a:fontRef>
+        </p:style>
+        <p:txBody>
+          <a:bodyPr rtlCol="0" anchor="ctr"/>
+          <a:lstStyle/>
+          <a:p>
+            <a:pPr algn="ctr"/>
+            <a:endParaRPr lang="fr-FR"/>
+          </a:p>
+        </p:txBody>
+      </p:sp>
+      <p:sp>
+        <p:nvSpPr>
+          <p:cNvPr id="9" name="Titre 2">
+            <a:extLst>
+              <a:ext uri="{FF2B5EF4-FFF2-40B4-BE49-F238E27FC236}">
+                <a16:creationId xmlns:a16="http://schemas.microsoft.com/office/drawing/2014/main" id="{7DFF9122-52C9-4342-B29F-0A5AB6173E27}"/>
+              </a:ext>
+            </a:extLst>
+          </p:cNvPr>
+          <p:cNvSpPr txBox="1">
+            <a:spLocks/>
+          </p:cNvSpPr>
+          <p:nvPr/>
+        </p:nvSpPr>
+        <p:spPr>
+          <a:xfrm>
+            <a:off x="3847919" y="1894590"/>
+            <a:ext cx="1752962" cy="501900"/>
+          </a:xfrm>
+          <a:prstGeom prst="rect">
+            <a:avLst/>
+          </a:prstGeom>
+          <a:noFill/>
+          <a:ln>
+            <a:noFill/>
+          </a:ln>
+        </p:spPr>
+        <p:txBody>
+          <a:bodyPr spcFirstLastPara="1" wrap="square" lIns="91425" tIns="91425" rIns="91425" bIns="91425" anchor="t" anchorCtr="0"/>
+          <a:lstStyle>
+            <a:defPPr marR="0" lvl="0" algn="l" rtl="0">
+              <a:lnSpc>
+                <a:spcPct val="100000"/>
+              </a:lnSpc>
+              <a:spcBef>
+                <a:spcPts val="0"/>
+              </a:spcBef>
+              <a:spcAft>
+                <a:spcPts val="0"/>
+              </a:spcAft>
+            </a:defPPr>
+            <a:lvl1pPr marL="0" marR="0" lvl="0" indent="0" algn="l" rtl="0">
+              <a:lnSpc>
+                <a:spcPct val="100000"/>
+              </a:lnSpc>
+              <a:spcBef>
+                <a:spcPts val="0"/>
+              </a:spcBef>
+              <a:spcAft>
+                <a:spcPts val="0"/>
+              </a:spcAft>
+              <a:buClr>
+                <a:schemeClr val="lt1"/>
+              </a:buClr>
+              <a:buSzPts val="3800"/>
+              <a:buFont typeface="Raleway Light"/>
+              <a:buNone/>
+              <a:defRPr sz="3800" b="0" i="0" u="none" strike="noStrike" cap="none">
+                <a:solidFill>
+                  <a:schemeClr val="accent1"/>
+                </a:solidFill>
+                <a:latin typeface="Raleway Light"/>
+                <a:ea typeface="Raleway Light"/>
+                <a:cs typeface="Raleway Light"/>
+                <a:sym typeface="Raleway Light"/>
+              </a:defRPr>
+            </a:lvl1pPr>
+            <a:lvl2pPr marR="0" lvl="1" indent="0" algn="l" rtl="0">
+              <a:lnSpc>
+                <a:spcPct val="100000"/>
+              </a:lnSpc>
+              <a:spcBef>
+                <a:spcPts val="0"/>
+              </a:spcBef>
+              <a:spcAft>
+                <a:spcPts val="0"/>
+              </a:spcAft>
+              <a:buClr>
+                <a:srgbClr val="000000"/>
+              </a:buClr>
+              <a:buSzPts val="1400"/>
+              <a:buFont typeface="Arial"/>
+              <a:buNone/>
+              <a:defRPr sz="1800" b="0" i="0" u="none" strike="noStrike" cap="none">
+                <a:solidFill>
+                  <a:srgbClr val="000000"/>
+                </a:solidFill>
+                <a:latin typeface="Arial"/>
+                <a:ea typeface="Arial"/>
+                <a:cs typeface="Arial"/>
+                <a:sym typeface="Arial"/>
+              </a:defRPr>
+            </a:lvl2pPr>
+            <a:lvl3pPr marR="0" lvl="2" indent="0" algn="l" rtl="0">
+              <a:lnSpc>
+                <a:spcPct val="100000"/>
+              </a:lnSpc>
+              <a:spcBef>
+                <a:spcPts val="0"/>
+              </a:spcBef>
+              <a:spcAft>
+                <a:spcPts val="0"/>
+              </a:spcAft>
+              <a:buClr>
+                <a:srgbClr val="000000"/>
+              </a:buClr>
+              <a:buSzPts val="1400"/>
+              <a:buFont typeface="Arial"/>
+              <a:buNone/>
+              <a:defRPr sz="1800" b="0" i="0" u="none" strike="noStrike" cap="none">
+                <a:solidFill>
+                  <a:srgbClr val="000000"/>
+                </a:solidFill>
+                <a:latin typeface="Arial"/>
+                <a:ea typeface="Arial"/>
+                <a:cs typeface="Arial"/>
+                <a:sym typeface="Arial"/>
+              </a:defRPr>
+            </a:lvl3pPr>
+            <a:lvl4pPr marR="0" lvl="3" indent="0" algn="l" rtl="0">
+              <a:lnSpc>
+                <a:spcPct val="100000"/>
+              </a:lnSpc>
+              <a:spcBef>
+                <a:spcPts val="0"/>
+              </a:spcBef>
+              <a:spcAft>
+                <a:spcPts val="0"/>
+              </a:spcAft>
+              <a:buClr>
+                <a:srgbClr val="000000"/>
+              </a:buClr>
+              <a:buSzPts val="1400"/>
+              <a:buFont typeface="Arial"/>
+              <a:buNone/>
+              <a:defRPr sz="1800" b="0" i="0" u="none" strike="noStrike" cap="none">
+                <a:solidFill>
+                  <a:srgbClr val="000000"/>
+                </a:solidFill>
+                <a:latin typeface="Arial"/>
+                <a:ea typeface="Arial"/>
+                <a:cs typeface="Arial"/>
+                <a:sym typeface="Arial"/>
+              </a:defRPr>
+            </a:lvl4pPr>
+            <a:lvl5pPr marR="0" lvl="4" indent="0" algn="l" rtl="0">
+              <a:lnSpc>
+                <a:spcPct val="100000"/>
+              </a:lnSpc>
+              <a:spcBef>
+                <a:spcPts val="0"/>
+              </a:spcBef>
+              <a:spcAft>
+                <a:spcPts val="0"/>
+              </a:spcAft>
+              <a:buClr>
+                <a:srgbClr val="000000"/>
+              </a:buClr>
+              <a:buSzPts val="1400"/>
+              <a:buFont typeface="Arial"/>
+              <a:buNone/>
+              <a:defRPr sz="1800" b="0" i="0" u="none" strike="noStrike" cap="none">
+                <a:solidFill>
+                  <a:srgbClr val="000000"/>
+                </a:solidFill>
+                <a:latin typeface="Arial"/>
+                <a:ea typeface="Arial"/>
+                <a:cs typeface="Arial"/>
+                <a:sym typeface="Arial"/>
+              </a:defRPr>
+            </a:lvl5pPr>
+            <a:lvl6pPr marR="0" lvl="5" indent="0" algn="l" rtl="0">
+              <a:lnSpc>
+                <a:spcPct val="100000"/>
+              </a:lnSpc>
+              <a:spcBef>
+                <a:spcPts val="0"/>
+              </a:spcBef>
+              <a:spcAft>
+                <a:spcPts val="0"/>
+              </a:spcAft>
+              <a:buClr>
+                <a:srgbClr val="000000"/>
+              </a:buClr>
+              <a:buSzPts val="1400"/>
+              <a:buFont typeface="Arial"/>
+              <a:buNone/>
+              <a:defRPr sz="1800" b="0" i="0" u="none" strike="noStrike" cap="none">
+                <a:solidFill>
+                  <a:srgbClr val="000000"/>
+                </a:solidFill>
+                <a:latin typeface="Arial"/>
+                <a:ea typeface="Arial"/>
+                <a:cs typeface="Arial"/>
+                <a:sym typeface="Arial"/>
+              </a:defRPr>
+            </a:lvl6pPr>
+            <a:lvl7pPr marR="0" lvl="6" indent="0" algn="l" rtl="0">
+              <a:lnSpc>
+                <a:spcPct val="100000"/>
+              </a:lnSpc>
+              <a:spcBef>
+                <a:spcPts val="0"/>
+              </a:spcBef>
+              <a:spcAft>
+                <a:spcPts val="0"/>
+              </a:spcAft>
+              <a:buClr>
+                <a:srgbClr val="000000"/>
+              </a:buClr>
+              <a:buSzPts val="1400"/>
+              <a:buFont typeface="Arial"/>
+              <a:buNone/>
+              <a:defRPr sz="1800" b="0" i="0" u="none" strike="noStrike" cap="none">
+                <a:solidFill>
+                  <a:srgbClr val="000000"/>
+                </a:solidFill>
+                <a:latin typeface="Arial"/>
+                <a:ea typeface="Arial"/>
+                <a:cs typeface="Arial"/>
+                <a:sym typeface="Arial"/>
+              </a:defRPr>
+            </a:lvl7pPr>
+            <a:lvl8pPr marR="0" lvl="7" indent="0" algn="l" rtl="0">
+              <a:lnSpc>
+                <a:spcPct val="100000"/>
+              </a:lnSpc>
+              <a:spcBef>
+                <a:spcPts val="0"/>
+              </a:spcBef>
+              <a:spcAft>
+                <a:spcPts val="0"/>
+              </a:spcAft>
+              <a:buClr>
+                <a:srgbClr val="000000"/>
+              </a:buClr>
+              <a:buSzPts val="1400"/>
+              <a:buFont typeface="Arial"/>
+              <a:buNone/>
+              <a:defRPr sz="1800" b="0" i="0" u="none" strike="noStrike" cap="none">
+                <a:solidFill>
+                  <a:srgbClr val="000000"/>
+                </a:solidFill>
+                <a:latin typeface="Arial"/>
+                <a:ea typeface="Arial"/>
+                <a:cs typeface="Arial"/>
+                <a:sym typeface="Arial"/>
+              </a:defRPr>
+            </a:lvl8pPr>
+            <a:lvl9pPr marR="0" lvl="8" indent="0" algn="l" rtl="0">
+              <a:lnSpc>
+                <a:spcPct val="100000"/>
+              </a:lnSpc>
+              <a:spcBef>
+                <a:spcPts val="0"/>
+              </a:spcBef>
+              <a:spcAft>
+                <a:spcPts val="0"/>
+              </a:spcAft>
+              <a:buClr>
+                <a:srgbClr val="000000"/>
+              </a:buClr>
+              <a:buSzPts val="1400"/>
+              <a:buFont typeface="Arial"/>
+              <a:buNone/>
+              <a:defRPr sz="1800" b="0" i="0" u="none" strike="noStrike" cap="none">
+                <a:solidFill>
+                  <a:srgbClr val="000000"/>
+                </a:solidFill>
+                <a:latin typeface="Arial"/>
+                <a:ea typeface="Arial"/>
+                <a:cs typeface="Arial"/>
+                <a:sym typeface="Arial"/>
+              </a:defRPr>
+            </a:lvl9pPr>
+          </a:lstStyle>
+          <a:p>
+            <a:r>
+              <a:rPr lang="fr-FR" dirty="0"/>
+              <a:t>Merci !</a:t>
             </a:r>
           </a:p>
         </p:txBody>
@@ -13804,25 +14554,18 @@
   <p:clrMapOvr>
     <a:masterClrMapping/>
   </p:clrMapOvr>
-  <mc:AlternateContent xmlns:mc="http://schemas.openxmlformats.org/markup-compatibility/2006">
-    <mc:Choice xmlns:p14="http://schemas.microsoft.com/office/powerpoint/2010/main" Requires="p14">
+  <mc:AlternateContent xmlns:mc="http://schemas.openxmlformats.org/markup-compatibility/2006" xmlns:p14="http://schemas.microsoft.com/office/powerpoint/2010/main">
+    <mc:Choice Requires="p14">
       <p:transition spd="med" p14:dur="700">
         <p:fade/>
       </p:transition>
     </mc:Choice>
-    <mc:Fallback>
+    <mc:Fallback xmlns="">
       <p:transition spd="med">
         <p:fade/>
       </p:transition>
     </mc:Fallback>
   </mc:AlternateContent>
-  <p:timing>
-    <p:tnLst>
-      <p:par>
-        <p:cTn id="1" dur="indefinite" restart="never" nodeType="tmRoot"/>
-      </p:par>
-    </p:tnLst>
-  </p:timing>
 </p:sld>
 </file>
 
@@ -13848,7 +14591,7 @@
           <p:cNvPr id="13" name="Image 12">
             <a:extLst>
               <a:ext uri="{FF2B5EF4-FFF2-40B4-BE49-F238E27FC236}">
-                <a16:creationId xmlns:a16="http://schemas.microsoft.com/office/drawing/2014/main" xmlns="" id="{9F538654-E5A0-4D15-8299-2B4742E342AD}"/>
+                <a16:creationId xmlns:a16="http://schemas.microsoft.com/office/drawing/2014/main" id="{9F538654-E5A0-4D15-8299-2B4742E342AD}"/>
               </a:ext>
             </a:extLst>
           </p:cNvPr>
@@ -13878,7 +14621,7 @@
           <p:cNvPr id="8" name="Ellipse 7">
             <a:extLst>
               <a:ext uri="{FF2B5EF4-FFF2-40B4-BE49-F238E27FC236}">
-                <a16:creationId xmlns:a16="http://schemas.microsoft.com/office/drawing/2014/main" xmlns="" id="{EAD62DBD-7621-4EF4-8D92-4D72B181985A}"/>
+                <a16:creationId xmlns:a16="http://schemas.microsoft.com/office/drawing/2014/main" id="{EAD62DBD-7621-4EF4-8D92-4D72B181985A}"/>
               </a:ext>
             </a:extLst>
           </p:cNvPr>
@@ -13952,7 +14695,7 @@
               <a:buNone/>
             </a:pPr>
             <a:r>
-              <a:rPr lang="fr-FR" dirty="0" smtClean="0"/>
+              <a:rPr lang="fr-FR" dirty="0"/>
               <a:t>Centralisation</a:t>
             </a:r>
             <a:endParaRPr dirty="0"/>
@@ -13964,7 +14707,7 @@
           <p:cNvPr id="5" name="Shape 78">
             <a:extLst>
               <a:ext uri="{FF2B5EF4-FFF2-40B4-BE49-F238E27FC236}">
-                <a16:creationId xmlns:a16="http://schemas.microsoft.com/office/drawing/2014/main" xmlns="" id="{6A0A2187-C06A-486A-835A-51EBCB9BFE60}"/>
+                <a16:creationId xmlns:a16="http://schemas.microsoft.com/office/drawing/2014/main" id="{6A0A2187-C06A-486A-835A-51EBCB9BFE60}"/>
               </a:ext>
             </a:extLst>
           </p:cNvPr>
@@ -14247,7 +14990,7 @@
           <p:cNvPr id="9" name="Image 8">
             <a:extLst>
               <a:ext uri="{FF2B5EF4-FFF2-40B4-BE49-F238E27FC236}">
-                <a16:creationId xmlns:a16="http://schemas.microsoft.com/office/drawing/2014/main" xmlns="" id="{2B127BEC-593A-4118-9B80-F598FB14C6B0}"/>
+                <a16:creationId xmlns:a16="http://schemas.microsoft.com/office/drawing/2014/main" id="{2B127BEC-593A-4118-9B80-F598FB14C6B0}"/>
               </a:ext>
             </a:extLst>
           </p:cNvPr>
@@ -14277,7 +15020,7 @@
           <p:cNvPr id="10" name="Image 9">
             <a:extLst>
               <a:ext uri="{FF2B5EF4-FFF2-40B4-BE49-F238E27FC236}">
-                <a16:creationId xmlns:a16="http://schemas.microsoft.com/office/drawing/2014/main" xmlns="" id="{A90E066B-53B5-4B7A-BE6D-9B51913F2465}"/>
+                <a16:creationId xmlns:a16="http://schemas.microsoft.com/office/drawing/2014/main" id="{A90E066B-53B5-4B7A-BE6D-9B51913F2465}"/>
               </a:ext>
             </a:extLst>
           </p:cNvPr>
@@ -14307,7 +15050,7 @@
           <p:cNvPr id="11" name="Image 10">
             <a:extLst>
               <a:ext uri="{FF2B5EF4-FFF2-40B4-BE49-F238E27FC236}">
-                <a16:creationId xmlns:a16="http://schemas.microsoft.com/office/drawing/2014/main" xmlns="" id="{55EDA8ED-C7EB-40A6-8599-8E4C95484C6A}"/>
+                <a16:creationId xmlns:a16="http://schemas.microsoft.com/office/drawing/2014/main" id="{55EDA8ED-C7EB-40A6-8599-8E4C95484C6A}"/>
               </a:ext>
             </a:extLst>
           </p:cNvPr>
@@ -14337,7 +15080,7 @@
           <p:cNvPr id="12" name="Image 11">
             <a:extLst>
               <a:ext uri="{FF2B5EF4-FFF2-40B4-BE49-F238E27FC236}">
-                <a16:creationId xmlns:a16="http://schemas.microsoft.com/office/drawing/2014/main" xmlns="" id="{FBDB113C-1613-4197-9850-B960DEFA5E0B}"/>
+                <a16:creationId xmlns:a16="http://schemas.microsoft.com/office/drawing/2014/main" id="{FBDB113C-1613-4197-9850-B960DEFA5E0B}"/>
               </a:ext>
             </a:extLst>
           </p:cNvPr>
@@ -14367,7 +15110,7 @@
           <p:cNvPr id="14" name="Image 13">
             <a:extLst>
               <a:ext uri="{FF2B5EF4-FFF2-40B4-BE49-F238E27FC236}">
-                <a16:creationId xmlns:a16="http://schemas.microsoft.com/office/drawing/2014/main" xmlns="" id="{FB038905-E708-462C-87FA-A666C4630C06}"/>
+                <a16:creationId xmlns:a16="http://schemas.microsoft.com/office/drawing/2014/main" id="{FB038905-E708-462C-87FA-A666C4630C06}"/>
               </a:ext>
             </a:extLst>
           </p:cNvPr>
@@ -14397,7 +15140,7 @@
           <p:cNvPr id="15" name="Image 14">
             <a:extLst>
               <a:ext uri="{FF2B5EF4-FFF2-40B4-BE49-F238E27FC236}">
-                <a16:creationId xmlns:a16="http://schemas.microsoft.com/office/drawing/2014/main" xmlns="" id="{CE501525-0486-44A0-B99C-5DB145BE7E41}"/>
+                <a16:creationId xmlns:a16="http://schemas.microsoft.com/office/drawing/2014/main" id="{CE501525-0486-44A0-B99C-5DB145BE7E41}"/>
               </a:ext>
             </a:extLst>
           </p:cNvPr>
@@ -14427,7 +15170,7 @@
           <p:cNvPr id="3" name="Image 2">
             <a:extLst>
               <a:ext uri="{FF2B5EF4-FFF2-40B4-BE49-F238E27FC236}">
-                <a16:creationId xmlns:a16="http://schemas.microsoft.com/office/drawing/2014/main" xmlns="" id="{1EB55275-3438-4FFB-89BF-9AC1E7D012D2}"/>
+                <a16:creationId xmlns:a16="http://schemas.microsoft.com/office/drawing/2014/main" id="{1EB55275-3438-4FFB-89BF-9AC1E7D012D2}"/>
               </a:ext>
             </a:extLst>
           </p:cNvPr>
@@ -14457,7 +15200,7 @@
           <p:cNvPr id="19" name="Image 18">
             <a:extLst>
               <a:ext uri="{FF2B5EF4-FFF2-40B4-BE49-F238E27FC236}">
-                <a16:creationId xmlns:a16="http://schemas.microsoft.com/office/drawing/2014/main" xmlns="" id="{A8422908-D7DB-4587-BD96-FAE1CD5E99F3}"/>
+                <a16:creationId xmlns:a16="http://schemas.microsoft.com/office/drawing/2014/main" id="{A8422908-D7DB-4587-BD96-FAE1CD5E99F3}"/>
               </a:ext>
             </a:extLst>
           </p:cNvPr>
@@ -14487,7 +15230,7 @@
           <p:cNvPr id="20" name="Image 19">
             <a:extLst>
               <a:ext uri="{FF2B5EF4-FFF2-40B4-BE49-F238E27FC236}">
-                <a16:creationId xmlns:a16="http://schemas.microsoft.com/office/drawing/2014/main" xmlns="" id="{BA7C41FA-686D-4519-91A1-E828D7E58532}"/>
+                <a16:creationId xmlns:a16="http://schemas.microsoft.com/office/drawing/2014/main" id="{BA7C41FA-686D-4519-91A1-E828D7E58532}"/>
               </a:ext>
             </a:extLst>
           </p:cNvPr>
@@ -14517,7 +15260,7 @@
           <p:cNvPr id="21" name="Image 20">
             <a:extLst>
               <a:ext uri="{FF2B5EF4-FFF2-40B4-BE49-F238E27FC236}">
-                <a16:creationId xmlns:a16="http://schemas.microsoft.com/office/drawing/2014/main" xmlns="" id="{853347D3-918B-4E86-98FC-CEA0886E270F}"/>
+                <a16:creationId xmlns:a16="http://schemas.microsoft.com/office/drawing/2014/main" id="{853347D3-918B-4E86-98FC-CEA0886E270F}"/>
               </a:ext>
             </a:extLst>
           </p:cNvPr>
@@ -14547,7 +15290,7 @@
           <p:cNvPr id="22" name="Image 21">
             <a:extLst>
               <a:ext uri="{FF2B5EF4-FFF2-40B4-BE49-F238E27FC236}">
-                <a16:creationId xmlns:a16="http://schemas.microsoft.com/office/drawing/2014/main" xmlns="" id="{B63E8315-0560-4AC5-892B-56034EA89BE9}"/>
+                <a16:creationId xmlns:a16="http://schemas.microsoft.com/office/drawing/2014/main" id="{B63E8315-0560-4AC5-892B-56034EA89BE9}"/>
               </a:ext>
             </a:extLst>
           </p:cNvPr>
@@ -14577,7 +15320,7 @@
           <p:cNvPr id="17" name="Image 16">
             <a:extLst>
               <a:ext uri="{FF2B5EF4-FFF2-40B4-BE49-F238E27FC236}">
-                <a16:creationId xmlns:a16="http://schemas.microsoft.com/office/drawing/2014/main" xmlns="" id="{CA67A27D-E6D1-4D9C-BFEA-34ABAE86B451}"/>
+                <a16:creationId xmlns:a16="http://schemas.microsoft.com/office/drawing/2014/main" id="{CA67A27D-E6D1-4D9C-BFEA-34ABAE86B451}"/>
               </a:ext>
             </a:extLst>
           </p:cNvPr>
@@ -14607,7 +15350,7 @@
           <p:cNvPr id="27" name="ZoneTexte 26">
             <a:extLst>
               <a:ext uri="{FF2B5EF4-FFF2-40B4-BE49-F238E27FC236}">
-                <a16:creationId xmlns:a16="http://schemas.microsoft.com/office/drawing/2014/main" xmlns="" id="{EDA1C64C-837C-4D49-B239-392EF4D89B47}"/>
+                <a16:creationId xmlns:a16="http://schemas.microsoft.com/office/drawing/2014/main" id="{EDA1C64C-837C-4D49-B239-392EF4D89B47}"/>
               </a:ext>
             </a:extLst>
           </p:cNvPr>
@@ -14647,7 +15390,7 @@
           <p:cNvPr id="29" name="Image 28">
             <a:extLst>
               <a:ext uri="{FF2B5EF4-FFF2-40B4-BE49-F238E27FC236}">
-                <a16:creationId xmlns:a16="http://schemas.microsoft.com/office/drawing/2014/main" xmlns="" id="{311E63F9-B7D3-46C5-9F81-31851052BCBB}"/>
+                <a16:creationId xmlns:a16="http://schemas.microsoft.com/office/drawing/2014/main" id="{311E63F9-B7D3-46C5-9F81-31851052BCBB}"/>
               </a:ext>
             </a:extLst>
           </p:cNvPr>
@@ -14677,7 +15420,7 @@
           <p:cNvPr id="30" name="Image 29">
             <a:extLst>
               <a:ext uri="{FF2B5EF4-FFF2-40B4-BE49-F238E27FC236}">
-                <a16:creationId xmlns:a16="http://schemas.microsoft.com/office/drawing/2014/main" xmlns="" id="{EF18635F-7B56-4DF4-AEB6-7D585127F9F7}"/>
+                <a16:creationId xmlns:a16="http://schemas.microsoft.com/office/drawing/2014/main" id="{EF18635F-7B56-4DF4-AEB6-7D585127F9F7}"/>
               </a:ext>
             </a:extLst>
           </p:cNvPr>
@@ -14707,7 +15450,7 @@
           <p:cNvPr id="31" name="Image 30">
             <a:extLst>
               <a:ext uri="{FF2B5EF4-FFF2-40B4-BE49-F238E27FC236}">
-                <a16:creationId xmlns:a16="http://schemas.microsoft.com/office/drawing/2014/main" xmlns="" id="{CDD6DB4F-DB88-489A-AF62-750C2835DD57}"/>
+                <a16:creationId xmlns:a16="http://schemas.microsoft.com/office/drawing/2014/main" id="{CDD6DB4F-DB88-489A-AF62-750C2835DD57}"/>
               </a:ext>
             </a:extLst>
           </p:cNvPr>
@@ -14737,7 +15480,7 @@
           <p:cNvPr id="32" name="Image 31">
             <a:extLst>
               <a:ext uri="{FF2B5EF4-FFF2-40B4-BE49-F238E27FC236}">
-                <a16:creationId xmlns:a16="http://schemas.microsoft.com/office/drawing/2014/main" xmlns="" id="{1CB634B7-97B8-4D31-9E2A-8915B1BB11D2}"/>
+                <a16:creationId xmlns:a16="http://schemas.microsoft.com/office/drawing/2014/main" id="{1CB634B7-97B8-4D31-9E2A-8915B1BB11D2}"/>
               </a:ext>
             </a:extLst>
           </p:cNvPr>
@@ -14767,7 +15510,7 @@
           <p:cNvPr id="33" name="Image 32">
             <a:extLst>
               <a:ext uri="{FF2B5EF4-FFF2-40B4-BE49-F238E27FC236}">
-                <a16:creationId xmlns:a16="http://schemas.microsoft.com/office/drawing/2014/main" xmlns="" id="{CAA89408-0EE2-44B0-9CAA-30BA47359BA9}"/>
+                <a16:creationId xmlns:a16="http://schemas.microsoft.com/office/drawing/2014/main" id="{CAA89408-0EE2-44B0-9CAA-30BA47359BA9}"/>
               </a:ext>
             </a:extLst>
           </p:cNvPr>
@@ -14797,7 +15540,7 @@
           <p:cNvPr id="34" name="Image 33">
             <a:extLst>
               <a:ext uri="{FF2B5EF4-FFF2-40B4-BE49-F238E27FC236}">
-                <a16:creationId xmlns:a16="http://schemas.microsoft.com/office/drawing/2014/main" xmlns="" id="{19B8C1E7-7286-4016-AD0E-F17C7CA02DBE}"/>
+                <a16:creationId xmlns:a16="http://schemas.microsoft.com/office/drawing/2014/main" id="{19B8C1E7-7286-4016-AD0E-F17C7CA02DBE}"/>
               </a:ext>
             </a:extLst>
           </p:cNvPr>
@@ -14827,7 +15570,7 @@
           <p:cNvPr id="35" name="Image 34">
             <a:extLst>
               <a:ext uri="{FF2B5EF4-FFF2-40B4-BE49-F238E27FC236}">
-                <a16:creationId xmlns:a16="http://schemas.microsoft.com/office/drawing/2014/main" xmlns="" id="{95425F18-E2F1-4B95-8701-F66CF348B1DA}"/>
+                <a16:creationId xmlns:a16="http://schemas.microsoft.com/office/drawing/2014/main" id="{95425F18-E2F1-4B95-8701-F66CF348B1DA}"/>
               </a:ext>
             </a:extLst>
           </p:cNvPr>
@@ -14857,7 +15600,7 @@
           <p:cNvPr id="36" name="Image 35">
             <a:extLst>
               <a:ext uri="{FF2B5EF4-FFF2-40B4-BE49-F238E27FC236}">
-                <a16:creationId xmlns:a16="http://schemas.microsoft.com/office/drawing/2014/main" xmlns="" id="{AD003260-F0C4-4548-B8B8-8395FA1DC34C}"/>
+                <a16:creationId xmlns:a16="http://schemas.microsoft.com/office/drawing/2014/main" id="{AD003260-F0C4-4548-B8B8-8395FA1DC34C}"/>
               </a:ext>
             </a:extLst>
           </p:cNvPr>
@@ -14887,7 +15630,7 @@
           <p:cNvPr id="37" name="Image 36">
             <a:extLst>
               <a:ext uri="{FF2B5EF4-FFF2-40B4-BE49-F238E27FC236}">
-                <a16:creationId xmlns:a16="http://schemas.microsoft.com/office/drawing/2014/main" xmlns="" id="{35A8EF1B-D6CE-4298-B34C-9FF73E3A148F}"/>
+                <a16:creationId xmlns:a16="http://schemas.microsoft.com/office/drawing/2014/main" id="{35A8EF1B-D6CE-4298-B34C-9FF73E3A148F}"/>
               </a:ext>
             </a:extLst>
           </p:cNvPr>
@@ -14917,7 +15660,7 @@
           <p:cNvPr id="43" name="Image 42">
             <a:extLst>
               <a:ext uri="{FF2B5EF4-FFF2-40B4-BE49-F238E27FC236}">
-                <a16:creationId xmlns:a16="http://schemas.microsoft.com/office/drawing/2014/main" xmlns="" id="{7D6583DF-6DC7-451E-9036-83ACA95505D9}"/>
+                <a16:creationId xmlns:a16="http://schemas.microsoft.com/office/drawing/2014/main" id="{7D6583DF-6DC7-451E-9036-83ACA95505D9}"/>
               </a:ext>
             </a:extLst>
           </p:cNvPr>
@@ -14947,7 +15690,7 @@
           <p:cNvPr id="38" name="Image 37">
             <a:extLst>
               <a:ext uri="{FF2B5EF4-FFF2-40B4-BE49-F238E27FC236}">
-                <a16:creationId xmlns:a16="http://schemas.microsoft.com/office/drawing/2014/main" xmlns="" id="{7D6583DF-6DC7-451E-9036-83ACA95505D9}"/>
+                <a16:creationId xmlns:a16="http://schemas.microsoft.com/office/drawing/2014/main" id="{7D6583DF-6DC7-451E-9036-83ACA95505D9}"/>
               </a:ext>
             </a:extLst>
           </p:cNvPr>
@@ -14977,7 +15720,7 @@
           <p:cNvPr id="39" name="Image 38">
             <a:extLst>
               <a:ext uri="{FF2B5EF4-FFF2-40B4-BE49-F238E27FC236}">
-                <a16:creationId xmlns:a16="http://schemas.microsoft.com/office/drawing/2014/main" xmlns="" id="{7D6583DF-6DC7-451E-9036-83ACA95505D9}"/>
+                <a16:creationId xmlns:a16="http://schemas.microsoft.com/office/drawing/2014/main" id="{7D6583DF-6DC7-451E-9036-83ACA95505D9}"/>
               </a:ext>
             </a:extLst>
           </p:cNvPr>
@@ -15106,7 +15849,7 @@
           <p:cNvPr id="23" name="Image 22">
             <a:extLst>
               <a:ext uri="{FF2B5EF4-FFF2-40B4-BE49-F238E27FC236}">
-                <a16:creationId xmlns:a16="http://schemas.microsoft.com/office/drawing/2014/main" xmlns="" id="{E2E6A025-34DD-4D20-BC44-D4734D163818}"/>
+                <a16:creationId xmlns:a16="http://schemas.microsoft.com/office/drawing/2014/main" id="{E2E6A025-34DD-4D20-BC44-D4734D163818}"/>
               </a:ext>
             </a:extLst>
           </p:cNvPr>
@@ -15136,7 +15879,7 @@
           <p:cNvPr id="16" name="Image 15">
             <a:extLst>
               <a:ext uri="{FF2B5EF4-FFF2-40B4-BE49-F238E27FC236}">
-                <a16:creationId xmlns:a16="http://schemas.microsoft.com/office/drawing/2014/main" xmlns="" id="{FA0404D0-688B-46BA-A284-AAFABE9A9DAC}"/>
+                <a16:creationId xmlns:a16="http://schemas.microsoft.com/office/drawing/2014/main" id="{FA0404D0-688B-46BA-A284-AAFABE9A9DAC}"/>
               </a:ext>
             </a:extLst>
           </p:cNvPr>
@@ -15166,7 +15909,7 @@
           <p:cNvPr id="26" name="Image 25">
             <a:extLst>
               <a:ext uri="{FF2B5EF4-FFF2-40B4-BE49-F238E27FC236}">
-                <a16:creationId xmlns:a16="http://schemas.microsoft.com/office/drawing/2014/main" xmlns="" id="{A0D4E5CB-0FCE-4F9D-8512-AAC3713F49B6}"/>
+                <a16:creationId xmlns:a16="http://schemas.microsoft.com/office/drawing/2014/main" id="{A0D4E5CB-0FCE-4F9D-8512-AAC3713F49B6}"/>
               </a:ext>
             </a:extLst>
           </p:cNvPr>
@@ -15196,7 +15939,7 @@
           <p:cNvPr id="48" name="Image 47">
             <a:extLst>
               <a:ext uri="{FF2B5EF4-FFF2-40B4-BE49-F238E27FC236}">
-                <a16:creationId xmlns:a16="http://schemas.microsoft.com/office/drawing/2014/main" xmlns="" id="{71D6BD4E-A698-402D-BAE2-D3282F6204EB}"/>
+                <a16:creationId xmlns:a16="http://schemas.microsoft.com/office/drawing/2014/main" id="{71D6BD4E-A698-402D-BAE2-D3282F6204EB}"/>
               </a:ext>
             </a:extLst>
           </p:cNvPr>
@@ -15226,7 +15969,7 @@
           <p:cNvPr id="49" name="Image 48">
             <a:extLst>
               <a:ext uri="{FF2B5EF4-FFF2-40B4-BE49-F238E27FC236}">
-                <a16:creationId xmlns:a16="http://schemas.microsoft.com/office/drawing/2014/main" xmlns="" id="{0A88F53E-E474-4798-9991-762D699B4989}"/>
+                <a16:creationId xmlns:a16="http://schemas.microsoft.com/office/drawing/2014/main" id="{0A88F53E-E474-4798-9991-762D699B4989}"/>
               </a:ext>
             </a:extLst>
           </p:cNvPr>
@@ -15256,7 +15999,7 @@
           <p:cNvPr id="50" name="Image 49">
             <a:extLst>
               <a:ext uri="{FF2B5EF4-FFF2-40B4-BE49-F238E27FC236}">
-                <a16:creationId xmlns:a16="http://schemas.microsoft.com/office/drawing/2014/main" xmlns="" id="{23217AF1-2C79-489D-BDCF-2C2A4014741F}"/>
+                <a16:creationId xmlns:a16="http://schemas.microsoft.com/office/drawing/2014/main" id="{23217AF1-2C79-489D-BDCF-2C2A4014741F}"/>
               </a:ext>
             </a:extLst>
           </p:cNvPr>
@@ -15286,7 +16029,7 @@
           <p:cNvPr id="51" name="Image 50">
             <a:extLst>
               <a:ext uri="{FF2B5EF4-FFF2-40B4-BE49-F238E27FC236}">
-                <a16:creationId xmlns:a16="http://schemas.microsoft.com/office/drawing/2014/main" xmlns="" id="{1C6C7690-BEBE-4EE0-A4EB-EE8E8D265E32}"/>
+                <a16:creationId xmlns:a16="http://schemas.microsoft.com/office/drawing/2014/main" id="{1C6C7690-BEBE-4EE0-A4EB-EE8E8D265E32}"/>
               </a:ext>
             </a:extLst>
           </p:cNvPr>
@@ -15349,14 +16092,11 @@
           <a:p>
             <a:pPr algn="ctr"/>
             <a:r>
-              <a:rPr lang="fr-FR" sz="1000" dirty="0" smtClean="0">
+              <a:rPr lang="fr-FR" sz="1000" dirty="0">
                 <a:latin typeface="Raleway" panose="020B0503030101060003" pitchFamily="34" charset="0"/>
               </a:rPr>
               <a:t>Banque</a:t>
             </a:r>
-            <a:endParaRPr lang="fr-FR" sz="1000" dirty="0">
-              <a:latin typeface="Raleway" panose="020B0503030101060003" pitchFamily="34" charset="0"/>
-            </a:endParaRPr>
           </a:p>
         </p:txBody>
       </p:sp>
@@ -15365,7 +16105,7 @@
           <p:cNvPr id="7" name="Image 6">
             <a:extLst>
               <a:ext uri="{FF2B5EF4-FFF2-40B4-BE49-F238E27FC236}">
-                <a16:creationId xmlns:a16="http://schemas.microsoft.com/office/drawing/2014/main" xmlns="" id="{7285DCBA-CB1E-4474-A1BD-F91CCF2D58C7}"/>
+                <a16:creationId xmlns:a16="http://schemas.microsoft.com/office/drawing/2014/main" id="{7285DCBA-CB1E-4474-A1BD-F91CCF2D58C7}"/>
               </a:ext>
             </a:extLst>
           </p:cNvPr>
@@ -15413,30 +16153,30 @@
           <a:lstStyle/>
           <a:p>
             <a:r>
-              <a:rPr lang="fr-FR" sz="700" dirty="0" smtClean="0">
+              <a:rPr lang="fr-FR" sz="700" dirty="0">
                 <a:latin typeface="Raleway" panose="020B0503030101060003" pitchFamily="34" charset="0"/>
               </a:rPr>
               <a:t>bob  =&gt; 1 =&gt; </a:t>
             </a:r>
             <a:r>
-              <a:rPr lang="fr-FR" sz="700" dirty="0" err="1" smtClean="0">
+              <a:rPr lang="fr-FR" sz="700" dirty="0" err="1">
                 <a:latin typeface="Raleway" panose="020B0503030101060003" pitchFamily="34" charset="0"/>
               </a:rPr>
               <a:t>alice</a:t>
             </a:r>
-            <a:endParaRPr lang="fr-FR" sz="700" dirty="0" smtClean="0">
+            <a:endParaRPr lang="fr-FR" sz="700" dirty="0">
               <a:latin typeface="Raleway" panose="020B0503030101060003" pitchFamily="34" charset="0"/>
             </a:endParaRPr>
           </a:p>
           <a:p>
             <a:r>
-              <a:rPr lang="fr-FR" sz="700" dirty="0" err="1" smtClean="0">
+              <a:rPr lang="fr-FR" sz="700" dirty="0" err="1">
                 <a:latin typeface="Raleway" panose="020B0503030101060003" pitchFamily="34" charset="0"/>
               </a:rPr>
               <a:t>lucie</a:t>
             </a:r>
             <a:r>
-              <a:rPr lang="fr-FR" sz="700" dirty="0" smtClean="0">
+              <a:rPr lang="fr-FR" sz="700" dirty="0">
                 <a:latin typeface="Raleway" panose="020B0503030101060003" pitchFamily="34" charset="0"/>
               </a:rPr>
               <a:t> =&gt; 1 =&gt; pierre</a:t>
@@ -15444,24 +16184,24 @@
           </a:p>
           <a:p>
             <a:r>
-              <a:rPr lang="fr-FR" sz="700" dirty="0" smtClean="0">
+              <a:rPr lang="fr-FR" sz="700" dirty="0">
                 <a:latin typeface="Raleway" panose="020B0503030101060003" pitchFamily="34" charset="0"/>
               </a:rPr>
               <a:t>pierre =&gt; 0,5 =&gt; </a:t>
             </a:r>
             <a:r>
-              <a:rPr lang="fr-FR" sz="700" dirty="0" err="1" smtClean="0">
+              <a:rPr lang="fr-FR" sz="700" dirty="0" err="1">
                 <a:latin typeface="Raleway" panose="020B0503030101060003" pitchFamily="34" charset="0"/>
               </a:rPr>
               <a:t>paul</a:t>
             </a:r>
-            <a:endParaRPr lang="fr-FR" sz="700" dirty="0" smtClean="0">
+            <a:endParaRPr lang="fr-FR" sz="700" dirty="0">
               <a:latin typeface="Raleway" panose="020B0503030101060003" pitchFamily="34" charset="0"/>
             </a:endParaRPr>
           </a:p>
           <a:p>
             <a:r>
-              <a:rPr lang="fr-FR" sz="700" dirty="0" smtClean="0">
+              <a:rPr lang="fr-FR" sz="700" dirty="0">
                 <a:latin typeface="Raleway" panose="020B0503030101060003" pitchFamily="34" charset="0"/>
               </a:rPr>
               <a:t>,,,,</a:t>
@@ -15507,13 +16247,13 @@
   <p:clrMapOvr>
     <a:masterClrMapping/>
   </p:clrMapOvr>
-  <mc:AlternateContent xmlns:mc="http://schemas.openxmlformats.org/markup-compatibility/2006">
-    <mc:Choice xmlns:p14="http://schemas.microsoft.com/office/powerpoint/2010/main" Requires="p14">
+  <mc:AlternateContent xmlns:mc="http://schemas.openxmlformats.org/markup-compatibility/2006" xmlns:p14="http://schemas.microsoft.com/office/powerpoint/2010/main">
+    <mc:Choice Requires="p14">
       <p:transition spd="med" p14:dur="700">
         <p:fade/>
       </p:transition>
     </mc:Choice>
-    <mc:Fallback>
+    <mc:Fallback xmlns="">
       <p:transition spd="med">
         <p:fade/>
       </p:transition>
@@ -16362,7 +17102,7 @@
               <a:buNone/>
             </a:pPr>
             <a:r>
-              <a:rPr lang="fr-FR" dirty="0" smtClean="0"/>
+              <a:rPr lang="fr-FR" dirty="0"/>
               <a:t>Centralisation</a:t>
             </a:r>
             <a:endParaRPr dirty="0"/>
@@ -16642,25 +17382,18 @@
   <p:clrMapOvr>
     <a:masterClrMapping/>
   </p:clrMapOvr>
-  <mc:AlternateContent xmlns:mc="http://schemas.openxmlformats.org/markup-compatibility/2006">
-    <mc:Choice xmlns:p14="http://schemas.microsoft.com/office/powerpoint/2010/main" Requires="p14">
+  <mc:AlternateContent xmlns:mc="http://schemas.openxmlformats.org/markup-compatibility/2006" xmlns:p14="http://schemas.microsoft.com/office/powerpoint/2010/main">
+    <mc:Choice Requires="p14">
       <p:transition spd="med" p14:dur="700">
         <p:fade/>
       </p:transition>
     </mc:Choice>
-    <mc:Fallback>
+    <mc:Fallback xmlns="">
       <p:transition spd="med">
         <p:fade/>
       </p:transition>
     </mc:Fallback>
   </mc:AlternateContent>
-  <p:timing>
-    <p:tnLst>
-      <p:par>
-        <p:cTn id="1" dur="indefinite" restart="never" nodeType="tmRoot"/>
-      </p:par>
-    </p:tnLst>
-  </p:timing>
 </p:sld>
 </file>
 
@@ -16686,7 +17419,7 @@
           <p:cNvPr id="8" name="Ellipse 7">
             <a:extLst>
               <a:ext uri="{FF2B5EF4-FFF2-40B4-BE49-F238E27FC236}">
-                <a16:creationId xmlns:a16="http://schemas.microsoft.com/office/drawing/2014/main" xmlns="" id="{EAD62DBD-7621-4EF4-8D92-4D72B181985A}"/>
+                <a16:creationId xmlns:a16="http://schemas.microsoft.com/office/drawing/2014/main" id="{EAD62DBD-7621-4EF4-8D92-4D72B181985A}"/>
               </a:ext>
             </a:extLst>
           </p:cNvPr>
@@ -16730,7 +17463,7 @@
           <p:cNvPr id="63" name="Connecteur droit 62">
             <a:extLst>
               <a:ext uri="{FF2B5EF4-FFF2-40B4-BE49-F238E27FC236}">
-                <a16:creationId xmlns:a16="http://schemas.microsoft.com/office/drawing/2014/main" xmlns="" id="{D38AFFC3-3EAD-4DDC-920D-BF1EC65973FF}"/>
+                <a16:creationId xmlns:a16="http://schemas.microsoft.com/office/drawing/2014/main" id="{D38AFFC3-3EAD-4DDC-920D-BF1EC65973FF}"/>
               </a:ext>
             </a:extLst>
           </p:cNvPr>
@@ -16772,7 +17505,7 @@
           <p:cNvPr id="49" name="Connecteur droit 48">
             <a:extLst>
               <a:ext uri="{FF2B5EF4-FFF2-40B4-BE49-F238E27FC236}">
-                <a16:creationId xmlns:a16="http://schemas.microsoft.com/office/drawing/2014/main" xmlns="" id="{F2529381-4F5E-43B7-832E-1713B4A59F3E}"/>
+                <a16:creationId xmlns:a16="http://schemas.microsoft.com/office/drawing/2014/main" id="{F2529381-4F5E-43B7-832E-1713B4A59F3E}"/>
               </a:ext>
             </a:extLst>
           </p:cNvPr>
@@ -16813,7 +17546,7 @@
           <p:cNvPr id="72" name="Connecteur droit 71">
             <a:extLst>
               <a:ext uri="{FF2B5EF4-FFF2-40B4-BE49-F238E27FC236}">
-                <a16:creationId xmlns:a16="http://schemas.microsoft.com/office/drawing/2014/main" xmlns="" id="{DDB95EFA-5B88-4A93-844C-6463F7008131}"/>
+                <a16:creationId xmlns:a16="http://schemas.microsoft.com/office/drawing/2014/main" id="{DDB95EFA-5B88-4A93-844C-6463F7008131}"/>
               </a:ext>
             </a:extLst>
           </p:cNvPr>
@@ -16854,7 +17587,7 @@
           <p:cNvPr id="75" name="Connecteur droit 74">
             <a:extLst>
               <a:ext uri="{FF2B5EF4-FFF2-40B4-BE49-F238E27FC236}">
-                <a16:creationId xmlns:a16="http://schemas.microsoft.com/office/drawing/2014/main" xmlns="" id="{0AC8BCA6-1159-48FB-9320-BC5B89754370}"/>
+                <a16:creationId xmlns:a16="http://schemas.microsoft.com/office/drawing/2014/main" id="{0AC8BCA6-1159-48FB-9320-BC5B89754370}"/>
               </a:ext>
             </a:extLst>
           </p:cNvPr>
@@ -16895,7 +17628,7 @@
           <p:cNvPr id="57" name="Connecteur droit 56">
             <a:extLst>
               <a:ext uri="{FF2B5EF4-FFF2-40B4-BE49-F238E27FC236}">
-                <a16:creationId xmlns:a16="http://schemas.microsoft.com/office/drawing/2014/main" xmlns="" id="{C028FB06-F927-4E7B-B004-36656F75BACC}"/>
+                <a16:creationId xmlns:a16="http://schemas.microsoft.com/office/drawing/2014/main" id="{C028FB06-F927-4E7B-B004-36656F75BACC}"/>
               </a:ext>
             </a:extLst>
           </p:cNvPr>
@@ -16936,7 +17669,7 @@
           <p:cNvPr id="66" name="Connecteur droit 65">
             <a:extLst>
               <a:ext uri="{FF2B5EF4-FFF2-40B4-BE49-F238E27FC236}">
-                <a16:creationId xmlns:a16="http://schemas.microsoft.com/office/drawing/2014/main" xmlns="" id="{111FBA2C-CBDD-461C-8F09-92B0FB59A609}"/>
+                <a16:creationId xmlns:a16="http://schemas.microsoft.com/office/drawing/2014/main" id="{111FBA2C-CBDD-461C-8F09-92B0FB59A609}"/>
               </a:ext>
             </a:extLst>
           </p:cNvPr>
@@ -16977,7 +17710,7 @@
           <p:cNvPr id="85" name="Connecteur droit 84">
             <a:extLst>
               <a:ext uri="{FF2B5EF4-FFF2-40B4-BE49-F238E27FC236}">
-                <a16:creationId xmlns:a16="http://schemas.microsoft.com/office/drawing/2014/main" xmlns="" id="{85B4D7EC-5345-4485-8217-8B8F9EEA516B}"/>
+                <a16:creationId xmlns:a16="http://schemas.microsoft.com/office/drawing/2014/main" id="{85B4D7EC-5345-4485-8217-8B8F9EEA516B}"/>
               </a:ext>
             </a:extLst>
           </p:cNvPr>
@@ -17018,7 +17751,7 @@
           <p:cNvPr id="81" name="Connecteur droit 80">
             <a:extLst>
               <a:ext uri="{FF2B5EF4-FFF2-40B4-BE49-F238E27FC236}">
-                <a16:creationId xmlns:a16="http://schemas.microsoft.com/office/drawing/2014/main" xmlns="" id="{26D6ECF2-D1BE-4DB6-B15E-7B3FD84328F7}"/>
+                <a16:creationId xmlns:a16="http://schemas.microsoft.com/office/drawing/2014/main" id="{26D6ECF2-D1BE-4DB6-B15E-7B3FD84328F7}"/>
               </a:ext>
             </a:extLst>
           </p:cNvPr>
@@ -17059,7 +17792,7 @@
           <p:cNvPr id="52" name="Connecteur droit 51">
             <a:extLst>
               <a:ext uri="{FF2B5EF4-FFF2-40B4-BE49-F238E27FC236}">
-                <a16:creationId xmlns:a16="http://schemas.microsoft.com/office/drawing/2014/main" xmlns="" id="{FDF547B6-61D9-44CD-A864-96FD10E84118}"/>
+                <a16:creationId xmlns:a16="http://schemas.microsoft.com/office/drawing/2014/main" id="{FDF547B6-61D9-44CD-A864-96FD10E84118}"/>
               </a:ext>
             </a:extLst>
           </p:cNvPr>
@@ -17130,7 +17863,7 @@
               <a:buNone/>
             </a:pPr>
             <a:r>
-              <a:rPr lang="fr-FR" dirty="0" smtClean="0"/>
+              <a:rPr lang="fr-FR" dirty="0"/>
               <a:t>Décentralisation</a:t>
             </a:r>
             <a:endParaRPr dirty="0"/>
@@ -17142,7 +17875,7 @@
           <p:cNvPr id="5" name="Shape 78">
             <a:extLst>
               <a:ext uri="{FF2B5EF4-FFF2-40B4-BE49-F238E27FC236}">
-                <a16:creationId xmlns:a16="http://schemas.microsoft.com/office/drawing/2014/main" xmlns="" id="{6A0A2187-C06A-486A-835A-51EBCB9BFE60}"/>
+                <a16:creationId xmlns:a16="http://schemas.microsoft.com/office/drawing/2014/main" id="{6A0A2187-C06A-486A-835A-51EBCB9BFE60}"/>
               </a:ext>
             </a:extLst>
           </p:cNvPr>
@@ -17425,7 +18158,7 @@
           <p:cNvPr id="9" name="Image 8">
             <a:extLst>
               <a:ext uri="{FF2B5EF4-FFF2-40B4-BE49-F238E27FC236}">
-                <a16:creationId xmlns:a16="http://schemas.microsoft.com/office/drawing/2014/main" xmlns="" id="{2B127BEC-593A-4118-9B80-F598FB14C6B0}"/>
+                <a16:creationId xmlns:a16="http://schemas.microsoft.com/office/drawing/2014/main" id="{2B127BEC-593A-4118-9B80-F598FB14C6B0}"/>
               </a:ext>
             </a:extLst>
           </p:cNvPr>
@@ -17455,7 +18188,7 @@
           <p:cNvPr id="11" name="Image 10">
             <a:extLst>
               <a:ext uri="{FF2B5EF4-FFF2-40B4-BE49-F238E27FC236}">
-                <a16:creationId xmlns:a16="http://schemas.microsoft.com/office/drawing/2014/main" xmlns="" id="{55EDA8ED-C7EB-40A6-8599-8E4C95484C6A}"/>
+                <a16:creationId xmlns:a16="http://schemas.microsoft.com/office/drawing/2014/main" id="{55EDA8ED-C7EB-40A6-8599-8E4C95484C6A}"/>
               </a:ext>
             </a:extLst>
           </p:cNvPr>
@@ -17485,7 +18218,7 @@
           <p:cNvPr id="12" name="Image 11">
             <a:extLst>
               <a:ext uri="{FF2B5EF4-FFF2-40B4-BE49-F238E27FC236}">
-                <a16:creationId xmlns:a16="http://schemas.microsoft.com/office/drawing/2014/main" xmlns="" id="{FBDB113C-1613-4197-9850-B960DEFA5E0B}"/>
+                <a16:creationId xmlns:a16="http://schemas.microsoft.com/office/drawing/2014/main" id="{FBDB113C-1613-4197-9850-B960DEFA5E0B}"/>
               </a:ext>
             </a:extLst>
           </p:cNvPr>
@@ -17515,7 +18248,7 @@
           <p:cNvPr id="14" name="Image 13">
             <a:extLst>
               <a:ext uri="{FF2B5EF4-FFF2-40B4-BE49-F238E27FC236}">
-                <a16:creationId xmlns:a16="http://schemas.microsoft.com/office/drawing/2014/main" xmlns="" id="{FB038905-E708-462C-87FA-A666C4630C06}"/>
+                <a16:creationId xmlns:a16="http://schemas.microsoft.com/office/drawing/2014/main" id="{FB038905-E708-462C-87FA-A666C4630C06}"/>
               </a:ext>
             </a:extLst>
           </p:cNvPr>
@@ -17545,7 +18278,7 @@
           <p:cNvPr id="20" name="Image 19">
             <a:extLst>
               <a:ext uri="{FF2B5EF4-FFF2-40B4-BE49-F238E27FC236}">
-                <a16:creationId xmlns:a16="http://schemas.microsoft.com/office/drawing/2014/main" xmlns="" id="{71D6BD4E-A698-402D-BAE2-D3282F6204EB}"/>
+                <a16:creationId xmlns:a16="http://schemas.microsoft.com/office/drawing/2014/main" id="{71D6BD4E-A698-402D-BAE2-D3282F6204EB}"/>
               </a:ext>
             </a:extLst>
           </p:cNvPr>
@@ -17575,7 +18308,7 @@
           <p:cNvPr id="18" name="Image 17">
             <a:extLst>
               <a:ext uri="{FF2B5EF4-FFF2-40B4-BE49-F238E27FC236}">
-                <a16:creationId xmlns:a16="http://schemas.microsoft.com/office/drawing/2014/main" xmlns="" id="{5C7D99FA-2DF5-4E14-B833-C9220136BB99}"/>
+                <a16:creationId xmlns:a16="http://schemas.microsoft.com/office/drawing/2014/main" id="{5C7D99FA-2DF5-4E14-B833-C9220136BB99}"/>
               </a:ext>
             </a:extLst>
           </p:cNvPr>
@@ -17605,7 +18338,7 @@
           <p:cNvPr id="23" name="Image 22">
             <a:extLst>
               <a:ext uri="{FF2B5EF4-FFF2-40B4-BE49-F238E27FC236}">
-                <a16:creationId xmlns:a16="http://schemas.microsoft.com/office/drawing/2014/main" xmlns="" id="{F3F68503-97EB-4C5D-A94E-4FCB877F8393}"/>
+                <a16:creationId xmlns:a16="http://schemas.microsoft.com/office/drawing/2014/main" id="{F3F68503-97EB-4C5D-A94E-4FCB877F8393}"/>
               </a:ext>
             </a:extLst>
           </p:cNvPr>
@@ -17635,7 +18368,7 @@
           <p:cNvPr id="24" name="Image 23">
             <a:extLst>
               <a:ext uri="{FF2B5EF4-FFF2-40B4-BE49-F238E27FC236}">
-                <a16:creationId xmlns:a16="http://schemas.microsoft.com/office/drawing/2014/main" xmlns="" id="{046739BC-2075-46E3-AF69-1B54AB67580D}"/>
+                <a16:creationId xmlns:a16="http://schemas.microsoft.com/office/drawing/2014/main" id="{046739BC-2075-46E3-AF69-1B54AB67580D}"/>
               </a:ext>
             </a:extLst>
           </p:cNvPr>
@@ -17665,7 +18398,7 @@
           <p:cNvPr id="25" name="Image 24">
             <a:extLst>
               <a:ext uri="{FF2B5EF4-FFF2-40B4-BE49-F238E27FC236}">
-                <a16:creationId xmlns:a16="http://schemas.microsoft.com/office/drawing/2014/main" xmlns="" id="{CB91D7C4-0DBA-425B-B612-0612FC0D4677}"/>
+                <a16:creationId xmlns:a16="http://schemas.microsoft.com/office/drawing/2014/main" id="{CB91D7C4-0DBA-425B-B612-0612FC0D4677}"/>
               </a:ext>
             </a:extLst>
           </p:cNvPr>
@@ -17695,7 +18428,7 @@
           <p:cNvPr id="26" name="Image 25">
             <a:extLst>
               <a:ext uri="{FF2B5EF4-FFF2-40B4-BE49-F238E27FC236}">
-                <a16:creationId xmlns:a16="http://schemas.microsoft.com/office/drawing/2014/main" xmlns="" id="{48A4ABDB-5288-4CE2-9EDE-C78BB64447FA}"/>
+                <a16:creationId xmlns:a16="http://schemas.microsoft.com/office/drawing/2014/main" id="{48A4ABDB-5288-4CE2-9EDE-C78BB64447FA}"/>
               </a:ext>
             </a:extLst>
           </p:cNvPr>
@@ -17725,7 +18458,7 @@
           <p:cNvPr id="27" name="Image 26">
             <a:extLst>
               <a:ext uri="{FF2B5EF4-FFF2-40B4-BE49-F238E27FC236}">
-                <a16:creationId xmlns:a16="http://schemas.microsoft.com/office/drawing/2014/main" xmlns="" id="{D4381D13-F769-477D-8C12-7BACCFECF270}"/>
+                <a16:creationId xmlns:a16="http://schemas.microsoft.com/office/drawing/2014/main" id="{D4381D13-F769-477D-8C12-7BACCFECF270}"/>
               </a:ext>
             </a:extLst>
           </p:cNvPr>
@@ -17755,7 +18488,7 @@
           <p:cNvPr id="22" name="ZoneTexte 21">
             <a:extLst>
               <a:ext uri="{FF2B5EF4-FFF2-40B4-BE49-F238E27FC236}">
-                <a16:creationId xmlns:a16="http://schemas.microsoft.com/office/drawing/2014/main" xmlns="" id="{173D687F-BC3C-4516-9A77-DB1A548AF327}"/>
+                <a16:creationId xmlns:a16="http://schemas.microsoft.com/office/drawing/2014/main" id="{173D687F-BC3C-4516-9A77-DB1A548AF327}"/>
               </a:ext>
             </a:extLst>
           </p:cNvPr>
@@ -17795,7 +18528,7 @@
           <p:cNvPr id="30" name="ZoneTexte 29">
             <a:extLst>
               <a:ext uri="{FF2B5EF4-FFF2-40B4-BE49-F238E27FC236}">
-                <a16:creationId xmlns:a16="http://schemas.microsoft.com/office/drawing/2014/main" xmlns="" id="{8CA6B5BC-DB18-4AD8-AF62-4CAEC0305D0A}"/>
+                <a16:creationId xmlns:a16="http://schemas.microsoft.com/office/drawing/2014/main" id="{8CA6B5BC-DB18-4AD8-AF62-4CAEC0305D0A}"/>
               </a:ext>
             </a:extLst>
           </p:cNvPr>
@@ -17835,7 +18568,7 @@
           <p:cNvPr id="31" name="ZoneTexte 30">
             <a:extLst>
               <a:ext uri="{FF2B5EF4-FFF2-40B4-BE49-F238E27FC236}">
-                <a16:creationId xmlns:a16="http://schemas.microsoft.com/office/drawing/2014/main" xmlns="" id="{E190EF9A-463B-4E78-9FA7-30F150ECA204}"/>
+                <a16:creationId xmlns:a16="http://schemas.microsoft.com/office/drawing/2014/main" id="{E190EF9A-463B-4E78-9FA7-30F150ECA204}"/>
               </a:ext>
             </a:extLst>
           </p:cNvPr>
@@ -17875,7 +18608,7 @@
           <p:cNvPr id="32" name="ZoneTexte 31">
             <a:extLst>
               <a:ext uri="{FF2B5EF4-FFF2-40B4-BE49-F238E27FC236}">
-                <a16:creationId xmlns:a16="http://schemas.microsoft.com/office/drawing/2014/main" xmlns="" id="{DC975ABE-A8D7-4450-A56E-0FF16B5FD602}"/>
+                <a16:creationId xmlns:a16="http://schemas.microsoft.com/office/drawing/2014/main" id="{DC975ABE-A8D7-4450-A56E-0FF16B5FD602}"/>
               </a:ext>
             </a:extLst>
           </p:cNvPr>
@@ -17915,7 +18648,7 @@
           <p:cNvPr id="33" name="ZoneTexte 32">
             <a:extLst>
               <a:ext uri="{FF2B5EF4-FFF2-40B4-BE49-F238E27FC236}">
-                <a16:creationId xmlns:a16="http://schemas.microsoft.com/office/drawing/2014/main" xmlns="" id="{429C146D-D85B-49E0-9DEE-745CD02E4BA4}"/>
+                <a16:creationId xmlns:a16="http://schemas.microsoft.com/office/drawing/2014/main" id="{429C146D-D85B-49E0-9DEE-745CD02E4BA4}"/>
               </a:ext>
             </a:extLst>
           </p:cNvPr>
@@ -17939,29 +18672,14 @@
           <a:lstStyle/>
           <a:p>
             <a:r>
-              <a:rPr lang="fr-FR" sz="1200" b="1" dirty="0" smtClean="0">
+              <a:rPr lang="fr-FR" sz="1200" b="1" dirty="0">
                 <a:solidFill>
                   <a:srgbClr val="FF0000"/>
                 </a:solidFill>
                 <a:latin typeface="Raleway Light" panose="020B0604020202020204" charset="0"/>
               </a:rPr>
-              <a:t>KO</a:t>
+              <a:t>KO!</a:t>
             </a:r>
-            <a:r>
-              <a:rPr lang="fr-FR" sz="1200" b="1" dirty="0" smtClean="0">
-                <a:solidFill>
-                  <a:srgbClr val="FF0000"/>
-                </a:solidFill>
-                <a:latin typeface="Raleway Light" panose="020B0604020202020204" charset="0"/>
-              </a:rPr>
-              <a:t>!</a:t>
-            </a:r>
-            <a:endParaRPr lang="fr-FR" sz="1200" b="1" dirty="0">
-              <a:solidFill>
-                <a:srgbClr val="FF0000"/>
-              </a:solidFill>
-              <a:latin typeface="Raleway Light" panose="020B0604020202020204" charset="0"/>
-            </a:endParaRPr>
           </a:p>
         </p:txBody>
       </p:sp>
@@ -17970,7 +18688,7 @@
           <p:cNvPr id="34" name="ZoneTexte 33">
             <a:extLst>
               <a:ext uri="{FF2B5EF4-FFF2-40B4-BE49-F238E27FC236}">
-                <a16:creationId xmlns:a16="http://schemas.microsoft.com/office/drawing/2014/main" xmlns="" id="{8C6BFAA8-6DEE-41F3-8125-9ECCC5601ABB}"/>
+                <a16:creationId xmlns:a16="http://schemas.microsoft.com/office/drawing/2014/main" id="{8C6BFAA8-6DEE-41F3-8125-9ECCC5601ABB}"/>
               </a:ext>
             </a:extLst>
           </p:cNvPr>
@@ -18010,7 +18728,7 @@
           <p:cNvPr id="38" name="Image 37">
             <a:extLst>
               <a:ext uri="{FF2B5EF4-FFF2-40B4-BE49-F238E27FC236}">
-                <a16:creationId xmlns:a16="http://schemas.microsoft.com/office/drawing/2014/main" xmlns="" id="{590EE79F-7B16-45AC-A113-7FEEC0C539C6}"/>
+                <a16:creationId xmlns:a16="http://schemas.microsoft.com/office/drawing/2014/main" id="{590EE79F-7B16-45AC-A113-7FEEC0C539C6}"/>
               </a:ext>
             </a:extLst>
           </p:cNvPr>
@@ -18040,7 +18758,7 @@
           <p:cNvPr id="39" name="Image 38">
             <a:extLst>
               <a:ext uri="{FF2B5EF4-FFF2-40B4-BE49-F238E27FC236}">
-                <a16:creationId xmlns:a16="http://schemas.microsoft.com/office/drawing/2014/main" xmlns="" id="{4416223A-4C12-4B51-931D-0237E0D3293D}"/>
+                <a16:creationId xmlns:a16="http://schemas.microsoft.com/office/drawing/2014/main" id="{4416223A-4C12-4B51-931D-0237E0D3293D}"/>
               </a:ext>
             </a:extLst>
           </p:cNvPr>
@@ -18070,7 +18788,7 @@
           <p:cNvPr id="40" name="Image 39">
             <a:extLst>
               <a:ext uri="{FF2B5EF4-FFF2-40B4-BE49-F238E27FC236}">
-                <a16:creationId xmlns:a16="http://schemas.microsoft.com/office/drawing/2014/main" xmlns="" id="{F2EDCD69-3B1C-43B5-8CB5-6C9C05BEFF83}"/>
+                <a16:creationId xmlns:a16="http://schemas.microsoft.com/office/drawing/2014/main" id="{F2EDCD69-3B1C-43B5-8CB5-6C9C05BEFF83}"/>
               </a:ext>
             </a:extLst>
           </p:cNvPr>
@@ -18100,7 +18818,7 @@
           <p:cNvPr id="41" name="Connecteur droit 40">
             <a:extLst>
               <a:ext uri="{FF2B5EF4-FFF2-40B4-BE49-F238E27FC236}">
-                <a16:creationId xmlns:a16="http://schemas.microsoft.com/office/drawing/2014/main" xmlns="" id="{F03C5510-2D10-4C71-97F8-DBAF9D748731}"/>
+                <a16:creationId xmlns:a16="http://schemas.microsoft.com/office/drawing/2014/main" id="{F03C5510-2D10-4C71-97F8-DBAF9D748731}"/>
               </a:ext>
             </a:extLst>
           </p:cNvPr>
@@ -18141,7 +18859,7 @@
           <p:cNvPr id="46" name="Connecteur droit 45">
             <a:extLst>
               <a:ext uri="{FF2B5EF4-FFF2-40B4-BE49-F238E27FC236}">
-                <a16:creationId xmlns:a16="http://schemas.microsoft.com/office/drawing/2014/main" xmlns="" id="{58F9A055-899C-44B7-8E52-2149ACF75033}"/>
+                <a16:creationId xmlns:a16="http://schemas.microsoft.com/office/drawing/2014/main" id="{58F9A055-899C-44B7-8E52-2149ACF75033}"/>
               </a:ext>
             </a:extLst>
           </p:cNvPr>
@@ -18183,7 +18901,7 @@
           <p:cNvPr id="60" name="Connecteur droit 59">
             <a:extLst>
               <a:ext uri="{FF2B5EF4-FFF2-40B4-BE49-F238E27FC236}">
-                <a16:creationId xmlns:a16="http://schemas.microsoft.com/office/drawing/2014/main" xmlns="" id="{C270E4E5-08AF-4DA9-A46E-065C8F84227B}"/>
+                <a16:creationId xmlns:a16="http://schemas.microsoft.com/office/drawing/2014/main" id="{C270E4E5-08AF-4DA9-A46E-065C8F84227B}"/>
               </a:ext>
             </a:extLst>
           </p:cNvPr>
@@ -18224,7 +18942,7 @@
           <p:cNvPr id="13" name="Image 12">
             <a:extLst>
               <a:ext uri="{FF2B5EF4-FFF2-40B4-BE49-F238E27FC236}">
-                <a16:creationId xmlns:a16="http://schemas.microsoft.com/office/drawing/2014/main" xmlns="" id="{9F538654-E5A0-4D15-8299-2B4742E342AD}"/>
+                <a16:creationId xmlns:a16="http://schemas.microsoft.com/office/drawing/2014/main" id="{9F538654-E5A0-4D15-8299-2B4742E342AD}"/>
               </a:ext>
             </a:extLst>
           </p:cNvPr>
@@ -18254,7 +18972,7 @@
           <p:cNvPr id="10" name="Image 9">
             <a:extLst>
               <a:ext uri="{FF2B5EF4-FFF2-40B4-BE49-F238E27FC236}">
-                <a16:creationId xmlns:a16="http://schemas.microsoft.com/office/drawing/2014/main" xmlns="" id="{A90E066B-53B5-4B7A-BE6D-9B51913F2465}"/>
+                <a16:creationId xmlns:a16="http://schemas.microsoft.com/office/drawing/2014/main" id="{A90E066B-53B5-4B7A-BE6D-9B51913F2465}"/>
               </a:ext>
             </a:extLst>
           </p:cNvPr>
@@ -18284,7 +19002,7 @@
           <p:cNvPr id="95" name="Image 94">
             <a:extLst>
               <a:ext uri="{FF2B5EF4-FFF2-40B4-BE49-F238E27FC236}">
-                <a16:creationId xmlns:a16="http://schemas.microsoft.com/office/drawing/2014/main" xmlns="" id="{95D4E538-E4C5-4A50-B64E-0694324C6970}"/>
+                <a16:creationId xmlns:a16="http://schemas.microsoft.com/office/drawing/2014/main" id="{95D4E538-E4C5-4A50-B64E-0694324C6970}"/>
               </a:ext>
             </a:extLst>
           </p:cNvPr>
@@ -18314,7 +19032,7 @@
           <p:cNvPr id="96" name="Image 95">
             <a:extLst>
               <a:ext uri="{FF2B5EF4-FFF2-40B4-BE49-F238E27FC236}">
-                <a16:creationId xmlns:a16="http://schemas.microsoft.com/office/drawing/2014/main" xmlns="" id="{160F8DB8-6112-4005-9A25-AFE6D5F42EEB}"/>
+                <a16:creationId xmlns:a16="http://schemas.microsoft.com/office/drawing/2014/main" id="{160F8DB8-6112-4005-9A25-AFE6D5F42EEB}"/>
               </a:ext>
             </a:extLst>
           </p:cNvPr>
@@ -18377,14 +19095,11 @@
           <a:p>
             <a:pPr algn="ctr"/>
             <a:r>
-              <a:rPr lang="fr-FR" sz="1000" dirty="0" smtClean="0">
+              <a:rPr lang="fr-FR" sz="1000" dirty="0">
                 <a:latin typeface="Raleway" panose="020B0503030101060003" pitchFamily="34" charset="0"/>
               </a:rPr>
               <a:t>Banque</a:t>
             </a:r>
-            <a:endParaRPr lang="fr-FR" sz="1000" dirty="0">
-              <a:latin typeface="Raleway" panose="020B0503030101060003" pitchFamily="34" charset="0"/>
-            </a:endParaRPr>
           </a:p>
         </p:txBody>
       </p:sp>
@@ -18426,14 +19141,11 @@
           <a:p>
             <a:pPr algn="ctr"/>
             <a:r>
-              <a:rPr lang="fr-FR" sz="1000" dirty="0" smtClean="0">
+              <a:rPr lang="fr-FR" sz="1000" dirty="0">
                 <a:latin typeface="Raleway" panose="020B0503030101060003" pitchFamily="34" charset="0"/>
               </a:rPr>
               <a:t>Banque</a:t>
             </a:r>
-            <a:endParaRPr lang="fr-FR" sz="1000" dirty="0">
-              <a:latin typeface="Raleway" panose="020B0503030101060003" pitchFamily="34" charset="0"/>
-            </a:endParaRPr>
           </a:p>
         </p:txBody>
       </p:sp>
@@ -18475,14 +19187,11 @@
           <a:p>
             <a:pPr algn="ctr"/>
             <a:r>
-              <a:rPr lang="fr-FR" sz="1000" dirty="0" smtClean="0">
+              <a:rPr lang="fr-FR" sz="1000" dirty="0">
                 <a:latin typeface="Raleway" panose="020B0503030101060003" pitchFamily="34" charset="0"/>
               </a:rPr>
               <a:t>Banque</a:t>
             </a:r>
-            <a:endParaRPr lang="fr-FR" sz="1000" dirty="0">
-              <a:latin typeface="Raleway" panose="020B0503030101060003" pitchFamily="34" charset="0"/>
-            </a:endParaRPr>
           </a:p>
         </p:txBody>
       </p:sp>
@@ -18524,14 +19233,11 @@
           <a:p>
             <a:pPr algn="ctr"/>
             <a:r>
-              <a:rPr lang="fr-FR" sz="1000" dirty="0" smtClean="0">
+              <a:rPr lang="fr-FR" sz="1000" dirty="0">
                 <a:latin typeface="Raleway" panose="020B0503030101060003" pitchFamily="34" charset="0"/>
               </a:rPr>
               <a:t>Banque</a:t>
             </a:r>
-            <a:endParaRPr lang="fr-FR" sz="1000" dirty="0">
-              <a:latin typeface="Raleway" panose="020B0503030101060003" pitchFamily="34" charset="0"/>
-            </a:endParaRPr>
           </a:p>
         </p:txBody>
       </p:sp>
@@ -18573,14 +19279,11 @@
           <a:p>
             <a:pPr algn="ctr"/>
             <a:r>
-              <a:rPr lang="fr-FR" sz="1000" dirty="0" smtClean="0">
+              <a:rPr lang="fr-FR" sz="1000" dirty="0">
                 <a:latin typeface="Raleway" panose="020B0503030101060003" pitchFamily="34" charset="0"/>
               </a:rPr>
               <a:t>Banque</a:t>
             </a:r>
-            <a:endParaRPr lang="fr-FR" sz="1000" dirty="0">
-              <a:latin typeface="Raleway" panose="020B0503030101060003" pitchFamily="34" charset="0"/>
-            </a:endParaRPr>
           </a:p>
         </p:txBody>
       </p:sp>
@@ -18589,7 +19292,7 @@
           <p:cNvPr id="4" name="Image 3">
             <a:extLst>
               <a:ext uri="{FF2B5EF4-FFF2-40B4-BE49-F238E27FC236}">
-                <a16:creationId xmlns:a16="http://schemas.microsoft.com/office/drawing/2014/main" xmlns="" id="{23217AF1-2C79-489D-BDCF-2C2A4014741F}"/>
+                <a16:creationId xmlns:a16="http://schemas.microsoft.com/office/drawing/2014/main" id="{23217AF1-2C79-489D-BDCF-2C2A4014741F}"/>
               </a:ext>
             </a:extLst>
           </p:cNvPr>
@@ -18619,7 +19322,7 @@
           <p:cNvPr id="17" name="Image 16">
             <a:extLst>
               <a:ext uri="{FF2B5EF4-FFF2-40B4-BE49-F238E27FC236}">
-                <a16:creationId xmlns:a16="http://schemas.microsoft.com/office/drawing/2014/main" xmlns="" id="{1C6C7690-BEBE-4EE0-A4EB-EE8E8D265E32}"/>
+                <a16:creationId xmlns:a16="http://schemas.microsoft.com/office/drawing/2014/main" id="{1C6C7690-BEBE-4EE0-A4EB-EE8E8D265E32}"/>
               </a:ext>
             </a:extLst>
           </p:cNvPr>
@@ -18649,7 +19352,7 @@
           <p:cNvPr id="7" name="Image 6">
             <a:extLst>
               <a:ext uri="{FF2B5EF4-FFF2-40B4-BE49-F238E27FC236}">
-                <a16:creationId xmlns:a16="http://schemas.microsoft.com/office/drawing/2014/main" xmlns="" id="{7285DCBA-CB1E-4474-A1BD-F91CCF2D58C7}"/>
+                <a16:creationId xmlns:a16="http://schemas.microsoft.com/office/drawing/2014/main" id="{7285DCBA-CB1E-4474-A1BD-F91CCF2D58C7}"/>
               </a:ext>
             </a:extLst>
           </p:cNvPr>
@@ -18679,7 +19382,7 @@
           <p:cNvPr id="19" name="Image 18">
             <a:extLst>
               <a:ext uri="{FF2B5EF4-FFF2-40B4-BE49-F238E27FC236}">
-                <a16:creationId xmlns:a16="http://schemas.microsoft.com/office/drawing/2014/main" xmlns="" id="{0A88F53E-E474-4798-9991-762D699B4989}"/>
+                <a16:creationId xmlns:a16="http://schemas.microsoft.com/office/drawing/2014/main" id="{0A88F53E-E474-4798-9991-762D699B4989}"/>
               </a:ext>
             </a:extLst>
           </p:cNvPr>
@@ -18742,14 +19445,11 @@
           <a:p>
             <a:pPr algn="ctr"/>
             <a:r>
-              <a:rPr lang="fr-FR" sz="1000" dirty="0" smtClean="0">
+              <a:rPr lang="fr-FR" sz="1000" dirty="0">
                 <a:latin typeface="Raleway" panose="020B0503030101060003" pitchFamily="34" charset="0"/>
               </a:rPr>
               <a:t>Banque</a:t>
             </a:r>
-            <a:endParaRPr lang="fr-FR" sz="1000" dirty="0">
-              <a:latin typeface="Raleway" panose="020B0503030101060003" pitchFamily="34" charset="0"/>
-            </a:endParaRPr>
           </a:p>
         </p:txBody>
       </p:sp>
@@ -18758,7 +19458,7 @@
           <p:cNvPr id="93" name="Image 92">
             <a:extLst>
               <a:ext uri="{FF2B5EF4-FFF2-40B4-BE49-F238E27FC236}">
-                <a16:creationId xmlns:a16="http://schemas.microsoft.com/office/drawing/2014/main" xmlns="" id="{74A5A5CB-B450-4E18-8A05-B35FC3DBBA32}"/>
+                <a16:creationId xmlns:a16="http://schemas.microsoft.com/office/drawing/2014/main" id="{74A5A5CB-B450-4E18-8A05-B35FC3DBBA32}"/>
               </a:ext>
             </a:extLst>
           </p:cNvPr>
@@ -18806,30 +19506,30 @@
           <a:lstStyle/>
           <a:p>
             <a:r>
-              <a:rPr lang="fr-FR" sz="700" dirty="0" smtClean="0">
+              <a:rPr lang="fr-FR" sz="700" dirty="0">
                 <a:latin typeface="Raleway" panose="020B0503030101060003" pitchFamily="34" charset="0"/>
               </a:rPr>
               <a:t>bob  =&gt; 1 =&gt; </a:t>
             </a:r>
             <a:r>
-              <a:rPr lang="fr-FR" sz="700" dirty="0" err="1" smtClean="0">
+              <a:rPr lang="fr-FR" sz="700" dirty="0" err="1">
                 <a:latin typeface="Raleway" panose="020B0503030101060003" pitchFamily="34" charset="0"/>
               </a:rPr>
               <a:t>alice</a:t>
             </a:r>
-            <a:endParaRPr lang="fr-FR" sz="700" dirty="0" smtClean="0">
+            <a:endParaRPr lang="fr-FR" sz="700" dirty="0">
               <a:latin typeface="Raleway" panose="020B0503030101060003" pitchFamily="34" charset="0"/>
             </a:endParaRPr>
           </a:p>
           <a:p>
             <a:r>
-              <a:rPr lang="fr-FR" sz="700" dirty="0" err="1" smtClean="0">
+              <a:rPr lang="fr-FR" sz="700" dirty="0" err="1">
                 <a:latin typeface="Raleway" panose="020B0503030101060003" pitchFamily="34" charset="0"/>
               </a:rPr>
               <a:t>lucie</a:t>
             </a:r>
             <a:r>
-              <a:rPr lang="fr-FR" sz="700" dirty="0" smtClean="0">
+              <a:rPr lang="fr-FR" sz="700" dirty="0">
                 <a:latin typeface="Raleway" panose="020B0503030101060003" pitchFamily="34" charset="0"/>
               </a:rPr>
               <a:t> =&gt; 1 =&gt; pierre</a:t>
@@ -18837,24 +19537,24 @@
           </a:p>
           <a:p>
             <a:r>
-              <a:rPr lang="fr-FR" sz="700" dirty="0" smtClean="0">
+              <a:rPr lang="fr-FR" sz="700" dirty="0">
                 <a:latin typeface="Raleway" panose="020B0503030101060003" pitchFamily="34" charset="0"/>
               </a:rPr>
               <a:t>pierre =&gt; 0,5 =&gt; </a:t>
             </a:r>
             <a:r>
-              <a:rPr lang="fr-FR" sz="700" dirty="0" err="1" smtClean="0">
+              <a:rPr lang="fr-FR" sz="700" dirty="0" err="1">
                 <a:latin typeface="Raleway" panose="020B0503030101060003" pitchFamily="34" charset="0"/>
               </a:rPr>
               <a:t>paul</a:t>
             </a:r>
-            <a:endParaRPr lang="fr-FR" sz="700" dirty="0" smtClean="0">
+            <a:endParaRPr lang="fr-FR" sz="700" dirty="0">
               <a:latin typeface="Raleway" panose="020B0503030101060003" pitchFamily="34" charset="0"/>
             </a:endParaRPr>
           </a:p>
           <a:p>
             <a:r>
-              <a:rPr lang="fr-FR" sz="700" dirty="0" smtClean="0">
+              <a:rPr lang="fr-FR" sz="700" dirty="0">
                 <a:latin typeface="Raleway" panose="020B0503030101060003" pitchFamily="34" charset="0"/>
               </a:rPr>
               <a:t>,,,,</a:t>
@@ -18885,30 +19585,30 @@
           <a:lstStyle/>
           <a:p>
             <a:r>
-              <a:rPr lang="fr-FR" sz="700" dirty="0" smtClean="0">
+              <a:rPr lang="fr-FR" sz="700" dirty="0">
                 <a:latin typeface="Raleway" panose="020B0503030101060003" pitchFamily="34" charset="0"/>
               </a:rPr>
               <a:t>bob  =&gt; 1 =&gt; </a:t>
             </a:r>
             <a:r>
-              <a:rPr lang="fr-FR" sz="700" dirty="0" err="1" smtClean="0">
+              <a:rPr lang="fr-FR" sz="700" dirty="0" err="1">
                 <a:latin typeface="Raleway" panose="020B0503030101060003" pitchFamily="34" charset="0"/>
               </a:rPr>
               <a:t>alice</a:t>
             </a:r>
-            <a:endParaRPr lang="fr-FR" sz="700" dirty="0" smtClean="0">
+            <a:endParaRPr lang="fr-FR" sz="700" dirty="0">
               <a:latin typeface="Raleway" panose="020B0503030101060003" pitchFamily="34" charset="0"/>
             </a:endParaRPr>
           </a:p>
           <a:p>
             <a:r>
-              <a:rPr lang="fr-FR" sz="700" dirty="0" err="1" smtClean="0">
+              <a:rPr lang="fr-FR" sz="700" dirty="0" err="1">
                 <a:latin typeface="Raleway" panose="020B0503030101060003" pitchFamily="34" charset="0"/>
               </a:rPr>
               <a:t>lucie</a:t>
             </a:r>
             <a:r>
-              <a:rPr lang="fr-FR" sz="700" dirty="0" smtClean="0">
+              <a:rPr lang="fr-FR" sz="700" dirty="0">
                 <a:latin typeface="Raleway" panose="020B0503030101060003" pitchFamily="34" charset="0"/>
               </a:rPr>
               <a:t> =&gt; 1 =&gt; pierre</a:t>
@@ -18916,24 +19616,24 @@
           </a:p>
           <a:p>
             <a:r>
-              <a:rPr lang="fr-FR" sz="700" dirty="0" smtClean="0">
+              <a:rPr lang="fr-FR" sz="700" dirty="0">
                 <a:latin typeface="Raleway" panose="020B0503030101060003" pitchFamily="34" charset="0"/>
               </a:rPr>
               <a:t>pierre =&gt; 0,5 =&gt; </a:t>
             </a:r>
             <a:r>
-              <a:rPr lang="fr-FR" sz="700" dirty="0" err="1" smtClean="0">
+              <a:rPr lang="fr-FR" sz="700" dirty="0" err="1">
                 <a:latin typeface="Raleway" panose="020B0503030101060003" pitchFamily="34" charset="0"/>
               </a:rPr>
               <a:t>paul</a:t>
             </a:r>
-            <a:endParaRPr lang="fr-FR" sz="700" dirty="0" smtClean="0">
+            <a:endParaRPr lang="fr-FR" sz="700" dirty="0">
               <a:latin typeface="Raleway" panose="020B0503030101060003" pitchFamily="34" charset="0"/>
             </a:endParaRPr>
           </a:p>
           <a:p>
             <a:r>
-              <a:rPr lang="fr-FR" sz="700" dirty="0" smtClean="0">
+              <a:rPr lang="fr-FR" sz="700" dirty="0">
                 <a:latin typeface="Raleway" panose="020B0503030101060003" pitchFamily="34" charset="0"/>
               </a:rPr>
               <a:t>,,,,</a:t>
@@ -18964,13 +19664,13 @@
           <a:lstStyle/>
           <a:p>
             <a:r>
-              <a:rPr lang="fr-FR" sz="700" dirty="0" err="1" smtClean="0">
+              <a:rPr lang="fr-FR" sz="700" dirty="0" err="1">
                 <a:latin typeface="Raleway" panose="020B0503030101060003" pitchFamily="34" charset="0"/>
               </a:rPr>
               <a:t>lucie</a:t>
             </a:r>
             <a:r>
-              <a:rPr lang="fr-FR" sz="700" dirty="0" smtClean="0">
+              <a:rPr lang="fr-FR" sz="700" dirty="0">
                 <a:latin typeface="Raleway" panose="020B0503030101060003" pitchFamily="34" charset="0"/>
               </a:rPr>
               <a:t> =&gt; 1 =&gt; pierre</a:t>
@@ -18978,24 +19678,24 @@
           </a:p>
           <a:p>
             <a:r>
-              <a:rPr lang="fr-FR" sz="700" dirty="0" smtClean="0">
+              <a:rPr lang="fr-FR" sz="700" dirty="0">
                 <a:latin typeface="Raleway" panose="020B0503030101060003" pitchFamily="34" charset="0"/>
               </a:rPr>
               <a:t>pierre =&gt; 0,5 =&gt; </a:t>
             </a:r>
             <a:r>
-              <a:rPr lang="fr-FR" sz="700" dirty="0" err="1" smtClean="0">
+              <a:rPr lang="fr-FR" sz="700" dirty="0" err="1">
                 <a:latin typeface="Raleway" panose="020B0503030101060003" pitchFamily="34" charset="0"/>
               </a:rPr>
               <a:t>paul</a:t>
             </a:r>
-            <a:endParaRPr lang="fr-FR" sz="700" dirty="0" smtClean="0">
+            <a:endParaRPr lang="fr-FR" sz="700" dirty="0">
               <a:latin typeface="Raleway" panose="020B0503030101060003" pitchFamily="34" charset="0"/>
             </a:endParaRPr>
           </a:p>
           <a:p>
             <a:r>
-              <a:rPr lang="fr-FR" sz="700" dirty="0" smtClean="0">
+              <a:rPr lang="fr-FR" sz="700" dirty="0">
                 <a:latin typeface="Raleway" panose="020B0503030101060003" pitchFamily="34" charset="0"/>
               </a:rPr>
               <a:t>,,,,</a:t>
@@ -19026,13 +19726,13 @@
           <a:lstStyle/>
           <a:p>
             <a:r>
-              <a:rPr lang="fr-FR" sz="700" dirty="0" err="1" smtClean="0">
+              <a:rPr lang="fr-FR" sz="700" dirty="0" err="1">
                 <a:latin typeface="Raleway" panose="020B0503030101060003" pitchFamily="34" charset="0"/>
               </a:rPr>
               <a:t>lucie</a:t>
             </a:r>
             <a:r>
-              <a:rPr lang="fr-FR" sz="700" dirty="0" smtClean="0">
+              <a:rPr lang="fr-FR" sz="700" dirty="0">
                 <a:latin typeface="Raleway" panose="020B0503030101060003" pitchFamily="34" charset="0"/>
               </a:rPr>
               <a:t> =&gt; 1 =&gt; pierre</a:t>
@@ -19040,24 +19740,24 @@
           </a:p>
           <a:p>
             <a:r>
-              <a:rPr lang="fr-FR" sz="700" dirty="0" smtClean="0">
+              <a:rPr lang="fr-FR" sz="700" dirty="0">
                 <a:latin typeface="Raleway" panose="020B0503030101060003" pitchFamily="34" charset="0"/>
               </a:rPr>
               <a:t>pierre =&gt; 0,5 =&gt; </a:t>
             </a:r>
             <a:r>
-              <a:rPr lang="fr-FR" sz="700" dirty="0" err="1" smtClean="0">
+              <a:rPr lang="fr-FR" sz="700" dirty="0" err="1">
                 <a:latin typeface="Raleway" panose="020B0503030101060003" pitchFamily="34" charset="0"/>
               </a:rPr>
               <a:t>paul</a:t>
             </a:r>
-            <a:endParaRPr lang="fr-FR" sz="700" dirty="0" smtClean="0">
+            <a:endParaRPr lang="fr-FR" sz="700" dirty="0">
               <a:latin typeface="Raleway" panose="020B0503030101060003" pitchFamily="34" charset="0"/>
             </a:endParaRPr>
           </a:p>
           <a:p>
             <a:r>
-              <a:rPr lang="fr-FR" sz="700" dirty="0" smtClean="0">
+              <a:rPr lang="fr-FR" sz="700" dirty="0">
                 <a:latin typeface="Raleway" panose="020B0503030101060003" pitchFamily="34" charset="0"/>
               </a:rPr>
               <a:t>,,,,</a:t>
@@ -19088,30 +19788,30 @@
           <a:lstStyle/>
           <a:p>
             <a:r>
-              <a:rPr lang="fr-FR" sz="700" dirty="0" smtClean="0">
+              <a:rPr lang="fr-FR" sz="700" dirty="0">
                 <a:latin typeface="Raleway" panose="020B0503030101060003" pitchFamily="34" charset="0"/>
               </a:rPr>
               <a:t>bob  =&gt; 1 =&gt; </a:t>
             </a:r>
             <a:r>
-              <a:rPr lang="fr-FR" sz="700" dirty="0" err="1" smtClean="0">
+              <a:rPr lang="fr-FR" sz="700" dirty="0" err="1">
                 <a:latin typeface="Raleway" panose="020B0503030101060003" pitchFamily="34" charset="0"/>
               </a:rPr>
               <a:t>alice</a:t>
             </a:r>
-            <a:endParaRPr lang="fr-FR" sz="700" dirty="0" smtClean="0">
+            <a:endParaRPr lang="fr-FR" sz="700" dirty="0">
               <a:latin typeface="Raleway" panose="020B0503030101060003" pitchFamily="34" charset="0"/>
             </a:endParaRPr>
           </a:p>
           <a:p>
             <a:r>
-              <a:rPr lang="fr-FR" sz="700" dirty="0" err="1" smtClean="0">
+              <a:rPr lang="fr-FR" sz="700" dirty="0" err="1">
                 <a:latin typeface="Raleway" panose="020B0503030101060003" pitchFamily="34" charset="0"/>
               </a:rPr>
               <a:t>lucie</a:t>
             </a:r>
             <a:r>
-              <a:rPr lang="fr-FR" sz="700" dirty="0" smtClean="0">
+              <a:rPr lang="fr-FR" sz="700" dirty="0">
                 <a:latin typeface="Raleway" panose="020B0503030101060003" pitchFamily="34" charset="0"/>
               </a:rPr>
               <a:t> =&gt; 1 =&gt; pierre</a:t>
@@ -19119,24 +19819,24 @@
           </a:p>
           <a:p>
             <a:r>
-              <a:rPr lang="fr-FR" sz="700" dirty="0" smtClean="0">
+              <a:rPr lang="fr-FR" sz="700" dirty="0">
                 <a:latin typeface="Raleway" panose="020B0503030101060003" pitchFamily="34" charset="0"/>
               </a:rPr>
               <a:t>pierre =&gt; 0,5 =&gt; </a:t>
             </a:r>
             <a:r>
-              <a:rPr lang="fr-FR" sz="700" dirty="0" err="1" smtClean="0">
+              <a:rPr lang="fr-FR" sz="700" dirty="0" err="1">
                 <a:latin typeface="Raleway" panose="020B0503030101060003" pitchFamily="34" charset="0"/>
               </a:rPr>
               <a:t>paul</a:t>
             </a:r>
-            <a:endParaRPr lang="fr-FR" sz="700" dirty="0" smtClean="0">
+            <a:endParaRPr lang="fr-FR" sz="700" dirty="0">
               <a:latin typeface="Raleway" panose="020B0503030101060003" pitchFamily="34" charset="0"/>
             </a:endParaRPr>
           </a:p>
           <a:p>
             <a:r>
-              <a:rPr lang="fr-FR" sz="700" dirty="0" smtClean="0">
+              <a:rPr lang="fr-FR" sz="700" dirty="0">
                 <a:latin typeface="Raleway" panose="020B0503030101060003" pitchFamily="34" charset="0"/>
               </a:rPr>
               <a:t>,,,,</a:t>
@@ -19167,30 +19867,30 @@
           <a:lstStyle/>
           <a:p>
             <a:r>
-              <a:rPr lang="fr-FR" sz="700" dirty="0" smtClean="0">
+              <a:rPr lang="fr-FR" sz="700" dirty="0">
                 <a:latin typeface="Raleway" panose="020B0503030101060003" pitchFamily="34" charset="0"/>
               </a:rPr>
               <a:t>bob  =&gt; 1 =&gt; </a:t>
             </a:r>
             <a:r>
-              <a:rPr lang="fr-FR" sz="700" dirty="0" err="1" smtClean="0">
+              <a:rPr lang="fr-FR" sz="700" dirty="0" err="1">
                 <a:latin typeface="Raleway" panose="020B0503030101060003" pitchFamily="34" charset="0"/>
               </a:rPr>
               <a:t>alice</a:t>
             </a:r>
-            <a:endParaRPr lang="fr-FR" sz="700" dirty="0" smtClean="0">
+            <a:endParaRPr lang="fr-FR" sz="700" dirty="0">
               <a:latin typeface="Raleway" panose="020B0503030101060003" pitchFamily="34" charset="0"/>
             </a:endParaRPr>
           </a:p>
           <a:p>
             <a:r>
-              <a:rPr lang="fr-FR" sz="700" dirty="0" err="1" smtClean="0">
+              <a:rPr lang="fr-FR" sz="700" dirty="0" err="1">
                 <a:latin typeface="Raleway" panose="020B0503030101060003" pitchFamily="34" charset="0"/>
               </a:rPr>
               <a:t>lucie</a:t>
             </a:r>
             <a:r>
-              <a:rPr lang="fr-FR" sz="700" dirty="0" smtClean="0">
+              <a:rPr lang="fr-FR" sz="700" dirty="0">
                 <a:latin typeface="Raleway" panose="020B0503030101060003" pitchFamily="34" charset="0"/>
               </a:rPr>
               <a:t> =&gt; 1 =&gt; pierre</a:t>
@@ -19198,24 +19898,24 @@
           </a:p>
           <a:p>
             <a:r>
-              <a:rPr lang="fr-FR" sz="700" dirty="0" smtClean="0">
+              <a:rPr lang="fr-FR" sz="700" dirty="0">
                 <a:latin typeface="Raleway" panose="020B0503030101060003" pitchFamily="34" charset="0"/>
               </a:rPr>
               <a:t>pierre =&gt; 0,5 =&gt; </a:t>
             </a:r>
             <a:r>
-              <a:rPr lang="fr-FR" sz="700" dirty="0" err="1" smtClean="0">
+              <a:rPr lang="fr-FR" sz="700" dirty="0" err="1">
                 <a:latin typeface="Raleway" panose="020B0503030101060003" pitchFamily="34" charset="0"/>
               </a:rPr>
               <a:t>paul</a:t>
             </a:r>
-            <a:endParaRPr lang="fr-FR" sz="700" dirty="0" smtClean="0">
+            <a:endParaRPr lang="fr-FR" sz="700" dirty="0">
               <a:latin typeface="Raleway" panose="020B0503030101060003" pitchFamily="34" charset="0"/>
             </a:endParaRPr>
           </a:p>
           <a:p>
             <a:r>
-              <a:rPr lang="fr-FR" sz="700" dirty="0" smtClean="0">
+              <a:rPr lang="fr-FR" sz="700" dirty="0">
                 <a:latin typeface="Raleway" panose="020B0503030101060003" pitchFamily="34" charset="0"/>
               </a:rPr>
               <a:t>,,,,</a:t>
@@ -19246,30 +19946,30 @@
           <a:lstStyle/>
           <a:p>
             <a:r>
-              <a:rPr lang="fr-FR" sz="700" dirty="0" smtClean="0">
+              <a:rPr lang="fr-FR" sz="700" dirty="0">
                 <a:latin typeface="Raleway" panose="020B0503030101060003" pitchFamily="34" charset="0"/>
               </a:rPr>
               <a:t>bob  =&gt; 1 =&gt; </a:t>
             </a:r>
             <a:r>
-              <a:rPr lang="fr-FR" sz="700" dirty="0" err="1" smtClean="0">
+              <a:rPr lang="fr-FR" sz="700" dirty="0" err="1">
                 <a:latin typeface="Raleway" panose="020B0503030101060003" pitchFamily="34" charset="0"/>
               </a:rPr>
               <a:t>alice</a:t>
             </a:r>
-            <a:endParaRPr lang="fr-FR" sz="700" dirty="0" smtClean="0">
+            <a:endParaRPr lang="fr-FR" sz="700" dirty="0">
               <a:latin typeface="Raleway" panose="020B0503030101060003" pitchFamily="34" charset="0"/>
             </a:endParaRPr>
           </a:p>
           <a:p>
             <a:r>
-              <a:rPr lang="fr-FR" sz="700" dirty="0" err="1" smtClean="0">
+              <a:rPr lang="fr-FR" sz="700" dirty="0" err="1">
                 <a:latin typeface="Raleway" panose="020B0503030101060003" pitchFamily="34" charset="0"/>
               </a:rPr>
               <a:t>lucie</a:t>
             </a:r>
             <a:r>
-              <a:rPr lang="fr-FR" sz="700" dirty="0" smtClean="0">
+              <a:rPr lang="fr-FR" sz="700" dirty="0">
                 <a:latin typeface="Raleway" panose="020B0503030101060003" pitchFamily="34" charset="0"/>
               </a:rPr>
               <a:t> =&gt; 1 =&gt; pierre</a:t>
@@ -19277,24 +19977,24 @@
           </a:p>
           <a:p>
             <a:r>
-              <a:rPr lang="fr-FR" sz="700" dirty="0" smtClean="0">
+              <a:rPr lang="fr-FR" sz="700" dirty="0">
                 <a:latin typeface="Raleway" panose="020B0503030101060003" pitchFamily="34" charset="0"/>
               </a:rPr>
               <a:t>pierre =&gt; 0,5 =&gt; </a:t>
             </a:r>
             <a:r>
-              <a:rPr lang="fr-FR" sz="700" dirty="0" err="1" smtClean="0">
+              <a:rPr lang="fr-FR" sz="700" dirty="0" err="1">
                 <a:latin typeface="Raleway" panose="020B0503030101060003" pitchFamily="34" charset="0"/>
               </a:rPr>
               <a:t>paul</a:t>
             </a:r>
-            <a:endParaRPr lang="fr-FR" sz="700" dirty="0" smtClean="0">
+            <a:endParaRPr lang="fr-FR" sz="700" dirty="0">
               <a:latin typeface="Raleway" panose="020B0503030101060003" pitchFamily="34" charset="0"/>
             </a:endParaRPr>
           </a:p>
           <a:p>
             <a:r>
-              <a:rPr lang="fr-FR" sz="700" dirty="0" smtClean="0">
+              <a:rPr lang="fr-FR" sz="700" dirty="0">
                 <a:latin typeface="Raleway" panose="020B0503030101060003" pitchFamily="34" charset="0"/>
               </a:rPr>
               <a:t>,,,,</a:t>
@@ -19312,25 +20012,18 @@
   <p:clrMapOvr>
     <a:masterClrMapping/>
   </p:clrMapOvr>
-  <mc:AlternateContent xmlns:mc="http://schemas.openxmlformats.org/markup-compatibility/2006">
-    <mc:Choice xmlns:p14="http://schemas.microsoft.com/office/powerpoint/2010/main" Requires="p14">
+  <mc:AlternateContent xmlns:mc="http://schemas.openxmlformats.org/markup-compatibility/2006" xmlns:p14="http://schemas.microsoft.com/office/powerpoint/2010/main">
+    <mc:Choice Requires="p14">
       <p:transition spd="med" p14:dur="700">
         <p:fade/>
       </p:transition>
     </mc:Choice>
-    <mc:Fallback>
+    <mc:Fallback xmlns="">
       <p:transition spd="med">
         <p:fade/>
       </p:transition>
     </mc:Fallback>
   </mc:AlternateContent>
-  <p:timing>
-    <p:tnLst>
-      <p:par>
-        <p:cTn id="1" dur="indefinite" restart="never" nodeType="tmRoot"/>
-      </p:par>
-    </p:tnLst>
-  </p:timing>
 </p:sld>
 </file>
 
@@ -19356,7 +20049,7 @@
           <p:cNvPr id="79" name="Connecteur droit 78">
             <a:extLst>
               <a:ext uri="{FF2B5EF4-FFF2-40B4-BE49-F238E27FC236}">
-                <a16:creationId xmlns:a16="http://schemas.microsoft.com/office/drawing/2014/main" xmlns="" id="{F03C5510-2D10-4C71-97F8-DBAF9D748731}"/>
+                <a16:creationId xmlns:a16="http://schemas.microsoft.com/office/drawing/2014/main" id="{F03C5510-2D10-4C71-97F8-DBAF9D748731}"/>
               </a:ext>
             </a:extLst>
           </p:cNvPr>
@@ -19403,7 +20096,7 @@
           <p:cNvPr id="63" name="Connecteur droit 62">
             <a:extLst>
               <a:ext uri="{FF2B5EF4-FFF2-40B4-BE49-F238E27FC236}">
-                <a16:creationId xmlns:a16="http://schemas.microsoft.com/office/drawing/2014/main" xmlns="" id="{D38AFFC3-3EAD-4DDC-920D-BF1EC65973FF}"/>
+                <a16:creationId xmlns:a16="http://schemas.microsoft.com/office/drawing/2014/main" id="{D38AFFC3-3EAD-4DDC-920D-BF1EC65973FF}"/>
               </a:ext>
             </a:extLst>
           </p:cNvPr>
@@ -19444,7 +20137,7 @@
           <p:cNvPr id="49" name="Connecteur droit 48">
             <a:extLst>
               <a:ext uri="{FF2B5EF4-FFF2-40B4-BE49-F238E27FC236}">
-                <a16:creationId xmlns:a16="http://schemas.microsoft.com/office/drawing/2014/main" xmlns="" id="{F2529381-4F5E-43B7-832E-1713B4A59F3E}"/>
+                <a16:creationId xmlns:a16="http://schemas.microsoft.com/office/drawing/2014/main" id="{F2529381-4F5E-43B7-832E-1713B4A59F3E}"/>
               </a:ext>
             </a:extLst>
           </p:cNvPr>
@@ -19486,7 +20179,7 @@
           <p:cNvPr id="72" name="Connecteur droit 71">
             <a:extLst>
               <a:ext uri="{FF2B5EF4-FFF2-40B4-BE49-F238E27FC236}">
-                <a16:creationId xmlns:a16="http://schemas.microsoft.com/office/drawing/2014/main" xmlns="" id="{DDB95EFA-5B88-4A93-844C-6463F7008131}"/>
+                <a16:creationId xmlns:a16="http://schemas.microsoft.com/office/drawing/2014/main" id="{DDB95EFA-5B88-4A93-844C-6463F7008131}"/>
               </a:ext>
             </a:extLst>
           </p:cNvPr>
@@ -19527,7 +20220,7 @@
           <p:cNvPr id="75" name="Connecteur droit 74">
             <a:extLst>
               <a:ext uri="{FF2B5EF4-FFF2-40B4-BE49-F238E27FC236}">
-                <a16:creationId xmlns:a16="http://schemas.microsoft.com/office/drawing/2014/main" xmlns="" id="{0AC8BCA6-1159-48FB-9320-BC5B89754370}"/>
+                <a16:creationId xmlns:a16="http://schemas.microsoft.com/office/drawing/2014/main" id="{0AC8BCA6-1159-48FB-9320-BC5B89754370}"/>
               </a:ext>
             </a:extLst>
           </p:cNvPr>
@@ -19568,7 +20261,7 @@
           <p:cNvPr id="57" name="Connecteur droit 56">
             <a:extLst>
               <a:ext uri="{FF2B5EF4-FFF2-40B4-BE49-F238E27FC236}">
-                <a16:creationId xmlns:a16="http://schemas.microsoft.com/office/drawing/2014/main" xmlns="" id="{C028FB06-F927-4E7B-B004-36656F75BACC}"/>
+                <a16:creationId xmlns:a16="http://schemas.microsoft.com/office/drawing/2014/main" id="{C028FB06-F927-4E7B-B004-36656F75BACC}"/>
               </a:ext>
             </a:extLst>
           </p:cNvPr>
@@ -19610,7 +20303,7 @@
           <p:cNvPr id="66" name="Connecteur droit 65">
             <a:extLst>
               <a:ext uri="{FF2B5EF4-FFF2-40B4-BE49-F238E27FC236}">
-                <a16:creationId xmlns:a16="http://schemas.microsoft.com/office/drawing/2014/main" xmlns="" id="{111FBA2C-CBDD-461C-8F09-92B0FB59A609}"/>
+                <a16:creationId xmlns:a16="http://schemas.microsoft.com/office/drawing/2014/main" id="{111FBA2C-CBDD-461C-8F09-92B0FB59A609}"/>
               </a:ext>
             </a:extLst>
           </p:cNvPr>
@@ -19651,7 +20344,7 @@
           <p:cNvPr id="85" name="Connecteur droit 84">
             <a:extLst>
               <a:ext uri="{FF2B5EF4-FFF2-40B4-BE49-F238E27FC236}">
-                <a16:creationId xmlns:a16="http://schemas.microsoft.com/office/drawing/2014/main" xmlns="" id="{85B4D7EC-5345-4485-8217-8B8F9EEA516B}"/>
+                <a16:creationId xmlns:a16="http://schemas.microsoft.com/office/drawing/2014/main" id="{85B4D7EC-5345-4485-8217-8B8F9EEA516B}"/>
               </a:ext>
             </a:extLst>
           </p:cNvPr>
@@ -19692,7 +20385,7 @@
           <p:cNvPr id="81" name="Connecteur droit 80">
             <a:extLst>
               <a:ext uri="{FF2B5EF4-FFF2-40B4-BE49-F238E27FC236}">
-                <a16:creationId xmlns:a16="http://schemas.microsoft.com/office/drawing/2014/main" xmlns="" id="{26D6ECF2-D1BE-4DB6-B15E-7B3FD84328F7}"/>
+                <a16:creationId xmlns:a16="http://schemas.microsoft.com/office/drawing/2014/main" id="{26D6ECF2-D1BE-4DB6-B15E-7B3FD84328F7}"/>
               </a:ext>
             </a:extLst>
           </p:cNvPr>
@@ -19733,7 +20426,7 @@
           <p:cNvPr id="52" name="Connecteur droit 51">
             <a:extLst>
               <a:ext uri="{FF2B5EF4-FFF2-40B4-BE49-F238E27FC236}">
-                <a16:creationId xmlns:a16="http://schemas.microsoft.com/office/drawing/2014/main" xmlns="" id="{FDF547B6-61D9-44CD-A864-96FD10E84118}"/>
+                <a16:creationId xmlns:a16="http://schemas.microsoft.com/office/drawing/2014/main" id="{FDF547B6-61D9-44CD-A864-96FD10E84118}"/>
               </a:ext>
             </a:extLst>
           </p:cNvPr>
@@ -19805,7 +20498,7 @@
               <a:buNone/>
             </a:pPr>
             <a:r>
-              <a:rPr lang="fr-FR" dirty="0" smtClean="0"/>
+              <a:rPr lang="fr-FR" dirty="0"/>
               <a:t>Décentralisation</a:t>
             </a:r>
             <a:endParaRPr dirty="0"/>
@@ -19817,7 +20510,7 @@
           <p:cNvPr id="41" name="Connecteur droit 40">
             <a:extLst>
               <a:ext uri="{FF2B5EF4-FFF2-40B4-BE49-F238E27FC236}">
-                <a16:creationId xmlns:a16="http://schemas.microsoft.com/office/drawing/2014/main" xmlns="" id="{F03C5510-2D10-4C71-97F8-DBAF9D748731}"/>
+                <a16:creationId xmlns:a16="http://schemas.microsoft.com/office/drawing/2014/main" id="{F03C5510-2D10-4C71-97F8-DBAF9D748731}"/>
               </a:ext>
             </a:extLst>
           </p:cNvPr>
@@ -19859,7 +20552,7 @@
           <p:cNvPr id="46" name="Connecteur droit 45">
             <a:extLst>
               <a:ext uri="{FF2B5EF4-FFF2-40B4-BE49-F238E27FC236}">
-                <a16:creationId xmlns:a16="http://schemas.microsoft.com/office/drawing/2014/main" xmlns="" id="{58F9A055-899C-44B7-8E52-2149ACF75033}"/>
+                <a16:creationId xmlns:a16="http://schemas.microsoft.com/office/drawing/2014/main" id="{58F9A055-899C-44B7-8E52-2149ACF75033}"/>
               </a:ext>
             </a:extLst>
           </p:cNvPr>
@@ -19901,7 +20594,7 @@
           <p:cNvPr id="60" name="Connecteur droit 59">
             <a:extLst>
               <a:ext uri="{FF2B5EF4-FFF2-40B4-BE49-F238E27FC236}">
-                <a16:creationId xmlns:a16="http://schemas.microsoft.com/office/drawing/2014/main" xmlns="" id="{C270E4E5-08AF-4DA9-A46E-065C8F84227B}"/>
+                <a16:creationId xmlns:a16="http://schemas.microsoft.com/office/drawing/2014/main" id="{C270E4E5-08AF-4DA9-A46E-065C8F84227B}"/>
               </a:ext>
             </a:extLst>
           </p:cNvPr>
@@ -20168,25 +20861,19 @@
           <a:prstGeom prst="ellipse">
             <a:avLst/>
           </a:prstGeom>
-          <a:ln>
-            <a:solidFill>
-              <a:schemeClr val="bg1">
-                <a:lumMod val="65000"/>
-              </a:schemeClr>
-            </a:solidFill>
-          </a:ln>
+          <a:ln/>
         </p:spPr>
         <p:style>
           <a:lnRef idx="2">
-            <a:schemeClr val="accent2">
+            <a:schemeClr val="accent1">
               <a:shade val="50000"/>
             </a:schemeClr>
           </a:lnRef>
           <a:fillRef idx="1">
-            <a:schemeClr val="accent2"/>
+            <a:schemeClr val="accent1"/>
           </a:fillRef>
           <a:effectRef idx="0">
-            <a:schemeClr val="accent2"/>
+            <a:schemeClr val="accent1"/>
           </a:effectRef>
           <a:fontRef idx="minor">
             <a:schemeClr val="lt1"/>
@@ -20210,7 +20897,7 @@
           <p:cNvPr id="80" name="Connecteur droit 79">
             <a:extLst>
               <a:ext uri="{FF2B5EF4-FFF2-40B4-BE49-F238E27FC236}">
-                <a16:creationId xmlns:a16="http://schemas.microsoft.com/office/drawing/2014/main" xmlns="" id="{F03C5510-2D10-4C71-97F8-DBAF9D748731}"/>
+                <a16:creationId xmlns:a16="http://schemas.microsoft.com/office/drawing/2014/main" id="{F03C5510-2D10-4C71-97F8-DBAF9D748731}"/>
               </a:ext>
             </a:extLst>
           </p:cNvPr>
@@ -20257,7 +20944,7 @@
           <p:cNvPr id="82" name="Connecteur droit 81">
             <a:extLst>
               <a:ext uri="{FF2B5EF4-FFF2-40B4-BE49-F238E27FC236}">
-                <a16:creationId xmlns:a16="http://schemas.microsoft.com/office/drawing/2014/main" xmlns="" id="{F03C5510-2D10-4C71-97F8-DBAF9D748731}"/>
+                <a16:creationId xmlns:a16="http://schemas.microsoft.com/office/drawing/2014/main" id="{F03C5510-2D10-4C71-97F8-DBAF9D748731}"/>
               </a:ext>
             </a:extLst>
           </p:cNvPr>
@@ -20296,7 +20983,7 @@
           <p:cNvPr id="83" name="Connecteur droit 82">
             <a:extLst>
               <a:ext uri="{FF2B5EF4-FFF2-40B4-BE49-F238E27FC236}">
-                <a16:creationId xmlns:a16="http://schemas.microsoft.com/office/drawing/2014/main" xmlns="" id="{F03C5510-2D10-4C71-97F8-DBAF9D748731}"/>
+                <a16:creationId xmlns:a16="http://schemas.microsoft.com/office/drawing/2014/main" id="{F03C5510-2D10-4C71-97F8-DBAF9D748731}"/>
               </a:ext>
             </a:extLst>
           </p:cNvPr>
@@ -20335,7 +21022,7 @@
           <p:cNvPr id="86" name="Connecteur droit 85">
             <a:extLst>
               <a:ext uri="{FF2B5EF4-FFF2-40B4-BE49-F238E27FC236}">
-                <a16:creationId xmlns:a16="http://schemas.microsoft.com/office/drawing/2014/main" xmlns="" id="{F03C5510-2D10-4C71-97F8-DBAF9D748731}"/>
+                <a16:creationId xmlns:a16="http://schemas.microsoft.com/office/drawing/2014/main" id="{F03C5510-2D10-4C71-97F8-DBAF9D748731}"/>
               </a:ext>
             </a:extLst>
           </p:cNvPr>
@@ -20383,24 +21070,21 @@
           <a:prstGeom prst="ellipse">
             <a:avLst/>
           </a:prstGeom>
-          <a:solidFill>
-            <a:schemeClr val="bg1">
-              <a:lumMod val="65000"/>
-            </a:schemeClr>
-          </a:solidFill>
         </p:spPr>
         <p:style>
           <a:lnRef idx="2">
-            <a:schemeClr val="accent2"/>
+            <a:schemeClr val="accent1">
+              <a:shade val="50000"/>
+            </a:schemeClr>
           </a:lnRef>
           <a:fillRef idx="1">
-            <a:schemeClr val="lt1"/>
+            <a:schemeClr val="accent1"/>
           </a:fillRef>
           <a:effectRef idx="0">
-            <a:schemeClr val="accent2"/>
+            <a:schemeClr val="accent1"/>
           </a:effectRef>
           <a:fontRef idx="minor">
-            <a:schemeClr val="dk1"/>
+            <a:schemeClr val="lt1"/>
           </a:fontRef>
         </p:style>
         <p:txBody>
@@ -20430,24 +21114,21 @@
           <a:prstGeom prst="ellipse">
             <a:avLst/>
           </a:prstGeom>
-          <a:solidFill>
-            <a:schemeClr val="bg1">
-              <a:lumMod val="65000"/>
-            </a:schemeClr>
-          </a:solidFill>
         </p:spPr>
         <p:style>
           <a:lnRef idx="2">
-            <a:schemeClr val="accent2"/>
+            <a:schemeClr val="dk1">
+              <a:shade val="50000"/>
+            </a:schemeClr>
           </a:lnRef>
           <a:fillRef idx="1">
-            <a:schemeClr val="lt1"/>
+            <a:schemeClr val="dk1"/>
           </a:fillRef>
           <a:effectRef idx="0">
-            <a:schemeClr val="accent2"/>
+            <a:schemeClr val="dk1"/>
           </a:effectRef>
           <a:fontRef idx="minor">
-            <a:schemeClr val="dk1"/>
+            <a:schemeClr val="lt1"/>
           </a:fontRef>
         </p:style>
         <p:txBody>
@@ -20477,24 +21158,21 @@
           <a:prstGeom prst="ellipse">
             <a:avLst/>
           </a:prstGeom>
-          <a:solidFill>
-            <a:schemeClr val="bg1">
-              <a:lumMod val="65000"/>
-            </a:schemeClr>
-          </a:solidFill>
         </p:spPr>
         <p:style>
           <a:lnRef idx="2">
-            <a:schemeClr val="accent2"/>
+            <a:schemeClr val="dk1">
+              <a:shade val="50000"/>
+            </a:schemeClr>
           </a:lnRef>
           <a:fillRef idx="1">
-            <a:schemeClr val="lt1"/>
+            <a:schemeClr val="dk1"/>
           </a:fillRef>
           <a:effectRef idx="0">
-            <a:schemeClr val="accent2"/>
+            <a:schemeClr val="dk1"/>
           </a:effectRef>
           <a:fontRef idx="minor">
-            <a:schemeClr val="dk1"/>
+            <a:schemeClr val="lt1"/>
           </a:fontRef>
         </p:style>
         <p:txBody>
@@ -20612,25 +21290,19 @@
           <a:prstGeom prst="ellipse">
             <a:avLst/>
           </a:prstGeom>
-          <a:ln>
-            <a:solidFill>
-              <a:schemeClr val="bg1">
-                <a:lumMod val="65000"/>
-              </a:schemeClr>
-            </a:solidFill>
-          </a:ln>
+          <a:ln/>
         </p:spPr>
         <p:style>
           <a:lnRef idx="2">
-            <a:schemeClr val="accent2">
+            <a:schemeClr val="dk1">
               <a:shade val="50000"/>
             </a:schemeClr>
           </a:lnRef>
           <a:fillRef idx="1">
-            <a:schemeClr val="accent2"/>
+            <a:schemeClr val="dk1"/>
           </a:fillRef>
           <a:effectRef idx="0">
-            <a:schemeClr val="accent2"/>
+            <a:schemeClr val="dk1"/>
           </a:effectRef>
           <a:fontRef idx="minor">
             <a:schemeClr val="lt1"/>
@@ -20659,25 +21331,18 @@
   <p:clrMapOvr>
     <a:masterClrMapping/>
   </p:clrMapOvr>
-  <mc:AlternateContent xmlns:mc="http://schemas.openxmlformats.org/markup-compatibility/2006">
-    <mc:Choice xmlns:p14="http://schemas.microsoft.com/office/powerpoint/2010/main" Requires="p14">
+  <mc:AlternateContent xmlns:mc="http://schemas.openxmlformats.org/markup-compatibility/2006" xmlns:p14="http://schemas.microsoft.com/office/powerpoint/2010/main">
+    <mc:Choice Requires="p14">
       <p:transition spd="med" p14:dur="700">
         <p:fade/>
       </p:transition>
     </mc:Choice>
-    <mc:Fallback>
+    <mc:Fallback xmlns="">
       <p:transition spd="med">
         <p:fade/>
       </p:transition>
     </mc:Fallback>
   </mc:AlternateContent>
-  <p:timing>
-    <p:tnLst>
-      <p:par>
-        <p:cTn id="1" dur="indefinite" restart="never" nodeType="tmRoot"/>
-      </p:par>
-    </p:tnLst>
-  </p:timing>
 </p:sld>
 </file>
 
@@ -20794,7 +21459,7 @@
           <p:cNvPr id="3074" name="Picture 2" descr="RÃ©sultat de recherche d'images pour &quot;satoshi nakamoto&quot;">
             <a:extLst>
               <a:ext uri="{FF2B5EF4-FFF2-40B4-BE49-F238E27FC236}">
-                <a16:creationId xmlns:a16="http://schemas.microsoft.com/office/drawing/2014/main" xmlns="" id="{97FDDFFB-012F-44E6-B553-54A76699A741}"/>
+                <a16:creationId xmlns:a16="http://schemas.microsoft.com/office/drawing/2014/main" id="{97FDDFFB-012F-44E6-B553-54A76699A741}"/>
               </a:ext>
             </a:extLst>
           </p:cNvPr>
@@ -20818,8 +21483,8 @@
         </p:blipFill>
         <p:spPr bwMode="auto">
           <a:xfrm>
-            <a:off x="5360893" y="510989"/>
-            <a:ext cx="2988403" cy="1680977"/>
+            <a:off x="4572000" y="170"/>
+            <a:ext cx="4572000" cy="2571750"/>
           </a:xfrm>
           <a:prstGeom prst="rect">
             <a:avLst/>
@@ -20841,7 +21506,7 @@
           <p:cNvPr id="7" name="Picture 2" descr="http://journals.openedition.org/ilcea/docannexe/image/1151/img-2.png">
             <a:extLst>
               <a:ext uri="{FF2B5EF4-FFF2-40B4-BE49-F238E27FC236}">
-                <a16:creationId xmlns:a16="http://schemas.microsoft.com/office/drawing/2014/main" xmlns="" id="{807304CE-4E47-4F66-A3A7-52136728F604}"/>
+                <a16:creationId xmlns:a16="http://schemas.microsoft.com/office/drawing/2014/main" id="{807304CE-4E47-4F66-A3A7-52136728F604}"/>
               </a:ext>
             </a:extLst>
           </p:cNvPr>
@@ -20865,8 +21530,8 @@
         </p:blipFill>
         <p:spPr bwMode="auto">
           <a:xfrm>
-            <a:off x="5284926" y="2392239"/>
-            <a:ext cx="3140336" cy="1962710"/>
+            <a:off x="4572000" y="2571749"/>
+            <a:ext cx="3137876" cy="1961173"/>
           </a:xfrm>
           <a:prstGeom prst="rect">
             <a:avLst/>
@@ -20968,7 +21633,7 @@
           <a:lstStyle/>
           <a:p>
             <a:r>
-              <a:rPr lang="fr-FR" sz="2000" dirty="0" smtClean="0">
+              <a:rPr lang="fr-FR" sz="2000" dirty="0">
                 <a:solidFill>
                   <a:schemeClr val="bg1"/>
                 </a:solidFill>
@@ -20977,7 +21642,7 @@
               <a:t>« Satoshi </a:t>
             </a:r>
             <a:r>
-              <a:rPr lang="fr-FR" sz="2000" dirty="0" err="1" smtClean="0">
+              <a:rPr lang="fr-FR" sz="2000" dirty="0" err="1">
                 <a:solidFill>
                   <a:schemeClr val="bg1"/>
                 </a:solidFill>
@@ -20986,7 +21651,7 @@
               <a:t>Nakamoto</a:t>
             </a:r>
             <a:r>
-              <a:rPr lang="fr-FR" sz="2000" dirty="0" smtClean="0">
+              <a:rPr lang="fr-FR" sz="2000" dirty="0">
                 <a:solidFill>
                   <a:schemeClr val="bg1"/>
                 </a:solidFill>
@@ -20994,12 +21659,6 @@
               </a:rPr>
               <a:t> »</a:t>
             </a:r>
-            <a:endParaRPr lang="fr-FR" sz="2000" dirty="0">
-              <a:solidFill>
-                <a:schemeClr val="bg1"/>
-              </a:solidFill>
-              <a:latin typeface="Raleway" panose="020B0503030101060003" pitchFamily="34" charset="0"/>
-            </a:endParaRPr>
           </a:p>
         </p:txBody>
       </p:sp>
@@ -21013,29 +21672,111 @@
   <p:clrMapOvr>
     <a:masterClrMapping/>
   </p:clrMapOvr>
-  <mc:AlternateContent xmlns:mc="http://schemas.openxmlformats.org/markup-compatibility/2006">
-    <mc:Choice xmlns:p14="http://schemas.microsoft.com/office/powerpoint/2010/main" Requires="p14">
+  <mc:AlternateContent xmlns:mc="http://schemas.openxmlformats.org/markup-compatibility/2006" xmlns:p14="http://schemas.microsoft.com/office/powerpoint/2010/main">
+    <mc:Choice Requires="p14">
       <p:transition spd="med" p14:dur="700">
         <p:fade/>
       </p:transition>
     </mc:Choice>
-    <mc:Fallback>
+    <mc:Fallback xmlns="">
       <p:transition spd="med">
         <p:fade/>
       </p:transition>
     </mc:Fallback>
   </mc:AlternateContent>
-  <p:timing>
-    <p:tnLst>
-      <p:par>
-        <p:cTn id="1" dur="indefinite" restart="never" nodeType="tmRoot"/>
-      </p:par>
-    </p:tnLst>
-  </p:timing>
 </p:sld>
 </file>
 
 <file path=ppt/slides/slide8.xml><?xml version="1.0" encoding="utf-8"?>
+<p:sld xmlns:a="http://schemas.openxmlformats.org/drawingml/2006/main" xmlns:r="http://schemas.openxmlformats.org/officeDocument/2006/relationships" xmlns:p="http://schemas.openxmlformats.org/presentationml/2006/main">
+  <p:cSld>
+    <p:spTree>
+      <p:nvGrpSpPr>
+        <p:cNvPr id="1" name="Shape 85"/>
+        <p:cNvGrpSpPr/>
+        <p:nvPr/>
+      </p:nvGrpSpPr>
+      <p:grpSpPr>
+        <a:xfrm>
+          <a:off x="0" y="0"/>
+          <a:ext cx="0" cy="0"/>
+          <a:chOff x="0" y="0"/>
+          <a:chExt cx="0" cy="0"/>
+        </a:xfrm>
+      </p:grpSpPr>
+      <p:pic>
+        <p:nvPicPr>
+          <p:cNvPr id="1026" name="Picture 2" descr="https://cdn-images-1.medium.com/max/1800/1*VVCasQUJ-YFSIpUOwROx-g.png">
+            <a:extLst>
+              <a:ext uri="{FF2B5EF4-FFF2-40B4-BE49-F238E27FC236}">
+                <a16:creationId xmlns:a16="http://schemas.microsoft.com/office/drawing/2014/main" id="{A8A9E30D-7DE7-416A-9497-72771051C35B}"/>
+              </a:ext>
+            </a:extLst>
+          </p:cNvPr>
+          <p:cNvPicPr>
+            <a:picLocks noChangeAspect="1" noChangeArrowheads="1"/>
+          </p:cNvPicPr>
+          <p:nvPr/>
+        </p:nvPicPr>
+        <p:blipFill>
+          <a:blip r:embed="rId3">
+            <a:extLst>
+              <a:ext uri="{28A0092B-C50C-407E-A947-70E740481C1C}">
+                <a14:useLocalDpi xmlns:a14="http://schemas.microsoft.com/office/drawing/2010/main" val="0"/>
+              </a:ext>
+            </a:extLst>
+          </a:blip>
+          <a:srcRect/>
+          <a:stretch>
+            <a:fillRect/>
+          </a:stretch>
+        </p:blipFill>
+        <p:spPr bwMode="auto">
+          <a:xfrm>
+            <a:off x="-7816" y="0"/>
+            <a:ext cx="9188887" cy="5149605"/>
+          </a:xfrm>
+          <a:prstGeom prst="rect">
+            <a:avLst/>
+          </a:prstGeom>
+          <a:noFill/>
+          <a:extLst>
+            <a:ext uri="{909E8E84-426E-40DD-AFC4-6F175D3DCCD1}">
+              <a14:hiddenFill xmlns:a14="http://schemas.microsoft.com/office/drawing/2010/main">
+                <a:solidFill>
+                  <a:srgbClr val="FFFFFF"/>
+                </a:solidFill>
+              </a14:hiddenFill>
+            </a:ext>
+          </a:extLst>
+        </p:spPr>
+      </p:pic>
+    </p:spTree>
+    <p:extLst>
+      <p:ext uri="{BB962C8B-B14F-4D97-AF65-F5344CB8AC3E}">
+        <p14:creationId xmlns:p14="http://schemas.microsoft.com/office/powerpoint/2010/main" val="784526705"/>
+      </p:ext>
+    </p:extLst>
+  </p:cSld>
+  <p:clrMapOvr>
+    <a:masterClrMapping/>
+  </p:clrMapOvr>
+  <mc:AlternateContent xmlns:mc="http://schemas.openxmlformats.org/markup-compatibility/2006" xmlns:p14="http://schemas.microsoft.com/office/powerpoint/2010/main">
+    <mc:Choice Requires="p14">
+      <p:transition spd="med" p14:dur="700">
+        <p:fade/>
+      </p:transition>
+    </mc:Choice>
+    <mc:Fallback xmlns="">
+      <p:transition spd="med">
+        <p:fade/>
+      </p:transition>
+    </mc:Fallback>
+  </mc:AlternateContent>
+</p:sld>
+</file>
+
+<file path=ppt/slides/slide9.xml><?xml version="1.0" encoding="utf-8"?>
 <p:sld xmlns:a="http://schemas.openxmlformats.org/drawingml/2006/main" xmlns:r="http://schemas.openxmlformats.org/officeDocument/2006/relationships" xmlns:p="http://schemas.openxmlformats.org/presentationml/2006/main">
   <p:cSld>
     <p:spTree>
@@ -21114,13 +21855,13 @@
           <a:lstStyle/>
           <a:p>
             <a:r>
-              <a:rPr lang="fr-FR" sz="4000" dirty="0" smtClean="0">
+              <a:rPr lang="fr-FR" sz="4000" dirty="0">
                 <a:latin typeface="Raleway" panose="020B0503030101060003" pitchFamily="34" charset="0"/>
               </a:rPr>
               <a:t>Proof of </a:t>
             </a:r>
             <a:r>
-              <a:rPr lang="fr-FR" sz="4000" dirty="0" err="1" smtClean="0">
+              <a:rPr lang="fr-FR" sz="4000" dirty="0" err="1">
                 <a:latin typeface="Raleway" panose="020B0503030101060003" pitchFamily="34" charset="0"/>
               </a:rPr>
               <a:t>Work</a:t>
@@ -21243,913 +21984,18 @@
   <p:clrMapOvr>
     <a:masterClrMapping/>
   </p:clrMapOvr>
-  <mc:AlternateContent xmlns:mc="http://schemas.openxmlformats.org/markup-compatibility/2006">
-    <mc:Choice xmlns:p14="http://schemas.microsoft.com/office/powerpoint/2010/main" Requires="p14">
+  <mc:AlternateContent xmlns:mc="http://schemas.openxmlformats.org/markup-compatibility/2006" xmlns:p14="http://schemas.microsoft.com/office/powerpoint/2010/main">
+    <mc:Choice Requires="p14">
       <p:transition spd="med" p14:dur="700">
         <p:fade/>
       </p:transition>
     </mc:Choice>
-    <mc:Fallback>
+    <mc:Fallback xmlns="">
       <p:transition spd="med">
         <p:fade/>
       </p:transition>
     </mc:Fallback>
   </mc:AlternateContent>
-  <p:timing>
-    <p:tnLst>
-      <p:par>
-        <p:cTn id="1" dur="indefinite" restart="never" nodeType="tmRoot"/>
-      </p:par>
-    </p:tnLst>
-  </p:timing>
-</p:sld>
-</file>
-
-<file path=ppt/slides/slide9.xml><?xml version="1.0" encoding="utf-8"?>
-<p:sld xmlns:a="http://schemas.openxmlformats.org/drawingml/2006/main" xmlns:r="http://schemas.openxmlformats.org/officeDocument/2006/relationships" xmlns:p="http://schemas.openxmlformats.org/presentationml/2006/main">
-  <p:cSld>
-    <p:spTree>
-      <p:nvGrpSpPr>
-        <p:cNvPr id="1" name="Shape 85"/>
-        <p:cNvGrpSpPr/>
-        <p:nvPr/>
-      </p:nvGrpSpPr>
-      <p:grpSpPr>
-        <a:xfrm>
-          <a:off x="0" y="0"/>
-          <a:ext cx="0" cy="0"/>
-          <a:chOff x="0" y="0"/>
-          <a:chExt cx="0" cy="0"/>
-        </a:xfrm>
-      </p:grpSpPr>
-      <p:sp>
-        <p:nvSpPr>
-          <p:cNvPr id="88" name="Shape 88"/>
-          <p:cNvSpPr txBox="1">
-            <a:spLocks noGrp="1"/>
-          </p:cNvSpPr>
-          <p:nvPr>
-            <p:ph type="title"/>
-          </p:nvPr>
-        </p:nvSpPr>
-        <p:spPr>
-          <a:xfrm>
-            <a:off x="449000" y="301500"/>
-            <a:ext cx="8185500" cy="501900"/>
-          </a:xfrm>
-          <a:prstGeom prst="rect">
-            <a:avLst/>
-          </a:prstGeom>
-        </p:spPr>
-        <p:txBody>
-          <a:bodyPr spcFirstLastPara="1" wrap="square" lIns="91425" tIns="91425" rIns="91425" bIns="91425" anchor="t" anchorCtr="0">
-            <a:noAutofit/>
-          </a:bodyPr>
-          <a:lstStyle/>
-          <a:p>
-            <a:r>
-              <a:rPr lang="fr-FR" dirty="0" smtClean="0"/>
-              <a:t>L’attaque </a:t>
-            </a:r>
-            <a:r>
-              <a:rPr lang="fr-FR" dirty="0"/>
-              <a:t>des 51%</a:t>
-            </a:r>
-          </a:p>
-        </p:txBody>
-      </p:sp>
-      <p:cxnSp>
-        <p:nvCxnSpPr>
-          <p:cNvPr id="31" name="Connecteur droit 30">
-            <a:extLst>
-              <a:ext uri="{FF2B5EF4-FFF2-40B4-BE49-F238E27FC236}">
-                <a16:creationId xmlns:a16="http://schemas.microsoft.com/office/drawing/2014/main" xmlns="" id="{D38AFFC3-3EAD-4DDC-920D-BF1EC65973FF}"/>
-              </a:ext>
-            </a:extLst>
-          </p:cNvPr>
-          <p:cNvCxnSpPr>
-            <a:cxnSpLocks/>
-          </p:cNvCxnSpPr>
-          <p:nvPr/>
-        </p:nvCxnSpPr>
-        <p:spPr>
-          <a:xfrm flipV="1">
-            <a:off x="2455905" y="1536740"/>
-            <a:ext cx="3569996" cy="58246"/>
-          </a:xfrm>
-          <a:prstGeom prst="line">
-            <a:avLst/>
-          </a:prstGeom>
-          <a:ln>
-            <a:prstDash val="sysDash"/>
-          </a:ln>
-        </p:spPr>
-        <p:style>
-          <a:lnRef idx="1">
-            <a:schemeClr val="accent1"/>
-          </a:lnRef>
-          <a:fillRef idx="0">
-            <a:schemeClr val="accent1"/>
-          </a:fillRef>
-          <a:effectRef idx="0">
-            <a:schemeClr val="accent1"/>
-          </a:effectRef>
-          <a:fontRef idx="minor">
-            <a:schemeClr val="tx1"/>
-          </a:fontRef>
-        </p:style>
-      </p:cxnSp>
-      <p:cxnSp>
-        <p:nvCxnSpPr>
-          <p:cNvPr id="32" name="Connecteur droit 31">
-            <a:extLst>
-              <a:ext uri="{FF2B5EF4-FFF2-40B4-BE49-F238E27FC236}">
-                <a16:creationId xmlns:a16="http://schemas.microsoft.com/office/drawing/2014/main" xmlns="" id="{F2529381-4F5E-43B7-832E-1713B4A59F3E}"/>
-              </a:ext>
-            </a:extLst>
-          </p:cNvPr>
-          <p:cNvCxnSpPr>
-            <a:cxnSpLocks/>
-            <a:endCxn id="45" idx="2"/>
-          </p:cNvCxnSpPr>
-          <p:nvPr/>
-        </p:nvCxnSpPr>
-        <p:spPr>
-          <a:xfrm flipV="1">
-            <a:off x="1962341" y="2731845"/>
-            <a:ext cx="2142291" cy="88248"/>
-          </a:xfrm>
-          <a:prstGeom prst="line">
-            <a:avLst/>
-          </a:prstGeom>
-          <a:ln>
-            <a:prstDash val="sysDash"/>
-          </a:ln>
-        </p:spPr>
-        <p:style>
-          <a:lnRef idx="1">
-            <a:schemeClr val="accent1"/>
-          </a:lnRef>
-          <a:fillRef idx="0">
-            <a:schemeClr val="accent1"/>
-          </a:fillRef>
-          <a:effectRef idx="0">
-            <a:schemeClr val="accent1"/>
-          </a:effectRef>
-          <a:fontRef idx="minor">
-            <a:schemeClr val="tx1"/>
-          </a:fontRef>
-        </p:style>
-      </p:cxnSp>
-      <p:cxnSp>
-        <p:nvCxnSpPr>
-          <p:cNvPr id="33" name="Connecteur droit 32">
-            <a:extLst>
-              <a:ext uri="{FF2B5EF4-FFF2-40B4-BE49-F238E27FC236}">
-                <a16:creationId xmlns:a16="http://schemas.microsoft.com/office/drawing/2014/main" xmlns="" id="{DDB95EFA-5B88-4A93-844C-6463F7008131}"/>
-              </a:ext>
-            </a:extLst>
-          </p:cNvPr>
-          <p:cNvCxnSpPr>
-            <a:cxnSpLocks/>
-          </p:cNvCxnSpPr>
-          <p:nvPr/>
-        </p:nvCxnSpPr>
-        <p:spPr>
-          <a:xfrm flipV="1">
-            <a:off x="2002591" y="1564357"/>
-            <a:ext cx="413468" cy="1213078"/>
-          </a:xfrm>
-          <a:prstGeom prst="line">
-            <a:avLst/>
-          </a:prstGeom>
-          <a:ln>
-            <a:prstDash val="sysDash"/>
-          </a:ln>
-        </p:spPr>
-        <p:style>
-          <a:lnRef idx="1">
-            <a:schemeClr val="accent1"/>
-          </a:lnRef>
-          <a:fillRef idx="0">
-            <a:schemeClr val="accent1"/>
-          </a:fillRef>
-          <a:effectRef idx="0">
-            <a:schemeClr val="accent1"/>
-          </a:effectRef>
-          <a:fontRef idx="minor">
-            <a:schemeClr val="tx1"/>
-          </a:fontRef>
-        </p:style>
-      </p:cxnSp>
-      <p:cxnSp>
-        <p:nvCxnSpPr>
-          <p:cNvPr id="34" name="Connecteur droit 33">
-            <a:extLst>
-              <a:ext uri="{FF2B5EF4-FFF2-40B4-BE49-F238E27FC236}">
-                <a16:creationId xmlns:a16="http://schemas.microsoft.com/office/drawing/2014/main" xmlns="" id="{0AC8BCA6-1159-48FB-9320-BC5B89754370}"/>
-              </a:ext>
-            </a:extLst>
-          </p:cNvPr>
-          <p:cNvCxnSpPr>
-            <a:cxnSpLocks/>
-          </p:cNvCxnSpPr>
-          <p:nvPr/>
-        </p:nvCxnSpPr>
-        <p:spPr>
-          <a:xfrm>
-            <a:off x="1963377" y="2916420"/>
-            <a:ext cx="484791" cy="1272354"/>
-          </a:xfrm>
-          <a:prstGeom prst="line">
-            <a:avLst/>
-          </a:prstGeom>
-          <a:ln>
-            <a:prstDash val="sysDash"/>
-          </a:ln>
-        </p:spPr>
-        <p:style>
-          <a:lnRef idx="1">
-            <a:schemeClr val="accent1"/>
-          </a:lnRef>
-          <a:fillRef idx="0">
-            <a:schemeClr val="accent1"/>
-          </a:fillRef>
-          <a:effectRef idx="0">
-            <a:schemeClr val="accent1"/>
-          </a:effectRef>
-          <a:fontRef idx="minor">
-            <a:schemeClr val="tx1"/>
-          </a:fontRef>
-        </p:style>
-      </p:cxnSp>
-      <p:cxnSp>
-        <p:nvCxnSpPr>
-          <p:cNvPr id="35" name="Connecteur droit 34">
-            <a:extLst>
-              <a:ext uri="{FF2B5EF4-FFF2-40B4-BE49-F238E27FC236}">
-                <a16:creationId xmlns:a16="http://schemas.microsoft.com/office/drawing/2014/main" xmlns="" id="{C028FB06-F927-4E7B-B004-36656F75BACC}"/>
-              </a:ext>
-            </a:extLst>
-          </p:cNvPr>
-          <p:cNvCxnSpPr>
-            <a:cxnSpLocks/>
-            <a:endCxn id="45" idx="5"/>
-          </p:cNvCxnSpPr>
-          <p:nvPr/>
-        </p:nvCxnSpPr>
-        <p:spPr>
-          <a:xfrm flipH="1" flipV="1">
-            <a:off x="4435919" y="2866743"/>
-            <a:ext cx="1676672" cy="1170428"/>
-          </a:xfrm>
-          <a:prstGeom prst="line">
-            <a:avLst/>
-          </a:prstGeom>
-          <a:ln>
-            <a:prstDash val="sysDash"/>
-          </a:ln>
-        </p:spPr>
-        <p:style>
-          <a:lnRef idx="1">
-            <a:schemeClr val="accent1"/>
-          </a:lnRef>
-          <a:fillRef idx="0">
-            <a:schemeClr val="accent1"/>
-          </a:fillRef>
-          <a:effectRef idx="0">
-            <a:schemeClr val="accent1"/>
-          </a:effectRef>
-          <a:fontRef idx="minor">
-            <a:schemeClr val="tx1"/>
-          </a:fontRef>
-        </p:style>
-      </p:cxnSp>
-      <p:cxnSp>
-        <p:nvCxnSpPr>
-          <p:cNvPr id="36" name="Connecteur droit 35">
-            <a:extLst>
-              <a:ext uri="{FF2B5EF4-FFF2-40B4-BE49-F238E27FC236}">
-                <a16:creationId xmlns:a16="http://schemas.microsoft.com/office/drawing/2014/main" xmlns="" id="{111FBA2C-CBDD-461C-8F09-92B0FB59A609}"/>
-              </a:ext>
-            </a:extLst>
-          </p:cNvPr>
-          <p:cNvCxnSpPr>
-            <a:cxnSpLocks/>
-            <a:stCxn id="49" idx="6"/>
-          </p:cNvCxnSpPr>
-          <p:nvPr/>
-        </p:nvCxnSpPr>
-        <p:spPr>
-          <a:xfrm flipV="1">
-            <a:off x="2610122" y="4089187"/>
-            <a:ext cx="3533464" cy="10328"/>
-          </a:xfrm>
-          <a:prstGeom prst="line">
-            <a:avLst/>
-          </a:prstGeom>
-          <a:ln>
-            <a:prstDash val="sysDash"/>
-          </a:ln>
-        </p:spPr>
-        <p:style>
-          <a:lnRef idx="1">
-            <a:schemeClr val="accent1"/>
-          </a:lnRef>
-          <a:fillRef idx="0">
-            <a:schemeClr val="accent1"/>
-          </a:fillRef>
-          <a:effectRef idx="0">
-            <a:schemeClr val="accent1"/>
-          </a:effectRef>
-          <a:fontRef idx="minor">
-            <a:schemeClr val="tx1"/>
-          </a:fontRef>
-        </p:style>
-      </p:cxnSp>
-      <p:cxnSp>
-        <p:nvCxnSpPr>
-          <p:cNvPr id="37" name="Connecteur droit 36">
-            <a:extLst>
-              <a:ext uri="{FF2B5EF4-FFF2-40B4-BE49-F238E27FC236}">
-                <a16:creationId xmlns:a16="http://schemas.microsoft.com/office/drawing/2014/main" xmlns="" id="{85B4D7EC-5345-4485-8217-8B8F9EEA516B}"/>
-              </a:ext>
-            </a:extLst>
-          </p:cNvPr>
-          <p:cNvCxnSpPr>
-            <a:cxnSpLocks/>
-          </p:cNvCxnSpPr>
-          <p:nvPr/>
-        </p:nvCxnSpPr>
-        <p:spPr>
-          <a:xfrm flipH="1">
-            <a:off x="6143586" y="2883733"/>
-            <a:ext cx="534622" cy="1183910"/>
-          </a:xfrm>
-          <a:prstGeom prst="line">
-            <a:avLst/>
-          </a:prstGeom>
-          <a:ln>
-            <a:prstDash val="sysDash"/>
-          </a:ln>
-        </p:spPr>
-        <p:style>
-          <a:lnRef idx="1">
-            <a:schemeClr val="accent1"/>
-          </a:lnRef>
-          <a:fillRef idx="0">
-            <a:schemeClr val="accent1"/>
-          </a:fillRef>
-          <a:effectRef idx="0">
-            <a:schemeClr val="accent1"/>
-          </a:effectRef>
-          <a:fontRef idx="minor">
-            <a:schemeClr val="tx1"/>
-          </a:fontRef>
-        </p:style>
-      </p:cxnSp>
-      <p:cxnSp>
-        <p:nvCxnSpPr>
-          <p:cNvPr id="38" name="Connecteur droit 37">
-            <a:extLst>
-              <a:ext uri="{FF2B5EF4-FFF2-40B4-BE49-F238E27FC236}">
-                <a16:creationId xmlns:a16="http://schemas.microsoft.com/office/drawing/2014/main" xmlns="" id="{26D6ECF2-D1BE-4DB6-B15E-7B3FD84328F7}"/>
-              </a:ext>
-            </a:extLst>
-          </p:cNvPr>
-          <p:cNvCxnSpPr>
-            <a:cxnSpLocks/>
-          </p:cNvCxnSpPr>
-          <p:nvPr/>
-        </p:nvCxnSpPr>
-        <p:spPr>
-          <a:xfrm>
-            <a:off x="6025901" y="1652078"/>
-            <a:ext cx="762253" cy="1149303"/>
-          </a:xfrm>
-          <a:prstGeom prst="line">
-            <a:avLst/>
-          </a:prstGeom>
-          <a:ln>
-            <a:prstDash val="sysDash"/>
-          </a:ln>
-        </p:spPr>
-        <p:style>
-          <a:lnRef idx="1">
-            <a:schemeClr val="accent1"/>
-          </a:lnRef>
-          <a:fillRef idx="0">
-            <a:schemeClr val="accent1"/>
-          </a:fillRef>
-          <a:effectRef idx="0">
-            <a:schemeClr val="accent1"/>
-          </a:effectRef>
-          <a:fontRef idx="minor">
-            <a:schemeClr val="tx1"/>
-          </a:fontRef>
-        </p:style>
-      </p:cxnSp>
-      <p:cxnSp>
-        <p:nvCxnSpPr>
-          <p:cNvPr id="39" name="Connecteur droit 38">
-            <a:extLst>
-              <a:ext uri="{FF2B5EF4-FFF2-40B4-BE49-F238E27FC236}">
-                <a16:creationId xmlns:a16="http://schemas.microsoft.com/office/drawing/2014/main" xmlns="" id="{FDF547B6-61D9-44CD-A864-96FD10E84118}"/>
-              </a:ext>
-            </a:extLst>
-          </p:cNvPr>
-          <p:cNvCxnSpPr>
-            <a:cxnSpLocks/>
-            <a:endCxn id="45" idx="3"/>
-          </p:cNvCxnSpPr>
-          <p:nvPr/>
-        </p:nvCxnSpPr>
-        <p:spPr>
-          <a:xfrm flipV="1">
-            <a:off x="2525313" y="2866743"/>
-            <a:ext cx="1636159" cy="1170427"/>
-          </a:xfrm>
-          <a:prstGeom prst="line">
-            <a:avLst/>
-          </a:prstGeom>
-          <a:ln>
-            <a:prstDash val="sysDash"/>
-          </a:ln>
-        </p:spPr>
-        <p:style>
-          <a:lnRef idx="1">
-            <a:schemeClr val="accent1"/>
-          </a:lnRef>
-          <a:fillRef idx="0">
-            <a:schemeClr val="accent1"/>
-          </a:fillRef>
-          <a:effectRef idx="0">
-            <a:schemeClr val="accent1"/>
-          </a:effectRef>
-          <a:fontRef idx="minor">
-            <a:schemeClr val="tx1"/>
-          </a:fontRef>
-        </p:style>
-      </p:cxnSp>
-      <p:cxnSp>
-        <p:nvCxnSpPr>
-          <p:cNvPr id="40" name="Connecteur droit 39">
-            <a:extLst>
-              <a:ext uri="{FF2B5EF4-FFF2-40B4-BE49-F238E27FC236}">
-                <a16:creationId xmlns:a16="http://schemas.microsoft.com/office/drawing/2014/main" xmlns="" id="{F03C5510-2D10-4C71-97F8-DBAF9D748731}"/>
-              </a:ext>
-            </a:extLst>
-          </p:cNvPr>
-          <p:cNvCxnSpPr>
-            <a:cxnSpLocks/>
-            <a:endCxn id="45" idx="1"/>
-          </p:cNvCxnSpPr>
-          <p:nvPr/>
-        </p:nvCxnSpPr>
-        <p:spPr>
-          <a:xfrm>
-            <a:off x="2461648" y="1630896"/>
-            <a:ext cx="1699824" cy="966051"/>
-          </a:xfrm>
-          <a:prstGeom prst="line">
-            <a:avLst/>
-          </a:prstGeom>
-          <a:ln>
-            <a:prstDash val="sysDash"/>
-          </a:ln>
-        </p:spPr>
-        <p:style>
-          <a:lnRef idx="1">
-            <a:schemeClr val="accent1"/>
-          </a:lnRef>
-          <a:fillRef idx="0">
-            <a:schemeClr val="accent1"/>
-          </a:fillRef>
-          <a:effectRef idx="0">
-            <a:schemeClr val="accent1"/>
-          </a:effectRef>
-          <a:fontRef idx="minor">
-            <a:schemeClr val="tx1"/>
-          </a:fontRef>
-        </p:style>
-      </p:cxnSp>
-      <p:cxnSp>
-        <p:nvCxnSpPr>
-          <p:cNvPr id="41" name="Connecteur droit 40">
-            <a:extLst>
-              <a:ext uri="{FF2B5EF4-FFF2-40B4-BE49-F238E27FC236}">
-                <a16:creationId xmlns:a16="http://schemas.microsoft.com/office/drawing/2014/main" xmlns="" id="{58F9A055-899C-44B7-8E52-2149ACF75033}"/>
-              </a:ext>
-            </a:extLst>
-          </p:cNvPr>
-          <p:cNvCxnSpPr>
-            <a:cxnSpLocks/>
-            <a:endCxn id="45" idx="7"/>
-          </p:cNvCxnSpPr>
-          <p:nvPr/>
-        </p:nvCxnSpPr>
-        <p:spPr>
-          <a:xfrm flipH="1">
-            <a:off x="4435919" y="1637901"/>
-            <a:ext cx="1365237" cy="959046"/>
-          </a:xfrm>
-          <a:prstGeom prst="line">
-            <a:avLst/>
-          </a:prstGeom>
-          <a:ln>
-            <a:prstDash val="sysDash"/>
-          </a:ln>
-        </p:spPr>
-        <p:style>
-          <a:lnRef idx="1">
-            <a:schemeClr val="accent1"/>
-          </a:lnRef>
-          <a:fillRef idx="0">
-            <a:schemeClr val="accent1"/>
-          </a:fillRef>
-          <a:effectRef idx="0">
-            <a:schemeClr val="accent1"/>
-          </a:effectRef>
-          <a:fontRef idx="minor">
-            <a:schemeClr val="tx1"/>
-          </a:fontRef>
-        </p:style>
-      </p:cxnSp>
-      <p:cxnSp>
-        <p:nvCxnSpPr>
-          <p:cNvPr id="42" name="Connecteur droit 41">
-            <a:extLst>
-              <a:ext uri="{FF2B5EF4-FFF2-40B4-BE49-F238E27FC236}">
-                <a16:creationId xmlns:a16="http://schemas.microsoft.com/office/drawing/2014/main" xmlns="" id="{C270E4E5-08AF-4DA9-A46E-065C8F84227B}"/>
-              </a:ext>
-            </a:extLst>
-          </p:cNvPr>
-          <p:cNvCxnSpPr>
-            <a:cxnSpLocks/>
-            <a:stCxn id="45" idx="6"/>
-          </p:cNvCxnSpPr>
-          <p:nvPr/>
-        </p:nvCxnSpPr>
-        <p:spPr>
-          <a:xfrm>
-            <a:off x="4492759" y="2731845"/>
-            <a:ext cx="2296430" cy="100991"/>
-          </a:xfrm>
-          <a:prstGeom prst="line">
-            <a:avLst/>
-          </a:prstGeom>
-          <a:ln>
-            <a:prstDash val="sysDash"/>
-          </a:ln>
-        </p:spPr>
-        <p:style>
-          <a:lnRef idx="1">
-            <a:schemeClr val="accent1"/>
-          </a:lnRef>
-          <a:fillRef idx="0">
-            <a:schemeClr val="accent1"/>
-          </a:fillRef>
-          <a:effectRef idx="0">
-            <a:schemeClr val="accent1"/>
-          </a:effectRef>
-          <a:fontRef idx="minor">
-            <a:schemeClr val="tx1"/>
-          </a:fontRef>
-        </p:style>
-      </p:cxnSp>
-      <p:sp>
-        <p:nvSpPr>
-          <p:cNvPr id="43" name="Ellipse 42"/>
-          <p:cNvSpPr/>
-          <p:nvPr/>
-        </p:nvSpPr>
-        <p:spPr>
-          <a:xfrm>
-            <a:off x="2223025" y="1423227"/>
-            <a:ext cx="388127" cy="381548"/>
-          </a:xfrm>
-          <a:prstGeom prst="ellipse">
-            <a:avLst/>
-          </a:prstGeom>
-        </p:spPr>
-        <p:style>
-          <a:lnRef idx="2">
-            <a:schemeClr val="dk1">
-              <a:shade val="50000"/>
-            </a:schemeClr>
-          </a:lnRef>
-          <a:fillRef idx="1">
-            <a:schemeClr val="dk1"/>
-          </a:fillRef>
-          <a:effectRef idx="0">
-            <a:schemeClr val="dk1"/>
-          </a:effectRef>
-          <a:fontRef idx="minor">
-            <a:schemeClr val="lt1"/>
-          </a:fontRef>
-        </p:style>
-        <p:txBody>
-          <a:bodyPr rtlCol="0" anchor="ctr"/>
-          <a:lstStyle/>
-          <a:p>
-            <a:pPr algn="ctr"/>
-            <a:endParaRPr lang="fr-FR">
-              <a:solidFill>
-                <a:srgbClr val="C00000"/>
-              </a:solidFill>
-            </a:endParaRPr>
-          </a:p>
-        </p:txBody>
-      </p:sp>
-      <p:sp>
-        <p:nvSpPr>
-          <p:cNvPr id="44" name="Ellipse 43"/>
-          <p:cNvSpPr/>
-          <p:nvPr/>
-        </p:nvSpPr>
-        <p:spPr>
-          <a:xfrm>
-            <a:off x="5892910" y="3867439"/>
-            <a:ext cx="388127" cy="381548"/>
-          </a:xfrm>
-          <a:prstGeom prst="ellipse">
-            <a:avLst/>
-          </a:prstGeom>
-        </p:spPr>
-        <p:style>
-          <a:lnRef idx="2">
-            <a:schemeClr val="dk1">
-              <a:shade val="50000"/>
-            </a:schemeClr>
-          </a:lnRef>
-          <a:fillRef idx="1">
-            <a:schemeClr val="dk1"/>
-          </a:fillRef>
-          <a:effectRef idx="0">
-            <a:schemeClr val="dk1"/>
-          </a:effectRef>
-          <a:fontRef idx="minor">
-            <a:schemeClr val="lt1"/>
-          </a:fontRef>
-        </p:style>
-        <p:txBody>
-          <a:bodyPr rtlCol="0" anchor="ctr"/>
-          <a:lstStyle/>
-          <a:p>
-            <a:pPr algn="ctr"/>
-            <a:endParaRPr lang="fr-FR">
-              <a:solidFill>
-                <a:srgbClr val="C00000"/>
-              </a:solidFill>
-            </a:endParaRPr>
-          </a:p>
-        </p:txBody>
-      </p:sp>
-      <p:sp>
-        <p:nvSpPr>
-          <p:cNvPr id="45" name="Ellipse 44"/>
-          <p:cNvSpPr/>
-          <p:nvPr/>
-        </p:nvSpPr>
-        <p:spPr>
-          <a:xfrm>
-            <a:off x="4104632" y="2541071"/>
-            <a:ext cx="388127" cy="381548"/>
-          </a:xfrm>
-          <a:prstGeom prst="ellipse">
-            <a:avLst/>
-          </a:prstGeom>
-        </p:spPr>
-        <p:style>
-          <a:lnRef idx="2">
-            <a:schemeClr val="accent1">
-              <a:shade val="50000"/>
-            </a:schemeClr>
-          </a:lnRef>
-          <a:fillRef idx="1">
-            <a:schemeClr val="accent1"/>
-          </a:fillRef>
-          <a:effectRef idx="0">
-            <a:schemeClr val="accent1"/>
-          </a:effectRef>
-          <a:fontRef idx="minor">
-            <a:schemeClr val="lt1"/>
-          </a:fontRef>
-        </p:style>
-        <p:txBody>
-          <a:bodyPr rtlCol="0" anchor="ctr"/>
-          <a:lstStyle/>
-          <a:p>
-            <a:pPr algn="ctr"/>
-            <a:endParaRPr lang="fr-FR"/>
-          </a:p>
-        </p:txBody>
-      </p:sp>
-      <p:sp>
-        <p:nvSpPr>
-          <p:cNvPr id="46" name="Ellipse 45"/>
-          <p:cNvSpPr/>
-          <p:nvPr/>
-        </p:nvSpPr>
-        <p:spPr>
-          <a:xfrm>
-            <a:off x="1768278" y="2649662"/>
-            <a:ext cx="388127" cy="381548"/>
-          </a:xfrm>
-          <a:prstGeom prst="ellipse">
-            <a:avLst/>
-          </a:prstGeom>
-        </p:spPr>
-        <p:style>
-          <a:lnRef idx="2">
-            <a:schemeClr val="dk1">
-              <a:shade val="50000"/>
-            </a:schemeClr>
-          </a:lnRef>
-          <a:fillRef idx="1">
-            <a:schemeClr val="dk1"/>
-          </a:fillRef>
-          <a:effectRef idx="0">
-            <a:schemeClr val="dk1"/>
-          </a:effectRef>
-          <a:fontRef idx="minor">
-            <a:schemeClr val="lt1"/>
-          </a:fontRef>
-        </p:style>
-        <p:txBody>
-          <a:bodyPr rtlCol="0" anchor="ctr"/>
-          <a:lstStyle/>
-          <a:p>
-            <a:pPr algn="ctr"/>
-            <a:endParaRPr lang="fr-FR">
-              <a:solidFill>
-                <a:srgbClr val="C00000"/>
-              </a:solidFill>
-            </a:endParaRPr>
-          </a:p>
-        </p:txBody>
-      </p:sp>
-      <p:sp>
-        <p:nvSpPr>
-          <p:cNvPr id="47" name="Ellipse 46"/>
-          <p:cNvSpPr/>
-          <p:nvPr/>
-        </p:nvSpPr>
-        <p:spPr>
-          <a:xfrm>
-            <a:off x="5783007" y="1362008"/>
-            <a:ext cx="388127" cy="381548"/>
-          </a:xfrm>
-          <a:prstGeom prst="ellipse">
-            <a:avLst/>
-          </a:prstGeom>
-        </p:spPr>
-        <p:style>
-          <a:lnRef idx="2">
-            <a:schemeClr val="dk1">
-              <a:shade val="50000"/>
-            </a:schemeClr>
-          </a:lnRef>
-          <a:fillRef idx="1">
-            <a:schemeClr val="dk1"/>
-          </a:fillRef>
-          <a:effectRef idx="0">
-            <a:schemeClr val="dk1"/>
-          </a:effectRef>
-          <a:fontRef idx="minor">
-            <a:schemeClr val="lt1"/>
-          </a:fontRef>
-        </p:style>
-        <p:txBody>
-          <a:bodyPr rtlCol="0" anchor="ctr"/>
-          <a:lstStyle/>
-          <a:p>
-            <a:pPr algn="ctr"/>
-            <a:endParaRPr lang="fr-FR">
-              <a:solidFill>
-                <a:srgbClr val="C00000"/>
-              </a:solidFill>
-            </a:endParaRPr>
-          </a:p>
-        </p:txBody>
-      </p:sp>
-      <p:sp>
-        <p:nvSpPr>
-          <p:cNvPr id="48" name="Ellipse 47"/>
-          <p:cNvSpPr/>
-          <p:nvPr/>
-        </p:nvSpPr>
-        <p:spPr>
-          <a:xfrm>
-            <a:off x="6484145" y="2621607"/>
-            <a:ext cx="388127" cy="381548"/>
-          </a:xfrm>
-          <a:prstGeom prst="ellipse">
-            <a:avLst/>
-          </a:prstGeom>
-        </p:spPr>
-        <p:style>
-          <a:lnRef idx="2">
-            <a:schemeClr val="dk1">
-              <a:shade val="50000"/>
-            </a:schemeClr>
-          </a:lnRef>
-          <a:fillRef idx="1">
-            <a:schemeClr val="dk1"/>
-          </a:fillRef>
-          <a:effectRef idx="0">
-            <a:schemeClr val="dk1"/>
-          </a:effectRef>
-          <a:fontRef idx="minor">
-            <a:schemeClr val="lt1"/>
-          </a:fontRef>
-        </p:style>
-        <p:txBody>
-          <a:bodyPr rtlCol="0" anchor="ctr"/>
-          <a:lstStyle/>
-          <a:p>
-            <a:pPr algn="ctr"/>
-            <a:endParaRPr lang="fr-FR">
-              <a:solidFill>
-                <a:srgbClr val="C00000"/>
-              </a:solidFill>
-            </a:endParaRPr>
-          </a:p>
-        </p:txBody>
-      </p:sp>
-      <p:sp>
-        <p:nvSpPr>
-          <p:cNvPr id="49" name="Ellipse 48"/>
-          <p:cNvSpPr/>
-          <p:nvPr/>
-        </p:nvSpPr>
-        <p:spPr>
-          <a:xfrm>
-            <a:off x="2221995" y="3908741"/>
-            <a:ext cx="388127" cy="381548"/>
-          </a:xfrm>
-          <a:prstGeom prst="ellipse">
-            <a:avLst/>
-          </a:prstGeom>
-        </p:spPr>
-        <p:style>
-          <a:lnRef idx="2">
-            <a:schemeClr val="dk1">
-              <a:shade val="50000"/>
-            </a:schemeClr>
-          </a:lnRef>
-          <a:fillRef idx="1">
-            <a:schemeClr val="dk1"/>
-          </a:fillRef>
-          <a:effectRef idx="0">
-            <a:schemeClr val="dk1"/>
-          </a:effectRef>
-          <a:fontRef idx="minor">
-            <a:schemeClr val="lt1"/>
-          </a:fontRef>
-        </p:style>
-        <p:txBody>
-          <a:bodyPr rtlCol="0" anchor="ctr"/>
-          <a:lstStyle/>
-          <a:p>
-            <a:pPr algn="ctr"/>
-            <a:endParaRPr lang="fr-FR">
-              <a:solidFill>
-                <a:srgbClr val="C00000"/>
-              </a:solidFill>
-            </a:endParaRPr>
-          </a:p>
-        </p:txBody>
-      </p:sp>
-    </p:spTree>
-    <p:extLst>
-      <p:ext uri="{BB962C8B-B14F-4D97-AF65-F5344CB8AC3E}">
-        <p14:creationId xmlns:p14="http://schemas.microsoft.com/office/powerpoint/2010/main" val="1447403857"/>
-      </p:ext>
-    </p:extLst>
-  </p:cSld>
-  <p:clrMapOvr>
-    <a:masterClrMapping/>
-  </p:clrMapOvr>
-  <mc:AlternateContent xmlns:mc="http://schemas.openxmlformats.org/markup-compatibility/2006">
-    <mc:Choice xmlns:p14="http://schemas.microsoft.com/office/powerpoint/2010/main" Requires="p14">
-      <p:transition spd="med" p14:dur="700">
-        <p:fade/>
-      </p:transition>
-    </mc:Choice>
-    <mc:Fallback>
-      <p:transition spd="med">
-        <p:fade/>
-      </p:transition>
-    </mc:Fallback>
-  </mc:AlternateContent>
-  <p:timing>
-    <p:tnLst>
-      <p:par>
-        <p:cTn id="1" dur="indefinite" restart="never" nodeType="tmRoot"/>
-      </p:par>
-    </p:tnLst>
-  </p:timing>
 </p:sld>
 </file>
 

--- a/Blockchain101+SmartContracts/Presentation/Techlab Blockchain.pptx
+++ b/Blockchain101+SmartContracts/Presentation/Techlab Blockchain.pptx
@@ -5,7 +5,7 @@
     <p:sldMasterId id="2147483657" r:id="rId1"/>
   </p:sldMasterIdLst>
   <p:notesMasterIdLst>
-    <p:notesMasterId r:id="rId24"/>
+    <p:notesMasterId r:id="rId27"/>
   </p:notesMasterIdLst>
   <p:sldIdLst>
     <p:sldId id="256" r:id="rId2"/>
@@ -15,40 +15,43 @@
     <p:sldId id="277" r:id="rId6"/>
     <p:sldId id="273" r:id="rId7"/>
     <p:sldId id="259" r:id="rId8"/>
-    <p:sldId id="280" r:id="rId9"/>
-    <p:sldId id="260" r:id="rId10"/>
+    <p:sldId id="286" r:id="rId9"/>
+    <p:sldId id="282" r:id="rId10"/>
     <p:sldId id="278" r:id="rId11"/>
-    <p:sldId id="279" r:id="rId12"/>
-    <p:sldId id="282" r:id="rId13"/>
-    <p:sldId id="261" r:id="rId14"/>
-    <p:sldId id="263" r:id="rId15"/>
-    <p:sldId id="262" r:id="rId16"/>
-    <p:sldId id="275" r:id="rId17"/>
-    <p:sldId id="271" r:id="rId18"/>
-    <p:sldId id="264" r:id="rId19"/>
-    <p:sldId id="268" r:id="rId20"/>
-    <p:sldId id="269" r:id="rId21"/>
-    <p:sldId id="274" r:id="rId22"/>
-    <p:sldId id="272" r:id="rId23"/>
+    <p:sldId id="280" r:id="rId12"/>
+    <p:sldId id="260" r:id="rId13"/>
+    <p:sldId id="284" r:id="rId14"/>
+    <p:sldId id="279" r:id="rId15"/>
+    <p:sldId id="285" r:id="rId16"/>
+    <p:sldId id="261" r:id="rId17"/>
+    <p:sldId id="263" r:id="rId18"/>
+    <p:sldId id="262" r:id="rId19"/>
+    <p:sldId id="275" r:id="rId20"/>
+    <p:sldId id="271" r:id="rId21"/>
+    <p:sldId id="264" r:id="rId22"/>
+    <p:sldId id="268" r:id="rId23"/>
+    <p:sldId id="269" r:id="rId24"/>
+    <p:sldId id="274" r:id="rId25"/>
+    <p:sldId id="272" r:id="rId26"/>
   </p:sldIdLst>
   <p:sldSz cx="9144000" cy="5143500" type="screen16x9"/>
   <p:notesSz cx="6858000" cy="9144000"/>
   <p:embeddedFontLst>
     <p:embeddedFont>
       <p:font typeface="Raleway Light" panose="020B0604020202020204" charset="0"/>
-      <p:regular r:id="rId25"/>
-      <p:italic r:id="rId26"/>
+      <p:regular r:id="rId28"/>
+      <p:italic r:id="rId29"/>
     </p:embeddedFont>
     <p:embeddedFont>
       <p:font typeface="Merriweather Sans" panose="00000500000000000000" pitchFamily="2" charset="0"/>
-      <p:regular r:id="rId27"/>
+      <p:regular r:id="rId30"/>
     </p:embeddedFont>
     <p:embeddedFont>
       <p:font typeface="Raleway" panose="020B0604020202020204" charset="0"/>
-      <p:regular r:id="rId28"/>
-      <p:bold r:id="rId29"/>
-      <p:italic r:id="rId30"/>
-      <p:boldItalic r:id="rId31"/>
+      <p:regular r:id="rId31"/>
+      <p:bold r:id="rId32"/>
+      <p:italic r:id="rId33"/>
+      <p:boldItalic r:id="rId34"/>
     </p:embeddedFont>
   </p:embeddedFontLst>
   <p:defaultTextStyle>
@@ -1037,119 +1040,23 @@
           </a:bodyPr>
           <a:lstStyle/>
           <a:p>
-            <a:pPr algn="ctr"/>
-            <a:r>
-              <a:rPr lang="fr-FR" sz="1100" dirty="0">
-                <a:latin typeface="Raleway" panose="020B0503030101060003" pitchFamily="34" charset="0"/>
-              </a:rPr>
-              <a:t>Proof</a:t>
-            </a:r>
-            <a:r>
-              <a:rPr lang="fr-FR" sz="1100" dirty="0"/>
-              <a:t> of </a:t>
-            </a:r>
-            <a:r>
-              <a:rPr lang="fr-FR" sz="1100" dirty="0" err="1"/>
-              <a:t>Stake</a:t>
-            </a:r>
-            <a:endParaRPr lang="fr-FR" sz="1100" dirty="0"/>
-          </a:p>
-          <a:p>
-            <a:pPr fontAlgn="base"/>
-            <a:r>
-              <a:rPr lang="en-US" sz="1100" b="0" i="0" u="none" strike="noStrike" cap="none" dirty="0">
-                <a:solidFill>
-                  <a:srgbClr val="000000"/>
-                </a:solidFill>
-                <a:effectLst/>
-                <a:latin typeface="Arial"/>
-                <a:ea typeface="Arial"/>
-                <a:cs typeface="Arial"/>
-                <a:sym typeface="Arial"/>
-              </a:rPr>
-              <a:t>In the event of a fork, whether the fork is accidental or a malicious attempt to rewrite history and re­verse a transaction, the optimal strategy for any miner is to mine on every chain, so that the miner gets their reward no matter which fork wins. Thus, assuming a large number of economically interested miners, an attacker may be able to send a transaction in exchange for some digital good (usually another cryptocurrency), receive the good, then start a fork of the </a:t>
-            </a:r>
-            <a:r>
-              <a:rPr lang="en-US" sz="1100" b="0" i="0" u="none" strike="noStrike" cap="none" dirty="0" err="1">
-                <a:solidFill>
-                  <a:srgbClr val="000000"/>
-                </a:solidFill>
-                <a:effectLst/>
-                <a:latin typeface="Arial"/>
-                <a:ea typeface="Arial"/>
-                <a:cs typeface="Arial"/>
-                <a:sym typeface="Arial"/>
-              </a:rPr>
-              <a:t>blockchain</a:t>
-            </a:r>
-            <a:r>
-              <a:rPr lang="en-US" sz="1100" b="0" i="0" u="none" strike="noStrike" cap="none" dirty="0">
-                <a:solidFill>
-                  <a:srgbClr val="000000"/>
-                </a:solidFill>
-                <a:effectLst/>
-                <a:latin typeface="Arial"/>
-                <a:ea typeface="Arial"/>
-                <a:cs typeface="Arial"/>
-                <a:sym typeface="Arial"/>
-              </a:rPr>
-              <a:t> from one block behind the transaction and send the money to themselves instead, and even with 1% of the total stake the attacker’s fork would win because every­ one else is mining on both.</a:t>
-            </a:r>
-          </a:p>
-          <a:p>
-            <a:pPr fontAlgn="base"/>
-            <a:r>
-              <a:rPr lang="en-US" sz="1100" b="0" i="0" u="none" strike="noStrike" cap="none" dirty="0">
-                <a:solidFill>
-                  <a:srgbClr val="000000"/>
-                </a:solidFill>
-                <a:effectLst/>
-                <a:latin typeface="Arial"/>
-                <a:ea typeface="Arial"/>
-                <a:cs typeface="Arial"/>
-                <a:sym typeface="Arial"/>
-              </a:rPr>
-              <a:t>The essence of the argument is basically that very little resources are required to stake, if there are competing forks it is in the </a:t>
-            </a:r>
-            <a:r>
-              <a:rPr lang="en-US" sz="1100" b="0" i="0" u="none" strike="noStrike" cap="none" dirty="0" err="1">
-                <a:solidFill>
-                  <a:srgbClr val="000000"/>
-                </a:solidFill>
-                <a:effectLst/>
-                <a:latin typeface="Arial"/>
-                <a:ea typeface="Arial"/>
-                <a:cs typeface="Arial"/>
-                <a:sym typeface="Arial"/>
-              </a:rPr>
-              <a:t>staker’s</a:t>
-            </a:r>
-            <a:r>
-              <a:rPr lang="en-US" sz="1100" b="0" i="0" u="none" strike="noStrike" cap="none" dirty="0">
-                <a:solidFill>
-                  <a:srgbClr val="000000"/>
-                </a:solidFill>
-                <a:effectLst/>
-                <a:latin typeface="Arial"/>
-                <a:ea typeface="Arial"/>
-                <a:cs typeface="Arial"/>
-                <a:sym typeface="Arial"/>
-              </a:rPr>
-              <a:t> interest to stake on both forks. It is true that it requires very little resources to stake, in fact it is one of the primary motivators that Proof of Stake was con­ceived[2]. It is not true that requiring minimal resource consumption to create a stake means that “nothing is at stake”.</a:t>
-            </a:r>
-          </a:p>
-          <a:p>
-            <a:pPr marL="158750" indent="0" algn="ctr">
+            <a:pPr marL="0" lvl="0" indent="0">
+              <a:spcBef>
+                <a:spcPts val="0"/>
+              </a:spcBef>
+              <a:spcAft>
+                <a:spcPts val="0"/>
+              </a:spcAft>
               <a:buNone/>
             </a:pPr>
-            <a:endParaRPr lang="fr-FR" sz="1100" dirty="0"/>
+            <a:endParaRPr/>
           </a:p>
         </p:txBody>
       </p:sp>
     </p:spTree>
     <p:extLst>
       <p:ext uri="{BB962C8B-B14F-4D97-AF65-F5344CB8AC3E}">
-        <p14:creationId xmlns:p14="http://schemas.microsoft.com/office/powerpoint/2010/main" val="616361079"/>
+        <p14:creationId xmlns:p14="http://schemas.microsoft.com/office/powerpoint/2010/main" val="512987851"/>
       </p:ext>
     </p:extLst>
   </p:cSld>
@@ -1242,23 +1149,29 @@
           </a:bodyPr>
           <a:lstStyle/>
           <a:p>
-            <a:pPr marL="0" lvl="0" indent="0">
-              <a:spcBef>
-                <a:spcPts val="0"/>
-              </a:spcBef>
-              <a:spcAft>
-                <a:spcPts val="0"/>
-              </a:spcAft>
-              <a:buNone/>
-            </a:pPr>
-            <a:endParaRPr/>
+            <a:pPr algn="ctr"/>
+            <a:r>
+              <a:rPr lang="fr-FR" sz="1100" dirty="0">
+                <a:latin typeface="Raleway" panose="020B0503030101060003" pitchFamily="34" charset="0"/>
+              </a:rPr>
+              <a:t>Proof</a:t>
+            </a:r>
+            <a:r>
+              <a:rPr lang="fr-FR" sz="1100" dirty="0"/>
+              <a:t> of </a:t>
+            </a:r>
+            <a:r>
+              <a:rPr lang="fr-FR" sz="1100" dirty="0" err="1"/>
+              <a:t>Work</a:t>
+            </a:r>
+            <a:endParaRPr lang="fr-FR" sz="1100" dirty="0"/>
           </a:p>
         </p:txBody>
       </p:sp>
     </p:spTree>
     <p:extLst>
       <p:ext uri="{BB962C8B-B14F-4D97-AF65-F5344CB8AC3E}">
-        <p14:creationId xmlns:p14="http://schemas.microsoft.com/office/powerpoint/2010/main" val="2847279405"/>
+        <p14:creationId xmlns:p14="http://schemas.microsoft.com/office/powerpoint/2010/main" val="2389402706"/>
       </p:ext>
     </p:extLst>
   </p:cSld>
@@ -1273,7 +1186,7 @@
   <p:cSld>
     <p:spTree>
       <p:nvGrpSpPr>
-        <p:cNvPr id="1" name="Shape 74"/>
+        <p:cNvPr id="1" name="Shape 82"/>
         <p:cNvGrpSpPr/>
         <p:nvPr/>
       </p:nvGrpSpPr>
@@ -1287,7 +1200,7 @@
       </p:grpSpPr>
       <p:sp>
         <p:nvSpPr>
-          <p:cNvPr id="75" name="Shape 75"/>
+          <p:cNvPr id="83" name="Shape 83"/>
           <p:cNvSpPr>
             <a:spLocks noGrp="1" noRot="1" noChangeAspect="1"/>
           </p:cNvSpPr>
@@ -1328,7 +1241,7 @@
       </p:sp>
       <p:sp>
         <p:nvSpPr>
-          <p:cNvPr id="76" name="Shape 76"/>
+          <p:cNvPr id="84" name="Shape 84"/>
           <p:cNvSpPr txBox="1">
             <a:spLocks noGrp="1"/>
           </p:cNvSpPr>
@@ -1360,14 +1273,14 @@
               </a:spcAft>
               <a:buNone/>
             </a:pPr>
-            <a:endParaRPr/>
+            <a:endParaRPr dirty="0"/>
           </a:p>
         </p:txBody>
       </p:sp>
     </p:spTree>
     <p:extLst>
       <p:ext uri="{BB962C8B-B14F-4D97-AF65-F5344CB8AC3E}">
-        <p14:creationId xmlns:p14="http://schemas.microsoft.com/office/powerpoint/2010/main" val="2788007035"/>
+        <p14:creationId xmlns:p14="http://schemas.microsoft.com/office/powerpoint/2010/main" val="204328974"/>
       </p:ext>
     </p:extLst>
   </p:cSld>
@@ -1460,23 +1373,119 @@
           </a:bodyPr>
           <a:lstStyle/>
           <a:p>
-            <a:pPr marL="0" lvl="0" indent="0">
-              <a:spcBef>
-                <a:spcPts val="0"/>
-              </a:spcBef>
-              <a:spcAft>
-                <a:spcPts val="0"/>
-              </a:spcAft>
+            <a:pPr algn="ctr"/>
+            <a:r>
+              <a:rPr lang="fr-FR" sz="1100" dirty="0">
+                <a:latin typeface="Raleway" panose="020B0503030101060003" pitchFamily="34" charset="0"/>
+              </a:rPr>
+              <a:t>Proof</a:t>
+            </a:r>
+            <a:r>
+              <a:rPr lang="fr-FR" sz="1100" dirty="0"/>
+              <a:t> of </a:t>
+            </a:r>
+            <a:r>
+              <a:rPr lang="fr-FR" sz="1100" dirty="0" err="1"/>
+              <a:t>Stake</a:t>
+            </a:r>
+            <a:endParaRPr lang="fr-FR" sz="1100" dirty="0"/>
+          </a:p>
+          <a:p>
+            <a:pPr fontAlgn="base"/>
+            <a:r>
+              <a:rPr lang="en-US" sz="1100" b="0" i="0" u="none" strike="noStrike" cap="none" dirty="0">
+                <a:solidFill>
+                  <a:srgbClr val="000000"/>
+                </a:solidFill>
+                <a:effectLst/>
+                <a:latin typeface="Arial"/>
+                <a:ea typeface="Arial"/>
+                <a:cs typeface="Arial"/>
+                <a:sym typeface="Arial"/>
+              </a:rPr>
+              <a:t>In the event of a fork, whether the fork is accidental or a malicious attempt to rewrite history and re­verse a transaction, the optimal strategy for any miner is to mine on every chain, so that the miner gets their reward no matter which fork wins. Thus, assuming a large number of economically interested miners, an attacker may be able to send a transaction in exchange for some digital good (usually another cryptocurrency), receive the good, then start a fork of the </a:t>
+            </a:r>
+            <a:r>
+              <a:rPr lang="en-US" sz="1100" b="0" i="0" u="none" strike="noStrike" cap="none" dirty="0" err="1">
+                <a:solidFill>
+                  <a:srgbClr val="000000"/>
+                </a:solidFill>
+                <a:effectLst/>
+                <a:latin typeface="Arial"/>
+                <a:ea typeface="Arial"/>
+                <a:cs typeface="Arial"/>
+                <a:sym typeface="Arial"/>
+              </a:rPr>
+              <a:t>blockchain</a:t>
+            </a:r>
+            <a:r>
+              <a:rPr lang="en-US" sz="1100" b="0" i="0" u="none" strike="noStrike" cap="none" dirty="0">
+                <a:solidFill>
+                  <a:srgbClr val="000000"/>
+                </a:solidFill>
+                <a:effectLst/>
+                <a:latin typeface="Arial"/>
+                <a:ea typeface="Arial"/>
+                <a:cs typeface="Arial"/>
+                <a:sym typeface="Arial"/>
+              </a:rPr>
+              <a:t> from one block behind the transaction and send the money to themselves instead, and even with 1% of the total stake the attacker’s fork would win because every­ one else is mining on both.</a:t>
+            </a:r>
+          </a:p>
+          <a:p>
+            <a:pPr fontAlgn="base"/>
+            <a:r>
+              <a:rPr lang="en-US" sz="1100" b="0" i="0" u="none" strike="noStrike" cap="none" dirty="0">
+                <a:solidFill>
+                  <a:srgbClr val="000000"/>
+                </a:solidFill>
+                <a:effectLst/>
+                <a:latin typeface="Arial"/>
+                <a:ea typeface="Arial"/>
+                <a:cs typeface="Arial"/>
+                <a:sym typeface="Arial"/>
+              </a:rPr>
+              <a:t>The essence of the argument is basically that very little resources are required to stake, if there are competing forks it is in the </a:t>
+            </a:r>
+            <a:r>
+              <a:rPr lang="en-US" sz="1100" b="0" i="0" u="none" strike="noStrike" cap="none" dirty="0" err="1">
+                <a:solidFill>
+                  <a:srgbClr val="000000"/>
+                </a:solidFill>
+                <a:effectLst/>
+                <a:latin typeface="Arial"/>
+                <a:ea typeface="Arial"/>
+                <a:cs typeface="Arial"/>
+                <a:sym typeface="Arial"/>
+              </a:rPr>
+              <a:t>staker’s</a:t>
+            </a:r>
+            <a:r>
+              <a:rPr lang="en-US" sz="1100" b="0" i="0" u="none" strike="noStrike" cap="none" dirty="0">
+                <a:solidFill>
+                  <a:srgbClr val="000000"/>
+                </a:solidFill>
+                <a:effectLst/>
+                <a:latin typeface="Arial"/>
+                <a:ea typeface="Arial"/>
+                <a:cs typeface="Arial"/>
+                <a:sym typeface="Arial"/>
+              </a:rPr>
+              <a:t> interest to stake on both forks. It is true that it requires very little resources to stake, in fact it is one of the primary motivators that Proof of Stake was con­ceived[2]. It is not true that requiring minimal resource consumption to create a stake means that “nothing is at stake”.</a:t>
+            </a:r>
+          </a:p>
+          <a:p>
+            <a:pPr marL="158750" indent="0" algn="ctr">
               <a:buNone/>
             </a:pPr>
-            <a:endParaRPr/>
+            <a:endParaRPr lang="fr-FR" sz="1100" dirty="0"/>
           </a:p>
         </p:txBody>
       </p:sp>
     </p:spTree>
     <p:extLst>
       <p:ext uri="{BB962C8B-B14F-4D97-AF65-F5344CB8AC3E}">
-        <p14:creationId xmlns:p14="http://schemas.microsoft.com/office/powerpoint/2010/main" val="4087662399"/>
+        <p14:creationId xmlns:p14="http://schemas.microsoft.com/office/powerpoint/2010/main" val="616361079"/>
       </p:ext>
     </p:extLst>
   </p:cSld>
@@ -1487,6 +1496,115 @@
 </file>
 
 <file path=ppt/notesSlides/notesSlide15.xml><?xml version="1.0" encoding="utf-8"?>
+<p:notes xmlns:a="http://schemas.openxmlformats.org/drawingml/2006/main" xmlns:r="http://schemas.openxmlformats.org/officeDocument/2006/relationships" xmlns:p="http://schemas.openxmlformats.org/presentationml/2006/main" showMasterSp="0" showMasterPhAnim="0">
+  <p:cSld>
+    <p:spTree>
+      <p:nvGrpSpPr>
+        <p:cNvPr id="1" name="Shape 82"/>
+        <p:cNvGrpSpPr/>
+        <p:nvPr/>
+      </p:nvGrpSpPr>
+      <p:grpSpPr>
+        <a:xfrm>
+          <a:off x="0" y="0"/>
+          <a:ext cx="0" cy="0"/>
+          <a:chOff x="0" y="0"/>
+          <a:chExt cx="0" cy="0"/>
+        </a:xfrm>
+      </p:grpSpPr>
+      <p:sp>
+        <p:nvSpPr>
+          <p:cNvPr id="83" name="Shape 83"/>
+          <p:cNvSpPr>
+            <a:spLocks noGrp="1" noRot="1" noChangeAspect="1"/>
+          </p:cNvSpPr>
+          <p:nvPr>
+            <p:ph type="sldImg" idx="2"/>
+          </p:nvPr>
+        </p:nvSpPr>
+        <p:spPr>
+          <a:xfrm>
+            <a:off x="381000" y="685800"/>
+            <a:ext cx="6096000" cy="3429000"/>
+          </a:xfrm>
+          <a:custGeom>
+            <a:avLst/>
+            <a:gdLst/>
+            <a:ahLst/>
+            <a:cxnLst/>
+            <a:rect l="0" t="0" r="0" b="0"/>
+            <a:pathLst>
+              <a:path w="120000" h="120000" extrusionOk="0">
+                <a:moveTo>
+                  <a:pt x="0" y="0"/>
+                </a:moveTo>
+                <a:lnTo>
+                  <a:pt x="120000" y="0"/>
+                </a:lnTo>
+                <a:lnTo>
+                  <a:pt x="120000" y="120000"/>
+                </a:lnTo>
+                <a:lnTo>
+                  <a:pt x="0" y="120000"/>
+                </a:lnTo>
+                <a:close/>
+              </a:path>
+            </a:pathLst>
+          </a:custGeom>
+        </p:spPr>
+      </p:sp>
+      <p:sp>
+        <p:nvSpPr>
+          <p:cNvPr id="84" name="Shape 84"/>
+          <p:cNvSpPr txBox="1">
+            <a:spLocks noGrp="1"/>
+          </p:cNvSpPr>
+          <p:nvPr>
+            <p:ph type="body" idx="1"/>
+          </p:nvPr>
+        </p:nvSpPr>
+        <p:spPr>
+          <a:xfrm>
+            <a:off x="685800" y="4343400"/>
+            <a:ext cx="5486400" cy="4114800"/>
+          </a:xfrm>
+          <a:prstGeom prst="rect">
+            <a:avLst/>
+          </a:prstGeom>
+        </p:spPr>
+        <p:txBody>
+          <a:bodyPr spcFirstLastPara="1" wrap="square" lIns="91425" tIns="91425" rIns="91425" bIns="91425" anchor="t" anchorCtr="0">
+            <a:noAutofit/>
+          </a:bodyPr>
+          <a:lstStyle/>
+          <a:p>
+            <a:pPr marL="0" lvl="0" indent="0">
+              <a:spcBef>
+                <a:spcPts val="0"/>
+              </a:spcBef>
+              <a:spcAft>
+                <a:spcPts val="0"/>
+              </a:spcAft>
+              <a:buNone/>
+            </a:pPr>
+            <a:endParaRPr/>
+          </a:p>
+        </p:txBody>
+      </p:sp>
+    </p:spTree>
+    <p:extLst>
+      <p:ext uri="{BB962C8B-B14F-4D97-AF65-F5344CB8AC3E}">
+        <p14:creationId xmlns:p14="http://schemas.microsoft.com/office/powerpoint/2010/main" val="793173031"/>
+      </p:ext>
+    </p:extLst>
+  </p:cSld>
+  <p:clrMapOvr>
+    <a:masterClrMapping/>
+  </p:clrMapOvr>
+</p:notes>
+</file>
+
+<file path=ppt/notesSlides/notesSlide16.xml><?xml version="1.0" encoding="utf-8"?>
 <p:notes xmlns:a="http://schemas.openxmlformats.org/drawingml/2006/main" xmlns:r="http://schemas.openxmlformats.org/officeDocument/2006/relationships" xmlns:p="http://schemas.openxmlformats.org/presentationml/2006/main" showMasterSp="0" showMasterPhAnim="0">
   <p:cSld>
     <p:spTree>
@@ -1578,283 +1696,14 @@
               </a:spcAft>
               <a:buNone/>
             </a:pPr>
-            <a:r>
-              <a:rPr lang="fr-FR" sz="1100" b="0" i="0" u="none" strike="noStrike" cap="none" dirty="0">
-                <a:solidFill>
-                  <a:srgbClr val="000000"/>
-                </a:solidFill>
-                <a:effectLst/>
-                <a:latin typeface="Arial"/>
-                <a:ea typeface="Arial"/>
-                <a:cs typeface="Arial"/>
-                <a:sym typeface="Arial"/>
-              </a:rPr>
-              <a:t>L'expression « contrats intelligents » a été inventé par l'informaticien </a:t>
-            </a:r>
-            <a:r>
-              <a:rPr lang="fr-FR" sz="1100" b="0" i="0" u="none" strike="noStrike" cap="none" dirty="0">
-                <a:solidFill>
-                  <a:srgbClr val="000000"/>
-                </a:solidFill>
-                <a:effectLst/>
-                <a:latin typeface="Arial"/>
-                <a:ea typeface="Arial"/>
-                <a:cs typeface="Arial"/>
-                <a:sym typeface="Arial"/>
-                <a:hlinkClick r:id="rId3" tooltip="Nick Szabo"/>
-              </a:rPr>
-              <a:t>Nick Szabo</a:t>
-            </a:r>
-            <a:r>
-              <a:rPr lang="fr-FR" sz="1100" b="0" i="0" u="none" strike="noStrike" cap="none" dirty="0">
-                <a:solidFill>
-                  <a:srgbClr val="000000"/>
-                </a:solidFill>
-                <a:effectLst/>
-                <a:latin typeface="Arial"/>
-                <a:ea typeface="Arial"/>
-                <a:cs typeface="Arial"/>
-                <a:sym typeface="Arial"/>
-              </a:rPr>
-              <a:t> en 1993, pour souligner l'importance d'apporter des pratiques « hautement évoluées » du </a:t>
-            </a:r>
-            <a:r>
-              <a:rPr lang="fr-FR" sz="1100" b="0" i="0" u="none" strike="noStrike" cap="none" dirty="0">
-                <a:solidFill>
-                  <a:srgbClr val="000000"/>
-                </a:solidFill>
-                <a:effectLst/>
-                <a:latin typeface="Arial"/>
-                <a:ea typeface="Arial"/>
-                <a:cs typeface="Arial"/>
-                <a:sym typeface="Arial"/>
-                <a:hlinkClick r:id="rId4" tooltip="Contrat"/>
-              </a:rPr>
-              <a:t>droit des contrats</a:t>
-            </a:r>
-            <a:r>
-              <a:rPr lang="fr-FR" sz="1100" b="0" i="0" u="none" strike="noStrike" cap="none" dirty="0">
-                <a:solidFill>
-                  <a:srgbClr val="000000"/>
-                </a:solidFill>
-                <a:effectLst/>
-                <a:latin typeface="Arial"/>
-                <a:ea typeface="Arial"/>
-                <a:cs typeface="Arial"/>
-                <a:sym typeface="Arial"/>
-              </a:rPr>
-              <a:t> et des pratiques commerciales liées à la conception de protocoles de commerce électronique entre particuliers sur Internet. Inspiré par des chercheurs comme </a:t>
-            </a:r>
-            <a:r>
-              <a:rPr lang="fr-FR" sz="1100" b="0" i="0" u="none" strike="noStrike" cap="none" dirty="0">
-                <a:solidFill>
-                  <a:srgbClr val="000000"/>
-                </a:solidFill>
-                <a:effectLst/>
-                <a:latin typeface="Arial"/>
-                <a:ea typeface="Arial"/>
-                <a:cs typeface="Arial"/>
-                <a:sym typeface="Arial"/>
-                <a:hlinkClick r:id="rId5" tooltip="David Chaum"/>
-              </a:rPr>
-              <a:t>David </a:t>
-            </a:r>
-            <a:r>
-              <a:rPr lang="fr-FR" sz="1100" b="0" i="0" u="none" strike="noStrike" cap="none" dirty="0" err="1">
-                <a:solidFill>
-                  <a:srgbClr val="000000"/>
-                </a:solidFill>
-                <a:effectLst/>
-                <a:latin typeface="Arial"/>
-                <a:ea typeface="Arial"/>
-                <a:cs typeface="Arial"/>
-                <a:sym typeface="Arial"/>
-                <a:hlinkClick r:id="rId5" tooltip="David Chaum"/>
-              </a:rPr>
-              <a:t>Chaum</a:t>
-            </a:r>
-            <a:r>
-              <a:rPr lang="fr-FR" sz="1100" b="0" i="0" u="none" strike="noStrike" cap="none" dirty="0">
-                <a:solidFill>
-                  <a:srgbClr val="000000"/>
-                </a:solidFill>
-                <a:effectLst/>
-                <a:latin typeface="Arial"/>
-                <a:ea typeface="Arial"/>
-                <a:cs typeface="Arial"/>
-                <a:sym typeface="Arial"/>
-              </a:rPr>
-              <a:t>, Nick Szabo attendait que la spécification (définie par une logique claire), la vérification et l'exécution d'une opération grâce à des protocoles cryptographiques et d'autres mécanismes de sécurité numérique, pourraient constituer une forte amélioration par rapport à la Loi traditionnelle encadrant les contrats associés à leurs clauses contractuelles</a:t>
-            </a:r>
-            <a:r>
-              <a:rPr lang="fr-FR" sz="1100" b="0" i="0" u="none" strike="noStrike" cap="none" baseline="30000" dirty="0">
-                <a:solidFill>
-                  <a:srgbClr val="000000"/>
-                </a:solidFill>
-                <a:effectLst/>
-                <a:latin typeface="Arial"/>
-                <a:ea typeface="Arial"/>
-                <a:cs typeface="Arial"/>
-                <a:sym typeface="Arial"/>
-                <a:hlinkClick r:id="rId6"/>
-              </a:rPr>
-              <a:t>2</a:t>
-            </a:r>
-            <a:r>
-              <a:rPr lang="fr-FR" sz="1100" b="0" i="0" u="none" strike="noStrike" cap="none" dirty="0">
-                <a:solidFill>
-                  <a:srgbClr val="000000"/>
-                </a:solidFill>
-                <a:effectLst/>
-                <a:latin typeface="Arial"/>
-                <a:ea typeface="Arial"/>
-                <a:cs typeface="Arial"/>
-                <a:sym typeface="Arial"/>
-              </a:rPr>
-              <a:t>. </a:t>
-            </a:r>
-            <a:r>
-              <a:rPr lang="fr-FR" sz="1100" b="0" i="0" u="none" strike="noStrike" cap="none" dirty="0">
-                <a:solidFill>
-                  <a:srgbClr val="000000"/>
-                </a:solidFill>
-                <a:effectLst/>
-                <a:latin typeface="Arial"/>
-                <a:ea typeface="Arial"/>
-                <a:cs typeface="Arial"/>
-                <a:sym typeface="Arial"/>
-                <a:hlinkClick r:id="rId7" tooltip="en:Mark S. Miller"/>
-              </a:rPr>
-              <a:t>Mark Miller</a:t>
-            </a:r>
-            <a:r>
-              <a:rPr lang="fr-FR" sz="1100" b="0" i="0" u="none" strike="noStrike" cap="none" dirty="0">
-                <a:solidFill>
-                  <a:srgbClr val="000000"/>
-                </a:solidFill>
-                <a:effectLst/>
-                <a:latin typeface="Arial"/>
-                <a:ea typeface="Arial"/>
-                <a:cs typeface="Arial"/>
-                <a:sym typeface="Arial"/>
-              </a:rPr>
-              <a:t> et d'autres chercheurs ont souligné l'intérêt que peuvent apporter les contrats intelligents en matière de sécurité</a:t>
-            </a:r>
-            <a:r>
-              <a:rPr lang="fr-FR" sz="1100" b="0" i="0" u="none" strike="noStrike" cap="none" baseline="30000" dirty="0">
-                <a:solidFill>
-                  <a:srgbClr val="000000"/>
-                </a:solidFill>
-                <a:effectLst/>
-                <a:latin typeface="Arial"/>
-                <a:ea typeface="Arial"/>
-                <a:cs typeface="Arial"/>
-                <a:sym typeface="Arial"/>
-                <a:hlinkClick r:id="rId8"/>
-              </a:rPr>
-              <a:t>3</a:t>
-            </a:r>
-            <a:r>
-              <a:rPr lang="fr-FR" sz="1100" b="0" i="0" u="none" strike="noStrike" cap="none" dirty="0">
-                <a:solidFill>
-                  <a:srgbClr val="000000"/>
-                </a:solidFill>
-                <a:effectLst/>
-                <a:latin typeface="Arial"/>
-                <a:ea typeface="Arial"/>
-                <a:cs typeface="Arial"/>
-                <a:sym typeface="Arial"/>
-              </a:rPr>
-              <a:t> parallèlement à </a:t>
-            </a:r>
-            <a:r>
-              <a:rPr lang="fr-FR" sz="1100" b="0" i="0" u="none" strike="noStrike" cap="none" dirty="0" err="1">
-                <a:solidFill>
-                  <a:srgbClr val="000000"/>
-                </a:solidFill>
-                <a:effectLst/>
-                <a:latin typeface="Arial"/>
-                <a:ea typeface="Arial"/>
-                <a:cs typeface="Arial"/>
-                <a:sym typeface="Arial"/>
-              </a:rPr>
-              <a:t>Chaum</a:t>
-            </a:r>
-            <a:r>
-              <a:rPr lang="fr-FR" sz="1100" b="0" i="0" u="none" strike="noStrike" cap="none" dirty="0">
-                <a:solidFill>
-                  <a:srgbClr val="000000"/>
-                </a:solidFill>
-                <a:effectLst/>
-                <a:latin typeface="Arial"/>
-                <a:ea typeface="Arial"/>
-                <a:cs typeface="Arial"/>
-                <a:sym typeface="Arial"/>
-              </a:rPr>
-              <a:t> et d'autres chercheurs de la communauté de cryptographie financière qui soulignaient l'intérêt des protocoles cryptographiques pour assurer la confidentialité de l'argent numérique, les informations d'identification et la signature électronique des contrats. Le développement des contrats intelligents résulte enfin des nombreux efforts pour améliorer les opérations dans diverses industries utilisant la technologie numérique. L'</a:t>
-            </a:r>
-            <a:r>
-              <a:rPr lang="fr-FR" sz="1100" b="0" i="0" u="none" strike="noStrike" cap="none" dirty="0">
-                <a:solidFill>
-                  <a:srgbClr val="000000"/>
-                </a:solidFill>
-                <a:effectLst/>
-                <a:latin typeface="Arial"/>
-                <a:ea typeface="Arial"/>
-                <a:cs typeface="Arial"/>
-                <a:sym typeface="Arial"/>
-                <a:hlinkClick r:id="rId9" tooltip="Institute of Electrical and Electronics Engineers"/>
-              </a:rPr>
-              <a:t>IEEE</a:t>
-            </a:r>
-            <a:r>
-              <a:rPr lang="fr-FR" sz="1100" b="0" i="0" u="none" strike="noStrike" cap="none" dirty="0">
-                <a:solidFill>
-                  <a:srgbClr val="000000"/>
-                </a:solidFill>
-                <a:effectLst/>
-                <a:latin typeface="Arial"/>
-                <a:ea typeface="Arial"/>
-                <a:cs typeface="Arial"/>
-                <a:sym typeface="Arial"/>
-              </a:rPr>
-              <a:t> a organisé deux ateliers sur les contrats électroniques, qui ont permis de faire des avancées dans ce domaine</a:t>
-            </a:r>
-            <a:r>
-              <a:rPr lang="fr-FR" sz="1100" b="0" i="0" u="none" strike="noStrike" cap="none" baseline="30000" dirty="0">
-                <a:solidFill>
-                  <a:srgbClr val="000000"/>
-                </a:solidFill>
-                <a:effectLst/>
-                <a:latin typeface="Arial"/>
-                <a:ea typeface="Arial"/>
-                <a:cs typeface="Arial"/>
-                <a:sym typeface="Arial"/>
-                <a:hlinkClick r:id="rId10"/>
-              </a:rPr>
-              <a:t>4</a:t>
-            </a:r>
-            <a:r>
-              <a:rPr lang="fr-FR" sz="1100" b="0" i="0" u="none" strike="noStrike" cap="none" dirty="0">
-                <a:solidFill>
-                  <a:srgbClr val="000000"/>
-                </a:solidFill>
-                <a:effectLst/>
-                <a:latin typeface="Arial"/>
-                <a:ea typeface="Arial"/>
-                <a:cs typeface="Arial"/>
-                <a:sym typeface="Arial"/>
-              </a:rPr>
-              <a:t>.</a:t>
-            </a:r>
-            <a:endParaRPr dirty="0"/>
+            <a:endParaRPr/>
           </a:p>
         </p:txBody>
       </p:sp>
     </p:spTree>
     <p:extLst>
       <p:ext uri="{BB962C8B-B14F-4D97-AF65-F5344CB8AC3E}">
-        <p14:creationId xmlns:p14="http://schemas.microsoft.com/office/powerpoint/2010/main" val="2651628386"/>
+        <p14:creationId xmlns:p14="http://schemas.microsoft.com/office/powerpoint/2010/main" val="2788007035"/>
       </p:ext>
     </p:extLst>
   </p:cSld>
@@ -1864,7 +1713,7 @@
 </p:notes>
 </file>
 
-<file path=ppt/notesSlides/notesSlide16.xml><?xml version="1.0" encoding="utf-8"?>
+<file path=ppt/notesSlides/notesSlide17.xml><?xml version="1.0" encoding="utf-8"?>
 <p:notes xmlns:a="http://schemas.openxmlformats.org/drawingml/2006/main" xmlns:r="http://schemas.openxmlformats.org/officeDocument/2006/relationships" xmlns:p="http://schemas.openxmlformats.org/presentationml/2006/main" showMasterSp="0" showMasterPhAnim="0">
   <p:cSld>
     <p:spTree>
@@ -1963,7 +1812,7 @@
     </p:spTree>
     <p:extLst>
       <p:ext uri="{BB962C8B-B14F-4D97-AF65-F5344CB8AC3E}">
-        <p14:creationId xmlns:p14="http://schemas.microsoft.com/office/powerpoint/2010/main" val="1979564292"/>
+        <p14:creationId xmlns:p14="http://schemas.microsoft.com/office/powerpoint/2010/main" val="4087662399"/>
       </p:ext>
     </p:extLst>
   </p:cSld>
@@ -1973,7 +1822,7 @@
 </p:notes>
 </file>
 
-<file path=ppt/notesSlides/notesSlide17.xml><?xml version="1.0" encoding="utf-8"?>
+<file path=ppt/notesSlides/notesSlide18.xml><?xml version="1.0" encoding="utf-8"?>
 <p:notes xmlns:a="http://schemas.openxmlformats.org/drawingml/2006/main" xmlns:r="http://schemas.openxmlformats.org/officeDocument/2006/relationships" xmlns:p="http://schemas.openxmlformats.org/presentationml/2006/main" showMasterSp="0" showMasterPhAnim="0">
   <p:cSld>
     <p:spTree>
@@ -2065,123 +1914,283 @@
               </a:spcAft>
               <a:buNone/>
             </a:pPr>
-            <a:endParaRPr/>
+            <a:r>
+              <a:rPr lang="fr-FR" sz="1100" b="0" i="0" u="none" strike="noStrike" cap="none" dirty="0">
+                <a:solidFill>
+                  <a:srgbClr val="000000"/>
+                </a:solidFill>
+                <a:effectLst/>
+                <a:latin typeface="Arial"/>
+                <a:ea typeface="Arial"/>
+                <a:cs typeface="Arial"/>
+                <a:sym typeface="Arial"/>
+              </a:rPr>
+              <a:t>L'expression « contrats intelligents » a été inventé par l'informaticien </a:t>
+            </a:r>
+            <a:r>
+              <a:rPr lang="fr-FR" sz="1100" b="0" i="0" u="none" strike="noStrike" cap="none" dirty="0">
+                <a:solidFill>
+                  <a:srgbClr val="000000"/>
+                </a:solidFill>
+                <a:effectLst/>
+                <a:latin typeface="Arial"/>
+                <a:ea typeface="Arial"/>
+                <a:cs typeface="Arial"/>
+                <a:sym typeface="Arial"/>
+                <a:hlinkClick r:id="rId3" tooltip="Nick Szabo"/>
+              </a:rPr>
+              <a:t>Nick Szabo</a:t>
+            </a:r>
+            <a:r>
+              <a:rPr lang="fr-FR" sz="1100" b="0" i="0" u="none" strike="noStrike" cap="none" dirty="0">
+                <a:solidFill>
+                  <a:srgbClr val="000000"/>
+                </a:solidFill>
+                <a:effectLst/>
+                <a:latin typeface="Arial"/>
+                <a:ea typeface="Arial"/>
+                <a:cs typeface="Arial"/>
+                <a:sym typeface="Arial"/>
+              </a:rPr>
+              <a:t> en 1993, pour souligner l'importance d'apporter des pratiques « hautement évoluées » du </a:t>
+            </a:r>
+            <a:r>
+              <a:rPr lang="fr-FR" sz="1100" b="0" i="0" u="none" strike="noStrike" cap="none" dirty="0">
+                <a:solidFill>
+                  <a:srgbClr val="000000"/>
+                </a:solidFill>
+                <a:effectLst/>
+                <a:latin typeface="Arial"/>
+                <a:ea typeface="Arial"/>
+                <a:cs typeface="Arial"/>
+                <a:sym typeface="Arial"/>
+                <a:hlinkClick r:id="rId4" tooltip="Contrat"/>
+              </a:rPr>
+              <a:t>droit des contrats</a:t>
+            </a:r>
+            <a:r>
+              <a:rPr lang="fr-FR" sz="1100" b="0" i="0" u="none" strike="noStrike" cap="none" dirty="0">
+                <a:solidFill>
+                  <a:srgbClr val="000000"/>
+                </a:solidFill>
+                <a:effectLst/>
+                <a:latin typeface="Arial"/>
+                <a:ea typeface="Arial"/>
+                <a:cs typeface="Arial"/>
+                <a:sym typeface="Arial"/>
+              </a:rPr>
+              <a:t> et des pratiques commerciales liées à la conception de protocoles de commerce électronique entre particuliers sur Internet. Inspiré par des chercheurs comme </a:t>
+            </a:r>
+            <a:r>
+              <a:rPr lang="fr-FR" sz="1100" b="0" i="0" u="none" strike="noStrike" cap="none" dirty="0">
+                <a:solidFill>
+                  <a:srgbClr val="000000"/>
+                </a:solidFill>
+                <a:effectLst/>
+                <a:latin typeface="Arial"/>
+                <a:ea typeface="Arial"/>
+                <a:cs typeface="Arial"/>
+                <a:sym typeface="Arial"/>
+                <a:hlinkClick r:id="rId5" tooltip="David Chaum"/>
+              </a:rPr>
+              <a:t>David </a:t>
+            </a:r>
+            <a:r>
+              <a:rPr lang="fr-FR" sz="1100" b="0" i="0" u="none" strike="noStrike" cap="none" dirty="0" err="1">
+                <a:solidFill>
+                  <a:srgbClr val="000000"/>
+                </a:solidFill>
+                <a:effectLst/>
+                <a:latin typeface="Arial"/>
+                <a:ea typeface="Arial"/>
+                <a:cs typeface="Arial"/>
+                <a:sym typeface="Arial"/>
+                <a:hlinkClick r:id="rId5" tooltip="David Chaum"/>
+              </a:rPr>
+              <a:t>Chaum</a:t>
+            </a:r>
+            <a:r>
+              <a:rPr lang="fr-FR" sz="1100" b="0" i="0" u="none" strike="noStrike" cap="none" dirty="0">
+                <a:solidFill>
+                  <a:srgbClr val="000000"/>
+                </a:solidFill>
+                <a:effectLst/>
+                <a:latin typeface="Arial"/>
+                <a:ea typeface="Arial"/>
+                <a:cs typeface="Arial"/>
+                <a:sym typeface="Arial"/>
+              </a:rPr>
+              <a:t>, Nick Szabo attendait que la spécification (définie par une logique claire), la vérification et l'exécution d'une opération grâce à des protocoles cryptographiques et d'autres mécanismes de sécurité numérique, pourraient constituer une forte amélioration par rapport à la Loi traditionnelle encadrant les contrats associés à leurs clauses contractuelles</a:t>
+            </a:r>
+            <a:r>
+              <a:rPr lang="fr-FR" sz="1100" b="0" i="0" u="none" strike="noStrike" cap="none" baseline="30000" dirty="0">
+                <a:solidFill>
+                  <a:srgbClr val="000000"/>
+                </a:solidFill>
+                <a:effectLst/>
+                <a:latin typeface="Arial"/>
+                <a:ea typeface="Arial"/>
+                <a:cs typeface="Arial"/>
+                <a:sym typeface="Arial"/>
+                <a:hlinkClick r:id="rId6"/>
+              </a:rPr>
+              <a:t>2</a:t>
+            </a:r>
+            <a:r>
+              <a:rPr lang="fr-FR" sz="1100" b="0" i="0" u="none" strike="noStrike" cap="none" dirty="0">
+                <a:solidFill>
+                  <a:srgbClr val="000000"/>
+                </a:solidFill>
+                <a:effectLst/>
+                <a:latin typeface="Arial"/>
+                <a:ea typeface="Arial"/>
+                <a:cs typeface="Arial"/>
+                <a:sym typeface="Arial"/>
+              </a:rPr>
+              <a:t>. </a:t>
+            </a:r>
+            <a:r>
+              <a:rPr lang="fr-FR" sz="1100" b="0" i="0" u="none" strike="noStrike" cap="none" dirty="0">
+                <a:solidFill>
+                  <a:srgbClr val="000000"/>
+                </a:solidFill>
+                <a:effectLst/>
+                <a:latin typeface="Arial"/>
+                <a:ea typeface="Arial"/>
+                <a:cs typeface="Arial"/>
+                <a:sym typeface="Arial"/>
+                <a:hlinkClick r:id="rId7" tooltip="en:Mark S. Miller"/>
+              </a:rPr>
+              <a:t>Mark Miller</a:t>
+            </a:r>
+            <a:r>
+              <a:rPr lang="fr-FR" sz="1100" b="0" i="0" u="none" strike="noStrike" cap="none" dirty="0">
+                <a:solidFill>
+                  <a:srgbClr val="000000"/>
+                </a:solidFill>
+                <a:effectLst/>
+                <a:latin typeface="Arial"/>
+                <a:ea typeface="Arial"/>
+                <a:cs typeface="Arial"/>
+                <a:sym typeface="Arial"/>
+              </a:rPr>
+              <a:t> et d'autres chercheurs ont souligné l'intérêt que peuvent apporter les contrats intelligents en matière de sécurité</a:t>
+            </a:r>
+            <a:r>
+              <a:rPr lang="fr-FR" sz="1100" b="0" i="0" u="none" strike="noStrike" cap="none" baseline="30000" dirty="0">
+                <a:solidFill>
+                  <a:srgbClr val="000000"/>
+                </a:solidFill>
+                <a:effectLst/>
+                <a:latin typeface="Arial"/>
+                <a:ea typeface="Arial"/>
+                <a:cs typeface="Arial"/>
+                <a:sym typeface="Arial"/>
+                <a:hlinkClick r:id="rId8"/>
+              </a:rPr>
+              <a:t>3</a:t>
+            </a:r>
+            <a:r>
+              <a:rPr lang="fr-FR" sz="1100" b="0" i="0" u="none" strike="noStrike" cap="none" dirty="0">
+                <a:solidFill>
+                  <a:srgbClr val="000000"/>
+                </a:solidFill>
+                <a:effectLst/>
+                <a:latin typeface="Arial"/>
+                <a:ea typeface="Arial"/>
+                <a:cs typeface="Arial"/>
+                <a:sym typeface="Arial"/>
+              </a:rPr>
+              <a:t> parallèlement à </a:t>
+            </a:r>
+            <a:r>
+              <a:rPr lang="fr-FR" sz="1100" b="0" i="0" u="none" strike="noStrike" cap="none" dirty="0" err="1">
+                <a:solidFill>
+                  <a:srgbClr val="000000"/>
+                </a:solidFill>
+                <a:effectLst/>
+                <a:latin typeface="Arial"/>
+                <a:ea typeface="Arial"/>
+                <a:cs typeface="Arial"/>
+                <a:sym typeface="Arial"/>
+              </a:rPr>
+              <a:t>Chaum</a:t>
+            </a:r>
+            <a:r>
+              <a:rPr lang="fr-FR" sz="1100" b="0" i="0" u="none" strike="noStrike" cap="none" dirty="0">
+                <a:solidFill>
+                  <a:srgbClr val="000000"/>
+                </a:solidFill>
+                <a:effectLst/>
+                <a:latin typeface="Arial"/>
+                <a:ea typeface="Arial"/>
+                <a:cs typeface="Arial"/>
+                <a:sym typeface="Arial"/>
+              </a:rPr>
+              <a:t> et d'autres chercheurs de la communauté de cryptographie financière qui soulignaient l'intérêt des protocoles cryptographiques pour assurer la confidentialité de l'argent numérique, les informations d'identification et la signature électronique des contrats. Le développement des contrats intelligents résulte enfin des nombreux efforts pour améliorer les opérations dans diverses industries utilisant la technologie numérique. L'</a:t>
+            </a:r>
+            <a:r>
+              <a:rPr lang="fr-FR" sz="1100" b="0" i="0" u="none" strike="noStrike" cap="none" dirty="0">
+                <a:solidFill>
+                  <a:srgbClr val="000000"/>
+                </a:solidFill>
+                <a:effectLst/>
+                <a:latin typeface="Arial"/>
+                <a:ea typeface="Arial"/>
+                <a:cs typeface="Arial"/>
+                <a:sym typeface="Arial"/>
+                <a:hlinkClick r:id="rId9" tooltip="Institute of Electrical and Electronics Engineers"/>
+              </a:rPr>
+              <a:t>IEEE</a:t>
+            </a:r>
+            <a:r>
+              <a:rPr lang="fr-FR" sz="1100" b="0" i="0" u="none" strike="noStrike" cap="none" dirty="0">
+                <a:solidFill>
+                  <a:srgbClr val="000000"/>
+                </a:solidFill>
+                <a:effectLst/>
+                <a:latin typeface="Arial"/>
+                <a:ea typeface="Arial"/>
+                <a:cs typeface="Arial"/>
+                <a:sym typeface="Arial"/>
+              </a:rPr>
+              <a:t> a organisé deux ateliers sur les contrats électroniques, qui ont permis de faire des avancées dans ce domaine</a:t>
+            </a:r>
+            <a:r>
+              <a:rPr lang="fr-FR" sz="1100" b="0" i="0" u="none" strike="noStrike" cap="none" baseline="30000" dirty="0">
+                <a:solidFill>
+                  <a:srgbClr val="000000"/>
+                </a:solidFill>
+                <a:effectLst/>
+                <a:latin typeface="Arial"/>
+                <a:ea typeface="Arial"/>
+                <a:cs typeface="Arial"/>
+                <a:sym typeface="Arial"/>
+                <a:hlinkClick r:id="rId10"/>
+              </a:rPr>
+              <a:t>4</a:t>
+            </a:r>
+            <a:r>
+              <a:rPr lang="fr-FR" sz="1100" b="0" i="0" u="none" strike="noStrike" cap="none" dirty="0">
+                <a:solidFill>
+                  <a:srgbClr val="000000"/>
+                </a:solidFill>
+                <a:effectLst/>
+                <a:latin typeface="Arial"/>
+                <a:ea typeface="Arial"/>
+                <a:cs typeface="Arial"/>
+                <a:sym typeface="Arial"/>
+              </a:rPr>
+              <a:t>.</a:t>
+            </a:r>
+            <a:endParaRPr dirty="0"/>
           </a:p>
         </p:txBody>
       </p:sp>
     </p:spTree>
     <p:extLst>
       <p:ext uri="{BB962C8B-B14F-4D97-AF65-F5344CB8AC3E}">
-        <p14:creationId xmlns:p14="http://schemas.microsoft.com/office/powerpoint/2010/main" val="2072610475"/>
-      </p:ext>
-    </p:extLst>
-  </p:cSld>
-  <p:clrMapOvr>
-    <a:masterClrMapping/>
-  </p:clrMapOvr>
-</p:notes>
-</file>
-
-<file path=ppt/notesSlides/notesSlide18.xml><?xml version="1.0" encoding="utf-8"?>
-<p:notes xmlns:a="http://schemas.openxmlformats.org/drawingml/2006/main" xmlns:r="http://schemas.openxmlformats.org/officeDocument/2006/relationships" xmlns:p="http://schemas.openxmlformats.org/presentationml/2006/main" showMasterSp="0" showMasterPhAnim="0">
-  <p:cSld>
-    <p:spTree>
-      <p:nvGrpSpPr>
-        <p:cNvPr id="1" name="Shape 82"/>
-        <p:cNvGrpSpPr/>
-        <p:nvPr/>
-      </p:nvGrpSpPr>
-      <p:grpSpPr>
-        <a:xfrm>
-          <a:off x="0" y="0"/>
-          <a:ext cx="0" cy="0"/>
-          <a:chOff x="0" y="0"/>
-          <a:chExt cx="0" cy="0"/>
-        </a:xfrm>
-      </p:grpSpPr>
-      <p:sp>
-        <p:nvSpPr>
-          <p:cNvPr id="83" name="Shape 83"/>
-          <p:cNvSpPr>
-            <a:spLocks noGrp="1" noRot="1" noChangeAspect="1"/>
-          </p:cNvSpPr>
-          <p:nvPr>
-            <p:ph type="sldImg" idx="2"/>
-          </p:nvPr>
-        </p:nvSpPr>
-        <p:spPr>
-          <a:xfrm>
-            <a:off x="381000" y="685800"/>
-            <a:ext cx="6096000" cy="3429000"/>
-          </a:xfrm>
-          <a:custGeom>
-            <a:avLst/>
-            <a:gdLst/>
-            <a:ahLst/>
-            <a:cxnLst/>
-            <a:rect l="0" t="0" r="0" b="0"/>
-            <a:pathLst>
-              <a:path w="120000" h="120000" extrusionOk="0">
-                <a:moveTo>
-                  <a:pt x="0" y="0"/>
-                </a:moveTo>
-                <a:lnTo>
-                  <a:pt x="120000" y="0"/>
-                </a:lnTo>
-                <a:lnTo>
-                  <a:pt x="120000" y="120000"/>
-                </a:lnTo>
-                <a:lnTo>
-                  <a:pt x="0" y="120000"/>
-                </a:lnTo>
-                <a:close/>
-              </a:path>
-            </a:pathLst>
-          </a:custGeom>
-        </p:spPr>
-      </p:sp>
-      <p:sp>
-        <p:nvSpPr>
-          <p:cNvPr id="84" name="Shape 84"/>
-          <p:cNvSpPr txBox="1">
-            <a:spLocks noGrp="1"/>
-          </p:cNvSpPr>
-          <p:nvPr>
-            <p:ph type="body" idx="1"/>
-          </p:nvPr>
-        </p:nvSpPr>
-        <p:spPr>
-          <a:xfrm>
-            <a:off x="685800" y="4343400"/>
-            <a:ext cx="5486400" cy="4114800"/>
-          </a:xfrm>
-          <a:prstGeom prst="rect">
-            <a:avLst/>
-          </a:prstGeom>
-        </p:spPr>
-        <p:txBody>
-          <a:bodyPr spcFirstLastPara="1" wrap="square" lIns="91425" tIns="91425" rIns="91425" bIns="91425" anchor="t" anchorCtr="0">
-            <a:noAutofit/>
-          </a:bodyPr>
-          <a:lstStyle/>
-          <a:p>
-            <a:pPr marL="0" lvl="0" indent="0">
-              <a:spcBef>
-                <a:spcPts val="0"/>
-              </a:spcBef>
-              <a:spcAft>
-                <a:spcPts val="0"/>
-              </a:spcAft>
-              <a:buNone/>
-            </a:pPr>
-            <a:endParaRPr/>
-          </a:p>
-        </p:txBody>
-      </p:sp>
-    </p:spTree>
-    <p:extLst>
-      <p:ext uri="{BB962C8B-B14F-4D97-AF65-F5344CB8AC3E}">
-        <p14:creationId xmlns:p14="http://schemas.microsoft.com/office/powerpoint/2010/main" val="3803374315"/>
+        <p14:creationId xmlns:p14="http://schemas.microsoft.com/office/powerpoint/2010/main" val="2651628386"/>
       </p:ext>
     </p:extLst>
   </p:cSld>
@@ -2290,7 +2299,7 @@
     </p:spTree>
     <p:extLst>
       <p:ext uri="{BB962C8B-B14F-4D97-AF65-F5344CB8AC3E}">
-        <p14:creationId xmlns:p14="http://schemas.microsoft.com/office/powerpoint/2010/main" val="1220847917"/>
+        <p14:creationId xmlns:p14="http://schemas.microsoft.com/office/powerpoint/2010/main" val="1979564292"/>
       </p:ext>
     </p:extLst>
   </p:cSld>
@@ -2414,6 +2423,115 @@
   <p:cSld>
     <p:spTree>
       <p:nvGrpSpPr>
+        <p:cNvPr id="1" name="Shape 74"/>
+        <p:cNvGrpSpPr/>
+        <p:nvPr/>
+      </p:nvGrpSpPr>
+      <p:grpSpPr>
+        <a:xfrm>
+          <a:off x="0" y="0"/>
+          <a:ext cx="0" cy="0"/>
+          <a:chOff x="0" y="0"/>
+          <a:chExt cx="0" cy="0"/>
+        </a:xfrm>
+      </p:grpSpPr>
+      <p:sp>
+        <p:nvSpPr>
+          <p:cNvPr id="75" name="Shape 75"/>
+          <p:cNvSpPr>
+            <a:spLocks noGrp="1" noRot="1" noChangeAspect="1"/>
+          </p:cNvSpPr>
+          <p:nvPr>
+            <p:ph type="sldImg" idx="2"/>
+          </p:nvPr>
+        </p:nvSpPr>
+        <p:spPr>
+          <a:xfrm>
+            <a:off x="381000" y="685800"/>
+            <a:ext cx="6096000" cy="3429000"/>
+          </a:xfrm>
+          <a:custGeom>
+            <a:avLst/>
+            <a:gdLst/>
+            <a:ahLst/>
+            <a:cxnLst/>
+            <a:rect l="0" t="0" r="0" b="0"/>
+            <a:pathLst>
+              <a:path w="120000" h="120000" extrusionOk="0">
+                <a:moveTo>
+                  <a:pt x="0" y="0"/>
+                </a:moveTo>
+                <a:lnTo>
+                  <a:pt x="120000" y="0"/>
+                </a:lnTo>
+                <a:lnTo>
+                  <a:pt x="120000" y="120000"/>
+                </a:lnTo>
+                <a:lnTo>
+                  <a:pt x="0" y="120000"/>
+                </a:lnTo>
+                <a:close/>
+              </a:path>
+            </a:pathLst>
+          </a:custGeom>
+        </p:spPr>
+      </p:sp>
+      <p:sp>
+        <p:nvSpPr>
+          <p:cNvPr id="76" name="Shape 76"/>
+          <p:cNvSpPr txBox="1">
+            <a:spLocks noGrp="1"/>
+          </p:cNvSpPr>
+          <p:nvPr>
+            <p:ph type="body" idx="1"/>
+          </p:nvPr>
+        </p:nvSpPr>
+        <p:spPr>
+          <a:xfrm>
+            <a:off x="685800" y="4343400"/>
+            <a:ext cx="5486400" cy="4114800"/>
+          </a:xfrm>
+          <a:prstGeom prst="rect">
+            <a:avLst/>
+          </a:prstGeom>
+        </p:spPr>
+        <p:txBody>
+          <a:bodyPr spcFirstLastPara="1" wrap="square" lIns="91425" tIns="91425" rIns="91425" bIns="91425" anchor="t" anchorCtr="0">
+            <a:noAutofit/>
+          </a:bodyPr>
+          <a:lstStyle/>
+          <a:p>
+            <a:pPr marL="0" lvl="0" indent="0">
+              <a:spcBef>
+                <a:spcPts val="0"/>
+              </a:spcBef>
+              <a:spcAft>
+                <a:spcPts val="0"/>
+              </a:spcAft>
+              <a:buNone/>
+            </a:pPr>
+            <a:endParaRPr/>
+          </a:p>
+        </p:txBody>
+      </p:sp>
+    </p:spTree>
+    <p:extLst>
+      <p:ext uri="{BB962C8B-B14F-4D97-AF65-F5344CB8AC3E}">
+        <p14:creationId xmlns:p14="http://schemas.microsoft.com/office/powerpoint/2010/main" val="2072610475"/>
+      </p:ext>
+    </p:extLst>
+  </p:cSld>
+  <p:clrMapOvr>
+    <a:masterClrMapping/>
+  </p:clrMapOvr>
+</p:notes>
+</file>
+
+<file path=ppt/notesSlides/notesSlide21.xml><?xml version="1.0" encoding="utf-8"?>
+<p:notes xmlns:a="http://schemas.openxmlformats.org/drawingml/2006/main" xmlns:r="http://schemas.openxmlformats.org/officeDocument/2006/relationships" xmlns:p="http://schemas.openxmlformats.org/presentationml/2006/main" showMasterSp="0" showMasterPhAnim="0">
+  <p:cSld>
+    <p:spTree>
+      <p:nvGrpSpPr>
         <p:cNvPr id="1" name="Shape 82"/>
         <p:cNvGrpSpPr/>
         <p:nvPr/>
@@ -2508,6 +2626,224 @@
     </p:spTree>
     <p:extLst>
       <p:ext uri="{BB962C8B-B14F-4D97-AF65-F5344CB8AC3E}">
+        <p14:creationId xmlns:p14="http://schemas.microsoft.com/office/powerpoint/2010/main" val="3803374315"/>
+      </p:ext>
+    </p:extLst>
+  </p:cSld>
+  <p:clrMapOvr>
+    <a:masterClrMapping/>
+  </p:clrMapOvr>
+</p:notes>
+</file>
+
+<file path=ppt/notesSlides/notesSlide22.xml><?xml version="1.0" encoding="utf-8"?>
+<p:notes xmlns:a="http://schemas.openxmlformats.org/drawingml/2006/main" xmlns:r="http://schemas.openxmlformats.org/officeDocument/2006/relationships" xmlns:p="http://schemas.openxmlformats.org/presentationml/2006/main" showMasterSp="0" showMasterPhAnim="0">
+  <p:cSld>
+    <p:spTree>
+      <p:nvGrpSpPr>
+        <p:cNvPr id="1" name="Shape 82"/>
+        <p:cNvGrpSpPr/>
+        <p:nvPr/>
+      </p:nvGrpSpPr>
+      <p:grpSpPr>
+        <a:xfrm>
+          <a:off x="0" y="0"/>
+          <a:ext cx="0" cy="0"/>
+          <a:chOff x="0" y="0"/>
+          <a:chExt cx="0" cy="0"/>
+        </a:xfrm>
+      </p:grpSpPr>
+      <p:sp>
+        <p:nvSpPr>
+          <p:cNvPr id="83" name="Shape 83"/>
+          <p:cNvSpPr>
+            <a:spLocks noGrp="1" noRot="1" noChangeAspect="1"/>
+          </p:cNvSpPr>
+          <p:nvPr>
+            <p:ph type="sldImg" idx="2"/>
+          </p:nvPr>
+        </p:nvSpPr>
+        <p:spPr>
+          <a:xfrm>
+            <a:off x="381000" y="685800"/>
+            <a:ext cx="6096000" cy="3429000"/>
+          </a:xfrm>
+          <a:custGeom>
+            <a:avLst/>
+            <a:gdLst/>
+            <a:ahLst/>
+            <a:cxnLst/>
+            <a:rect l="0" t="0" r="0" b="0"/>
+            <a:pathLst>
+              <a:path w="120000" h="120000" extrusionOk="0">
+                <a:moveTo>
+                  <a:pt x="0" y="0"/>
+                </a:moveTo>
+                <a:lnTo>
+                  <a:pt x="120000" y="0"/>
+                </a:lnTo>
+                <a:lnTo>
+                  <a:pt x="120000" y="120000"/>
+                </a:lnTo>
+                <a:lnTo>
+                  <a:pt x="0" y="120000"/>
+                </a:lnTo>
+                <a:close/>
+              </a:path>
+            </a:pathLst>
+          </a:custGeom>
+        </p:spPr>
+      </p:sp>
+      <p:sp>
+        <p:nvSpPr>
+          <p:cNvPr id="84" name="Shape 84"/>
+          <p:cNvSpPr txBox="1">
+            <a:spLocks noGrp="1"/>
+          </p:cNvSpPr>
+          <p:nvPr>
+            <p:ph type="body" idx="1"/>
+          </p:nvPr>
+        </p:nvSpPr>
+        <p:spPr>
+          <a:xfrm>
+            <a:off x="685800" y="4343400"/>
+            <a:ext cx="5486400" cy="4114800"/>
+          </a:xfrm>
+          <a:prstGeom prst="rect">
+            <a:avLst/>
+          </a:prstGeom>
+        </p:spPr>
+        <p:txBody>
+          <a:bodyPr spcFirstLastPara="1" wrap="square" lIns="91425" tIns="91425" rIns="91425" bIns="91425" anchor="t" anchorCtr="0">
+            <a:noAutofit/>
+          </a:bodyPr>
+          <a:lstStyle/>
+          <a:p>
+            <a:pPr marL="0" lvl="0" indent="0">
+              <a:spcBef>
+                <a:spcPts val="0"/>
+              </a:spcBef>
+              <a:spcAft>
+                <a:spcPts val="0"/>
+              </a:spcAft>
+              <a:buNone/>
+            </a:pPr>
+            <a:endParaRPr/>
+          </a:p>
+        </p:txBody>
+      </p:sp>
+    </p:spTree>
+    <p:extLst>
+      <p:ext uri="{BB962C8B-B14F-4D97-AF65-F5344CB8AC3E}">
+        <p14:creationId xmlns:p14="http://schemas.microsoft.com/office/powerpoint/2010/main" val="1220847917"/>
+      </p:ext>
+    </p:extLst>
+  </p:cSld>
+  <p:clrMapOvr>
+    <a:masterClrMapping/>
+  </p:clrMapOvr>
+</p:notes>
+</file>
+
+<file path=ppt/notesSlides/notesSlide23.xml><?xml version="1.0" encoding="utf-8"?>
+<p:notes xmlns:a="http://schemas.openxmlformats.org/drawingml/2006/main" xmlns:r="http://schemas.openxmlformats.org/officeDocument/2006/relationships" xmlns:p="http://schemas.openxmlformats.org/presentationml/2006/main" showMasterSp="0" showMasterPhAnim="0">
+  <p:cSld>
+    <p:spTree>
+      <p:nvGrpSpPr>
+        <p:cNvPr id="1" name="Shape 82"/>
+        <p:cNvGrpSpPr/>
+        <p:nvPr/>
+      </p:nvGrpSpPr>
+      <p:grpSpPr>
+        <a:xfrm>
+          <a:off x="0" y="0"/>
+          <a:ext cx="0" cy="0"/>
+          <a:chOff x="0" y="0"/>
+          <a:chExt cx="0" cy="0"/>
+        </a:xfrm>
+      </p:grpSpPr>
+      <p:sp>
+        <p:nvSpPr>
+          <p:cNvPr id="83" name="Shape 83"/>
+          <p:cNvSpPr>
+            <a:spLocks noGrp="1" noRot="1" noChangeAspect="1"/>
+          </p:cNvSpPr>
+          <p:nvPr>
+            <p:ph type="sldImg" idx="2"/>
+          </p:nvPr>
+        </p:nvSpPr>
+        <p:spPr>
+          <a:xfrm>
+            <a:off x="381000" y="685800"/>
+            <a:ext cx="6096000" cy="3429000"/>
+          </a:xfrm>
+          <a:custGeom>
+            <a:avLst/>
+            <a:gdLst/>
+            <a:ahLst/>
+            <a:cxnLst/>
+            <a:rect l="0" t="0" r="0" b="0"/>
+            <a:pathLst>
+              <a:path w="120000" h="120000" extrusionOk="0">
+                <a:moveTo>
+                  <a:pt x="0" y="0"/>
+                </a:moveTo>
+                <a:lnTo>
+                  <a:pt x="120000" y="0"/>
+                </a:lnTo>
+                <a:lnTo>
+                  <a:pt x="120000" y="120000"/>
+                </a:lnTo>
+                <a:lnTo>
+                  <a:pt x="0" y="120000"/>
+                </a:lnTo>
+                <a:close/>
+              </a:path>
+            </a:pathLst>
+          </a:custGeom>
+        </p:spPr>
+      </p:sp>
+      <p:sp>
+        <p:nvSpPr>
+          <p:cNvPr id="84" name="Shape 84"/>
+          <p:cNvSpPr txBox="1">
+            <a:spLocks noGrp="1"/>
+          </p:cNvSpPr>
+          <p:nvPr>
+            <p:ph type="body" idx="1"/>
+          </p:nvPr>
+        </p:nvSpPr>
+        <p:spPr>
+          <a:xfrm>
+            <a:off x="685800" y="4343400"/>
+            <a:ext cx="5486400" cy="4114800"/>
+          </a:xfrm>
+          <a:prstGeom prst="rect">
+            <a:avLst/>
+          </a:prstGeom>
+        </p:spPr>
+        <p:txBody>
+          <a:bodyPr spcFirstLastPara="1" wrap="square" lIns="91425" tIns="91425" rIns="91425" bIns="91425" anchor="t" anchorCtr="0">
+            <a:noAutofit/>
+          </a:bodyPr>
+          <a:lstStyle/>
+          <a:p>
+            <a:pPr marL="0" lvl="0" indent="0">
+              <a:spcBef>
+                <a:spcPts val="0"/>
+              </a:spcBef>
+              <a:spcAft>
+                <a:spcPts val="0"/>
+              </a:spcAft>
+              <a:buNone/>
+            </a:pPr>
+            <a:endParaRPr/>
+          </a:p>
+        </p:txBody>
+      </p:sp>
+    </p:spTree>
+    <p:extLst>
+      <p:ext uri="{BB962C8B-B14F-4D97-AF65-F5344CB8AC3E}">
         <p14:creationId xmlns:p14="http://schemas.microsoft.com/office/powerpoint/2010/main" val="2684547408"/>
       </p:ext>
     </p:extLst>
@@ -2518,7 +2854,7 @@
 </p:notes>
 </file>
 
-<file path=ppt/notesSlides/notesSlide21.xml><?xml version="1.0" encoding="utf-8"?>
+<file path=ppt/notesSlides/notesSlide24.xml><?xml version="1.0" encoding="utf-8"?>
 <p:notes xmlns:a="http://schemas.openxmlformats.org/drawingml/2006/main" xmlns:r="http://schemas.openxmlformats.org/officeDocument/2006/relationships" xmlns:p="http://schemas.openxmlformats.org/presentationml/2006/main" showMasterSp="0" showMasterPhAnim="0">
   <p:cSld>
     <p:spTree>
@@ -2627,7 +2963,7 @@
 </p:notes>
 </file>
 
-<file path=ppt/notesSlides/notesSlide22.xml><?xml version="1.0" encoding="utf-8"?>
+<file path=ppt/notesSlides/notesSlide25.xml><?xml version="1.0" encoding="utf-8"?>
 <p:notes xmlns:a="http://schemas.openxmlformats.org/drawingml/2006/main" xmlns:r="http://schemas.openxmlformats.org/officeDocument/2006/relationships" xmlns:p="http://schemas.openxmlformats.org/presentationml/2006/main" showMasterSp="0" showMasterPhAnim="0">
   <p:cSld>
     <p:spTree>
@@ -3380,7 +3716,7 @@
     </p:spTree>
     <p:extLst>
       <p:ext uri="{BB962C8B-B14F-4D97-AF65-F5344CB8AC3E}">
-        <p14:creationId xmlns:p14="http://schemas.microsoft.com/office/powerpoint/2010/main" val="512987851"/>
+        <p14:creationId xmlns:p14="http://schemas.microsoft.com/office/powerpoint/2010/main" val="946728822"/>
       </p:ext>
     </p:extLst>
   </p:cSld>
@@ -3473,29 +3809,23 @@
           </a:bodyPr>
           <a:lstStyle/>
           <a:p>
-            <a:pPr algn="ctr"/>
-            <a:r>
-              <a:rPr lang="fr-FR" sz="1100" dirty="0">
-                <a:latin typeface="Raleway" panose="020B0503030101060003" pitchFamily="34" charset="0"/>
-              </a:rPr>
-              <a:t>Proof</a:t>
-            </a:r>
-            <a:r>
-              <a:rPr lang="fr-FR" sz="1100" dirty="0"/>
-              <a:t> of </a:t>
-            </a:r>
-            <a:r>
-              <a:rPr lang="fr-FR" sz="1100" dirty="0" err="1"/>
-              <a:t>Work</a:t>
-            </a:r>
-            <a:endParaRPr lang="fr-FR" sz="1100" dirty="0"/>
+            <a:pPr marL="0" lvl="0" indent="0">
+              <a:spcBef>
+                <a:spcPts val="0"/>
+              </a:spcBef>
+              <a:spcAft>
+                <a:spcPts val="0"/>
+              </a:spcAft>
+              <a:buNone/>
+            </a:pPr>
+            <a:endParaRPr/>
           </a:p>
         </p:txBody>
       </p:sp>
     </p:spTree>
     <p:extLst>
       <p:ext uri="{BB962C8B-B14F-4D97-AF65-F5344CB8AC3E}">
-        <p14:creationId xmlns:p14="http://schemas.microsoft.com/office/powerpoint/2010/main" val="2389402706"/>
+        <p14:creationId xmlns:p14="http://schemas.microsoft.com/office/powerpoint/2010/main" val="2847279405"/>
       </p:ext>
     </p:extLst>
   </p:cSld>
@@ -10642,58 +10972,370 @@
           <a:p>
             <a:r>
               <a:rPr lang="fr-FR" dirty="0"/>
-              <a:t>L’attaque des 51%</a:t>
+              <a:t>Validation et intégration</a:t>
+            </a:r>
+          </a:p>
+        </p:txBody>
+      </p:sp>
+      <p:sp>
+        <p:nvSpPr>
+          <p:cNvPr id="2" name="Rectangle 1">
+            <a:extLst>
+              <a:ext uri="{FF2B5EF4-FFF2-40B4-BE49-F238E27FC236}">
+                <a16:creationId xmlns:a16="http://schemas.microsoft.com/office/drawing/2014/main" id="{82775CCF-55DB-46A5-8939-D9DDE3474B5D}"/>
+              </a:ext>
+            </a:extLst>
+          </p:cNvPr>
+          <p:cNvSpPr/>
+          <p:nvPr/>
+        </p:nvSpPr>
+        <p:spPr>
+          <a:xfrm>
+            <a:off x="685800" y="2327910"/>
+            <a:ext cx="411480" cy="403860"/>
+          </a:xfrm>
+          <a:prstGeom prst="rect">
+            <a:avLst/>
+          </a:prstGeom>
+          <a:solidFill>
+            <a:schemeClr val="bg1">
+              <a:lumMod val="75000"/>
+            </a:schemeClr>
+          </a:solidFill>
+          <a:ln>
+            <a:noFill/>
+          </a:ln>
+        </p:spPr>
+        <p:style>
+          <a:lnRef idx="2">
+            <a:schemeClr val="dk1">
+              <a:shade val="50000"/>
+            </a:schemeClr>
+          </a:lnRef>
+          <a:fillRef idx="1">
+            <a:schemeClr val="dk1"/>
+          </a:fillRef>
+          <a:effectRef idx="0">
+            <a:schemeClr val="dk1"/>
+          </a:effectRef>
+          <a:fontRef idx="minor">
+            <a:schemeClr val="lt1"/>
+          </a:fontRef>
+        </p:style>
+        <p:txBody>
+          <a:bodyPr rtlCol="0" anchor="ctr"/>
+          <a:lstStyle/>
+          <a:p>
+            <a:pPr algn="ctr"/>
+            <a:endParaRPr lang="fr-FR"/>
+          </a:p>
+        </p:txBody>
+      </p:sp>
+      <p:sp>
+        <p:nvSpPr>
+          <p:cNvPr id="3" name="Rectangle 2">
+            <a:extLst>
+              <a:ext uri="{FF2B5EF4-FFF2-40B4-BE49-F238E27FC236}">
+                <a16:creationId xmlns:a16="http://schemas.microsoft.com/office/drawing/2014/main" id="{19E5F702-C23B-4522-8F8F-4DF2DBE08B6C}"/>
+              </a:ext>
+            </a:extLst>
+          </p:cNvPr>
+          <p:cNvSpPr/>
+          <p:nvPr/>
+        </p:nvSpPr>
+        <p:spPr>
+          <a:xfrm rot="5400000">
+            <a:off x="320040" y="2186940"/>
+            <a:ext cx="45720" cy="685800"/>
+          </a:xfrm>
+          <a:prstGeom prst="rect">
+            <a:avLst/>
+          </a:prstGeom>
+          <a:ln>
+            <a:noFill/>
+          </a:ln>
+        </p:spPr>
+        <p:style>
+          <a:lnRef idx="2">
+            <a:schemeClr val="accent3">
+              <a:shade val="50000"/>
+            </a:schemeClr>
+          </a:lnRef>
+          <a:fillRef idx="1">
+            <a:schemeClr val="accent3"/>
+          </a:fillRef>
+          <a:effectRef idx="0">
+            <a:schemeClr val="accent3"/>
+          </a:effectRef>
+          <a:fontRef idx="minor">
+            <a:schemeClr val="lt1"/>
+          </a:fontRef>
+        </p:style>
+        <p:txBody>
+          <a:bodyPr rtlCol="0" anchor="ctr"/>
+          <a:lstStyle/>
+          <a:p>
+            <a:pPr algn="ctr"/>
+            <a:endParaRPr lang="fr-FR"/>
+          </a:p>
+        </p:txBody>
+      </p:sp>
+      <p:sp>
+        <p:nvSpPr>
+          <p:cNvPr id="4" name="ZoneTexte 3">
+            <a:extLst>
+              <a:ext uri="{FF2B5EF4-FFF2-40B4-BE49-F238E27FC236}">
+                <a16:creationId xmlns:a16="http://schemas.microsoft.com/office/drawing/2014/main" id="{2248467F-1964-4C9D-91E5-8922B5D36701}"/>
+              </a:ext>
+            </a:extLst>
+          </p:cNvPr>
+          <p:cNvSpPr txBox="1"/>
+          <p:nvPr/>
+        </p:nvSpPr>
+        <p:spPr>
+          <a:xfrm>
+            <a:off x="35104" y="2174021"/>
+            <a:ext cx="413896" cy="307777"/>
+          </a:xfrm>
+          <a:prstGeom prst="rect">
+            <a:avLst/>
+          </a:prstGeom>
+          <a:noFill/>
+        </p:spPr>
+        <p:txBody>
+          <a:bodyPr wrap="none" rtlCol="0">
+            <a:spAutoFit/>
+          </a:bodyPr>
+          <a:lstStyle/>
+          <a:p>
+            <a:r>
+              <a:rPr lang="fr-FR" dirty="0"/>
+              <a:t>… </a:t>
+            </a:r>
+          </a:p>
+        </p:txBody>
+      </p:sp>
+      <p:sp>
+        <p:nvSpPr>
+          <p:cNvPr id="29" name="Rectangle 28">
+            <a:extLst>
+              <a:ext uri="{FF2B5EF4-FFF2-40B4-BE49-F238E27FC236}">
+                <a16:creationId xmlns:a16="http://schemas.microsoft.com/office/drawing/2014/main" id="{F86A5AAC-FAC7-450E-ACD1-46351D548D54}"/>
+              </a:ext>
+            </a:extLst>
+          </p:cNvPr>
+          <p:cNvSpPr/>
+          <p:nvPr/>
+        </p:nvSpPr>
+        <p:spPr>
+          <a:xfrm>
+            <a:off x="1783080" y="2350770"/>
+            <a:ext cx="411480" cy="403860"/>
+          </a:xfrm>
+          <a:prstGeom prst="rect">
+            <a:avLst/>
+          </a:prstGeom>
+          <a:ln>
+            <a:noFill/>
+          </a:ln>
+        </p:spPr>
+        <p:style>
+          <a:lnRef idx="2">
+            <a:schemeClr val="dk1">
+              <a:shade val="50000"/>
+            </a:schemeClr>
+          </a:lnRef>
+          <a:fillRef idx="1">
+            <a:schemeClr val="dk1"/>
+          </a:fillRef>
+          <a:effectRef idx="0">
+            <a:schemeClr val="dk1"/>
+          </a:effectRef>
+          <a:fontRef idx="minor">
+            <a:schemeClr val="lt1"/>
+          </a:fontRef>
+        </p:style>
+        <p:txBody>
+          <a:bodyPr rtlCol="0" anchor="ctr"/>
+          <a:lstStyle/>
+          <a:p>
+            <a:pPr algn="ctr"/>
+            <a:endParaRPr lang="fr-FR"/>
+          </a:p>
+        </p:txBody>
+      </p:sp>
+      <p:sp>
+        <p:nvSpPr>
+          <p:cNvPr id="30" name="Rectangle 29">
+            <a:extLst>
+              <a:ext uri="{FF2B5EF4-FFF2-40B4-BE49-F238E27FC236}">
+                <a16:creationId xmlns:a16="http://schemas.microsoft.com/office/drawing/2014/main" id="{60F38730-914E-4F5F-8FCD-924AB2979772}"/>
+              </a:ext>
+            </a:extLst>
+          </p:cNvPr>
+          <p:cNvSpPr/>
+          <p:nvPr/>
+        </p:nvSpPr>
+        <p:spPr>
+          <a:xfrm rot="5400000">
+            <a:off x="1417320" y="2209800"/>
+            <a:ext cx="45720" cy="685800"/>
+          </a:xfrm>
+          <a:prstGeom prst="rect">
+            <a:avLst/>
+          </a:prstGeom>
+          <a:ln>
+            <a:noFill/>
+          </a:ln>
+        </p:spPr>
+        <p:style>
+          <a:lnRef idx="2">
+            <a:schemeClr val="accent3">
+              <a:shade val="50000"/>
+            </a:schemeClr>
+          </a:lnRef>
+          <a:fillRef idx="1">
+            <a:schemeClr val="accent3"/>
+          </a:fillRef>
+          <a:effectRef idx="0">
+            <a:schemeClr val="accent3"/>
+          </a:effectRef>
+          <a:fontRef idx="minor">
+            <a:schemeClr val="lt1"/>
+          </a:fontRef>
+        </p:style>
+        <p:txBody>
+          <a:bodyPr rtlCol="0" anchor="ctr"/>
+          <a:lstStyle/>
+          <a:p>
+            <a:pPr algn="ctr"/>
+            <a:endParaRPr lang="fr-FR"/>
+          </a:p>
+        </p:txBody>
+      </p:sp>
+      <p:sp>
+        <p:nvSpPr>
+          <p:cNvPr id="50" name="Rectangle 49">
+            <a:extLst>
+              <a:ext uri="{FF2B5EF4-FFF2-40B4-BE49-F238E27FC236}">
+                <a16:creationId xmlns:a16="http://schemas.microsoft.com/office/drawing/2014/main" id="{D1B18753-606D-447A-98E9-528E9AC1F702}"/>
+              </a:ext>
+            </a:extLst>
+          </p:cNvPr>
+          <p:cNvSpPr/>
+          <p:nvPr/>
+        </p:nvSpPr>
+        <p:spPr>
+          <a:xfrm>
+            <a:off x="6248400" y="457200"/>
+            <a:ext cx="1295400" cy="1234440"/>
+          </a:xfrm>
+          <a:prstGeom prst="rect">
+            <a:avLst/>
+          </a:prstGeom>
+          <a:solidFill>
+            <a:schemeClr val="accent1">
+              <a:lumMod val="60000"/>
+              <a:lumOff val="40000"/>
+            </a:schemeClr>
+          </a:solidFill>
+          <a:ln>
+            <a:noFill/>
+          </a:ln>
+        </p:spPr>
+        <p:style>
+          <a:lnRef idx="2">
+            <a:schemeClr val="dk1">
+              <a:shade val="50000"/>
+            </a:schemeClr>
+          </a:lnRef>
+          <a:fillRef idx="1">
+            <a:schemeClr val="dk1"/>
+          </a:fillRef>
+          <a:effectRef idx="0">
+            <a:schemeClr val="dk1"/>
+          </a:effectRef>
+          <a:fontRef idx="minor">
+            <a:schemeClr val="lt1"/>
+          </a:fontRef>
+        </p:style>
+        <p:txBody>
+          <a:bodyPr rtlCol="0" anchor="ctr"/>
+          <a:lstStyle/>
+          <a:p>
+            <a:pPr algn="ctr"/>
+            <a:r>
+              <a:rPr lang="fr-FR" dirty="0"/>
+              <a:t>180 PH/s</a:t>
             </a:r>
           </a:p>
         </p:txBody>
       </p:sp>
       <p:pic>
         <p:nvPicPr>
-          <p:cNvPr id="22" name="Picture 2" descr="cyber, hat, spy, undercover, user icon">
+          <p:cNvPr id="51" name="Image 50">
             <a:extLst>
               <a:ext uri="{FF2B5EF4-FFF2-40B4-BE49-F238E27FC236}">
-                <a16:creationId xmlns:a16="http://schemas.microsoft.com/office/drawing/2014/main" id="{D87E457D-73A0-4616-BDFE-4427B0F0ACA8}"/>
+                <a16:creationId xmlns:a16="http://schemas.microsoft.com/office/drawing/2014/main" id="{FD6B5E99-BEBE-4D2C-9332-8D2D45F9F334}"/>
               </a:ext>
             </a:extLst>
           </p:cNvPr>
           <p:cNvPicPr>
-            <a:picLocks noChangeAspect="1" noChangeArrowheads="1"/>
+            <a:picLocks noChangeAspect="1"/>
           </p:cNvPicPr>
           <p:nvPr/>
         </p:nvPicPr>
         <p:blipFill>
-          <a:blip r:embed="rId3">
-            <a:extLst>
-              <a:ext uri="{28A0092B-C50C-407E-A947-70E740481C1C}">
-                <a14:useLocalDpi xmlns:a14="http://schemas.microsoft.com/office/drawing/2010/main" val="0"/>
-              </a:ext>
-            </a:extLst>
-          </a:blip>
-          <a:srcRect/>
+          <a:blip r:embed="rId3"/>
           <a:stretch>
             <a:fillRect/>
           </a:stretch>
         </p:blipFill>
-        <p:spPr bwMode="auto">
-          <a:xfrm>
-            <a:off x="5750208" y="1375897"/>
-            <a:ext cx="592621" cy="592621"/>
+        <p:spPr>
+          <a:xfrm>
+            <a:off x="6577170" y="1558081"/>
+            <a:ext cx="469300" cy="469300"/>
+          </a:xfrm>
+          <a:prstGeom prst="rect">
+            <a:avLst/>
+          </a:prstGeom>
+        </p:spPr>
+      </p:pic>
+      <p:sp>
+        <p:nvSpPr>
+          <p:cNvPr id="52" name="ZoneTexte 51">
+            <a:extLst>
+              <a:ext uri="{FF2B5EF4-FFF2-40B4-BE49-F238E27FC236}">
+                <a16:creationId xmlns:a16="http://schemas.microsoft.com/office/drawing/2014/main" id="{4534A4DD-440D-41D9-B243-6B7661822D13}"/>
+              </a:ext>
+            </a:extLst>
+          </p:cNvPr>
+          <p:cNvSpPr txBox="1"/>
+          <p:nvPr/>
+        </p:nvSpPr>
+        <p:spPr>
+          <a:xfrm>
+            <a:off x="6993580" y="1705622"/>
+            <a:ext cx="458780" cy="307777"/>
           </a:xfrm>
           <a:prstGeom prst="rect">
             <a:avLst/>
           </a:prstGeom>
           <a:noFill/>
-          <a:extLst>
-            <a:ext uri="{909E8E84-426E-40DD-AFC4-6F175D3DCCD1}">
-              <a14:hiddenFill xmlns:a14="http://schemas.microsoft.com/office/drawing/2010/main">
-                <a:solidFill>
-                  <a:srgbClr val="FFFFFF"/>
-                </a:solidFill>
-              </a14:hiddenFill>
-            </a:ext>
-          </a:extLst>
-        </p:spPr>
-      </p:pic>
+        </p:spPr>
+        <p:txBody>
+          <a:bodyPr wrap="none" rtlCol="0">
+            <a:spAutoFit/>
+          </a:bodyPr>
+          <a:lstStyle/>
+          <a:p>
+            <a:r>
+              <a:rPr lang="fr-FR" dirty="0"/>
+              <a:t>+ X</a:t>
+            </a:r>
+          </a:p>
+        </p:txBody>
+      </p:sp>
     </p:spTree>
     <p:extLst>
       <p:ext uri="{BB962C8B-B14F-4D97-AF65-F5344CB8AC3E}">
@@ -10720,6 +11362,2652 @@
 </file>
 
 <file path=ppt/slides/slide11.xml><?xml version="1.0" encoding="utf-8"?>
+<p:sld xmlns:a="http://schemas.openxmlformats.org/drawingml/2006/main" xmlns:r="http://schemas.openxmlformats.org/officeDocument/2006/relationships" xmlns:p="http://schemas.openxmlformats.org/presentationml/2006/main">
+  <p:cSld>
+    <p:spTree>
+      <p:nvGrpSpPr>
+        <p:cNvPr id="1" name="Shape 85"/>
+        <p:cNvGrpSpPr/>
+        <p:nvPr/>
+      </p:nvGrpSpPr>
+      <p:grpSpPr>
+        <a:xfrm>
+          <a:off x="0" y="0"/>
+          <a:ext cx="0" cy="0"/>
+          <a:chOff x="0" y="0"/>
+          <a:chExt cx="0" cy="0"/>
+        </a:xfrm>
+      </p:grpSpPr>
+      <p:pic>
+        <p:nvPicPr>
+          <p:cNvPr id="1026" name="Picture 2" descr="https://cdn-images-1.medium.com/max/1800/1*VVCasQUJ-YFSIpUOwROx-g.png">
+            <a:extLst>
+              <a:ext uri="{FF2B5EF4-FFF2-40B4-BE49-F238E27FC236}">
+                <a16:creationId xmlns:a16="http://schemas.microsoft.com/office/drawing/2014/main" id="{A8A9E30D-7DE7-416A-9497-72771051C35B}"/>
+              </a:ext>
+            </a:extLst>
+          </p:cNvPr>
+          <p:cNvPicPr>
+            <a:picLocks noChangeAspect="1" noChangeArrowheads="1"/>
+          </p:cNvPicPr>
+          <p:nvPr/>
+        </p:nvPicPr>
+        <p:blipFill>
+          <a:blip r:embed="rId3">
+            <a:extLst>
+              <a:ext uri="{28A0092B-C50C-407E-A947-70E740481C1C}">
+                <a14:useLocalDpi xmlns:a14="http://schemas.microsoft.com/office/drawing/2010/main" val="0"/>
+              </a:ext>
+            </a:extLst>
+          </a:blip>
+          <a:srcRect/>
+          <a:stretch>
+            <a:fillRect/>
+          </a:stretch>
+        </p:blipFill>
+        <p:spPr bwMode="auto">
+          <a:xfrm>
+            <a:off x="-7816" y="0"/>
+            <a:ext cx="9188887" cy="5149605"/>
+          </a:xfrm>
+          <a:prstGeom prst="rect">
+            <a:avLst/>
+          </a:prstGeom>
+          <a:noFill/>
+          <a:extLst>
+            <a:ext uri="{909E8E84-426E-40DD-AFC4-6F175D3DCCD1}">
+              <a14:hiddenFill xmlns:a14="http://schemas.microsoft.com/office/drawing/2010/main">
+                <a:solidFill>
+                  <a:srgbClr val="FFFFFF"/>
+                </a:solidFill>
+              </a14:hiddenFill>
+            </a:ext>
+          </a:extLst>
+        </p:spPr>
+      </p:pic>
+    </p:spTree>
+    <p:extLst>
+      <p:ext uri="{BB962C8B-B14F-4D97-AF65-F5344CB8AC3E}">
+        <p14:creationId xmlns:p14="http://schemas.microsoft.com/office/powerpoint/2010/main" val="784526705"/>
+      </p:ext>
+    </p:extLst>
+  </p:cSld>
+  <p:clrMapOvr>
+    <a:masterClrMapping/>
+  </p:clrMapOvr>
+  <mc:AlternateContent xmlns:mc="http://schemas.openxmlformats.org/markup-compatibility/2006" xmlns:p14="http://schemas.microsoft.com/office/powerpoint/2010/main">
+    <mc:Choice Requires="p14">
+      <p:transition spd="med" p14:dur="700">
+        <p:fade/>
+      </p:transition>
+    </mc:Choice>
+    <mc:Fallback xmlns="">
+      <p:transition spd="med">
+        <p:fade/>
+      </p:transition>
+    </mc:Fallback>
+  </mc:AlternateContent>
+</p:sld>
+</file>
+
+<file path=ppt/slides/slide12.xml><?xml version="1.0" encoding="utf-8"?>
+<p:sld xmlns:a="http://schemas.openxmlformats.org/drawingml/2006/main" xmlns:r="http://schemas.openxmlformats.org/officeDocument/2006/relationships" xmlns:p="http://schemas.openxmlformats.org/presentationml/2006/main">
+  <p:cSld>
+    <p:spTree>
+      <p:nvGrpSpPr>
+        <p:cNvPr id="1" name="Shape 85"/>
+        <p:cNvGrpSpPr/>
+        <p:nvPr/>
+      </p:nvGrpSpPr>
+      <p:grpSpPr>
+        <a:xfrm>
+          <a:off x="0" y="0"/>
+          <a:ext cx="0" cy="0"/>
+          <a:chOff x="0" y="0"/>
+          <a:chExt cx="0" cy="0"/>
+        </a:xfrm>
+      </p:grpSpPr>
+      <p:pic>
+        <p:nvPicPr>
+          <p:cNvPr id="1026" name="Picture 2" descr="https://images.radio-canada.ca/q_auto,w_1250/v1/ici-info/16x9/bitcoin-bitmain-antminer-quebec.JPG"/>
+          <p:cNvPicPr>
+            <a:picLocks noChangeAspect="1" noChangeArrowheads="1"/>
+          </p:cNvPicPr>
+          <p:nvPr/>
+        </p:nvPicPr>
+        <p:blipFill rotWithShape="1">
+          <a:blip r:embed="rId3">
+            <a:extLst>
+              <a:ext uri="{28A0092B-C50C-407E-A947-70E740481C1C}">
+                <a14:useLocalDpi xmlns:a14="http://schemas.microsoft.com/office/drawing/2010/main" val="0"/>
+              </a:ext>
+            </a:extLst>
+          </a:blip>
+          <a:srcRect b="11261"/>
+          <a:stretch/>
+        </p:blipFill>
+        <p:spPr bwMode="auto">
+          <a:xfrm>
+            <a:off x="0" y="914"/>
+            <a:ext cx="9144000" cy="4563466"/>
+          </a:xfrm>
+          <a:prstGeom prst="rect">
+            <a:avLst/>
+          </a:prstGeom>
+          <a:noFill/>
+          <a:extLst>
+            <a:ext uri="{909E8E84-426E-40DD-AFC4-6F175D3DCCD1}">
+              <a14:hiddenFill xmlns:a14="http://schemas.microsoft.com/office/drawing/2010/main">
+                <a:solidFill>
+                  <a:srgbClr val="FFFFFF"/>
+                </a:solidFill>
+              </a14:hiddenFill>
+            </a:ext>
+          </a:extLst>
+        </p:spPr>
+      </p:pic>
+      <p:sp>
+        <p:nvSpPr>
+          <p:cNvPr id="2" name="ZoneTexte 1"/>
+          <p:cNvSpPr txBox="1"/>
+          <p:nvPr/>
+        </p:nvSpPr>
+        <p:spPr>
+          <a:xfrm>
+            <a:off x="5142566" y="6791979"/>
+            <a:ext cx="2294650" cy="1323439"/>
+          </a:xfrm>
+          <a:prstGeom prst="rect">
+            <a:avLst/>
+          </a:prstGeom>
+          <a:noFill/>
+        </p:spPr>
+        <p:txBody>
+          <a:bodyPr wrap="square" rtlCol="0">
+            <a:spAutoFit/>
+          </a:bodyPr>
+          <a:lstStyle/>
+          <a:p>
+            <a:r>
+              <a:rPr lang="fr-FR" sz="4000" dirty="0">
+                <a:latin typeface="Raleway" panose="020B0503030101060003" pitchFamily="34" charset="0"/>
+              </a:rPr>
+              <a:t>Proof of </a:t>
+            </a:r>
+            <a:r>
+              <a:rPr lang="fr-FR" sz="4000" dirty="0" err="1">
+                <a:latin typeface="Raleway" panose="020B0503030101060003" pitchFamily="34" charset="0"/>
+              </a:rPr>
+              <a:t>Work</a:t>
+            </a:r>
+            <a:endParaRPr lang="fr-FR" sz="4000" dirty="0">
+              <a:latin typeface="Raleway" panose="020B0503030101060003" pitchFamily="34" charset="0"/>
+            </a:endParaRPr>
+          </a:p>
+        </p:txBody>
+      </p:sp>
+      <p:sp>
+        <p:nvSpPr>
+          <p:cNvPr id="3" name="Rectangle 2"/>
+          <p:cNvSpPr/>
+          <p:nvPr/>
+        </p:nvSpPr>
+        <p:spPr>
+          <a:xfrm>
+            <a:off x="0" y="914"/>
+            <a:ext cx="9144000" cy="4555846"/>
+          </a:xfrm>
+          <a:prstGeom prst="rect">
+            <a:avLst/>
+          </a:prstGeom>
+          <a:solidFill>
+            <a:srgbClr val="000000">
+              <a:alpha val="60000"/>
+            </a:srgbClr>
+          </a:solidFill>
+        </p:spPr>
+        <p:style>
+          <a:lnRef idx="2">
+            <a:schemeClr val="dk1">
+              <a:shade val="50000"/>
+            </a:schemeClr>
+          </a:lnRef>
+          <a:fillRef idx="1">
+            <a:schemeClr val="dk1"/>
+          </a:fillRef>
+          <a:effectRef idx="0">
+            <a:schemeClr val="dk1"/>
+          </a:effectRef>
+          <a:fontRef idx="minor">
+            <a:schemeClr val="lt1"/>
+          </a:fontRef>
+        </p:style>
+        <p:txBody>
+          <a:bodyPr rtlCol="0" anchor="ctr"/>
+          <a:lstStyle/>
+          <a:p>
+            <a:pPr algn="ctr"/>
+            <a:endParaRPr lang="fr-FR" sz="4800" dirty="0"/>
+          </a:p>
+        </p:txBody>
+      </p:sp>
+      <p:sp>
+        <p:nvSpPr>
+          <p:cNvPr id="5" name="ZoneTexte 4"/>
+          <p:cNvSpPr txBox="1"/>
+          <p:nvPr/>
+        </p:nvSpPr>
+        <p:spPr>
+          <a:xfrm>
+            <a:off x="4373881" y="3634740"/>
+            <a:ext cx="4678680" cy="1754326"/>
+          </a:xfrm>
+          <a:prstGeom prst="rect">
+            <a:avLst/>
+          </a:prstGeom>
+          <a:noFill/>
+        </p:spPr>
+        <p:txBody>
+          <a:bodyPr wrap="square" rtlCol="0">
+            <a:spAutoFit/>
+          </a:bodyPr>
+          <a:lstStyle/>
+          <a:p>
+            <a:r>
+              <a:rPr lang="fr-FR" sz="5400" dirty="0">
+                <a:solidFill>
+                  <a:schemeClr val="bg1"/>
+                </a:solidFill>
+                <a:latin typeface="Raleway" panose="020B0503030101060003" pitchFamily="34" charset="0"/>
+              </a:rPr>
+              <a:t>Proof of </a:t>
+            </a:r>
+            <a:r>
+              <a:rPr lang="fr-FR" sz="5400" b="1" dirty="0" err="1">
+                <a:solidFill>
+                  <a:schemeClr val="bg1"/>
+                </a:solidFill>
+                <a:latin typeface="Raleway" panose="020B0503030101060003" pitchFamily="34" charset="0"/>
+              </a:rPr>
+              <a:t>Work</a:t>
+            </a:r>
+            <a:endParaRPr lang="fr-FR" sz="5400" b="1" dirty="0">
+              <a:solidFill>
+                <a:schemeClr val="bg1"/>
+              </a:solidFill>
+              <a:latin typeface="Raleway" panose="020B0503030101060003" pitchFamily="34" charset="0"/>
+            </a:endParaRPr>
+          </a:p>
+          <a:p>
+            <a:endParaRPr lang="fr-FR" sz="5400" dirty="0">
+              <a:solidFill>
+                <a:schemeClr val="bg1"/>
+              </a:solidFill>
+              <a:latin typeface="Raleway" panose="020B0503030101060003" pitchFamily="34" charset="0"/>
+            </a:endParaRPr>
+          </a:p>
+        </p:txBody>
+      </p:sp>
+    </p:spTree>
+    <p:extLst>
+      <p:ext uri="{BB962C8B-B14F-4D97-AF65-F5344CB8AC3E}">
+        <p14:creationId xmlns:p14="http://schemas.microsoft.com/office/powerpoint/2010/main" val="1535217118"/>
+      </p:ext>
+    </p:extLst>
+  </p:cSld>
+  <p:clrMapOvr>
+    <a:masterClrMapping/>
+  </p:clrMapOvr>
+  <mc:AlternateContent xmlns:mc="http://schemas.openxmlformats.org/markup-compatibility/2006" xmlns:p14="http://schemas.microsoft.com/office/powerpoint/2010/main">
+    <mc:Choice Requires="p14">
+      <p:transition spd="med" p14:dur="700">
+        <p:fade/>
+      </p:transition>
+    </mc:Choice>
+    <mc:Fallback xmlns="">
+      <p:transition spd="med">
+        <p:fade/>
+      </p:transition>
+    </mc:Fallback>
+  </mc:AlternateContent>
+</p:sld>
+</file>
+
+<file path=ppt/slides/slide13.xml><?xml version="1.0" encoding="utf-8"?>
+<p:sld xmlns:a="http://schemas.openxmlformats.org/drawingml/2006/main" xmlns:r="http://schemas.openxmlformats.org/officeDocument/2006/relationships" xmlns:p="http://schemas.openxmlformats.org/presentationml/2006/main">
+  <p:cSld>
+    <p:spTree>
+      <p:nvGrpSpPr>
+        <p:cNvPr id="1" name="Shape 85"/>
+        <p:cNvGrpSpPr/>
+        <p:nvPr/>
+      </p:nvGrpSpPr>
+      <p:grpSpPr>
+        <a:xfrm>
+          <a:off x="0" y="0"/>
+          <a:ext cx="0" cy="0"/>
+          <a:chOff x="0" y="0"/>
+          <a:chExt cx="0" cy="0"/>
+        </a:xfrm>
+      </p:grpSpPr>
+      <p:sp>
+        <p:nvSpPr>
+          <p:cNvPr id="59" name="Rectangle 58">
+            <a:extLst>
+              <a:ext uri="{FF2B5EF4-FFF2-40B4-BE49-F238E27FC236}">
+                <a16:creationId xmlns:a16="http://schemas.microsoft.com/office/drawing/2014/main" id="{F0AAABC9-D3EA-4B32-9774-2F241663A4E0}"/>
+              </a:ext>
+            </a:extLst>
+          </p:cNvPr>
+          <p:cNvSpPr/>
+          <p:nvPr/>
+        </p:nvSpPr>
+        <p:spPr>
+          <a:xfrm rot="5400000">
+            <a:off x="2297645" y="2364532"/>
+            <a:ext cx="73199" cy="374878"/>
+          </a:xfrm>
+          <a:prstGeom prst="rect">
+            <a:avLst/>
+          </a:prstGeom>
+          <a:solidFill>
+            <a:srgbClr val="FF0000"/>
+          </a:solidFill>
+          <a:ln>
+            <a:noFill/>
+          </a:ln>
+        </p:spPr>
+        <p:style>
+          <a:lnRef idx="2">
+            <a:schemeClr val="accent3">
+              <a:shade val="50000"/>
+            </a:schemeClr>
+          </a:lnRef>
+          <a:fillRef idx="1">
+            <a:schemeClr val="accent3"/>
+          </a:fillRef>
+          <a:effectRef idx="0">
+            <a:schemeClr val="accent3"/>
+          </a:effectRef>
+          <a:fontRef idx="minor">
+            <a:schemeClr val="lt1"/>
+          </a:fontRef>
+        </p:style>
+        <p:txBody>
+          <a:bodyPr rtlCol="0" anchor="ctr"/>
+          <a:lstStyle/>
+          <a:p>
+            <a:pPr algn="ctr"/>
+            <a:endParaRPr lang="fr-FR"/>
+          </a:p>
+        </p:txBody>
+      </p:sp>
+      <p:sp>
+        <p:nvSpPr>
+          <p:cNvPr id="55" name="Rectangle 54">
+            <a:extLst>
+              <a:ext uri="{FF2B5EF4-FFF2-40B4-BE49-F238E27FC236}">
+                <a16:creationId xmlns:a16="http://schemas.microsoft.com/office/drawing/2014/main" id="{CD9A5CE1-CD54-4EA9-8823-34BD0553AFBC}"/>
+              </a:ext>
+            </a:extLst>
+          </p:cNvPr>
+          <p:cNvSpPr/>
+          <p:nvPr/>
+        </p:nvSpPr>
+        <p:spPr>
+          <a:xfrm rot="1608379">
+            <a:off x="1142061" y="2484842"/>
+            <a:ext cx="58875" cy="933215"/>
+          </a:xfrm>
+          <a:prstGeom prst="rect">
+            <a:avLst/>
+          </a:prstGeom>
+          <a:solidFill>
+            <a:srgbClr val="FF0000"/>
+          </a:solidFill>
+          <a:ln>
+            <a:noFill/>
+          </a:ln>
+        </p:spPr>
+        <p:style>
+          <a:lnRef idx="2">
+            <a:schemeClr val="accent3">
+              <a:shade val="50000"/>
+            </a:schemeClr>
+          </a:lnRef>
+          <a:fillRef idx="1">
+            <a:schemeClr val="accent3"/>
+          </a:fillRef>
+          <a:effectRef idx="0">
+            <a:schemeClr val="accent3"/>
+          </a:effectRef>
+          <a:fontRef idx="minor">
+            <a:schemeClr val="lt1"/>
+          </a:fontRef>
+        </p:style>
+        <p:txBody>
+          <a:bodyPr rtlCol="0" anchor="ctr"/>
+          <a:lstStyle/>
+          <a:p>
+            <a:pPr algn="ctr"/>
+            <a:r>
+              <a:rPr lang="fr-FR" dirty="0"/>
+              <a:t>²</a:t>
+            </a:r>
+          </a:p>
+        </p:txBody>
+      </p:sp>
+      <p:sp>
+        <p:nvSpPr>
+          <p:cNvPr id="2" name="Rectangle 1">
+            <a:extLst>
+              <a:ext uri="{FF2B5EF4-FFF2-40B4-BE49-F238E27FC236}">
+                <a16:creationId xmlns:a16="http://schemas.microsoft.com/office/drawing/2014/main" id="{82775CCF-55DB-46A5-8939-D9DDE3474B5D}"/>
+              </a:ext>
+            </a:extLst>
+          </p:cNvPr>
+          <p:cNvSpPr/>
+          <p:nvPr/>
+        </p:nvSpPr>
+        <p:spPr>
+          <a:xfrm>
+            <a:off x="685800" y="3310890"/>
+            <a:ext cx="411480" cy="403860"/>
+          </a:xfrm>
+          <a:prstGeom prst="rect">
+            <a:avLst/>
+          </a:prstGeom>
+          <a:ln>
+            <a:noFill/>
+          </a:ln>
+        </p:spPr>
+        <p:style>
+          <a:lnRef idx="2">
+            <a:schemeClr val="dk1">
+              <a:shade val="50000"/>
+            </a:schemeClr>
+          </a:lnRef>
+          <a:fillRef idx="1">
+            <a:schemeClr val="dk1"/>
+          </a:fillRef>
+          <a:effectRef idx="0">
+            <a:schemeClr val="dk1"/>
+          </a:effectRef>
+          <a:fontRef idx="minor">
+            <a:schemeClr val="lt1"/>
+          </a:fontRef>
+        </p:style>
+        <p:txBody>
+          <a:bodyPr rtlCol="0" anchor="ctr"/>
+          <a:lstStyle/>
+          <a:p>
+            <a:pPr algn="ctr"/>
+            <a:endParaRPr lang="fr-FR"/>
+          </a:p>
+        </p:txBody>
+      </p:sp>
+      <p:sp>
+        <p:nvSpPr>
+          <p:cNvPr id="3" name="Rectangle 2">
+            <a:extLst>
+              <a:ext uri="{FF2B5EF4-FFF2-40B4-BE49-F238E27FC236}">
+                <a16:creationId xmlns:a16="http://schemas.microsoft.com/office/drawing/2014/main" id="{19E5F702-C23B-4522-8F8F-4DF2DBE08B6C}"/>
+              </a:ext>
+            </a:extLst>
+          </p:cNvPr>
+          <p:cNvSpPr/>
+          <p:nvPr/>
+        </p:nvSpPr>
+        <p:spPr>
+          <a:xfrm rot="5400000">
+            <a:off x="320040" y="3169920"/>
+            <a:ext cx="45720" cy="685800"/>
+          </a:xfrm>
+          <a:prstGeom prst="rect">
+            <a:avLst/>
+          </a:prstGeom>
+          <a:ln>
+            <a:noFill/>
+          </a:ln>
+        </p:spPr>
+        <p:style>
+          <a:lnRef idx="2">
+            <a:schemeClr val="accent3">
+              <a:shade val="50000"/>
+            </a:schemeClr>
+          </a:lnRef>
+          <a:fillRef idx="1">
+            <a:schemeClr val="accent3"/>
+          </a:fillRef>
+          <a:effectRef idx="0">
+            <a:schemeClr val="accent3"/>
+          </a:effectRef>
+          <a:fontRef idx="minor">
+            <a:schemeClr val="lt1"/>
+          </a:fontRef>
+        </p:style>
+        <p:txBody>
+          <a:bodyPr rtlCol="0" anchor="ctr"/>
+          <a:lstStyle/>
+          <a:p>
+            <a:pPr algn="ctr"/>
+            <a:endParaRPr lang="fr-FR"/>
+          </a:p>
+        </p:txBody>
+      </p:sp>
+      <p:sp>
+        <p:nvSpPr>
+          <p:cNvPr id="26" name="Rectangle 25">
+            <a:extLst>
+              <a:ext uri="{FF2B5EF4-FFF2-40B4-BE49-F238E27FC236}">
+                <a16:creationId xmlns:a16="http://schemas.microsoft.com/office/drawing/2014/main" id="{B3CA6688-EC9B-4F9D-A5A9-308FA28D7752}"/>
+              </a:ext>
+            </a:extLst>
+          </p:cNvPr>
+          <p:cNvSpPr/>
+          <p:nvPr/>
+        </p:nvSpPr>
+        <p:spPr>
+          <a:xfrm>
+            <a:off x="1783080" y="3310890"/>
+            <a:ext cx="411480" cy="403860"/>
+          </a:xfrm>
+          <a:prstGeom prst="rect">
+            <a:avLst/>
+          </a:prstGeom>
+          <a:ln>
+            <a:noFill/>
+          </a:ln>
+        </p:spPr>
+        <p:style>
+          <a:lnRef idx="2">
+            <a:schemeClr val="dk1">
+              <a:shade val="50000"/>
+            </a:schemeClr>
+          </a:lnRef>
+          <a:fillRef idx="1">
+            <a:schemeClr val="dk1"/>
+          </a:fillRef>
+          <a:effectRef idx="0">
+            <a:schemeClr val="dk1"/>
+          </a:effectRef>
+          <a:fontRef idx="minor">
+            <a:schemeClr val="lt1"/>
+          </a:fontRef>
+        </p:style>
+        <p:txBody>
+          <a:bodyPr rtlCol="0" anchor="ctr"/>
+          <a:lstStyle/>
+          <a:p>
+            <a:pPr algn="ctr"/>
+            <a:endParaRPr lang="fr-FR"/>
+          </a:p>
+        </p:txBody>
+      </p:sp>
+      <p:sp>
+        <p:nvSpPr>
+          <p:cNvPr id="27" name="Rectangle 26">
+            <a:extLst>
+              <a:ext uri="{FF2B5EF4-FFF2-40B4-BE49-F238E27FC236}">
+                <a16:creationId xmlns:a16="http://schemas.microsoft.com/office/drawing/2014/main" id="{5C76C516-0149-4F00-B20D-8C4F3CE1E391}"/>
+              </a:ext>
+            </a:extLst>
+          </p:cNvPr>
+          <p:cNvSpPr/>
+          <p:nvPr/>
+        </p:nvSpPr>
+        <p:spPr>
+          <a:xfrm rot="5400000">
+            <a:off x="1417320" y="3169920"/>
+            <a:ext cx="45720" cy="685800"/>
+          </a:xfrm>
+          <a:prstGeom prst="rect">
+            <a:avLst/>
+          </a:prstGeom>
+          <a:ln>
+            <a:noFill/>
+          </a:ln>
+        </p:spPr>
+        <p:style>
+          <a:lnRef idx="2">
+            <a:schemeClr val="accent3">
+              <a:shade val="50000"/>
+            </a:schemeClr>
+          </a:lnRef>
+          <a:fillRef idx="1">
+            <a:schemeClr val="accent3"/>
+          </a:fillRef>
+          <a:effectRef idx="0">
+            <a:schemeClr val="accent3"/>
+          </a:effectRef>
+          <a:fontRef idx="minor">
+            <a:schemeClr val="lt1"/>
+          </a:fontRef>
+        </p:style>
+        <p:txBody>
+          <a:bodyPr rtlCol="0" anchor="ctr"/>
+          <a:lstStyle/>
+          <a:p>
+            <a:pPr algn="ctr"/>
+            <a:endParaRPr lang="fr-FR"/>
+          </a:p>
+        </p:txBody>
+      </p:sp>
+      <p:sp>
+        <p:nvSpPr>
+          <p:cNvPr id="4" name="ZoneTexte 3">
+            <a:extLst>
+              <a:ext uri="{FF2B5EF4-FFF2-40B4-BE49-F238E27FC236}">
+                <a16:creationId xmlns:a16="http://schemas.microsoft.com/office/drawing/2014/main" id="{2248467F-1964-4C9D-91E5-8922B5D36701}"/>
+              </a:ext>
+            </a:extLst>
+          </p:cNvPr>
+          <p:cNvSpPr txBox="1"/>
+          <p:nvPr/>
+        </p:nvSpPr>
+        <p:spPr>
+          <a:xfrm>
+            <a:off x="35104" y="3157001"/>
+            <a:ext cx="413896" cy="307777"/>
+          </a:xfrm>
+          <a:prstGeom prst="rect">
+            <a:avLst/>
+          </a:prstGeom>
+          <a:noFill/>
+        </p:spPr>
+        <p:txBody>
+          <a:bodyPr wrap="none" rtlCol="0">
+            <a:spAutoFit/>
+          </a:bodyPr>
+          <a:lstStyle/>
+          <a:p>
+            <a:r>
+              <a:rPr lang="fr-FR" dirty="0"/>
+              <a:t>… </a:t>
+            </a:r>
+          </a:p>
+        </p:txBody>
+      </p:sp>
+      <p:sp>
+        <p:nvSpPr>
+          <p:cNvPr id="5" name="Rectangle 4">
+            <a:extLst>
+              <a:ext uri="{FF2B5EF4-FFF2-40B4-BE49-F238E27FC236}">
+                <a16:creationId xmlns:a16="http://schemas.microsoft.com/office/drawing/2014/main" id="{DBCA440A-4179-4840-ADA7-02FC16C7761D}"/>
+              </a:ext>
+            </a:extLst>
+          </p:cNvPr>
+          <p:cNvSpPr/>
+          <p:nvPr/>
+        </p:nvSpPr>
+        <p:spPr>
+          <a:xfrm>
+            <a:off x="6248400" y="457200"/>
+            <a:ext cx="1295400" cy="1234440"/>
+          </a:xfrm>
+          <a:prstGeom prst="rect">
+            <a:avLst/>
+          </a:prstGeom>
+          <a:solidFill>
+            <a:schemeClr val="accent1">
+              <a:lumMod val="60000"/>
+              <a:lumOff val="40000"/>
+            </a:schemeClr>
+          </a:solidFill>
+          <a:ln>
+            <a:noFill/>
+          </a:ln>
+        </p:spPr>
+        <p:style>
+          <a:lnRef idx="2">
+            <a:schemeClr val="dk1">
+              <a:shade val="50000"/>
+            </a:schemeClr>
+          </a:lnRef>
+          <a:fillRef idx="1">
+            <a:schemeClr val="dk1"/>
+          </a:fillRef>
+          <a:effectRef idx="0">
+            <a:schemeClr val="dk1"/>
+          </a:effectRef>
+          <a:fontRef idx="minor">
+            <a:schemeClr val="lt1"/>
+          </a:fontRef>
+        </p:style>
+        <p:txBody>
+          <a:bodyPr rtlCol="0" anchor="ctr"/>
+          <a:lstStyle/>
+          <a:p>
+            <a:pPr algn="ctr"/>
+            <a:r>
+              <a:rPr lang="fr-FR" dirty="0"/>
+              <a:t>180 PH/s</a:t>
+            </a:r>
+          </a:p>
+        </p:txBody>
+      </p:sp>
+      <p:sp>
+        <p:nvSpPr>
+          <p:cNvPr id="9" name="Rectangle 8">
+            <a:extLst>
+              <a:ext uri="{FF2B5EF4-FFF2-40B4-BE49-F238E27FC236}">
+                <a16:creationId xmlns:a16="http://schemas.microsoft.com/office/drawing/2014/main" id="{D6EADAA6-6561-4D41-9214-636273BCBA25}"/>
+              </a:ext>
+            </a:extLst>
+          </p:cNvPr>
+          <p:cNvSpPr/>
+          <p:nvPr/>
+        </p:nvSpPr>
+        <p:spPr>
+          <a:xfrm>
+            <a:off x="7543800" y="1295400"/>
+            <a:ext cx="1295400" cy="396240"/>
+          </a:xfrm>
+          <a:prstGeom prst="rect">
+            <a:avLst/>
+          </a:prstGeom>
+          <a:solidFill>
+            <a:srgbClr val="FF0000"/>
+          </a:solidFill>
+          <a:ln>
+            <a:noFill/>
+          </a:ln>
+        </p:spPr>
+        <p:style>
+          <a:lnRef idx="2">
+            <a:schemeClr val="accent1">
+              <a:shade val="50000"/>
+            </a:schemeClr>
+          </a:lnRef>
+          <a:fillRef idx="1">
+            <a:schemeClr val="accent1"/>
+          </a:fillRef>
+          <a:effectRef idx="0">
+            <a:schemeClr val="accent1"/>
+          </a:effectRef>
+          <a:fontRef idx="minor">
+            <a:schemeClr val="lt1"/>
+          </a:fontRef>
+        </p:style>
+        <p:txBody>
+          <a:bodyPr rtlCol="0" anchor="ctr"/>
+          <a:lstStyle/>
+          <a:p>
+            <a:pPr algn="ctr"/>
+            <a:r>
+              <a:rPr lang="fr-FR" dirty="0"/>
+              <a:t>20 PH/s</a:t>
+            </a:r>
+          </a:p>
+        </p:txBody>
+      </p:sp>
+      <p:pic>
+        <p:nvPicPr>
+          <p:cNvPr id="10" name="Picture 2" descr="cyber, hat, spy, undercover, user icon">
+            <a:extLst>
+              <a:ext uri="{FF2B5EF4-FFF2-40B4-BE49-F238E27FC236}">
+                <a16:creationId xmlns:a16="http://schemas.microsoft.com/office/drawing/2014/main" id="{199D58F8-BA75-4F7F-9FE4-C0374AAA926B}"/>
+              </a:ext>
+            </a:extLst>
+          </p:cNvPr>
+          <p:cNvPicPr>
+            <a:picLocks noChangeAspect="1" noChangeArrowheads="1"/>
+          </p:cNvPicPr>
+          <p:nvPr/>
+        </p:nvPicPr>
+        <p:blipFill>
+          <a:blip r:embed="rId3">
+            <a:extLst>
+              <a:ext uri="{28A0092B-C50C-407E-A947-70E740481C1C}">
+                <a14:useLocalDpi xmlns:a14="http://schemas.microsoft.com/office/drawing/2010/main" val="0"/>
+              </a:ext>
+            </a:extLst>
+          </a:blip>
+          <a:srcRect/>
+          <a:stretch>
+            <a:fillRect/>
+          </a:stretch>
+        </p:blipFill>
+        <p:spPr bwMode="auto">
+          <a:xfrm>
+            <a:off x="7949690" y="1573781"/>
+            <a:ext cx="483620" cy="483620"/>
+          </a:xfrm>
+          <a:prstGeom prst="rect">
+            <a:avLst/>
+          </a:prstGeom>
+          <a:noFill/>
+          <a:extLst>
+            <a:ext uri="{909E8E84-426E-40DD-AFC4-6F175D3DCCD1}">
+              <a14:hiddenFill xmlns:a14="http://schemas.microsoft.com/office/drawing/2010/main">
+                <a:solidFill>
+                  <a:srgbClr val="FFFFFF"/>
+                </a:solidFill>
+              </a14:hiddenFill>
+            </a:ext>
+          </a:extLst>
+        </p:spPr>
+      </p:pic>
+      <p:pic>
+        <p:nvPicPr>
+          <p:cNvPr id="15" name="Image 14">
+            <a:extLst>
+              <a:ext uri="{FF2B5EF4-FFF2-40B4-BE49-F238E27FC236}">
+                <a16:creationId xmlns:a16="http://schemas.microsoft.com/office/drawing/2014/main" id="{933BE452-91F5-4D29-BBF8-B51AF1C6681D}"/>
+              </a:ext>
+            </a:extLst>
+          </p:cNvPr>
+          <p:cNvPicPr>
+            <a:picLocks noChangeAspect="1"/>
+          </p:cNvPicPr>
+          <p:nvPr/>
+        </p:nvPicPr>
+        <p:blipFill>
+          <a:blip r:embed="rId4"/>
+          <a:stretch>
+            <a:fillRect/>
+          </a:stretch>
+        </p:blipFill>
+        <p:spPr>
+          <a:xfrm>
+            <a:off x="6577170" y="1558081"/>
+            <a:ext cx="469300" cy="469300"/>
+          </a:xfrm>
+          <a:prstGeom prst="rect">
+            <a:avLst/>
+          </a:prstGeom>
+        </p:spPr>
+      </p:pic>
+      <p:sp>
+        <p:nvSpPr>
+          <p:cNvPr id="6" name="ZoneTexte 5">
+            <a:extLst>
+              <a:ext uri="{FF2B5EF4-FFF2-40B4-BE49-F238E27FC236}">
+                <a16:creationId xmlns:a16="http://schemas.microsoft.com/office/drawing/2014/main" id="{D74FA2A0-1BA0-4D16-9B6B-CC5AC0F36636}"/>
+              </a:ext>
+            </a:extLst>
+          </p:cNvPr>
+          <p:cNvSpPr txBox="1"/>
+          <p:nvPr/>
+        </p:nvSpPr>
+        <p:spPr>
+          <a:xfrm>
+            <a:off x="6993580" y="1705622"/>
+            <a:ext cx="458780" cy="307777"/>
+          </a:xfrm>
+          <a:prstGeom prst="rect">
+            <a:avLst/>
+          </a:prstGeom>
+          <a:noFill/>
+        </p:spPr>
+        <p:txBody>
+          <a:bodyPr wrap="none" rtlCol="0">
+            <a:spAutoFit/>
+          </a:bodyPr>
+          <a:lstStyle/>
+          <a:p>
+            <a:r>
+              <a:rPr lang="fr-FR" dirty="0"/>
+              <a:t>+ X</a:t>
+            </a:r>
+          </a:p>
+        </p:txBody>
+      </p:sp>
+      <p:sp>
+        <p:nvSpPr>
+          <p:cNvPr id="21" name="Rectangle 20">
+            <a:extLst>
+              <a:ext uri="{FF2B5EF4-FFF2-40B4-BE49-F238E27FC236}">
+                <a16:creationId xmlns:a16="http://schemas.microsoft.com/office/drawing/2014/main" id="{956A5181-9ED3-48F4-8770-EA1464C40381}"/>
+              </a:ext>
+            </a:extLst>
+          </p:cNvPr>
+          <p:cNvSpPr/>
+          <p:nvPr/>
+        </p:nvSpPr>
+        <p:spPr>
+          <a:xfrm>
+            <a:off x="2880360" y="3310890"/>
+            <a:ext cx="411480" cy="403860"/>
+          </a:xfrm>
+          <a:prstGeom prst="rect">
+            <a:avLst/>
+          </a:prstGeom>
+          <a:ln>
+            <a:noFill/>
+          </a:ln>
+        </p:spPr>
+        <p:style>
+          <a:lnRef idx="2">
+            <a:schemeClr val="dk1">
+              <a:shade val="50000"/>
+            </a:schemeClr>
+          </a:lnRef>
+          <a:fillRef idx="1">
+            <a:schemeClr val="dk1"/>
+          </a:fillRef>
+          <a:effectRef idx="0">
+            <a:schemeClr val="dk1"/>
+          </a:effectRef>
+          <a:fontRef idx="minor">
+            <a:schemeClr val="lt1"/>
+          </a:fontRef>
+        </p:style>
+        <p:txBody>
+          <a:bodyPr rtlCol="0" anchor="ctr"/>
+          <a:lstStyle/>
+          <a:p>
+            <a:pPr algn="ctr"/>
+            <a:endParaRPr lang="fr-FR"/>
+          </a:p>
+        </p:txBody>
+      </p:sp>
+      <p:sp>
+        <p:nvSpPr>
+          <p:cNvPr id="22" name="Rectangle 21">
+            <a:extLst>
+              <a:ext uri="{FF2B5EF4-FFF2-40B4-BE49-F238E27FC236}">
+                <a16:creationId xmlns:a16="http://schemas.microsoft.com/office/drawing/2014/main" id="{2F1ABC6E-7B63-45B4-9A0B-12CDDCE2D4C6}"/>
+              </a:ext>
+            </a:extLst>
+          </p:cNvPr>
+          <p:cNvSpPr/>
+          <p:nvPr/>
+        </p:nvSpPr>
+        <p:spPr>
+          <a:xfrm rot="5400000">
+            <a:off x="2514600" y="3169920"/>
+            <a:ext cx="45720" cy="685800"/>
+          </a:xfrm>
+          <a:prstGeom prst="rect">
+            <a:avLst/>
+          </a:prstGeom>
+          <a:ln>
+            <a:noFill/>
+          </a:ln>
+        </p:spPr>
+        <p:style>
+          <a:lnRef idx="2">
+            <a:schemeClr val="accent3">
+              <a:shade val="50000"/>
+            </a:schemeClr>
+          </a:lnRef>
+          <a:fillRef idx="1">
+            <a:schemeClr val="accent3"/>
+          </a:fillRef>
+          <a:effectRef idx="0">
+            <a:schemeClr val="accent3"/>
+          </a:effectRef>
+          <a:fontRef idx="minor">
+            <a:schemeClr val="lt1"/>
+          </a:fontRef>
+        </p:style>
+        <p:txBody>
+          <a:bodyPr rtlCol="0" anchor="ctr"/>
+          <a:lstStyle/>
+          <a:p>
+            <a:pPr algn="ctr"/>
+            <a:endParaRPr lang="fr-FR"/>
+          </a:p>
+        </p:txBody>
+      </p:sp>
+      <p:sp>
+        <p:nvSpPr>
+          <p:cNvPr id="23" name="Rectangle 22">
+            <a:extLst>
+              <a:ext uri="{FF2B5EF4-FFF2-40B4-BE49-F238E27FC236}">
+                <a16:creationId xmlns:a16="http://schemas.microsoft.com/office/drawing/2014/main" id="{DAA9492F-3C86-4ED8-845A-F42102EBD996}"/>
+              </a:ext>
+            </a:extLst>
+          </p:cNvPr>
+          <p:cNvSpPr/>
+          <p:nvPr/>
+        </p:nvSpPr>
+        <p:spPr>
+          <a:xfrm>
+            <a:off x="3977640" y="3310890"/>
+            <a:ext cx="411480" cy="403860"/>
+          </a:xfrm>
+          <a:prstGeom prst="rect">
+            <a:avLst/>
+          </a:prstGeom>
+          <a:ln>
+            <a:noFill/>
+          </a:ln>
+        </p:spPr>
+        <p:style>
+          <a:lnRef idx="2">
+            <a:schemeClr val="dk1">
+              <a:shade val="50000"/>
+            </a:schemeClr>
+          </a:lnRef>
+          <a:fillRef idx="1">
+            <a:schemeClr val="dk1"/>
+          </a:fillRef>
+          <a:effectRef idx="0">
+            <a:schemeClr val="dk1"/>
+          </a:effectRef>
+          <a:fontRef idx="minor">
+            <a:schemeClr val="lt1"/>
+          </a:fontRef>
+        </p:style>
+        <p:txBody>
+          <a:bodyPr rtlCol="0" anchor="ctr"/>
+          <a:lstStyle/>
+          <a:p>
+            <a:pPr algn="ctr"/>
+            <a:endParaRPr lang="fr-FR"/>
+          </a:p>
+        </p:txBody>
+      </p:sp>
+      <p:sp>
+        <p:nvSpPr>
+          <p:cNvPr id="24" name="Rectangle 23">
+            <a:extLst>
+              <a:ext uri="{FF2B5EF4-FFF2-40B4-BE49-F238E27FC236}">
+                <a16:creationId xmlns:a16="http://schemas.microsoft.com/office/drawing/2014/main" id="{394874A1-3525-4BE0-9BDE-3E10FCFF3623}"/>
+              </a:ext>
+            </a:extLst>
+          </p:cNvPr>
+          <p:cNvSpPr/>
+          <p:nvPr/>
+        </p:nvSpPr>
+        <p:spPr>
+          <a:xfrm rot="5400000">
+            <a:off x="3611880" y="3169920"/>
+            <a:ext cx="45720" cy="685800"/>
+          </a:xfrm>
+          <a:prstGeom prst="rect">
+            <a:avLst/>
+          </a:prstGeom>
+          <a:ln>
+            <a:noFill/>
+          </a:ln>
+        </p:spPr>
+        <p:style>
+          <a:lnRef idx="2">
+            <a:schemeClr val="accent3">
+              <a:shade val="50000"/>
+            </a:schemeClr>
+          </a:lnRef>
+          <a:fillRef idx="1">
+            <a:schemeClr val="accent3"/>
+          </a:fillRef>
+          <a:effectRef idx="0">
+            <a:schemeClr val="accent3"/>
+          </a:effectRef>
+          <a:fontRef idx="minor">
+            <a:schemeClr val="lt1"/>
+          </a:fontRef>
+        </p:style>
+        <p:txBody>
+          <a:bodyPr rtlCol="0" anchor="ctr"/>
+          <a:lstStyle/>
+          <a:p>
+            <a:pPr algn="ctr"/>
+            <a:endParaRPr lang="fr-FR"/>
+          </a:p>
+        </p:txBody>
+      </p:sp>
+      <p:sp>
+        <p:nvSpPr>
+          <p:cNvPr id="28" name="Shape 88">
+            <a:extLst>
+              <a:ext uri="{FF2B5EF4-FFF2-40B4-BE49-F238E27FC236}">
+                <a16:creationId xmlns:a16="http://schemas.microsoft.com/office/drawing/2014/main" id="{CC831B76-5051-4A4B-B525-8163C69EDBA7}"/>
+              </a:ext>
+            </a:extLst>
+          </p:cNvPr>
+          <p:cNvSpPr txBox="1">
+            <a:spLocks/>
+          </p:cNvSpPr>
+          <p:nvPr/>
+        </p:nvSpPr>
+        <p:spPr>
+          <a:xfrm>
+            <a:off x="601400" y="453900"/>
+            <a:ext cx="8185500" cy="501900"/>
+          </a:xfrm>
+          <a:prstGeom prst="rect">
+            <a:avLst/>
+          </a:prstGeom>
+          <a:noFill/>
+          <a:ln>
+            <a:noFill/>
+          </a:ln>
+        </p:spPr>
+        <p:txBody>
+          <a:bodyPr spcFirstLastPara="1" wrap="square" lIns="91425" tIns="91425" rIns="91425" bIns="91425" anchor="t" anchorCtr="0">
+            <a:noAutofit/>
+          </a:bodyPr>
+          <a:lstStyle>
+            <a:defPPr marR="0" lvl="0" algn="l" rtl="0">
+              <a:lnSpc>
+                <a:spcPct val="100000"/>
+              </a:lnSpc>
+              <a:spcBef>
+                <a:spcPts val="0"/>
+              </a:spcBef>
+              <a:spcAft>
+                <a:spcPts val="0"/>
+              </a:spcAft>
+            </a:defPPr>
+            <a:lvl1pPr marL="0" marR="0" lvl="0" indent="0" algn="l" rtl="0">
+              <a:lnSpc>
+                <a:spcPct val="100000"/>
+              </a:lnSpc>
+              <a:spcBef>
+                <a:spcPts val="0"/>
+              </a:spcBef>
+              <a:spcAft>
+                <a:spcPts val="0"/>
+              </a:spcAft>
+              <a:buClr>
+                <a:schemeClr val="lt1"/>
+              </a:buClr>
+              <a:buSzPts val="3800"/>
+              <a:buFont typeface="Raleway Light"/>
+              <a:buNone/>
+              <a:defRPr sz="3800" b="0" i="0" u="none" strike="noStrike" cap="none">
+                <a:solidFill>
+                  <a:schemeClr val="accent1"/>
+                </a:solidFill>
+                <a:latin typeface="Raleway Light"/>
+                <a:ea typeface="Raleway Light"/>
+                <a:cs typeface="Raleway Light"/>
+                <a:sym typeface="Raleway Light"/>
+              </a:defRPr>
+            </a:lvl1pPr>
+            <a:lvl2pPr marR="0" lvl="1" indent="0" algn="l" rtl="0">
+              <a:lnSpc>
+                <a:spcPct val="100000"/>
+              </a:lnSpc>
+              <a:spcBef>
+                <a:spcPts val="0"/>
+              </a:spcBef>
+              <a:spcAft>
+                <a:spcPts val="0"/>
+              </a:spcAft>
+              <a:buClr>
+                <a:srgbClr val="000000"/>
+              </a:buClr>
+              <a:buSzPts val="1400"/>
+              <a:buFont typeface="Arial"/>
+              <a:buNone/>
+              <a:defRPr sz="1800" b="0" i="0" u="none" strike="noStrike" cap="none">
+                <a:solidFill>
+                  <a:srgbClr val="000000"/>
+                </a:solidFill>
+                <a:latin typeface="Arial"/>
+                <a:ea typeface="Arial"/>
+                <a:cs typeface="Arial"/>
+                <a:sym typeface="Arial"/>
+              </a:defRPr>
+            </a:lvl2pPr>
+            <a:lvl3pPr marR="0" lvl="2" indent="0" algn="l" rtl="0">
+              <a:lnSpc>
+                <a:spcPct val="100000"/>
+              </a:lnSpc>
+              <a:spcBef>
+                <a:spcPts val="0"/>
+              </a:spcBef>
+              <a:spcAft>
+                <a:spcPts val="0"/>
+              </a:spcAft>
+              <a:buClr>
+                <a:srgbClr val="000000"/>
+              </a:buClr>
+              <a:buSzPts val="1400"/>
+              <a:buFont typeface="Arial"/>
+              <a:buNone/>
+              <a:defRPr sz="1800" b="0" i="0" u="none" strike="noStrike" cap="none">
+                <a:solidFill>
+                  <a:srgbClr val="000000"/>
+                </a:solidFill>
+                <a:latin typeface="Arial"/>
+                <a:ea typeface="Arial"/>
+                <a:cs typeface="Arial"/>
+                <a:sym typeface="Arial"/>
+              </a:defRPr>
+            </a:lvl3pPr>
+            <a:lvl4pPr marR="0" lvl="3" indent="0" algn="l" rtl="0">
+              <a:lnSpc>
+                <a:spcPct val="100000"/>
+              </a:lnSpc>
+              <a:spcBef>
+                <a:spcPts val="0"/>
+              </a:spcBef>
+              <a:spcAft>
+                <a:spcPts val="0"/>
+              </a:spcAft>
+              <a:buClr>
+                <a:srgbClr val="000000"/>
+              </a:buClr>
+              <a:buSzPts val="1400"/>
+              <a:buFont typeface="Arial"/>
+              <a:buNone/>
+              <a:defRPr sz="1800" b="0" i="0" u="none" strike="noStrike" cap="none">
+                <a:solidFill>
+                  <a:srgbClr val="000000"/>
+                </a:solidFill>
+                <a:latin typeface="Arial"/>
+                <a:ea typeface="Arial"/>
+                <a:cs typeface="Arial"/>
+                <a:sym typeface="Arial"/>
+              </a:defRPr>
+            </a:lvl4pPr>
+            <a:lvl5pPr marR="0" lvl="4" indent="0" algn="l" rtl="0">
+              <a:lnSpc>
+                <a:spcPct val="100000"/>
+              </a:lnSpc>
+              <a:spcBef>
+                <a:spcPts val="0"/>
+              </a:spcBef>
+              <a:spcAft>
+                <a:spcPts val="0"/>
+              </a:spcAft>
+              <a:buClr>
+                <a:srgbClr val="000000"/>
+              </a:buClr>
+              <a:buSzPts val="1400"/>
+              <a:buFont typeface="Arial"/>
+              <a:buNone/>
+              <a:defRPr sz="1800" b="0" i="0" u="none" strike="noStrike" cap="none">
+                <a:solidFill>
+                  <a:srgbClr val="000000"/>
+                </a:solidFill>
+                <a:latin typeface="Arial"/>
+                <a:ea typeface="Arial"/>
+                <a:cs typeface="Arial"/>
+                <a:sym typeface="Arial"/>
+              </a:defRPr>
+            </a:lvl5pPr>
+            <a:lvl6pPr marR="0" lvl="5" indent="0" algn="l" rtl="0">
+              <a:lnSpc>
+                <a:spcPct val="100000"/>
+              </a:lnSpc>
+              <a:spcBef>
+                <a:spcPts val="0"/>
+              </a:spcBef>
+              <a:spcAft>
+                <a:spcPts val="0"/>
+              </a:spcAft>
+              <a:buClr>
+                <a:srgbClr val="000000"/>
+              </a:buClr>
+              <a:buSzPts val="1400"/>
+              <a:buFont typeface="Arial"/>
+              <a:buNone/>
+              <a:defRPr sz="1800" b="0" i="0" u="none" strike="noStrike" cap="none">
+                <a:solidFill>
+                  <a:srgbClr val="000000"/>
+                </a:solidFill>
+                <a:latin typeface="Arial"/>
+                <a:ea typeface="Arial"/>
+                <a:cs typeface="Arial"/>
+                <a:sym typeface="Arial"/>
+              </a:defRPr>
+            </a:lvl6pPr>
+            <a:lvl7pPr marR="0" lvl="6" indent="0" algn="l" rtl="0">
+              <a:lnSpc>
+                <a:spcPct val="100000"/>
+              </a:lnSpc>
+              <a:spcBef>
+                <a:spcPts val="0"/>
+              </a:spcBef>
+              <a:spcAft>
+                <a:spcPts val="0"/>
+              </a:spcAft>
+              <a:buClr>
+                <a:srgbClr val="000000"/>
+              </a:buClr>
+              <a:buSzPts val="1400"/>
+              <a:buFont typeface="Arial"/>
+              <a:buNone/>
+              <a:defRPr sz="1800" b="0" i="0" u="none" strike="noStrike" cap="none">
+                <a:solidFill>
+                  <a:srgbClr val="000000"/>
+                </a:solidFill>
+                <a:latin typeface="Arial"/>
+                <a:ea typeface="Arial"/>
+                <a:cs typeface="Arial"/>
+                <a:sym typeface="Arial"/>
+              </a:defRPr>
+            </a:lvl7pPr>
+            <a:lvl8pPr marR="0" lvl="7" indent="0" algn="l" rtl="0">
+              <a:lnSpc>
+                <a:spcPct val="100000"/>
+              </a:lnSpc>
+              <a:spcBef>
+                <a:spcPts val="0"/>
+              </a:spcBef>
+              <a:spcAft>
+                <a:spcPts val="0"/>
+              </a:spcAft>
+              <a:buClr>
+                <a:srgbClr val="000000"/>
+              </a:buClr>
+              <a:buSzPts val="1400"/>
+              <a:buFont typeface="Arial"/>
+              <a:buNone/>
+              <a:defRPr sz="1800" b="0" i="0" u="none" strike="noStrike" cap="none">
+                <a:solidFill>
+                  <a:srgbClr val="000000"/>
+                </a:solidFill>
+                <a:latin typeface="Arial"/>
+                <a:ea typeface="Arial"/>
+                <a:cs typeface="Arial"/>
+                <a:sym typeface="Arial"/>
+              </a:defRPr>
+            </a:lvl8pPr>
+            <a:lvl9pPr marR="0" lvl="8" indent="0" algn="l" rtl="0">
+              <a:lnSpc>
+                <a:spcPct val="100000"/>
+              </a:lnSpc>
+              <a:spcBef>
+                <a:spcPts val="0"/>
+              </a:spcBef>
+              <a:spcAft>
+                <a:spcPts val="0"/>
+              </a:spcAft>
+              <a:buClr>
+                <a:srgbClr val="000000"/>
+              </a:buClr>
+              <a:buSzPts val="1400"/>
+              <a:buFont typeface="Arial"/>
+              <a:buNone/>
+              <a:defRPr sz="1800" b="0" i="0" u="none" strike="noStrike" cap="none">
+                <a:solidFill>
+                  <a:srgbClr val="000000"/>
+                </a:solidFill>
+                <a:latin typeface="Arial"/>
+                <a:ea typeface="Arial"/>
+                <a:cs typeface="Arial"/>
+                <a:sym typeface="Arial"/>
+              </a:defRPr>
+            </a:lvl9pPr>
+          </a:lstStyle>
+          <a:p>
+            <a:r>
+              <a:rPr lang="fr-FR" dirty="0"/>
+              <a:t>L’attaque des 51%</a:t>
+            </a:r>
+          </a:p>
+        </p:txBody>
+      </p:sp>
+      <p:sp>
+        <p:nvSpPr>
+          <p:cNvPr id="18" name="ZoneTexte 17">
+            <a:extLst>
+              <a:ext uri="{FF2B5EF4-FFF2-40B4-BE49-F238E27FC236}">
+                <a16:creationId xmlns:a16="http://schemas.microsoft.com/office/drawing/2014/main" id="{61633827-C9C3-4CB1-8231-7FB505D578FD}"/>
+              </a:ext>
+            </a:extLst>
+          </p:cNvPr>
+          <p:cNvSpPr txBox="1"/>
+          <p:nvPr/>
+        </p:nvSpPr>
+        <p:spPr>
+          <a:xfrm>
+            <a:off x="631881" y="2962838"/>
+            <a:ext cx="524503" cy="276999"/>
+          </a:xfrm>
+          <a:prstGeom prst="rect">
+            <a:avLst/>
+          </a:prstGeom>
+          <a:noFill/>
+        </p:spPr>
+        <p:txBody>
+          <a:bodyPr wrap="none" rtlCol="0">
+            <a:spAutoFit/>
+          </a:bodyPr>
+          <a:lstStyle/>
+          <a:p>
+            <a:r>
+              <a:rPr lang="fr-FR" sz="1200" dirty="0">
+                <a:solidFill>
+                  <a:schemeClr val="bg1">
+                    <a:lumMod val="75000"/>
+                  </a:schemeClr>
+                </a:solidFill>
+              </a:rPr>
+              <a:t>1337</a:t>
+            </a:r>
+          </a:p>
+        </p:txBody>
+      </p:sp>
+      <p:sp>
+        <p:nvSpPr>
+          <p:cNvPr id="31" name="ZoneTexte 30">
+            <a:extLst>
+              <a:ext uri="{FF2B5EF4-FFF2-40B4-BE49-F238E27FC236}">
+                <a16:creationId xmlns:a16="http://schemas.microsoft.com/office/drawing/2014/main" id="{B137373E-CD66-437D-AC56-05EFF451F5A5}"/>
+              </a:ext>
+            </a:extLst>
+          </p:cNvPr>
+          <p:cNvSpPr txBox="1"/>
+          <p:nvPr/>
+        </p:nvSpPr>
+        <p:spPr>
+          <a:xfrm>
+            <a:off x="1726568" y="3008558"/>
+            <a:ext cx="524503" cy="276999"/>
+          </a:xfrm>
+          <a:prstGeom prst="rect">
+            <a:avLst/>
+          </a:prstGeom>
+          <a:noFill/>
+        </p:spPr>
+        <p:txBody>
+          <a:bodyPr wrap="none" rtlCol="0">
+            <a:spAutoFit/>
+          </a:bodyPr>
+          <a:lstStyle/>
+          <a:p>
+            <a:r>
+              <a:rPr lang="fr-FR" sz="1200" dirty="0">
+                <a:solidFill>
+                  <a:schemeClr val="bg1">
+                    <a:lumMod val="75000"/>
+                  </a:schemeClr>
+                </a:solidFill>
+              </a:rPr>
+              <a:t>1338</a:t>
+            </a:r>
+          </a:p>
+        </p:txBody>
+      </p:sp>
+      <p:sp>
+        <p:nvSpPr>
+          <p:cNvPr id="32" name="ZoneTexte 31">
+            <a:extLst>
+              <a:ext uri="{FF2B5EF4-FFF2-40B4-BE49-F238E27FC236}">
+                <a16:creationId xmlns:a16="http://schemas.microsoft.com/office/drawing/2014/main" id="{F660F18B-8951-4FB7-81EE-705D9EB86D21}"/>
+              </a:ext>
+            </a:extLst>
+          </p:cNvPr>
+          <p:cNvSpPr txBox="1"/>
+          <p:nvPr/>
+        </p:nvSpPr>
+        <p:spPr>
+          <a:xfrm>
+            <a:off x="2821255" y="3008558"/>
+            <a:ext cx="524503" cy="276999"/>
+          </a:xfrm>
+          <a:prstGeom prst="rect">
+            <a:avLst/>
+          </a:prstGeom>
+          <a:noFill/>
+        </p:spPr>
+        <p:txBody>
+          <a:bodyPr wrap="none" rtlCol="0">
+            <a:spAutoFit/>
+          </a:bodyPr>
+          <a:lstStyle/>
+          <a:p>
+            <a:r>
+              <a:rPr lang="fr-FR" sz="1200" dirty="0">
+                <a:solidFill>
+                  <a:schemeClr val="bg1">
+                    <a:lumMod val="75000"/>
+                  </a:schemeClr>
+                </a:solidFill>
+              </a:rPr>
+              <a:t>1339</a:t>
+            </a:r>
+          </a:p>
+        </p:txBody>
+      </p:sp>
+      <p:sp>
+        <p:nvSpPr>
+          <p:cNvPr id="33" name="ZoneTexte 32">
+            <a:extLst>
+              <a:ext uri="{FF2B5EF4-FFF2-40B4-BE49-F238E27FC236}">
+                <a16:creationId xmlns:a16="http://schemas.microsoft.com/office/drawing/2014/main" id="{F6E89B94-D8DC-48C3-91D9-ED0E571A4F34}"/>
+              </a:ext>
+            </a:extLst>
+          </p:cNvPr>
+          <p:cNvSpPr txBox="1"/>
+          <p:nvPr/>
+        </p:nvSpPr>
+        <p:spPr>
+          <a:xfrm>
+            <a:off x="3921130" y="3008558"/>
+            <a:ext cx="524503" cy="276999"/>
+          </a:xfrm>
+          <a:prstGeom prst="rect">
+            <a:avLst/>
+          </a:prstGeom>
+          <a:noFill/>
+        </p:spPr>
+        <p:txBody>
+          <a:bodyPr wrap="none" rtlCol="0">
+            <a:spAutoFit/>
+          </a:bodyPr>
+          <a:lstStyle/>
+          <a:p>
+            <a:r>
+              <a:rPr lang="fr-FR" sz="1200" dirty="0">
+                <a:solidFill>
+                  <a:schemeClr val="bg1">
+                    <a:lumMod val="75000"/>
+                  </a:schemeClr>
+                </a:solidFill>
+              </a:rPr>
+              <a:t>1340</a:t>
+            </a:r>
+          </a:p>
+        </p:txBody>
+      </p:sp>
+      <p:sp>
+        <p:nvSpPr>
+          <p:cNvPr id="29" name="Accolade ouvrante 28">
+            <a:extLst>
+              <a:ext uri="{FF2B5EF4-FFF2-40B4-BE49-F238E27FC236}">
+                <a16:creationId xmlns:a16="http://schemas.microsoft.com/office/drawing/2014/main" id="{9A24ADCB-B63E-4530-86B3-368A0CD4E528}"/>
+              </a:ext>
+            </a:extLst>
+          </p:cNvPr>
+          <p:cNvSpPr/>
+          <p:nvPr/>
+        </p:nvSpPr>
+        <p:spPr>
+          <a:xfrm rot="5400000">
+            <a:off x="795362" y="3563278"/>
+            <a:ext cx="192356" cy="495300"/>
+          </a:xfrm>
+          <a:prstGeom prst="leftBrace">
+            <a:avLst/>
+          </a:prstGeom>
+        </p:spPr>
+        <p:style>
+          <a:lnRef idx="1">
+            <a:schemeClr val="accent4"/>
+          </a:lnRef>
+          <a:fillRef idx="0">
+            <a:schemeClr val="accent4"/>
+          </a:fillRef>
+          <a:effectRef idx="0">
+            <a:schemeClr val="accent4"/>
+          </a:effectRef>
+          <a:fontRef idx="minor">
+            <a:schemeClr val="tx1"/>
+          </a:fontRef>
+        </p:style>
+        <p:txBody>
+          <a:bodyPr rtlCol="0" anchor="ctr"/>
+          <a:lstStyle/>
+          <a:p>
+            <a:pPr algn="ctr"/>
+            <a:endParaRPr lang="fr-FR" dirty="0"/>
+          </a:p>
+        </p:txBody>
+      </p:sp>
+      <p:sp>
+        <p:nvSpPr>
+          <p:cNvPr id="36" name="Rectangle 35">
+            <a:extLst>
+              <a:ext uri="{FF2B5EF4-FFF2-40B4-BE49-F238E27FC236}">
+                <a16:creationId xmlns:a16="http://schemas.microsoft.com/office/drawing/2014/main" id="{E36E2181-CB76-4D23-AE6F-5FD313F3D9EC}"/>
+              </a:ext>
+            </a:extLst>
+          </p:cNvPr>
+          <p:cNvSpPr/>
+          <p:nvPr/>
+        </p:nvSpPr>
+        <p:spPr>
+          <a:xfrm>
+            <a:off x="5074920" y="3310890"/>
+            <a:ext cx="411480" cy="403860"/>
+          </a:xfrm>
+          <a:prstGeom prst="rect">
+            <a:avLst/>
+          </a:prstGeom>
+          <a:ln>
+            <a:noFill/>
+          </a:ln>
+        </p:spPr>
+        <p:style>
+          <a:lnRef idx="2">
+            <a:schemeClr val="dk1">
+              <a:shade val="50000"/>
+            </a:schemeClr>
+          </a:lnRef>
+          <a:fillRef idx="1">
+            <a:schemeClr val="dk1"/>
+          </a:fillRef>
+          <a:effectRef idx="0">
+            <a:schemeClr val="dk1"/>
+          </a:effectRef>
+          <a:fontRef idx="minor">
+            <a:schemeClr val="lt1"/>
+          </a:fontRef>
+        </p:style>
+        <p:txBody>
+          <a:bodyPr rtlCol="0" anchor="ctr"/>
+          <a:lstStyle/>
+          <a:p>
+            <a:pPr algn="ctr"/>
+            <a:endParaRPr lang="fr-FR"/>
+          </a:p>
+        </p:txBody>
+      </p:sp>
+      <p:sp>
+        <p:nvSpPr>
+          <p:cNvPr id="37" name="Rectangle 36">
+            <a:extLst>
+              <a:ext uri="{FF2B5EF4-FFF2-40B4-BE49-F238E27FC236}">
+                <a16:creationId xmlns:a16="http://schemas.microsoft.com/office/drawing/2014/main" id="{B711B7A5-B8D9-4B29-8FA7-460B6BC9661C}"/>
+              </a:ext>
+            </a:extLst>
+          </p:cNvPr>
+          <p:cNvSpPr/>
+          <p:nvPr/>
+        </p:nvSpPr>
+        <p:spPr>
+          <a:xfrm rot="5400000">
+            <a:off x="4709160" y="3169920"/>
+            <a:ext cx="45720" cy="685800"/>
+          </a:xfrm>
+          <a:prstGeom prst="rect">
+            <a:avLst/>
+          </a:prstGeom>
+          <a:ln>
+            <a:noFill/>
+          </a:ln>
+        </p:spPr>
+        <p:style>
+          <a:lnRef idx="2">
+            <a:schemeClr val="accent3">
+              <a:shade val="50000"/>
+            </a:schemeClr>
+          </a:lnRef>
+          <a:fillRef idx="1">
+            <a:schemeClr val="accent3"/>
+          </a:fillRef>
+          <a:effectRef idx="0">
+            <a:schemeClr val="accent3"/>
+          </a:effectRef>
+          <a:fontRef idx="minor">
+            <a:schemeClr val="lt1"/>
+          </a:fontRef>
+        </p:style>
+        <p:txBody>
+          <a:bodyPr rtlCol="0" anchor="ctr"/>
+          <a:lstStyle/>
+          <a:p>
+            <a:pPr algn="ctr"/>
+            <a:endParaRPr lang="fr-FR"/>
+          </a:p>
+        </p:txBody>
+      </p:sp>
+      <p:sp>
+        <p:nvSpPr>
+          <p:cNvPr id="38" name="Rectangle 37">
+            <a:extLst>
+              <a:ext uri="{FF2B5EF4-FFF2-40B4-BE49-F238E27FC236}">
+                <a16:creationId xmlns:a16="http://schemas.microsoft.com/office/drawing/2014/main" id="{1D55CB9E-39DF-4DF9-8B37-114F7BF8557C}"/>
+              </a:ext>
+            </a:extLst>
+          </p:cNvPr>
+          <p:cNvSpPr/>
+          <p:nvPr/>
+        </p:nvSpPr>
+        <p:spPr>
+          <a:xfrm>
+            <a:off x="6172200" y="3310890"/>
+            <a:ext cx="411480" cy="403860"/>
+          </a:xfrm>
+          <a:prstGeom prst="rect">
+            <a:avLst/>
+          </a:prstGeom>
+          <a:ln>
+            <a:noFill/>
+          </a:ln>
+        </p:spPr>
+        <p:style>
+          <a:lnRef idx="2">
+            <a:schemeClr val="dk1">
+              <a:shade val="50000"/>
+            </a:schemeClr>
+          </a:lnRef>
+          <a:fillRef idx="1">
+            <a:schemeClr val="dk1"/>
+          </a:fillRef>
+          <a:effectRef idx="0">
+            <a:schemeClr val="dk1"/>
+          </a:effectRef>
+          <a:fontRef idx="minor">
+            <a:schemeClr val="lt1"/>
+          </a:fontRef>
+        </p:style>
+        <p:txBody>
+          <a:bodyPr rtlCol="0" anchor="ctr"/>
+          <a:lstStyle/>
+          <a:p>
+            <a:pPr algn="ctr"/>
+            <a:endParaRPr lang="fr-FR"/>
+          </a:p>
+        </p:txBody>
+      </p:sp>
+      <p:sp>
+        <p:nvSpPr>
+          <p:cNvPr id="39" name="Rectangle 38">
+            <a:extLst>
+              <a:ext uri="{FF2B5EF4-FFF2-40B4-BE49-F238E27FC236}">
+                <a16:creationId xmlns:a16="http://schemas.microsoft.com/office/drawing/2014/main" id="{C0BA13E2-F42A-4D91-86DD-BEFEC0EDB354}"/>
+              </a:ext>
+            </a:extLst>
+          </p:cNvPr>
+          <p:cNvSpPr/>
+          <p:nvPr/>
+        </p:nvSpPr>
+        <p:spPr>
+          <a:xfrm rot="5400000">
+            <a:off x="5806440" y="3169920"/>
+            <a:ext cx="45720" cy="685800"/>
+          </a:xfrm>
+          <a:prstGeom prst="rect">
+            <a:avLst/>
+          </a:prstGeom>
+          <a:ln>
+            <a:noFill/>
+          </a:ln>
+        </p:spPr>
+        <p:style>
+          <a:lnRef idx="2">
+            <a:schemeClr val="accent3">
+              <a:shade val="50000"/>
+            </a:schemeClr>
+          </a:lnRef>
+          <a:fillRef idx="1">
+            <a:schemeClr val="accent3"/>
+          </a:fillRef>
+          <a:effectRef idx="0">
+            <a:schemeClr val="accent3"/>
+          </a:effectRef>
+          <a:fontRef idx="minor">
+            <a:schemeClr val="lt1"/>
+          </a:fontRef>
+        </p:style>
+        <p:txBody>
+          <a:bodyPr rtlCol="0" anchor="ctr"/>
+          <a:lstStyle/>
+          <a:p>
+            <a:pPr algn="ctr"/>
+            <a:endParaRPr lang="fr-FR"/>
+          </a:p>
+        </p:txBody>
+      </p:sp>
+      <p:sp>
+        <p:nvSpPr>
+          <p:cNvPr id="40" name="ZoneTexte 39">
+            <a:extLst>
+              <a:ext uri="{FF2B5EF4-FFF2-40B4-BE49-F238E27FC236}">
+                <a16:creationId xmlns:a16="http://schemas.microsoft.com/office/drawing/2014/main" id="{29A49CEA-BDDA-44A8-9BB3-605C231DE2AD}"/>
+              </a:ext>
+            </a:extLst>
+          </p:cNvPr>
+          <p:cNvSpPr txBox="1"/>
+          <p:nvPr/>
+        </p:nvSpPr>
+        <p:spPr>
+          <a:xfrm>
+            <a:off x="5018408" y="3008557"/>
+            <a:ext cx="524503" cy="276999"/>
+          </a:xfrm>
+          <a:prstGeom prst="rect">
+            <a:avLst/>
+          </a:prstGeom>
+          <a:noFill/>
+        </p:spPr>
+        <p:txBody>
+          <a:bodyPr wrap="none" rtlCol="0">
+            <a:spAutoFit/>
+          </a:bodyPr>
+          <a:lstStyle/>
+          <a:p>
+            <a:r>
+              <a:rPr lang="fr-FR" sz="1200" dirty="0">
+                <a:solidFill>
+                  <a:schemeClr val="bg1">
+                    <a:lumMod val="75000"/>
+                  </a:schemeClr>
+                </a:solidFill>
+              </a:rPr>
+              <a:t>1341</a:t>
+            </a:r>
+          </a:p>
+        </p:txBody>
+      </p:sp>
+      <p:sp>
+        <p:nvSpPr>
+          <p:cNvPr id="41" name="ZoneTexte 40">
+            <a:extLst>
+              <a:ext uri="{FF2B5EF4-FFF2-40B4-BE49-F238E27FC236}">
+                <a16:creationId xmlns:a16="http://schemas.microsoft.com/office/drawing/2014/main" id="{ACF73D30-3633-476E-AD4E-21EE1B607B61}"/>
+              </a:ext>
+            </a:extLst>
+          </p:cNvPr>
+          <p:cNvSpPr txBox="1"/>
+          <p:nvPr/>
+        </p:nvSpPr>
+        <p:spPr>
+          <a:xfrm>
+            <a:off x="6115688" y="3008557"/>
+            <a:ext cx="524503" cy="276999"/>
+          </a:xfrm>
+          <a:prstGeom prst="rect">
+            <a:avLst/>
+          </a:prstGeom>
+          <a:noFill/>
+        </p:spPr>
+        <p:txBody>
+          <a:bodyPr wrap="none" rtlCol="0">
+            <a:spAutoFit/>
+          </a:bodyPr>
+          <a:lstStyle/>
+          <a:p>
+            <a:r>
+              <a:rPr lang="fr-FR" sz="1200" dirty="0">
+                <a:solidFill>
+                  <a:schemeClr val="bg1">
+                    <a:lumMod val="75000"/>
+                  </a:schemeClr>
+                </a:solidFill>
+              </a:rPr>
+              <a:t>1342</a:t>
+            </a:r>
+          </a:p>
+        </p:txBody>
+      </p:sp>
+      <p:sp>
+        <p:nvSpPr>
+          <p:cNvPr id="42" name="ZoneTexte 41">
+            <a:extLst>
+              <a:ext uri="{FF2B5EF4-FFF2-40B4-BE49-F238E27FC236}">
+                <a16:creationId xmlns:a16="http://schemas.microsoft.com/office/drawing/2014/main" id="{A630C756-DEC6-43FE-A145-7BED8D5CC0EE}"/>
+              </a:ext>
+            </a:extLst>
+          </p:cNvPr>
+          <p:cNvSpPr txBox="1"/>
+          <p:nvPr/>
+        </p:nvSpPr>
+        <p:spPr>
+          <a:xfrm>
+            <a:off x="-50888" y="3919153"/>
+            <a:ext cx="1731564" cy="253916"/>
+          </a:xfrm>
+          <a:prstGeom prst="rect">
+            <a:avLst/>
+          </a:prstGeom>
+          <a:noFill/>
+        </p:spPr>
+        <p:txBody>
+          <a:bodyPr wrap="none" rtlCol="0">
+            <a:spAutoFit/>
+          </a:bodyPr>
+          <a:lstStyle/>
+          <a:p>
+            <a:r>
+              <a:rPr lang="fr-FR" sz="1050" dirty="0"/>
+              <a:t>Bob dispose de </a:t>
+            </a:r>
+            <a:r>
+              <a:rPr lang="fr-FR" sz="1050" strike="sngStrike" dirty="0"/>
+              <a:t>100 coins</a:t>
+            </a:r>
+          </a:p>
+        </p:txBody>
+      </p:sp>
+      <p:sp>
+        <p:nvSpPr>
+          <p:cNvPr id="44" name="ZoneTexte 43">
+            <a:extLst>
+              <a:ext uri="{FF2B5EF4-FFF2-40B4-BE49-F238E27FC236}">
+                <a16:creationId xmlns:a16="http://schemas.microsoft.com/office/drawing/2014/main" id="{8BB885D4-D955-48A5-B8AD-EE9633457D51}"/>
+              </a:ext>
+            </a:extLst>
+          </p:cNvPr>
+          <p:cNvSpPr txBox="1"/>
+          <p:nvPr/>
+        </p:nvSpPr>
+        <p:spPr>
+          <a:xfrm>
+            <a:off x="729732" y="4072890"/>
+            <a:ext cx="950901" cy="253916"/>
+          </a:xfrm>
+          <a:prstGeom prst="rect">
+            <a:avLst/>
+          </a:prstGeom>
+          <a:noFill/>
+        </p:spPr>
+        <p:txBody>
+          <a:bodyPr wrap="none" rtlCol="0">
+            <a:spAutoFit/>
+          </a:bodyPr>
+          <a:lstStyle/>
+          <a:p>
+            <a:r>
+              <a:rPr lang="fr-FR" sz="1050" dirty="0"/>
+              <a:t>10 000 coins</a:t>
+            </a:r>
+          </a:p>
+        </p:txBody>
+      </p:sp>
+      <p:sp>
+        <p:nvSpPr>
+          <p:cNvPr id="45" name="ZoneTexte 44">
+            <a:extLst>
+              <a:ext uri="{FF2B5EF4-FFF2-40B4-BE49-F238E27FC236}">
+                <a16:creationId xmlns:a16="http://schemas.microsoft.com/office/drawing/2014/main" id="{0AC6DE99-0718-4402-B290-0619F14D8E7D}"/>
+              </a:ext>
+            </a:extLst>
+          </p:cNvPr>
+          <p:cNvSpPr txBox="1"/>
+          <p:nvPr/>
+        </p:nvSpPr>
+        <p:spPr>
+          <a:xfrm>
+            <a:off x="548337" y="2700689"/>
+            <a:ext cx="686406" cy="261610"/>
+          </a:xfrm>
+          <a:prstGeom prst="rect">
+            <a:avLst/>
+          </a:prstGeom>
+          <a:noFill/>
+        </p:spPr>
+        <p:txBody>
+          <a:bodyPr wrap="none" rtlCol="0">
+            <a:spAutoFit/>
+          </a:bodyPr>
+          <a:lstStyle/>
+          <a:p>
+            <a:r>
+              <a:rPr lang="fr-FR" sz="1100" i="1" dirty="0">
+                <a:solidFill>
+                  <a:schemeClr val="bg1">
+                    <a:lumMod val="65000"/>
+                  </a:schemeClr>
+                </a:solidFill>
+              </a:rPr>
+              <a:t>0x997fa</a:t>
+            </a:r>
+          </a:p>
+        </p:txBody>
+      </p:sp>
+      <p:sp>
+        <p:nvSpPr>
+          <p:cNvPr id="46" name="ZoneTexte 45">
+            <a:extLst>
+              <a:ext uri="{FF2B5EF4-FFF2-40B4-BE49-F238E27FC236}">
+                <a16:creationId xmlns:a16="http://schemas.microsoft.com/office/drawing/2014/main" id="{C8E2AF8C-A4E3-46CD-A64C-FA9CA2A5ED30}"/>
+              </a:ext>
+            </a:extLst>
+          </p:cNvPr>
+          <p:cNvSpPr txBox="1"/>
+          <p:nvPr/>
+        </p:nvSpPr>
+        <p:spPr>
+          <a:xfrm>
+            <a:off x="1645616" y="2807369"/>
+            <a:ext cx="726481" cy="261610"/>
+          </a:xfrm>
+          <a:prstGeom prst="rect">
+            <a:avLst/>
+          </a:prstGeom>
+          <a:noFill/>
+        </p:spPr>
+        <p:txBody>
+          <a:bodyPr wrap="none" rtlCol="0">
+            <a:spAutoFit/>
+          </a:bodyPr>
+          <a:lstStyle/>
+          <a:p>
+            <a:r>
+              <a:rPr lang="fr-FR" sz="1100" i="1" dirty="0">
+                <a:solidFill>
+                  <a:schemeClr val="bg1">
+                    <a:lumMod val="65000"/>
+                  </a:schemeClr>
+                </a:solidFill>
+              </a:rPr>
+              <a:t>0x001ea</a:t>
+            </a:r>
+          </a:p>
+        </p:txBody>
+      </p:sp>
+      <p:sp>
+        <p:nvSpPr>
+          <p:cNvPr id="47" name="ZoneTexte 46">
+            <a:extLst>
+              <a:ext uri="{FF2B5EF4-FFF2-40B4-BE49-F238E27FC236}">
+                <a16:creationId xmlns:a16="http://schemas.microsoft.com/office/drawing/2014/main" id="{AC4585F0-D35A-4005-B285-9C92EF5610F7}"/>
+              </a:ext>
+            </a:extLst>
+          </p:cNvPr>
+          <p:cNvSpPr txBox="1"/>
+          <p:nvPr/>
+        </p:nvSpPr>
+        <p:spPr>
+          <a:xfrm>
+            <a:off x="2746239" y="2801678"/>
+            <a:ext cx="726481" cy="261610"/>
+          </a:xfrm>
+          <a:prstGeom prst="rect">
+            <a:avLst/>
+          </a:prstGeom>
+          <a:noFill/>
+        </p:spPr>
+        <p:txBody>
+          <a:bodyPr wrap="none" rtlCol="0">
+            <a:spAutoFit/>
+          </a:bodyPr>
+          <a:lstStyle/>
+          <a:p>
+            <a:r>
+              <a:rPr lang="fr-FR" sz="1100" i="1" dirty="0">
+                <a:solidFill>
+                  <a:schemeClr val="bg1">
+                    <a:lumMod val="65000"/>
+                  </a:schemeClr>
+                </a:solidFill>
+              </a:rPr>
+              <a:t>0x99bda</a:t>
+            </a:r>
+          </a:p>
+        </p:txBody>
+      </p:sp>
+      <p:sp>
+        <p:nvSpPr>
+          <p:cNvPr id="48" name="ZoneTexte 47">
+            <a:extLst>
+              <a:ext uri="{FF2B5EF4-FFF2-40B4-BE49-F238E27FC236}">
+                <a16:creationId xmlns:a16="http://schemas.microsoft.com/office/drawing/2014/main" id="{FEE29815-D49F-43AC-A82E-F02B5164D9FC}"/>
+              </a:ext>
+            </a:extLst>
+          </p:cNvPr>
+          <p:cNvSpPr txBox="1"/>
+          <p:nvPr/>
+        </p:nvSpPr>
+        <p:spPr>
+          <a:xfrm>
+            <a:off x="3842770" y="2813651"/>
+            <a:ext cx="726481" cy="261610"/>
+          </a:xfrm>
+          <a:prstGeom prst="rect">
+            <a:avLst/>
+          </a:prstGeom>
+          <a:noFill/>
+        </p:spPr>
+        <p:txBody>
+          <a:bodyPr wrap="none" rtlCol="0">
+            <a:spAutoFit/>
+          </a:bodyPr>
+          <a:lstStyle/>
+          <a:p>
+            <a:r>
+              <a:rPr lang="fr-FR" sz="1100" i="1" dirty="0">
+                <a:solidFill>
+                  <a:schemeClr val="bg1">
+                    <a:lumMod val="65000"/>
+                  </a:schemeClr>
+                </a:solidFill>
+              </a:rPr>
+              <a:t>0x80eab</a:t>
+            </a:r>
+          </a:p>
+        </p:txBody>
+      </p:sp>
+      <p:sp>
+        <p:nvSpPr>
+          <p:cNvPr id="49" name="ZoneTexte 48">
+            <a:extLst>
+              <a:ext uri="{FF2B5EF4-FFF2-40B4-BE49-F238E27FC236}">
+                <a16:creationId xmlns:a16="http://schemas.microsoft.com/office/drawing/2014/main" id="{8510D7BA-9414-4B87-9579-18899FFC8AFF}"/>
+              </a:ext>
+            </a:extLst>
+          </p:cNvPr>
+          <p:cNvSpPr txBox="1"/>
+          <p:nvPr/>
+        </p:nvSpPr>
+        <p:spPr>
+          <a:xfrm>
+            <a:off x="4942197" y="2813651"/>
+            <a:ext cx="686406" cy="261610"/>
+          </a:xfrm>
+          <a:prstGeom prst="rect">
+            <a:avLst/>
+          </a:prstGeom>
+          <a:noFill/>
+        </p:spPr>
+        <p:txBody>
+          <a:bodyPr wrap="none" rtlCol="0">
+            <a:spAutoFit/>
+          </a:bodyPr>
+          <a:lstStyle/>
+          <a:p>
+            <a:r>
+              <a:rPr lang="fr-FR" sz="1100" i="1" dirty="0">
+                <a:solidFill>
+                  <a:schemeClr val="bg1">
+                    <a:lumMod val="65000"/>
+                  </a:schemeClr>
+                </a:solidFill>
+              </a:rPr>
+              <a:t>0xd3f90</a:t>
+            </a:r>
+          </a:p>
+        </p:txBody>
+      </p:sp>
+      <p:sp>
+        <p:nvSpPr>
+          <p:cNvPr id="50" name="ZoneTexte 49">
+            <a:extLst>
+              <a:ext uri="{FF2B5EF4-FFF2-40B4-BE49-F238E27FC236}">
+                <a16:creationId xmlns:a16="http://schemas.microsoft.com/office/drawing/2014/main" id="{3B207756-AD3C-4AB6-BE7E-9EE557BFCC53}"/>
+              </a:ext>
+            </a:extLst>
+          </p:cNvPr>
+          <p:cNvSpPr txBox="1"/>
+          <p:nvPr/>
+        </p:nvSpPr>
+        <p:spPr>
+          <a:xfrm>
+            <a:off x="6039924" y="2801969"/>
+            <a:ext cx="726481" cy="261610"/>
+          </a:xfrm>
+          <a:prstGeom prst="rect">
+            <a:avLst/>
+          </a:prstGeom>
+          <a:noFill/>
+        </p:spPr>
+        <p:txBody>
+          <a:bodyPr wrap="none" rtlCol="0">
+            <a:spAutoFit/>
+          </a:bodyPr>
+          <a:lstStyle/>
+          <a:p>
+            <a:r>
+              <a:rPr lang="fr-FR" sz="1100" i="1" dirty="0">
+                <a:solidFill>
+                  <a:schemeClr val="bg1">
+                    <a:lumMod val="65000"/>
+                  </a:schemeClr>
+                </a:solidFill>
+              </a:rPr>
+              <a:t>0x69d32</a:t>
+            </a:r>
+          </a:p>
+        </p:txBody>
+      </p:sp>
+      <p:pic>
+        <p:nvPicPr>
+          <p:cNvPr id="52" name="Picture 2" descr="cyber, hat, spy, undercover, user icon">
+            <a:extLst>
+              <a:ext uri="{FF2B5EF4-FFF2-40B4-BE49-F238E27FC236}">
+                <a16:creationId xmlns:a16="http://schemas.microsoft.com/office/drawing/2014/main" id="{5F1534D3-6F29-4D3C-B883-593423CF0674}"/>
+              </a:ext>
+            </a:extLst>
+          </p:cNvPr>
+          <p:cNvPicPr>
+            <a:picLocks noChangeAspect="1" noChangeArrowheads="1"/>
+          </p:cNvPicPr>
+          <p:nvPr/>
+        </p:nvPicPr>
+        <p:blipFill>
+          <a:blip r:embed="rId3">
+            <a:extLst>
+              <a:ext uri="{28A0092B-C50C-407E-A947-70E740481C1C}">
+                <a14:useLocalDpi xmlns:a14="http://schemas.microsoft.com/office/drawing/2010/main" val="0"/>
+              </a:ext>
+            </a:extLst>
+          </a:blip>
+          <a:srcRect/>
+          <a:stretch>
+            <a:fillRect/>
+          </a:stretch>
+        </p:blipFill>
+        <p:spPr bwMode="auto">
+          <a:xfrm>
+            <a:off x="928308" y="3557754"/>
+            <a:ext cx="231837" cy="231837"/>
+          </a:xfrm>
+          <a:prstGeom prst="rect">
+            <a:avLst/>
+          </a:prstGeom>
+          <a:noFill/>
+          <a:extLst>
+            <a:ext uri="{909E8E84-426E-40DD-AFC4-6F175D3DCCD1}">
+              <a14:hiddenFill xmlns:a14="http://schemas.microsoft.com/office/drawing/2010/main">
+                <a:solidFill>
+                  <a:srgbClr val="FFFFFF"/>
+                </a:solidFill>
+              </a14:hiddenFill>
+            </a:ext>
+          </a:extLst>
+        </p:spPr>
+      </p:pic>
+      <p:sp>
+        <p:nvSpPr>
+          <p:cNvPr id="56" name="Rectangle 55">
+            <a:extLst>
+              <a:ext uri="{FF2B5EF4-FFF2-40B4-BE49-F238E27FC236}">
+                <a16:creationId xmlns:a16="http://schemas.microsoft.com/office/drawing/2014/main" id="{B9841943-7021-4D93-8D19-41680CDF6898}"/>
+              </a:ext>
+            </a:extLst>
+          </p:cNvPr>
+          <p:cNvSpPr/>
+          <p:nvPr/>
+        </p:nvSpPr>
+        <p:spPr>
+          <a:xfrm rot="5400000">
+            <a:off x="1520941" y="2367883"/>
+            <a:ext cx="73199" cy="374878"/>
+          </a:xfrm>
+          <a:prstGeom prst="rect">
+            <a:avLst/>
+          </a:prstGeom>
+          <a:solidFill>
+            <a:srgbClr val="FF0000"/>
+          </a:solidFill>
+          <a:ln>
+            <a:noFill/>
+          </a:ln>
+        </p:spPr>
+        <p:style>
+          <a:lnRef idx="2">
+            <a:schemeClr val="accent3">
+              <a:shade val="50000"/>
+            </a:schemeClr>
+          </a:lnRef>
+          <a:fillRef idx="1">
+            <a:schemeClr val="accent3"/>
+          </a:fillRef>
+          <a:effectRef idx="0">
+            <a:schemeClr val="accent3"/>
+          </a:effectRef>
+          <a:fontRef idx="minor">
+            <a:schemeClr val="lt1"/>
+          </a:fontRef>
+        </p:style>
+        <p:txBody>
+          <a:bodyPr rtlCol="0" anchor="ctr"/>
+          <a:lstStyle/>
+          <a:p>
+            <a:pPr algn="ctr"/>
+            <a:endParaRPr lang="fr-FR"/>
+          </a:p>
+        </p:txBody>
+      </p:sp>
+      <p:sp>
+        <p:nvSpPr>
+          <p:cNvPr id="58" name="Rectangle 57">
+            <a:extLst>
+              <a:ext uri="{FF2B5EF4-FFF2-40B4-BE49-F238E27FC236}">
+                <a16:creationId xmlns:a16="http://schemas.microsoft.com/office/drawing/2014/main" id="{99F93044-93CC-4E42-9F91-FAA81BD3B317}"/>
+              </a:ext>
+            </a:extLst>
+          </p:cNvPr>
+          <p:cNvSpPr/>
+          <p:nvPr/>
+        </p:nvSpPr>
+        <p:spPr>
+          <a:xfrm>
+            <a:off x="1740152" y="2352969"/>
+            <a:ext cx="411480" cy="403860"/>
+          </a:xfrm>
+          <a:prstGeom prst="rect">
+            <a:avLst/>
+          </a:prstGeom>
+          <a:ln>
+            <a:noFill/>
+          </a:ln>
+        </p:spPr>
+        <p:style>
+          <a:lnRef idx="2">
+            <a:schemeClr val="dk1">
+              <a:shade val="50000"/>
+            </a:schemeClr>
+          </a:lnRef>
+          <a:fillRef idx="1">
+            <a:schemeClr val="dk1"/>
+          </a:fillRef>
+          <a:effectRef idx="0">
+            <a:schemeClr val="dk1"/>
+          </a:effectRef>
+          <a:fontRef idx="minor">
+            <a:schemeClr val="lt1"/>
+          </a:fontRef>
+        </p:style>
+        <p:txBody>
+          <a:bodyPr rtlCol="0" anchor="ctr"/>
+          <a:lstStyle/>
+          <a:p>
+            <a:pPr algn="ctr"/>
+            <a:endParaRPr lang="fr-FR"/>
+          </a:p>
+        </p:txBody>
+      </p:sp>
+      <p:pic>
+        <p:nvPicPr>
+          <p:cNvPr id="53" name="Picture 2" descr="cyber, hat, spy, undercover, user icon">
+            <a:extLst>
+              <a:ext uri="{FF2B5EF4-FFF2-40B4-BE49-F238E27FC236}">
+                <a16:creationId xmlns:a16="http://schemas.microsoft.com/office/drawing/2014/main" id="{CE36A3BD-2920-41E3-A938-096478F6596B}"/>
+              </a:ext>
+            </a:extLst>
+          </p:cNvPr>
+          <p:cNvPicPr>
+            <a:picLocks noChangeAspect="1" noChangeArrowheads="1"/>
+          </p:cNvPicPr>
+          <p:nvPr/>
+        </p:nvPicPr>
+        <p:blipFill>
+          <a:blip r:embed="rId3">
+            <a:extLst>
+              <a:ext uri="{28A0092B-C50C-407E-A947-70E740481C1C}">
+                <a14:useLocalDpi xmlns:a14="http://schemas.microsoft.com/office/drawing/2010/main" val="0"/>
+              </a:ext>
+            </a:extLst>
+          </a:blip>
+          <a:srcRect/>
+          <a:stretch>
+            <a:fillRect/>
+          </a:stretch>
+        </p:blipFill>
+        <p:spPr bwMode="auto">
+          <a:xfrm>
+            <a:off x="2040382" y="2527402"/>
+            <a:ext cx="231837" cy="231837"/>
+          </a:xfrm>
+          <a:prstGeom prst="rect">
+            <a:avLst/>
+          </a:prstGeom>
+          <a:noFill/>
+          <a:extLst>
+            <a:ext uri="{909E8E84-426E-40DD-AFC4-6F175D3DCCD1}">
+              <a14:hiddenFill xmlns:a14="http://schemas.microsoft.com/office/drawing/2010/main">
+                <a:solidFill>
+                  <a:srgbClr val="FFFFFF"/>
+                </a:solidFill>
+              </a14:hiddenFill>
+            </a:ext>
+          </a:extLst>
+        </p:spPr>
+      </p:pic>
+      <p:sp>
+        <p:nvSpPr>
+          <p:cNvPr id="60" name="ZoneTexte 59">
+            <a:extLst>
+              <a:ext uri="{FF2B5EF4-FFF2-40B4-BE49-F238E27FC236}">
+                <a16:creationId xmlns:a16="http://schemas.microsoft.com/office/drawing/2014/main" id="{1A543E02-A698-42A5-B8C1-3D3D9C22F47C}"/>
+              </a:ext>
+            </a:extLst>
+          </p:cNvPr>
+          <p:cNvSpPr txBox="1"/>
+          <p:nvPr/>
+        </p:nvSpPr>
+        <p:spPr>
+          <a:xfrm>
+            <a:off x="1726568" y="2016103"/>
+            <a:ext cx="524503" cy="276999"/>
+          </a:xfrm>
+          <a:prstGeom prst="rect">
+            <a:avLst/>
+          </a:prstGeom>
+          <a:noFill/>
+        </p:spPr>
+        <p:txBody>
+          <a:bodyPr wrap="none" rtlCol="0">
+            <a:spAutoFit/>
+          </a:bodyPr>
+          <a:lstStyle/>
+          <a:p>
+            <a:r>
+              <a:rPr lang="fr-FR" sz="1200" dirty="0">
+                <a:solidFill>
+                  <a:schemeClr val="bg1">
+                    <a:lumMod val="75000"/>
+                  </a:schemeClr>
+                </a:solidFill>
+              </a:rPr>
+              <a:t>1338</a:t>
+            </a:r>
+          </a:p>
+        </p:txBody>
+      </p:sp>
+      <p:sp>
+        <p:nvSpPr>
+          <p:cNvPr id="61" name="ZoneTexte 60">
+            <a:extLst>
+              <a:ext uri="{FF2B5EF4-FFF2-40B4-BE49-F238E27FC236}">
+                <a16:creationId xmlns:a16="http://schemas.microsoft.com/office/drawing/2014/main" id="{E7B226E9-BF54-4303-9092-F66E1AA9805C}"/>
+              </a:ext>
+            </a:extLst>
+          </p:cNvPr>
+          <p:cNvSpPr txBox="1"/>
+          <p:nvPr/>
+        </p:nvSpPr>
+        <p:spPr>
+          <a:xfrm>
+            <a:off x="2821255" y="2016103"/>
+            <a:ext cx="524503" cy="276999"/>
+          </a:xfrm>
+          <a:prstGeom prst="rect">
+            <a:avLst/>
+          </a:prstGeom>
+          <a:noFill/>
+        </p:spPr>
+        <p:txBody>
+          <a:bodyPr wrap="none" rtlCol="0">
+            <a:spAutoFit/>
+          </a:bodyPr>
+          <a:lstStyle/>
+          <a:p>
+            <a:r>
+              <a:rPr lang="fr-FR" sz="1200" dirty="0">
+                <a:solidFill>
+                  <a:schemeClr val="bg1">
+                    <a:lumMod val="75000"/>
+                  </a:schemeClr>
+                </a:solidFill>
+              </a:rPr>
+              <a:t>1339</a:t>
+            </a:r>
+          </a:p>
+        </p:txBody>
+      </p:sp>
+      <p:sp>
+        <p:nvSpPr>
+          <p:cNvPr id="62" name="ZoneTexte 61">
+            <a:extLst>
+              <a:ext uri="{FF2B5EF4-FFF2-40B4-BE49-F238E27FC236}">
+                <a16:creationId xmlns:a16="http://schemas.microsoft.com/office/drawing/2014/main" id="{8810F1CD-7E0A-42CD-9453-FA51869A330A}"/>
+              </a:ext>
+            </a:extLst>
+          </p:cNvPr>
+          <p:cNvSpPr txBox="1"/>
+          <p:nvPr/>
+        </p:nvSpPr>
+        <p:spPr>
+          <a:xfrm>
+            <a:off x="3921130" y="2016103"/>
+            <a:ext cx="524503" cy="276999"/>
+          </a:xfrm>
+          <a:prstGeom prst="rect">
+            <a:avLst/>
+          </a:prstGeom>
+          <a:noFill/>
+        </p:spPr>
+        <p:txBody>
+          <a:bodyPr wrap="none" rtlCol="0">
+            <a:spAutoFit/>
+          </a:bodyPr>
+          <a:lstStyle/>
+          <a:p>
+            <a:r>
+              <a:rPr lang="fr-FR" sz="1200" dirty="0">
+                <a:solidFill>
+                  <a:schemeClr val="bg1">
+                    <a:lumMod val="75000"/>
+                  </a:schemeClr>
+                </a:solidFill>
+              </a:rPr>
+              <a:t>1340</a:t>
+            </a:r>
+          </a:p>
+        </p:txBody>
+      </p:sp>
+      <p:sp>
+        <p:nvSpPr>
+          <p:cNvPr id="63" name="ZoneTexte 62">
+            <a:extLst>
+              <a:ext uri="{FF2B5EF4-FFF2-40B4-BE49-F238E27FC236}">
+                <a16:creationId xmlns:a16="http://schemas.microsoft.com/office/drawing/2014/main" id="{6BDF11D1-154F-4B48-BAFE-CC8E36BB6AA5}"/>
+              </a:ext>
+            </a:extLst>
+          </p:cNvPr>
+          <p:cNvSpPr txBox="1"/>
+          <p:nvPr/>
+        </p:nvSpPr>
+        <p:spPr>
+          <a:xfrm>
+            <a:off x="1645616" y="1814914"/>
+            <a:ext cx="742511" cy="261610"/>
+          </a:xfrm>
+          <a:prstGeom prst="rect">
+            <a:avLst/>
+          </a:prstGeom>
+          <a:noFill/>
+        </p:spPr>
+        <p:txBody>
+          <a:bodyPr wrap="none" rtlCol="0">
+            <a:spAutoFit/>
+          </a:bodyPr>
+          <a:lstStyle/>
+          <a:p>
+            <a:r>
+              <a:rPr lang="fr-FR" sz="1100" b="1" i="1" dirty="0">
+                <a:solidFill>
+                  <a:schemeClr val="bg1">
+                    <a:lumMod val="65000"/>
+                  </a:schemeClr>
+                </a:solidFill>
+              </a:rPr>
+              <a:t>0xb9a0e</a:t>
+            </a:r>
+          </a:p>
+        </p:txBody>
+      </p:sp>
+      <p:sp>
+        <p:nvSpPr>
+          <p:cNvPr id="64" name="ZoneTexte 63">
+            <a:extLst>
+              <a:ext uri="{FF2B5EF4-FFF2-40B4-BE49-F238E27FC236}">
+                <a16:creationId xmlns:a16="http://schemas.microsoft.com/office/drawing/2014/main" id="{9F09C086-730A-4BA0-937E-E3E0195EB55C}"/>
+              </a:ext>
+            </a:extLst>
+          </p:cNvPr>
+          <p:cNvSpPr txBox="1"/>
+          <p:nvPr/>
+        </p:nvSpPr>
+        <p:spPr>
+          <a:xfrm>
+            <a:off x="2746239" y="1809223"/>
+            <a:ext cx="813043" cy="261610"/>
+          </a:xfrm>
+          <a:prstGeom prst="rect">
+            <a:avLst/>
+          </a:prstGeom>
+          <a:noFill/>
+        </p:spPr>
+        <p:txBody>
+          <a:bodyPr wrap="none" rtlCol="0">
+            <a:spAutoFit/>
+          </a:bodyPr>
+          <a:lstStyle/>
+          <a:p>
+            <a:r>
+              <a:rPr lang="fr-FR" sz="1100" b="1" i="1" dirty="0">
+                <a:solidFill>
+                  <a:schemeClr val="bg1">
+                    <a:lumMod val="65000"/>
+                  </a:schemeClr>
+                </a:solidFill>
+              </a:rPr>
+              <a:t>0x71e01a</a:t>
+            </a:r>
+          </a:p>
+        </p:txBody>
+      </p:sp>
+      <p:sp>
+        <p:nvSpPr>
+          <p:cNvPr id="65" name="ZoneTexte 64">
+            <a:extLst>
+              <a:ext uri="{FF2B5EF4-FFF2-40B4-BE49-F238E27FC236}">
+                <a16:creationId xmlns:a16="http://schemas.microsoft.com/office/drawing/2014/main" id="{E1494C43-B9CE-4A5A-A4FF-DD20F82EAE7A}"/>
+              </a:ext>
+            </a:extLst>
+          </p:cNvPr>
+          <p:cNvSpPr txBox="1"/>
+          <p:nvPr/>
+        </p:nvSpPr>
+        <p:spPr>
+          <a:xfrm>
+            <a:off x="3842770" y="1821196"/>
+            <a:ext cx="821059" cy="261610"/>
+          </a:xfrm>
+          <a:prstGeom prst="rect">
+            <a:avLst/>
+          </a:prstGeom>
+          <a:noFill/>
+        </p:spPr>
+        <p:txBody>
+          <a:bodyPr wrap="none" rtlCol="0">
+            <a:spAutoFit/>
+          </a:bodyPr>
+          <a:lstStyle/>
+          <a:p>
+            <a:r>
+              <a:rPr lang="fr-FR" sz="1100" b="1" i="1" dirty="0">
+                <a:solidFill>
+                  <a:schemeClr val="bg1">
+                    <a:lumMod val="65000"/>
+                  </a:schemeClr>
+                </a:solidFill>
+              </a:rPr>
+              <a:t>0x0292eb</a:t>
+            </a:r>
+          </a:p>
+        </p:txBody>
+      </p:sp>
+    </p:spTree>
+    <p:extLst>
+      <p:ext uri="{BB962C8B-B14F-4D97-AF65-F5344CB8AC3E}">
+        <p14:creationId xmlns:p14="http://schemas.microsoft.com/office/powerpoint/2010/main" val="2630362289"/>
+      </p:ext>
+    </p:extLst>
+  </p:cSld>
+  <p:clrMapOvr>
+    <a:masterClrMapping/>
+  </p:clrMapOvr>
+  <mc:AlternateContent xmlns:mc="http://schemas.openxmlformats.org/markup-compatibility/2006" xmlns:p14="http://schemas.microsoft.com/office/powerpoint/2010/main">
+    <mc:Choice Requires="p14">
+      <p:transition spd="med" p14:dur="700">
+        <p:fade/>
+      </p:transition>
+    </mc:Choice>
+    <mc:Fallback xmlns="">
+      <p:transition spd="med">
+        <p:fade/>
+      </p:transition>
+    </mc:Fallback>
+  </mc:AlternateContent>
+</p:sld>
+</file>
+
+<file path=ppt/slides/slide14.xml><?xml version="1.0" encoding="utf-8"?>
 <p:sld xmlns:a="http://schemas.openxmlformats.org/drawingml/2006/main" xmlns:r="http://schemas.openxmlformats.org/officeDocument/2006/relationships" xmlns:p="http://schemas.openxmlformats.org/presentationml/2006/main">
   <p:cSld>
     <p:spTree>
@@ -10942,7 +14230,7 @@
 </p:sld>
 </file>
 
-<file path=ppt/slides/slide12.xml><?xml version="1.0" encoding="utf-8"?>
+<file path=ppt/slides/slide15.xml><?xml version="1.0" encoding="utf-8"?>
 <p:sld xmlns:a="http://schemas.openxmlformats.org/drawingml/2006/main" xmlns:r="http://schemas.openxmlformats.org/officeDocument/2006/relationships" xmlns:p="http://schemas.openxmlformats.org/presentationml/2006/main">
   <p:cSld>
     <p:spTree>
@@ -10994,7 +14282,7 @@
     </p:spTree>
     <p:extLst>
       <p:ext uri="{BB962C8B-B14F-4D97-AF65-F5344CB8AC3E}">
-        <p14:creationId xmlns:p14="http://schemas.microsoft.com/office/powerpoint/2010/main" val="1650392970"/>
+        <p14:creationId xmlns:p14="http://schemas.microsoft.com/office/powerpoint/2010/main" val="1082555367"/>
       </p:ext>
     </p:extLst>
   </p:cSld>
@@ -11016,7 +14304,7 @@
 </p:sld>
 </file>
 
-<file path=ppt/slides/slide13.xml><?xml version="1.0" encoding="utf-8"?>
+<file path=ppt/slides/slide16.xml><?xml version="1.0" encoding="utf-8"?>
 <p:sld xmlns:a="http://schemas.openxmlformats.org/drawingml/2006/main" xmlns:r="http://schemas.openxmlformats.org/officeDocument/2006/relationships" xmlns:p="http://schemas.openxmlformats.org/presentationml/2006/main">
   <p:cSld>
     <p:spTree>
@@ -11345,7 +14633,7 @@
 </p:sld>
 </file>
 
-<file path=ppt/slides/slide14.xml><?xml version="1.0" encoding="utf-8"?>
+<file path=ppt/slides/slide17.xml><?xml version="1.0" encoding="utf-8"?>
 <p:sld xmlns:a="http://schemas.openxmlformats.org/drawingml/2006/main" xmlns:r="http://schemas.openxmlformats.org/officeDocument/2006/relationships" xmlns:p="http://schemas.openxmlformats.org/presentationml/2006/main">
   <p:cSld>
     <p:spTree>
@@ -11425,7 +14713,7 @@
 </p:sld>
 </file>
 
-<file path=ppt/slides/slide15.xml><?xml version="1.0" encoding="utf-8"?>
+<file path=ppt/slides/slide18.xml><?xml version="1.0" encoding="utf-8"?>
 <p:sld xmlns:a="http://schemas.openxmlformats.org/drawingml/2006/main" xmlns:r="http://schemas.openxmlformats.org/officeDocument/2006/relationships" xmlns:p="http://schemas.openxmlformats.org/presentationml/2006/main">
   <p:cSld>
     <p:spTree>
@@ -11648,342 +14936,6 @@
     <p:extLst>
       <p:ext uri="{BB962C8B-B14F-4D97-AF65-F5344CB8AC3E}">
         <p14:creationId xmlns:p14="http://schemas.microsoft.com/office/powerpoint/2010/main" val="3689458742"/>
-      </p:ext>
-    </p:extLst>
-  </p:cSld>
-  <p:clrMapOvr>
-    <a:masterClrMapping/>
-  </p:clrMapOvr>
-  <mc:AlternateContent xmlns:mc="http://schemas.openxmlformats.org/markup-compatibility/2006" xmlns:p14="http://schemas.microsoft.com/office/powerpoint/2010/main">
-    <mc:Choice Requires="p14">
-      <p:transition spd="med" p14:dur="700">
-        <p:fade/>
-      </p:transition>
-    </mc:Choice>
-    <mc:Fallback xmlns="">
-      <p:transition spd="med">
-        <p:fade/>
-      </p:transition>
-    </mc:Fallback>
-  </mc:AlternateContent>
-</p:sld>
-</file>
-
-<file path=ppt/slides/slide16.xml><?xml version="1.0" encoding="utf-8"?>
-<p:sld xmlns:a="http://schemas.openxmlformats.org/drawingml/2006/main" xmlns:r="http://schemas.openxmlformats.org/officeDocument/2006/relationships" xmlns:p="http://schemas.openxmlformats.org/presentationml/2006/main">
-  <p:cSld>
-    <p:spTree>
-      <p:nvGrpSpPr>
-        <p:cNvPr id="1" name="Shape 85"/>
-        <p:cNvGrpSpPr/>
-        <p:nvPr/>
-      </p:nvGrpSpPr>
-      <p:grpSpPr>
-        <a:xfrm>
-          <a:off x="0" y="0"/>
-          <a:ext cx="0" cy="0"/>
-          <a:chOff x="0" y="0"/>
-          <a:chExt cx="0" cy="0"/>
-        </a:xfrm>
-      </p:grpSpPr>
-      <p:sp>
-        <p:nvSpPr>
-          <p:cNvPr id="88" name="Shape 88"/>
-          <p:cNvSpPr txBox="1">
-            <a:spLocks noGrp="1"/>
-          </p:cNvSpPr>
-          <p:nvPr>
-            <p:ph type="title"/>
-          </p:nvPr>
-        </p:nvSpPr>
-        <p:spPr>
-          <a:xfrm>
-            <a:off x="449000" y="301500"/>
-            <a:ext cx="8185500" cy="501900"/>
-          </a:xfrm>
-          <a:prstGeom prst="rect">
-            <a:avLst/>
-          </a:prstGeom>
-        </p:spPr>
-        <p:txBody>
-          <a:bodyPr spcFirstLastPara="1" wrap="square" lIns="91425" tIns="91425" rIns="91425" bIns="91425" anchor="t" anchorCtr="0">
-            <a:noAutofit/>
-          </a:bodyPr>
-          <a:lstStyle/>
-          <a:p>
-            <a:pPr marL="0" lvl="0" indent="0">
-              <a:spcBef>
-                <a:spcPts val="0"/>
-              </a:spcBef>
-              <a:spcAft>
-                <a:spcPts val="0"/>
-              </a:spcAft>
-              <a:buNone/>
-            </a:pPr>
-            <a:endParaRPr/>
-          </a:p>
-        </p:txBody>
-      </p:sp>
-    </p:spTree>
-    <p:extLst>
-      <p:ext uri="{BB962C8B-B14F-4D97-AF65-F5344CB8AC3E}">
-        <p14:creationId xmlns:p14="http://schemas.microsoft.com/office/powerpoint/2010/main" val="3528791469"/>
-      </p:ext>
-    </p:extLst>
-  </p:cSld>
-  <p:clrMapOvr>
-    <a:masterClrMapping/>
-  </p:clrMapOvr>
-  <mc:AlternateContent xmlns:mc="http://schemas.openxmlformats.org/markup-compatibility/2006" xmlns:p14="http://schemas.microsoft.com/office/powerpoint/2010/main">
-    <mc:Choice Requires="p14">
-      <p:transition spd="med" p14:dur="700">
-        <p:fade/>
-      </p:transition>
-    </mc:Choice>
-    <mc:Fallback xmlns="">
-      <p:transition spd="med">
-        <p:fade/>
-      </p:transition>
-    </mc:Fallback>
-  </mc:AlternateContent>
-</p:sld>
-</file>
-
-<file path=ppt/slides/slide17.xml><?xml version="1.0" encoding="utf-8"?>
-<p:sld xmlns:a="http://schemas.openxmlformats.org/drawingml/2006/main" xmlns:r="http://schemas.openxmlformats.org/officeDocument/2006/relationships" xmlns:p="http://schemas.openxmlformats.org/presentationml/2006/main">
-  <p:cSld>
-    <p:spTree>
-      <p:nvGrpSpPr>
-        <p:cNvPr id="1" name="Shape 77"/>
-        <p:cNvGrpSpPr/>
-        <p:nvPr/>
-      </p:nvGrpSpPr>
-      <p:grpSpPr>
-        <a:xfrm>
-          <a:off x="0" y="0"/>
-          <a:ext cx="0" cy="0"/>
-          <a:chOff x="0" y="0"/>
-          <a:chExt cx="0" cy="0"/>
-        </a:xfrm>
-      </p:grpSpPr>
-      <p:sp>
-        <p:nvSpPr>
-          <p:cNvPr id="78" name="Shape 78"/>
-          <p:cNvSpPr txBox="1">
-            <a:spLocks noGrp="1"/>
-          </p:cNvSpPr>
-          <p:nvPr>
-            <p:ph type="title"/>
-          </p:nvPr>
-        </p:nvSpPr>
-        <p:spPr>
-          <a:xfrm>
-            <a:off x="794703" y="906639"/>
-            <a:ext cx="3553179" cy="1485600"/>
-          </a:xfrm>
-          <a:prstGeom prst="rect">
-            <a:avLst/>
-          </a:prstGeom>
-        </p:spPr>
-        <p:txBody>
-          <a:bodyPr spcFirstLastPara="1" wrap="square" lIns="91425" tIns="91425" rIns="91425" bIns="91425" anchor="t" anchorCtr="0">
-            <a:noAutofit/>
-          </a:bodyPr>
-          <a:lstStyle/>
-          <a:p>
-            <a:pPr marL="0" lvl="0" indent="0">
-              <a:spcBef>
-                <a:spcPts val="0"/>
-              </a:spcBef>
-              <a:spcAft>
-                <a:spcPts val="0"/>
-              </a:spcAft>
-              <a:buNone/>
-            </a:pPr>
-            <a:r>
-              <a:rPr lang="fr-FR" dirty="0"/>
-              <a:t>A vous de jouer !</a:t>
-            </a:r>
-            <a:endParaRPr dirty="0"/>
-          </a:p>
-        </p:txBody>
-      </p:sp>
-      <p:sp>
-        <p:nvSpPr>
-          <p:cNvPr id="80" name="Shape 80"/>
-          <p:cNvSpPr txBox="1">
-            <a:spLocks noGrp="1"/>
-          </p:cNvSpPr>
-          <p:nvPr>
-            <p:ph type="body" idx="2"/>
-          </p:nvPr>
-        </p:nvSpPr>
-        <p:spPr>
-          <a:xfrm>
-            <a:off x="334962" y="2392363"/>
-            <a:ext cx="4012919" cy="1803300"/>
-          </a:xfrm>
-          <a:prstGeom prst="rect">
-            <a:avLst/>
-          </a:prstGeom>
-        </p:spPr>
-        <p:txBody>
-          <a:bodyPr spcFirstLastPara="1" wrap="square" lIns="91425" tIns="91425" rIns="91425" bIns="91425" anchor="t" anchorCtr="0">
-            <a:noAutofit/>
-          </a:bodyPr>
-          <a:lstStyle/>
-          <a:p>
-            <a:pPr marL="0" lvl="0" indent="0">
-              <a:spcBef>
-                <a:spcPts val="1000"/>
-              </a:spcBef>
-              <a:spcAft>
-                <a:spcPts val="0"/>
-              </a:spcAft>
-              <a:buNone/>
-            </a:pPr>
-            <a:endParaRPr dirty="0"/>
-          </a:p>
-        </p:txBody>
-      </p:sp>
-      <p:sp>
-        <p:nvSpPr>
-          <p:cNvPr id="81" name="Shape 81"/>
-          <p:cNvSpPr txBox="1">
-            <a:spLocks noGrp="1"/>
-          </p:cNvSpPr>
-          <p:nvPr>
-            <p:ph type="subTitle" idx="3"/>
-          </p:nvPr>
-        </p:nvSpPr>
-        <p:spPr>
-          <a:xfrm>
-            <a:off x="334975" y="648400"/>
-            <a:ext cx="1619332" cy="345300"/>
-          </a:xfrm>
-          <a:prstGeom prst="rect">
-            <a:avLst/>
-          </a:prstGeom>
-        </p:spPr>
-        <p:txBody>
-          <a:bodyPr spcFirstLastPara="1" wrap="square" lIns="91425" tIns="91425" rIns="91425" bIns="91425" anchor="b" anchorCtr="0">
-            <a:noAutofit/>
-          </a:bodyPr>
-          <a:lstStyle/>
-          <a:p>
-            <a:pPr marL="0" lvl="0" indent="0">
-              <a:spcBef>
-                <a:spcPts val="1000"/>
-              </a:spcBef>
-              <a:spcAft>
-                <a:spcPts val="0"/>
-              </a:spcAft>
-              <a:buNone/>
-            </a:pPr>
-            <a:r>
-              <a:rPr lang="en-US" dirty="0"/>
-              <a:t>QUATRIEME PARTIE</a:t>
-            </a:r>
-            <a:endParaRPr dirty="0"/>
-          </a:p>
-        </p:txBody>
-      </p:sp>
-    </p:spTree>
-    <p:extLst>
-      <p:ext uri="{BB962C8B-B14F-4D97-AF65-F5344CB8AC3E}">
-        <p14:creationId xmlns:p14="http://schemas.microsoft.com/office/powerpoint/2010/main" val="1457149430"/>
-      </p:ext>
-    </p:extLst>
-  </p:cSld>
-  <p:clrMapOvr>
-    <a:masterClrMapping/>
-  </p:clrMapOvr>
-  <mc:AlternateContent xmlns:mc="http://schemas.openxmlformats.org/markup-compatibility/2006" xmlns:p14="http://schemas.microsoft.com/office/powerpoint/2010/main">
-    <mc:Choice Requires="p14">
-      <p:transition spd="med" p14:dur="700">
-        <p:fade/>
-      </p:transition>
-    </mc:Choice>
-    <mc:Fallback xmlns="">
-      <p:transition spd="med">
-        <p:fade/>
-      </p:transition>
-    </mc:Fallback>
-  </mc:AlternateContent>
-</p:sld>
-</file>
-
-<file path=ppt/slides/slide18.xml><?xml version="1.0" encoding="utf-8"?>
-<p:sld xmlns:a="http://schemas.openxmlformats.org/drawingml/2006/main" xmlns:r="http://schemas.openxmlformats.org/officeDocument/2006/relationships" xmlns:p="http://schemas.openxmlformats.org/presentationml/2006/main">
-  <p:cSld>
-    <p:spTree>
-      <p:nvGrpSpPr>
-        <p:cNvPr id="1" name="Shape 85"/>
-        <p:cNvGrpSpPr/>
-        <p:nvPr/>
-      </p:nvGrpSpPr>
-      <p:grpSpPr>
-        <a:xfrm>
-          <a:off x="0" y="0"/>
-          <a:ext cx="0" cy="0"/>
-          <a:chOff x="0" y="0"/>
-          <a:chExt cx="0" cy="0"/>
-        </a:xfrm>
-      </p:grpSpPr>
-      <p:sp>
-        <p:nvSpPr>
-          <p:cNvPr id="88" name="Shape 88"/>
-          <p:cNvSpPr txBox="1">
-            <a:spLocks noGrp="1"/>
-          </p:cNvSpPr>
-          <p:nvPr>
-            <p:ph type="title"/>
-          </p:nvPr>
-        </p:nvSpPr>
-        <p:spPr>
-          <a:xfrm>
-            <a:off x="449000" y="301500"/>
-            <a:ext cx="8185500" cy="501900"/>
-          </a:xfrm>
-          <a:prstGeom prst="rect">
-            <a:avLst/>
-          </a:prstGeom>
-        </p:spPr>
-        <p:txBody>
-          <a:bodyPr spcFirstLastPara="1" wrap="square" lIns="91425" tIns="91425" rIns="91425" bIns="91425" anchor="t" anchorCtr="0">
-            <a:noAutofit/>
-          </a:bodyPr>
-          <a:lstStyle/>
-          <a:p>
-            <a:pPr marL="0" lvl="0" indent="0">
-              <a:spcBef>
-                <a:spcPts val="0"/>
-              </a:spcBef>
-              <a:spcAft>
-                <a:spcPts val="0"/>
-              </a:spcAft>
-              <a:buNone/>
-            </a:pPr>
-            <a:r>
-              <a:rPr lang="fr-FR" dirty="0" err="1"/>
-              <a:t>Lab</a:t>
-            </a:r>
-            <a:r>
-              <a:rPr lang="fr-FR" dirty="0"/>
-              <a:t> #1 –Votre premier </a:t>
-            </a:r>
-            <a:r>
-              <a:rPr lang="fr-FR" dirty="0" err="1"/>
-              <a:t>token</a:t>
-            </a:r>
-            <a:endParaRPr dirty="0"/>
-          </a:p>
-        </p:txBody>
-      </p:sp>
-    </p:spTree>
-    <p:extLst>
-      <p:ext uri="{BB962C8B-B14F-4D97-AF65-F5344CB8AC3E}">
-        <p14:creationId xmlns:p14="http://schemas.microsoft.com/office/powerpoint/2010/main" val="1695985569"/>
       </p:ext>
     </p:extLst>
   </p:cSld>
@@ -12056,30 +15008,14 @@
               </a:spcAft>
               <a:buNone/>
             </a:pPr>
-            <a:r>
-              <a:rPr lang="fr-FR" dirty="0" err="1"/>
-              <a:t>Lab</a:t>
-            </a:r>
-            <a:r>
-              <a:rPr lang="fr-FR" dirty="0"/>
-              <a:t> #2 – Smart </a:t>
-            </a:r>
-            <a:r>
-              <a:rPr lang="fr-FR" dirty="0" err="1"/>
-              <a:t>Contract</a:t>
-            </a:r>
-            <a:r>
-              <a:rPr lang="fr-FR" dirty="0"/>
-              <a:t>, partie 1</a:t>
-            </a:r>
-            <a:endParaRPr dirty="0"/>
+            <a:endParaRPr/>
           </a:p>
         </p:txBody>
       </p:sp>
     </p:spTree>
     <p:extLst>
       <p:ext uri="{BB962C8B-B14F-4D97-AF65-F5344CB8AC3E}">
-        <p14:creationId xmlns:p14="http://schemas.microsoft.com/office/powerpoint/2010/main" val="765527127"/>
+        <p14:creationId xmlns:p14="http://schemas.microsoft.com/office/powerpoint/2010/main" val="3528791469"/>
       </p:ext>
     </p:extLst>
   </p:cSld>
@@ -13576,7 +16512,7 @@
   <p:cSld>
     <p:spTree>
       <p:nvGrpSpPr>
-        <p:cNvPr id="1" name="Shape 85"/>
+        <p:cNvPr id="1" name="Shape 77"/>
         <p:cNvGrpSpPr/>
         <p:nvPr/>
       </p:nvGrpSpPr>
@@ -13590,7 +16526,7 @@
       </p:grpSpPr>
       <p:sp>
         <p:nvSpPr>
-          <p:cNvPr id="88" name="Shape 88"/>
+          <p:cNvPr id="78" name="Shape 78"/>
           <p:cNvSpPr txBox="1">
             <a:spLocks noGrp="1"/>
           </p:cNvSpPr>
@@ -13600,8 +16536,8 @@
         </p:nvSpPr>
         <p:spPr>
           <a:xfrm>
-            <a:off x="449000" y="301500"/>
-            <a:ext cx="8185500" cy="501900"/>
+            <a:off x="794703" y="906639"/>
+            <a:ext cx="3553179" cy="1485600"/>
           </a:xfrm>
           <a:prstGeom prst="rect">
             <a:avLst/>
@@ -13623,12 +16559,88 @@
               <a:buNone/>
             </a:pPr>
             <a:r>
-              <a:rPr lang="fr-FR" dirty="0" err="1"/>
-              <a:t>Lab</a:t>
+              <a:rPr lang="fr-FR" dirty="0"/>
+              <a:t>A vous de jouer !</a:t>
             </a:r>
+            <a:endParaRPr dirty="0"/>
+          </a:p>
+        </p:txBody>
+      </p:sp>
+      <p:sp>
+        <p:nvSpPr>
+          <p:cNvPr id="80" name="Shape 80"/>
+          <p:cNvSpPr txBox="1">
+            <a:spLocks noGrp="1"/>
+          </p:cNvSpPr>
+          <p:nvPr>
+            <p:ph type="body" idx="2"/>
+          </p:nvPr>
+        </p:nvSpPr>
+        <p:spPr>
+          <a:xfrm>
+            <a:off x="334962" y="2392363"/>
+            <a:ext cx="4012919" cy="1803300"/>
+          </a:xfrm>
+          <a:prstGeom prst="rect">
+            <a:avLst/>
+          </a:prstGeom>
+        </p:spPr>
+        <p:txBody>
+          <a:bodyPr spcFirstLastPara="1" wrap="square" lIns="91425" tIns="91425" rIns="91425" bIns="91425" anchor="t" anchorCtr="0">
+            <a:noAutofit/>
+          </a:bodyPr>
+          <a:lstStyle/>
+          <a:p>
+            <a:pPr marL="0" lvl="0" indent="0">
+              <a:spcBef>
+                <a:spcPts val="1000"/>
+              </a:spcBef>
+              <a:spcAft>
+                <a:spcPts val="0"/>
+              </a:spcAft>
+              <a:buNone/>
+            </a:pPr>
+            <a:endParaRPr dirty="0"/>
+          </a:p>
+        </p:txBody>
+      </p:sp>
+      <p:sp>
+        <p:nvSpPr>
+          <p:cNvPr id="81" name="Shape 81"/>
+          <p:cNvSpPr txBox="1">
+            <a:spLocks noGrp="1"/>
+          </p:cNvSpPr>
+          <p:nvPr>
+            <p:ph type="subTitle" idx="3"/>
+          </p:nvPr>
+        </p:nvSpPr>
+        <p:spPr>
+          <a:xfrm>
+            <a:off x="334975" y="648400"/>
+            <a:ext cx="1619332" cy="345300"/>
+          </a:xfrm>
+          <a:prstGeom prst="rect">
+            <a:avLst/>
+          </a:prstGeom>
+        </p:spPr>
+        <p:txBody>
+          <a:bodyPr spcFirstLastPara="1" wrap="square" lIns="91425" tIns="91425" rIns="91425" bIns="91425" anchor="b" anchorCtr="0">
+            <a:noAutofit/>
+          </a:bodyPr>
+          <a:lstStyle/>
+          <a:p>
+            <a:pPr marL="0" lvl="0" indent="0">
+              <a:spcBef>
+                <a:spcPts val="1000"/>
+              </a:spcBef>
+              <a:spcAft>
+                <a:spcPts val="0"/>
+              </a:spcAft>
+              <a:buNone/>
+            </a:pPr>
             <a:r>
-              <a:rPr lang="fr-FR" dirty="0"/>
-              <a:t> #3 – Crypto-Roulette </a:t>
+              <a:rPr lang="en-US" dirty="0"/>
+              <a:t>QUATRIEME PARTIE</a:t>
             </a:r>
             <a:endParaRPr dirty="0"/>
           </a:p>
@@ -13637,7 +16649,7 @@
     </p:spTree>
     <p:extLst>
       <p:ext uri="{BB962C8B-B14F-4D97-AF65-F5344CB8AC3E}">
-        <p14:creationId xmlns:p14="http://schemas.microsoft.com/office/powerpoint/2010/main" val="2009903290"/>
+        <p14:creationId xmlns:p14="http://schemas.microsoft.com/office/powerpoint/2010/main" val="1457149430"/>
       </p:ext>
     </p:extLst>
   </p:cSld>
@@ -13664,7 +16676,7 @@
   <p:cSld>
     <p:spTree>
       <p:nvGrpSpPr>
-        <p:cNvPr id="1" name="Shape 77"/>
+        <p:cNvPr id="1" name="Shape 85"/>
         <p:cNvGrpSpPr/>
         <p:nvPr/>
       </p:nvGrpSpPr>
@@ -13678,7 +16690,7 @@
       </p:grpSpPr>
       <p:sp>
         <p:nvSpPr>
-          <p:cNvPr id="78" name="Shape 78"/>
+          <p:cNvPr id="88" name="Shape 88"/>
           <p:cNvSpPr txBox="1">
             <a:spLocks noGrp="1"/>
           </p:cNvSpPr>
@@ -13688,8 +16700,8 @@
         </p:nvSpPr>
         <p:spPr>
           <a:xfrm>
-            <a:off x="794703" y="906639"/>
-            <a:ext cx="3553179" cy="1485600"/>
+            <a:off x="449000" y="301500"/>
+            <a:ext cx="8185500" cy="501900"/>
           </a:xfrm>
           <a:prstGeom prst="rect">
             <a:avLst/>
@@ -13711,88 +16723,16 @@
               <a:buNone/>
             </a:pPr>
             <a:r>
+              <a:rPr lang="fr-FR" dirty="0" err="1"/>
+              <a:t>Lab</a:t>
+            </a:r>
+            <a:r>
               <a:rPr lang="fr-FR" dirty="0"/>
-              <a:t>Et après ?</a:t>
+              <a:t> #1 –Votre premier </a:t>
             </a:r>
-            <a:endParaRPr dirty="0"/>
-          </a:p>
-        </p:txBody>
-      </p:sp>
-      <p:sp>
-        <p:nvSpPr>
-          <p:cNvPr id="80" name="Shape 80"/>
-          <p:cNvSpPr txBox="1">
-            <a:spLocks noGrp="1"/>
-          </p:cNvSpPr>
-          <p:nvPr>
-            <p:ph type="body" idx="2"/>
-          </p:nvPr>
-        </p:nvSpPr>
-        <p:spPr>
-          <a:xfrm>
-            <a:off x="334962" y="2392363"/>
-            <a:ext cx="4012919" cy="1803300"/>
-          </a:xfrm>
-          <a:prstGeom prst="rect">
-            <a:avLst/>
-          </a:prstGeom>
-        </p:spPr>
-        <p:txBody>
-          <a:bodyPr spcFirstLastPara="1" wrap="square" lIns="91425" tIns="91425" rIns="91425" bIns="91425" anchor="t" anchorCtr="0">
-            <a:noAutofit/>
-          </a:bodyPr>
-          <a:lstStyle/>
-          <a:p>
-            <a:pPr marL="0" lvl="0" indent="0">
-              <a:spcBef>
-                <a:spcPts val="1000"/>
-              </a:spcBef>
-              <a:spcAft>
-                <a:spcPts val="0"/>
-              </a:spcAft>
-              <a:buNone/>
-            </a:pPr>
-            <a:endParaRPr dirty="0"/>
-          </a:p>
-        </p:txBody>
-      </p:sp>
-      <p:sp>
-        <p:nvSpPr>
-          <p:cNvPr id="81" name="Shape 81"/>
-          <p:cNvSpPr txBox="1">
-            <a:spLocks noGrp="1"/>
-          </p:cNvSpPr>
-          <p:nvPr>
-            <p:ph type="subTitle" idx="3"/>
-          </p:nvPr>
-        </p:nvSpPr>
-        <p:spPr>
-          <a:xfrm>
-            <a:off x="334975" y="648400"/>
-            <a:ext cx="1516200" cy="345300"/>
-          </a:xfrm>
-          <a:prstGeom prst="rect">
-            <a:avLst/>
-          </a:prstGeom>
-        </p:spPr>
-        <p:txBody>
-          <a:bodyPr spcFirstLastPara="1" wrap="square" lIns="91425" tIns="91425" rIns="91425" bIns="91425" anchor="b" anchorCtr="0">
-            <a:noAutofit/>
-          </a:bodyPr>
-          <a:lstStyle/>
-          <a:p>
-            <a:pPr marL="0" lvl="0" indent="0">
-              <a:spcBef>
-                <a:spcPts val="1000"/>
-              </a:spcBef>
-              <a:spcAft>
-                <a:spcPts val="0"/>
-              </a:spcAft>
-              <a:buNone/>
-            </a:pPr>
             <a:r>
-              <a:rPr lang="en-US" dirty="0"/>
-              <a:t>ULTIME PARTIE</a:t>
+              <a:rPr lang="fr-FR" dirty="0" err="1"/>
+              <a:t>token</a:t>
             </a:r>
             <a:endParaRPr dirty="0"/>
           </a:p>
@@ -13801,7 +16741,7 @@
     </p:spTree>
     <p:extLst>
       <p:ext uri="{BB962C8B-B14F-4D97-AF65-F5344CB8AC3E}">
-        <p14:creationId xmlns:p14="http://schemas.microsoft.com/office/powerpoint/2010/main" val="641614525"/>
+        <p14:creationId xmlns:p14="http://schemas.microsoft.com/office/powerpoint/2010/main" val="1695985569"/>
       </p:ext>
     </p:extLst>
   </p:cSld>
@@ -13842,6 +16782,354 @@
       </p:grpSpPr>
       <p:sp>
         <p:nvSpPr>
+          <p:cNvPr id="88" name="Shape 88"/>
+          <p:cNvSpPr txBox="1">
+            <a:spLocks noGrp="1"/>
+          </p:cNvSpPr>
+          <p:nvPr>
+            <p:ph type="title"/>
+          </p:nvPr>
+        </p:nvSpPr>
+        <p:spPr>
+          <a:xfrm>
+            <a:off x="449000" y="301500"/>
+            <a:ext cx="8185500" cy="501900"/>
+          </a:xfrm>
+          <a:prstGeom prst="rect">
+            <a:avLst/>
+          </a:prstGeom>
+        </p:spPr>
+        <p:txBody>
+          <a:bodyPr spcFirstLastPara="1" wrap="square" lIns="91425" tIns="91425" rIns="91425" bIns="91425" anchor="t" anchorCtr="0">
+            <a:noAutofit/>
+          </a:bodyPr>
+          <a:lstStyle/>
+          <a:p>
+            <a:pPr marL="0" lvl="0" indent="0">
+              <a:spcBef>
+                <a:spcPts val="0"/>
+              </a:spcBef>
+              <a:spcAft>
+                <a:spcPts val="0"/>
+              </a:spcAft>
+              <a:buNone/>
+            </a:pPr>
+            <a:r>
+              <a:rPr lang="fr-FR" dirty="0" err="1"/>
+              <a:t>Lab</a:t>
+            </a:r>
+            <a:r>
+              <a:rPr lang="fr-FR" dirty="0"/>
+              <a:t> #2 – Smart </a:t>
+            </a:r>
+            <a:r>
+              <a:rPr lang="fr-FR" dirty="0" err="1"/>
+              <a:t>Contract</a:t>
+            </a:r>
+            <a:r>
+              <a:rPr lang="fr-FR" dirty="0"/>
+              <a:t>, partie 1</a:t>
+            </a:r>
+            <a:endParaRPr dirty="0"/>
+          </a:p>
+        </p:txBody>
+      </p:sp>
+    </p:spTree>
+    <p:extLst>
+      <p:ext uri="{BB962C8B-B14F-4D97-AF65-F5344CB8AC3E}">
+        <p14:creationId xmlns:p14="http://schemas.microsoft.com/office/powerpoint/2010/main" val="765527127"/>
+      </p:ext>
+    </p:extLst>
+  </p:cSld>
+  <p:clrMapOvr>
+    <a:masterClrMapping/>
+  </p:clrMapOvr>
+  <mc:AlternateContent xmlns:mc="http://schemas.openxmlformats.org/markup-compatibility/2006" xmlns:p14="http://schemas.microsoft.com/office/powerpoint/2010/main">
+    <mc:Choice Requires="p14">
+      <p:transition spd="med" p14:dur="700">
+        <p:fade/>
+      </p:transition>
+    </mc:Choice>
+    <mc:Fallback xmlns="">
+      <p:transition spd="med">
+        <p:fade/>
+      </p:transition>
+    </mc:Fallback>
+  </mc:AlternateContent>
+</p:sld>
+</file>
+
+<file path=ppt/slides/slide23.xml><?xml version="1.0" encoding="utf-8"?>
+<p:sld xmlns:a="http://schemas.openxmlformats.org/drawingml/2006/main" xmlns:r="http://schemas.openxmlformats.org/officeDocument/2006/relationships" xmlns:p="http://schemas.openxmlformats.org/presentationml/2006/main">
+  <p:cSld>
+    <p:spTree>
+      <p:nvGrpSpPr>
+        <p:cNvPr id="1" name="Shape 85"/>
+        <p:cNvGrpSpPr/>
+        <p:nvPr/>
+      </p:nvGrpSpPr>
+      <p:grpSpPr>
+        <a:xfrm>
+          <a:off x="0" y="0"/>
+          <a:ext cx="0" cy="0"/>
+          <a:chOff x="0" y="0"/>
+          <a:chExt cx="0" cy="0"/>
+        </a:xfrm>
+      </p:grpSpPr>
+      <p:sp>
+        <p:nvSpPr>
+          <p:cNvPr id="88" name="Shape 88"/>
+          <p:cNvSpPr txBox="1">
+            <a:spLocks noGrp="1"/>
+          </p:cNvSpPr>
+          <p:nvPr>
+            <p:ph type="title"/>
+          </p:nvPr>
+        </p:nvSpPr>
+        <p:spPr>
+          <a:xfrm>
+            <a:off x="449000" y="301500"/>
+            <a:ext cx="8185500" cy="501900"/>
+          </a:xfrm>
+          <a:prstGeom prst="rect">
+            <a:avLst/>
+          </a:prstGeom>
+        </p:spPr>
+        <p:txBody>
+          <a:bodyPr spcFirstLastPara="1" wrap="square" lIns="91425" tIns="91425" rIns="91425" bIns="91425" anchor="t" anchorCtr="0">
+            <a:noAutofit/>
+          </a:bodyPr>
+          <a:lstStyle/>
+          <a:p>
+            <a:pPr marL="0" lvl="0" indent="0">
+              <a:spcBef>
+                <a:spcPts val="0"/>
+              </a:spcBef>
+              <a:spcAft>
+                <a:spcPts val="0"/>
+              </a:spcAft>
+              <a:buNone/>
+            </a:pPr>
+            <a:r>
+              <a:rPr lang="fr-FR" dirty="0" err="1"/>
+              <a:t>Lab</a:t>
+            </a:r>
+            <a:r>
+              <a:rPr lang="fr-FR" dirty="0"/>
+              <a:t> #3 – Crypto-Roulette </a:t>
+            </a:r>
+            <a:endParaRPr dirty="0"/>
+          </a:p>
+        </p:txBody>
+      </p:sp>
+    </p:spTree>
+    <p:extLst>
+      <p:ext uri="{BB962C8B-B14F-4D97-AF65-F5344CB8AC3E}">
+        <p14:creationId xmlns:p14="http://schemas.microsoft.com/office/powerpoint/2010/main" val="2009903290"/>
+      </p:ext>
+    </p:extLst>
+  </p:cSld>
+  <p:clrMapOvr>
+    <a:masterClrMapping/>
+  </p:clrMapOvr>
+  <mc:AlternateContent xmlns:mc="http://schemas.openxmlformats.org/markup-compatibility/2006" xmlns:p14="http://schemas.microsoft.com/office/powerpoint/2010/main">
+    <mc:Choice Requires="p14">
+      <p:transition spd="med" p14:dur="700">
+        <p:fade/>
+      </p:transition>
+    </mc:Choice>
+    <mc:Fallback xmlns="">
+      <p:transition spd="med">
+        <p:fade/>
+      </p:transition>
+    </mc:Fallback>
+  </mc:AlternateContent>
+</p:sld>
+</file>
+
+<file path=ppt/slides/slide24.xml><?xml version="1.0" encoding="utf-8"?>
+<p:sld xmlns:a="http://schemas.openxmlformats.org/drawingml/2006/main" xmlns:r="http://schemas.openxmlformats.org/officeDocument/2006/relationships" xmlns:p="http://schemas.openxmlformats.org/presentationml/2006/main">
+  <p:cSld>
+    <p:spTree>
+      <p:nvGrpSpPr>
+        <p:cNvPr id="1" name="Shape 77"/>
+        <p:cNvGrpSpPr/>
+        <p:nvPr/>
+      </p:nvGrpSpPr>
+      <p:grpSpPr>
+        <a:xfrm>
+          <a:off x="0" y="0"/>
+          <a:ext cx="0" cy="0"/>
+          <a:chOff x="0" y="0"/>
+          <a:chExt cx="0" cy="0"/>
+        </a:xfrm>
+      </p:grpSpPr>
+      <p:sp>
+        <p:nvSpPr>
+          <p:cNvPr id="78" name="Shape 78"/>
+          <p:cNvSpPr txBox="1">
+            <a:spLocks noGrp="1"/>
+          </p:cNvSpPr>
+          <p:nvPr>
+            <p:ph type="title"/>
+          </p:nvPr>
+        </p:nvSpPr>
+        <p:spPr>
+          <a:xfrm>
+            <a:off x="794703" y="906639"/>
+            <a:ext cx="3553179" cy="1485600"/>
+          </a:xfrm>
+          <a:prstGeom prst="rect">
+            <a:avLst/>
+          </a:prstGeom>
+        </p:spPr>
+        <p:txBody>
+          <a:bodyPr spcFirstLastPara="1" wrap="square" lIns="91425" tIns="91425" rIns="91425" bIns="91425" anchor="t" anchorCtr="0">
+            <a:noAutofit/>
+          </a:bodyPr>
+          <a:lstStyle/>
+          <a:p>
+            <a:pPr marL="0" lvl="0" indent="0">
+              <a:spcBef>
+                <a:spcPts val="0"/>
+              </a:spcBef>
+              <a:spcAft>
+                <a:spcPts val="0"/>
+              </a:spcAft>
+              <a:buNone/>
+            </a:pPr>
+            <a:r>
+              <a:rPr lang="fr-FR" dirty="0"/>
+              <a:t>Et après ?</a:t>
+            </a:r>
+            <a:endParaRPr dirty="0"/>
+          </a:p>
+        </p:txBody>
+      </p:sp>
+      <p:sp>
+        <p:nvSpPr>
+          <p:cNvPr id="80" name="Shape 80"/>
+          <p:cNvSpPr txBox="1">
+            <a:spLocks noGrp="1"/>
+          </p:cNvSpPr>
+          <p:nvPr>
+            <p:ph type="body" idx="2"/>
+          </p:nvPr>
+        </p:nvSpPr>
+        <p:spPr>
+          <a:xfrm>
+            <a:off x="334962" y="2392363"/>
+            <a:ext cx="4012919" cy="1803300"/>
+          </a:xfrm>
+          <a:prstGeom prst="rect">
+            <a:avLst/>
+          </a:prstGeom>
+        </p:spPr>
+        <p:txBody>
+          <a:bodyPr spcFirstLastPara="1" wrap="square" lIns="91425" tIns="91425" rIns="91425" bIns="91425" anchor="t" anchorCtr="0">
+            <a:noAutofit/>
+          </a:bodyPr>
+          <a:lstStyle/>
+          <a:p>
+            <a:pPr marL="0" lvl="0" indent="0">
+              <a:spcBef>
+                <a:spcPts val="1000"/>
+              </a:spcBef>
+              <a:spcAft>
+                <a:spcPts val="0"/>
+              </a:spcAft>
+              <a:buNone/>
+            </a:pPr>
+            <a:endParaRPr dirty="0"/>
+          </a:p>
+        </p:txBody>
+      </p:sp>
+      <p:sp>
+        <p:nvSpPr>
+          <p:cNvPr id="81" name="Shape 81"/>
+          <p:cNvSpPr txBox="1">
+            <a:spLocks noGrp="1"/>
+          </p:cNvSpPr>
+          <p:nvPr>
+            <p:ph type="subTitle" idx="3"/>
+          </p:nvPr>
+        </p:nvSpPr>
+        <p:spPr>
+          <a:xfrm>
+            <a:off x="334975" y="648400"/>
+            <a:ext cx="1516200" cy="345300"/>
+          </a:xfrm>
+          <a:prstGeom prst="rect">
+            <a:avLst/>
+          </a:prstGeom>
+        </p:spPr>
+        <p:txBody>
+          <a:bodyPr spcFirstLastPara="1" wrap="square" lIns="91425" tIns="91425" rIns="91425" bIns="91425" anchor="b" anchorCtr="0">
+            <a:noAutofit/>
+          </a:bodyPr>
+          <a:lstStyle/>
+          <a:p>
+            <a:pPr marL="0" lvl="0" indent="0">
+              <a:spcBef>
+                <a:spcPts val="1000"/>
+              </a:spcBef>
+              <a:spcAft>
+                <a:spcPts val="0"/>
+              </a:spcAft>
+              <a:buNone/>
+            </a:pPr>
+            <a:r>
+              <a:rPr lang="en-US" dirty="0"/>
+              <a:t>ULTIME PARTIE</a:t>
+            </a:r>
+            <a:endParaRPr dirty="0"/>
+          </a:p>
+        </p:txBody>
+      </p:sp>
+    </p:spTree>
+    <p:extLst>
+      <p:ext uri="{BB962C8B-B14F-4D97-AF65-F5344CB8AC3E}">
+        <p14:creationId xmlns:p14="http://schemas.microsoft.com/office/powerpoint/2010/main" val="641614525"/>
+      </p:ext>
+    </p:extLst>
+  </p:cSld>
+  <p:clrMapOvr>
+    <a:masterClrMapping/>
+  </p:clrMapOvr>
+  <mc:AlternateContent xmlns:mc="http://schemas.openxmlformats.org/markup-compatibility/2006" xmlns:p14="http://schemas.microsoft.com/office/powerpoint/2010/main">
+    <mc:Choice Requires="p14">
+      <p:transition spd="med" p14:dur="700">
+        <p:fade/>
+      </p:transition>
+    </mc:Choice>
+    <mc:Fallback xmlns="">
+      <p:transition spd="med">
+        <p:fade/>
+      </p:transition>
+    </mc:Fallback>
+  </mc:AlternateContent>
+</p:sld>
+</file>
+
+<file path=ppt/slides/slide25.xml><?xml version="1.0" encoding="utf-8"?>
+<p:sld xmlns:a="http://schemas.openxmlformats.org/drawingml/2006/main" xmlns:r="http://schemas.openxmlformats.org/officeDocument/2006/relationships" xmlns:p="http://schemas.openxmlformats.org/presentationml/2006/main">
+  <p:cSld>
+    <p:spTree>
+      <p:nvGrpSpPr>
+        <p:cNvPr id="1" name="Shape 85"/>
+        <p:cNvGrpSpPr/>
+        <p:nvPr/>
+      </p:nvGrpSpPr>
+      <p:grpSpPr>
+        <a:xfrm>
+          <a:off x="0" y="0"/>
+          <a:ext cx="0" cy="0"/>
+          <a:chOff x="0" y="0"/>
+          <a:chExt cx="0" cy="0"/>
+        </a:xfrm>
+      </p:grpSpPr>
+      <p:sp>
+        <p:nvSpPr>
           <p:cNvPr id="3" name="Titre 2">
             <a:extLst>
               <a:ext uri="{FF2B5EF4-FFF2-40B4-BE49-F238E27FC236}">
@@ -14228,7 +17516,7 @@
           </a:prstGeom>
           <a:solidFill>
             <a:srgbClr val="000000">
-              <a:alpha val="74902"/>
+              <a:alpha val="54902"/>
             </a:srgbClr>
           </a:solidFill>
           <a:ln>
@@ -20066,28 +23354,20 @@
           <a:prstGeom prst="line">
             <a:avLst/>
           </a:prstGeom>
-          <a:ln>
-            <a:solidFill>
-              <a:schemeClr val="bg1">
-                <a:lumMod val="65000"/>
-              </a:schemeClr>
-            </a:solidFill>
-          </a:ln>
+          <a:ln/>
         </p:spPr>
         <p:style>
-          <a:lnRef idx="2">
-            <a:schemeClr val="accent2">
-              <a:shade val="50000"/>
-            </a:schemeClr>
+          <a:lnRef idx="1">
+            <a:schemeClr val="accent6"/>
           </a:lnRef>
-          <a:fillRef idx="1">
-            <a:schemeClr val="accent2"/>
+          <a:fillRef idx="0">
+            <a:schemeClr val="accent6"/>
           </a:fillRef>
           <a:effectRef idx="0">
-            <a:schemeClr val="accent2"/>
+            <a:schemeClr val="accent6"/>
           </a:effectRef>
           <a:fontRef idx="minor">
-            <a:schemeClr val="lt1"/>
+            <a:schemeClr val="tx1"/>
           </a:fontRef>
         </p:style>
       </p:cxnSp>
@@ -20196,19 +23476,17 @@
           <a:prstGeom prst="line">
             <a:avLst/>
           </a:prstGeom>
-          <a:ln>
-            <a:prstDash val="sysDash"/>
-          </a:ln>
+          <a:ln/>
         </p:spPr>
         <p:style>
           <a:lnRef idx="1">
-            <a:schemeClr val="accent1"/>
+            <a:schemeClr val="accent6"/>
           </a:lnRef>
           <a:fillRef idx="0">
-            <a:schemeClr val="accent1"/>
+            <a:schemeClr val="accent6"/>
           </a:fillRef>
           <a:effectRef idx="0">
-            <a:schemeClr val="accent1"/>
+            <a:schemeClr val="accent6"/>
           </a:effectRef>
           <a:fontRef idx="minor">
             <a:schemeClr val="tx1"/>
@@ -20824,15 +24102,15 @@
         </p:spPr>
         <p:style>
           <a:lnRef idx="2">
-            <a:schemeClr val="accent1">
+            <a:schemeClr val="dk1">
               <a:shade val="50000"/>
             </a:schemeClr>
           </a:lnRef>
           <a:fillRef idx="1">
-            <a:schemeClr val="accent1"/>
+            <a:schemeClr val="dk1"/>
           </a:fillRef>
           <a:effectRef idx="0">
-            <a:schemeClr val="accent1"/>
+            <a:schemeClr val="dk1"/>
           </a:effectRef>
           <a:fontRef idx="minor">
             <a:schemeClr val="lt1"/>
@@ -20865,15 +24143,15 @@
         </p:spPr>
         <p:style>
           <a:lnRef idx="2">
-            <a:schemeClr val="accent1">
+            <a:schemeClr val="dk1">
               <a:shade val="50000"/>
             </a:schemeClr>
           </a:lnRef>
           <a:fillRef idx="1">
-            <a:schemeClr val="accent1"/>
+            <a:schemeClr val="dk1"/>
           </a:fillRef>
           <a:effectRef idx="0">
-            <a:schemeClr val="accent1"/>
+            <a:schemeClr val="dk1"/>
           </a:effectRef>
           <a:fontRef idx="minor">
             <a:schemeClr val="lt1"/>
@@ -20914,28 +24192,20 @@
           <a:prstGeom prst="line">
             <a:avLst/>
           </a:prstGeom>
-          <a:ln>
-            <a:solidFill>
-              <a:schemeClr val="bg1">
-                <a:lumMod val="65000"/>
-              </a:schemeClr>
-            </a:solidFill>
-          </a:ln>
+          <a:ln/>
         </p:spPr>
         <p:style>
-          <a:lnRef idx="2">
-            <a:schemeClr val="accent2">
-              <a:shade val="50000"/>
-            </a:schemeClr>
+          <a:lnRef idx="1">
+            <a:schemeClr val="accent6"/>
           </a:lnRef>
-          <a:fillRef idx="1">
-            <a:schemeClr val="accent2"/>
+          <a:fillRef idx="0">
+            <a:schemeClr val="accent6"/>
           </a:fillRef>
           <a:effectRef idx="0">
-            <a:schemeClr val="accent2"/>
+            <a:schemeClr val="accent6"/>
           </a:effectRef>
           <a:fontRef idx="minor">
-            <a:schemeClr val="lt1"/>
+            <a:schemeClr val="tx1"/>
           </a:fontRef>
         </p:style>
       </p:cxnSp>
@@ -20964,17 +24234,17 @@
           <a:ln/>
         </p:spPr>
         <p:style>
-          <a:lnRef idx="2">
-            <a:schemeClr val="accent2"/>
+          <a:lnRef idx="1">
+            <a:schemeClr val="accent6"/>
           </a:lnRef>
-          <a:fillRef idx="1">
-            <a:schemeClr val="lt1"/>
+          <a:fillRef idx="0">
+            <a:schemeClr val="accent6"/>
           </a:fillRef>
           <a:effectRef idx="0">
-            <a:schemeClr val="accent2"/>
+            <a:schemeClr val="accent6"/>
           </a:effectRef>
           <a:fontRef idx="minor">
-            <a:schemeClr val="dk1"/>
+            <a:schemeClr val="tx1"/>
           </a:fontRef>
         </p:style>
       </p:cxnSp>
@@ -21003,17 +24273,17 @@
           <a:ln/>
         </p:spPr>
         <p:style>
-          <a:lnRef idx="2">
-            <a:schemeClr val="accent2"/>
+          <a:lnRef idx="1">
+            <a:schemeClr val="accent6"/>
           </a:lnRef>
-          <a:fillRef idx="1">
-            <a:schemeClr val="lt1"/>
+          <a:fillRef idx="0">
+            <a:schemeClr val="accent6"/>
           </a:fillRef>
           <a:effectRef idx="0">
-            <a:schemeClr val="accent2"/>
+            <a:schemeClr val="accent6"/>
           </a:effectRef>
           <a:fontRef idx="minor">
-            <a:schemeClr val="dk1"/>
+            <a:schemeClr val="tx1"/>
           </a:fontRef>
         </p:style>
       </p:cxnSp>
@@ -21042,17 +24312,17 @@
           <a:ln/>
         </p:spPr>
         <p:style>
-          <a:lnRef idx="2">
-            <a:schemeClr val="accent2"/>
+          <a:lnRef idx="1">
+            <a:schemeClr val="accent6"/>
           </a:lnRef>
-          <a:fillRef idx="1">
-            <a:schemeClr val="lt1"/>
+          <a:fillRef idx="0">
+            <a:schemeClr val="accent6"/>
           </a:fillRef>
           <a:effectRef idx="0">
-            <a:schemeClr val="accent2"/>
+            <a:schemeClr val="accent6"/>
           </a:effectRef>
           <a:fontRef idx="minor">
-            <a:schemeClr val="dk1"/>
+            <a:schemeClr val="tx1"/>
           </a:fontRef>
         </p:style>
       </p:cxnSp>
@@ -21073,15 +24343,15 @@
         </p:spPr>
         <p:style>
           <a:lnRef idx="2">
-            <a:schemeClr val="accent1">
+            <a:schemeClr val="dk1">
               <a:shade val="50000"/>
             </a:schemeClr>
           </a:lnRef>
           <a:fillRef idx="1">
-            <a:schemeClr val="accent1"/>
+            <a:schemeClr val="dk1"/>
           </a:fillRef>
           <a:effectRef idx="0">
-            <a:schemeClr val="accent1"/>
+            <a:schemeClr val="dk1"/>
           </a:effectRef>
           <a:fontRef idx="minor">
             <a:schemeClr val="lt1"/>
@@ -21704,57 +24974,229 @@
           <a:chExt cx="0" cy="0"/>
         </a:xfrm>
       </p:grpSpPr>
-      <p:pic>
-        <p:nvPicPr>
-          <p:cNvPr id="1026" name="Picture 2" descr="https://cdn-images-1.medium.com/max/1800/1*VVCasQUJ-YFSIpUOwROx-g.png">
+      <p:sp>
+        <p:nvSpPr>
+          <p:cNvPr id="88" name="Shape 88"/>
+          <p:cNvSpPr txBox="1">
+            <a:spLocks noGrp="1"/>
+          </p:cNvSpPr>
+          <p:nvPr>
+            <p:ph type="title"/>
+          </p:nvPr>
+        </p:nvSpPr>
+        <p:spPr>
+          <a:xfrm>
+            <a:off x="449000" y="301500"/>
+            <a:ext cx="8185500" cy="501900"/>
+          </a:xfrm>
+          <a:prstGeom prst="rect">
+            <a:avLst/>
+          </a:prstGeom>
+        </p:spPr>
+        <p:txBody>
+          <a:bodyPr spcFirstLastPara="1" wrap="square" lIns="91425" tIns="91425" rIns="91425" bIns="91425" anchor="t" anchorCtr="0">
+            <a:noAutofit/>
+          </a:bodyPr>
+          <a:lstStyle/>
+          <a:p>
+            <a:r>
+              <a:rPr lang="fr-FR" dirty="0"/>
+              <a:t>-</a:t>
+            </a:r>
+          </a:p>
+        </p:txBody>
+      </p:sp>
+      <p:sp>
+        <p:nvSpPr>
+          <p:cNvPr id="2" name="Rectangle 1">
             <a:extLst>
               <a:ext uri="{FF2B5EF4-FFF2-40B4-BE49-F238E27FC236}">
-                <a16:creationId xmlns:a16="http://schemas.microsoft.com/office/drawing/2014/main" id="{A8A9E30D-7DE7-416A-9497-72771051C35B}"/>
+                <a16:creationId xmlns:a16="http://schemas.microsoft.com/office/drawing/2014/main" id="{82775CCF-55DB-46A5-8939-D9DDE3474B5D}"/>
               </a:ext>
             </a:extLst>
           </p:cNvPr>
-          <p:cNvPicPr>
-            <a:picLocks noChangeAspect="1" noChangeArrowheads="1"/>
-          </p:cNvPicPr>
+          <p:cNvSpPr/>
           <p:nvPr/>
-        </p:nvPicPr>
-        <p:blipFill>
-          <a:blip r:embed="rId3">
+        </p:nvSpPr>
+        <p:spPr>
+          <a:xfrm>
+            <a:off x="411480" y="2327910"/>
+            <a:ext cx="411480" cy="403860"/>
+          </a:xfrm>
+          <a:prstGeom prst="rect">
+            <a:avLst/>
+          </a:prstGeom>
+          <a:solidFill>
+            <a:schemeClr val="bg1">
+              <a:lumMod val="75000"/>
+            </a:schemeClr>
+          </a:solidFill>
+          <a:ln>
+            <a:noFill/>
+          </a:ln>
+        </p:spPr>
+        <p:style>
+          <a:lnRef idx="2">
+            <a:schemeClr val="dk1">
+              <a:shade val="50000"/>
+            </a:schemeClr>
+          </a:lnRef>
+          <a:fillRef idx="1">
+            <a:schemeClr val="dk1"/>
+          </a:fillRef>
+          <a:effectRef idx="0">
+            <a:schemeClr val="dk1"/>
+          </a:effectRef>
+          <a:fontRef idx="minor">
+            <a:schemeClr val="lt1"/>
+          </a:fontRef>
+        </p:style>
+        <p:txBody>
+          <a:bodyPr rtlCol="0" anchor="ctr"/>
+          <a:lstStyle/>
+          <a:p>
+            <a:pPr algn="ctr"/>
+            <a:endParaRPr lang="fr-FR"/>
+          </a:p>
+        </p:txBody>
+      </p:sp>
+      <p:sp>
+        <p:nvSpPr>
+          <p:cNvPr id="29" name="Rectangle 28">
             <a:extLst>
-              <a:ext uri="{28A0092B-C50C-407E-A947-70E740481C1C}">
-                <a14:useLocalDpi xmlns:a14="http://schemas.microsoft.com/office/drawing/2010/main" val="0"/>
+              <a:ext uri="{FF2B5EF4-FFF2-40B4-BE49-F238E27FC236}">
+                <a16:creationId xmlns:a16="http://schemas.microsoft.com/office/drawing/2014/main" id="{F86A5AAC-FAC7-450E-ACD1-46351D548D54}"/>
               </a:ext>
             </a:extLst>
-          </a:blip>
-          <a:srcRect/>
-          <a:stretch>
-            <a:fillRect/>
-          </a:stretch>
-        </p:blipFill>
-        <p:spPr bwMode="auto">
-          <a:xfrm>
-            <a:off x="-7816" y="0"/>
-            <a:ext cx="9188887" cy="5149605"/>
+          </p:cNvPr>
+          <p:cNvSpPr/>
+          <p:nvPr/>
+        </p:nvSpPr>
+        <p:spPr>
+          <a:xfrm>
+            <a:off x="1508760" y="2350770"/>
+            <a:ext cx="411480" cy="403860"/>
+          </a:xfrm>
+          <a:prstGeom prst="rect">
+            <a:avLst/>
+          </a:prstGeom>
+          <a:ln>
+            <a:noFill/>
+          </a:ln>
+        </p:spPr>
+        <p:style>
+          <a:lnRef idx="2">
+            <a:schemeClr val="dk1">
+              <a:shade val="50000"/>
+            </a:schemeClr>
+          </a:lnRef>
+          <a:fillRef idx="1">
+            <a:schemeClr val="dk1"/>
+          </a:fillRef>
+          <a:effectRef idx="0">
+            <a:schemeClr val="dk1"/>
+          </a:effectRef>
+          <a:fontRef idx="minor">
+            <a:schemeClr val="lt1"/>
+          </a:fontRef>
+        </p:style>
+        <p:txBody>
+          <a:bodyPr rtlCol="0" anchor="ctr"/>
+          <a:lstStyle/>
+          <a:p>
+            <a:pPr algn="ctr"/>
+            <a:endParaRPr lang="fr-FR"/>
+          </a:p>
+        </p:txBody>
+      </p:sp>
+      <p:sp>
+        <p:nvSpPr>
+          <p:cNvPr id="30" name="Rectangle 29">
+            <a:extLst>
+              <a:ext uri="{FF2B5EF4-FFF2-40B4-BE49-F238E27FC236}">
+                <a16:creationId xmlns:a16="http://schemas.microsoft.com/office/drawing/2014/main" id="{60F38730-914E-4F5F-8FCD-924AB2979772}"/>
+              </a:ext>
+            </a:extLst>
+          </p:cNvPr>
+          <p:cNvSpPr/>
+          <p:nvPr/>
+        </p:nvSpPr>
+        <p:spPr>
+          <a:xfrm rot="5400000">
+            <a:off x="1143000" y="2209800"/>
+            <a:ext cx="45720" cy="685800"/>
+          </a:xfrm>
+          <a:prstGeom prst="rect">
+            <a:avLst/>
+          </a:prstGeom>
+          <a:ln>
+            <a:noFill/>
+          </a:ln>
+        </p:spPr>
+        <p:style>
+          <a:lnRef idx="2">
+            <a:schemeClr val="accent3">
+              <a:shade val="50000"/>
+            </a:schemeClr>
+          </a:lnRef>
+          <a:fillRef idx="1">
+            <a:schemeClr val="accent3"/>
+          </a:fillRef>
+          <a:effectRef idx="0">
+            <a:schemeClr val="accent3"/>
+          </a:effectRef>
+          <a:fontRef idx="minor">
+            <a:schemeClr val="lt1"/>
+          </a:fontRef>
+        </p:style>
+        <p:txBody>
+          <a:bodyPr rtlCol="0" anchor="ctr"/>
+          <a:lstStyle/>
+          <a:p>
+            <a:pPr algn="ctr"/>
+            <a:endParaRPr lang="fr-FR"/>
+          </a:p>
+        </p:txBody>
+      </p:sp>
+      <p:sp>
+        <p:nvSpPr>
+          <p:cNvPr id="8" name="ZoneTexte 7">
+            <a:extLst>
+              <a:ext uri="{FF2B5EF4-FFF2-40B4-BE49-F238E27FC236}">
+                <a16:creationId xmlns:a16="http://schemas.microsoft.com/office/drawing/2014/main" id="{430864B4-7F93-4AB4-8C93-5D03EE09CC8B}"/>
+              </a:ext>
+            </a:extLst>
+          </p:cNvPr>
+          <p:cNvSpPr txBox="1"/>
+          <p:nvPr/>
+        </p:nvSpPr>
+        <p:spPr>
+          <a:xfrm>
+            <a:off x="59214" y="2806742"/>
+            <a:ext cx="1116011" cy="253916"/>
           </a:xfrm>
           <a:prstGeom prst="rect">
             <a:avLst/>
           </a:prstGeom>
           <a:noFill/>
-          <a:extLst>
-            <a:ext uri="{909E8E84-426E-40DD-AFC4-6F175D3DCCD1}">
-              <a14:hiddenFill xmlns:a14="http://schemas.microsoft.com/office/drawing/2010/main">
-                <a:solidFill>
-                  <a:srgbClr val="FFFFFF"/>
-                </a:solidFill>
-              </a14:hiddenFill>
-            </a:ext>
-          </a:extLst>
-        </p:spPr>
-      </p:pic>
+        </p:spPr>
+        <p:txBody>
+          <a:bodyPr wrap="none" rtlCol="0">
+            <a:spAutoFit/>
+          </a:bodyPr>
+          <a:lstStyle/>
+          <a:p>
+            <a:r>
+              <a:rPr lang="fr-FR" sz="1050" i="1" dirty="0"/>
+              <a:t>Bloc de genèse</a:t>
+            </a:r>
+          </a:p>
+        </p:txBody>
+      </p:sp>
     </p:spTree>
     <p:extLst>
       <p:ext uri="{BB962C8B-B14F-4D97-AF65-F5344CB8AC3E}">
-        <p14:creationId xmlns:p14="http://schemas.microsoft.com/office/powerpoint/2010/main" val="784526705"/>
+        <p14:creationId xmlns:p14="http://schemas.microsoft.com/office/powerpoint/2010/main" val="4053982698"/>
       </p:ext>
     </p:extLst>
   </p:cSld>
@@ -21793,55 +25235,54 @@
           <a:chExt cx="0" cy="0"/>
         </a:xfrm>
       </p:grpSpPr>
-      <p:pic>
-        <p:nvPicPr>
-          <p:cNvPr id="1026" name="Picture 2" descr="https://images.radio-canada.ca/q_auto,w_1250/v1/ici-info/16x9/bitcoin-bitmain-antminer-quebec.JPG"/>
-          <p:cNvPicPr>
-            <a:picLocks noChangeAspect="1" noChangeArrowheads="1"/>
-          </p:cNvPicPr>
-          <p:nvPr/>
-        </p:nvPicPr>
-        <p:blipFill rotWithShape="1">
-          <a:blip r:embed="rId3">
+      <p:sp>
+        <p:nvSpPr>
+          <p:cNvPr id="88" name="Shape 88"/>
+          <p:cNvSpPr txBox="1">
+            <a:spLocks noGrp="1"/>
+          </p:cNvSpPr>
+          <p:nvPr>
+            <p:ph type="title"/>
+          </p:nvPr>
+        </p:nvSpPr>
+        <p:spPr>
+          <a:xfrm>
+            <a:off x="449000" y="301500"/>
+            <a:ext cx="8185500" cy="501900"/>
+          </a:xfrm>
+          <a:prstGeom prst="rect">
+            <a:avLst/>
+          </a:prstGeom>
+        </p:spPr>
+        <p:txBody>
+          <a:bodyPr spcFirstLastPara="1" wrap="square" lIns="91425" tIns="91425" rIns="91425" bIns="91425" anchor="t" anchorCtr="0">
+            <a:noAutofit/>
+          </a:bodyPr>
+          <a:lstStyle/>
+          <a:p>
+            <a:r>
+              <a:rPr lang="fr-FR" dirty="0"/>
+              <a:t>Conception d’un bloc</a:t>
+            </a:r>
+          </a:p>
+        </p:txBody>
+      </p:sp>
+      <p:sp>
+        <p:nvSpPr>
+          <p:cNvPr id="5" name="ZoneTexte 4">
             <a:extLst>
-              <a:ext uri="{28A0092B-C50C-407E-A947-70E740481C1C}">
-                <a14:useLocalDpi xmlns:a14="http://schemas.microsoft.com/office/drawing/2010/main" val="0"/>
+              <a:ext uri="{FF2B5EF4-FFF2-40B4-BE49-F238E27FC236}">
+                <a16:creationId xmlns:a16="http://schemas.microsoft.com/office/drawing/2014/main" id="{47E516F1-6E00-4B52-9D08-7FD429818989}"/>
               </a:ext>
             </a:extLst>
-          </a:blip>
-          <a:srcRect b="11261"/>
-          <a:stretch/>
-        </p:blipFill>
-        <p:spPr bwMode="auto">
-          <a:xfrm>
-            <a:off x="0" y="914"/>
-            <a:ext cx="9144000" cy="4563466"/>
-          </a:xfrm>
-          <a:prstGeom prst="rect">
-            <a:avLst/>
-          </a:prstGeom>
-          <a:noFill/>
-          <a:extLst>
-            <a:ext uri="{909E8E84-426E-40DD-AFC4-6F175D3DCCD1}">
-              <a14:hiddenFill xmlns:a14="http://schemas.microsoft.com/office/drawing/2010/main">
-                <a:solidFill>
-                  <a:srgbClr val="FFFFFF"/>
-                </a:solidFill>
-              </a14:hiddenFill>
-            </a:ext>
-          </a:extLst>
-        </p:spPr>
-      </p:pic>
-      <p:sp>
-        <p:nvSpPr>
-          <p:cNvPr id="2" name="ZoneTexte 1"/>
+          </p:cNvPr>
           <p:cNvSpPr txBox="1"/>
           <p:nvPr/>
         </p:nvSpPr>
         <p:spPr>
           <a:xfrm>
-            <a:off x="5142566" y="6791979"/>
-            <a:ext cx="2294650" cy="1323439"/>
+            <a:off x="838281" y="151626"/>
+            <a:ext cx="7164141" cy="4401205"/>
           </a:xfrm>
           <a:prstGeom prst="rect">
             <a:avLst/>
@@ -21849,135 +25290,22 @@
           <a:noFill/>
         </p:spPr>
         <p:txBody>
-          <a:bodyPr wrap="square" rtlCol="0">
+          <a:bodyPr wrap="none" rtlCol="0">
             <a:spAutoFit/>
           </a:bodyPr>
           <a:lstStyle/>
           <a:p>
             <a:r>
-              <a:rPr lang="fr-FR" sz="4000" dirty="0">
-                <a:latin typeface="Raleway" panose="020B0503030101060003" pitchFamily="34" charset="0"/>
-              </a:rPr>
-              <a:t>Proof of </a:t>
+              <a:rPr lang="fr-FR" sz="28000" dirty="0"/>
+              <a:t>[     ]</a:t>
             </a:r>
-            <a:r>
-              <a:rPr lang="fr-FR" sz="4000" dirty="0" err="1">
-                <a:latin typeface="Raleway" panose="020B0503030101060003" pitchFamily="34" charset="0"/>
-              </a:rPr>
-              <a:t>Work</a:t>
-            </a:r>
-            <a:endParaRPr lang="fr-FR" sz="4000" dirty="0">
-              <a:latin typeface="Raleway" panose="020B0503030101060003" pitchFamily="34" charset="0"/>
-            </a:endParaRPr>
-          </a:p>
-        </p:txBody>
-      </p:sp>
-      <p:sp>
-        <p:nvSpPr>
-          <p:cNvPr id="3" name="Rectangle 2"/>
-          <p:cNvSpPr/>
-          <p:nvPr/>
-        </p:nvSpPr>
-        <p:spPr>
-          <a:xfrm>
-            <a:off x="0" y="914"/>
-            <a:ext cx="9144000" cy="4555846"/>
-          </a:xfrm>
-          <a:prstGeom prst="rect">
-            <a:avLst/>
-          </a:prstGeom>
-          <a:solidFill>
-            <a:srgbClr val="000000">
-              <a:alpha val="60000"/>
-            </a:srgbClr>
-          </a:solidFill>
-        </p:spPr>
-        <p:style>
-          <a:lnRef idx="2">
-            <a:schemeClr val="dk1">
-              <a:shade val="50000"/>
-            </a:schemeClr>
-          </a:lnRef>
-          <a:fillRef idx="1">
-            <a:schemeClr val="dk1"/>
-          </a:fillRef>
-          <a:effectRef idx="0">
-            <a:schemeClr val="dk1"/>
-          </a:effectRef>
-          <a:fontRef idx="minor">
-            <a:schemeClr val="lt1"/>
-          </a:fontRef>
-        </p:style>
-        <p:txBody>
-          <a:bodyPr rtlCol="0" anchor="ctr"/>
-          <a:lstStyle/>
-          <a:p>
-            <a:pPr algn="ctr"/>
-            <a:endParaRPr lang="fr-FR" sz="4800" dirty="0"/>
-          </a:p>
-        </p:txBody>
-      </p:sp>
-      <p:sp>
-        <p:nvSpPr>
-          <p:cNvPr id="5" name="ZoneTexte 4"/>
-          <p:cNvSpPr txBox="1"/>
-          <p:nvPr/>
-        </p:nvSpPr>
-        <p:spPr>
-          <a:xfrm>
-            <a:off x="4373881" y="3634740"/>
-            <a:ext cx="4678680" cy="1754326"/>
-          </a:xfrm>
-          <a:prstGeom prst="rect">
-            <a:avLst/>
-          </a:prstGeom>
-          <a:noFill/>
-        </p:spPr>
-        <p:txBody>
-          <a:bodyPr wrap="square" rtlCol="0">
-            <a:spAutoFit/>
-          </a:bodyPr>
-          <a:lstStyle/>
-          <a:p>
-            <a:r>
-              <a:rPr lang="fr-FR" sz="5400" dirty="0">
-                <a:solidFill>
-                  <a:schemeClr val="bg1"/>
-                </a:solidFill>
-                <a:latin typeface="Raleway" panose="020B0503030101060003" pitchFamily="34" charset="0"/>
-              </a:rPr>
-              <a:t>Proof of </a:t>
-            </a:r>
-            <a:r>
-              <a:rPr lang="fr-FR" sz="5400" b="1" dirty="0" err="1">
-                <a:solidFill>
-                  <a:schemeClr val="bg1"/>
-                </a:solidFill>
-                <a:latin typeface="Raleway" panose="020B0503030101060003" pitchFamily="34" charset="0"/>
-              </a:rPr>
-              <a:t>Work</a:t>
-            </a:r>
-            <a:endParaRPr lang="fr-FR" sz="5400" b="1" dirty="0">
-              <a:solidFill>
-                <a:schemeClr val="bg1"/>
-              </a:solidFill>
-              <a:latin typeface="Raleway" panose="020B0503030101060003" pitchFamily="34" charset="0"/>
-            </a:endParaRPr>
-          </a:p>
-          <a:p>
-            <a:endParaRPr lang="fr-FR" sz="5400" dirty="0">
-              <a:solidFill>
-                <a:schemeClr val="bg1"/>
-              </a:solidFill>
-              <a:latin typeface="Raleway" panose="020B0503030101060003" pitchFamily="34" charset="0"/>
-            </a:endParaRPr>
           </a:p>
         </p:txBody>
       </p:sp>
     </p:spTree>
     <p:extLst>
       <p:ext uri="{BB962C8B-B14F-4D97-AF65-F5344CB8AC3E}">
-        <p14:creationId xmlns:p14="http://schemas.microsoft.com/office/powerpoint/2010/main" val="1535217118"/>
+        <p14:creationId xmlns:p14="http://schemas.microsoft.com/office/powerpoint/2010/main" val="1650392970"/>
       </p:ext>
     </p:extLst>
   </p:cSld>
